--- a/Diploma/presentation/Presentation.pptx
+++ b/Diploma/presentation/Presentation.pptx
@@ -7367,6 +7367,46 @@
           </a:p>
         </p:txBody>
       </p:sp>
+      <p:sp>
+        <p:nvSpPr>
+          <p:cNvPr id="2" name="TextBox 1">
+            <a:extLst>
+              <a:ext uri="{FF2B5EF4-FFF2-40B4-BE49-F238E27FC236}">
+                <a16:creationId xmlns:a16="http://schemas.microsoft.com/office/drawing/2014/main" id="{1DF53A17-C4B1-DE26-F970-E657DE4BDC47}"/>
+              </a:ext>
+            </a:extLst>
+          </p:cNvPr>
+          <p:cNvSpPr txBox="1"/>
+          <p:nvPr/>
+        </p:nvSpPr>
+        <p:spPr>
+          <a:xfrm>
+            <a:off x="11773296" y="6488668"/>
+            <a:ext cx="418704" cy="369332"/>
+          </a:xfrm>
+          <a:prstGeom prst="rect">
+            <a:avLst/>
+          </a:prstGeom>
+          <a:noFill/>
+        </p:spPr>
+        <p:txBody>
+          <a:bodyPr wrap="none" rtlCol="0">
+            <a:spAutoFit/>
+          </a:bodyPr>
+          <a:lstStyle/>
+          <a:p>
+            <a:r>
+              <a:rPr lang="ru-RU" dirty="0"/>
+              <a:t>1</a:t>
+            </a:r>
+            <a:r>
+              <a:rPr lang="en-US" dirty="0"/>
+              <a:t>2</a:t>
+            </a:r>
+            <a:endParaRPr lang="ru-RU" dirty="0"/>
+          </a:p>
+        </p:txBody>
+      </p:sp>
     </p:spTree>
     <p:extLst>
       <p:ext uri="{BB962C8B-B14F-4D97-AF65-F5344CB8AC3E}">
@@ -8095,24 +8135,18 @@
                 <a:latin typeface="ALS Sector Regular" pitchFamily="2" charset="0"/>
                 <a:cs typeface="ALS Sector Regular" pitchFamily="2" charset="0"/>
               </a:rPr>
-              <a:t>1.	Решение задачи технического анализа на архитектуре MLP.</a:t>
-            </a:r>
-          </a:p>
-          <a:p>
-            <a:pPr algn="l"/>
-            <a:r>
-              <a:rPr lang="ru-RU" sz="1800" dirty="0">
+              <a:t>1.</a:t>
+            </a:r>
+            <a:r>
+              <a:rPr lang="en-US" sz="1800" dirty="0">
                 <a:solidFill>
                   <a:schemeClr val="bg1"/>
                 </a:solidFill>
                 <a:latin typeface="ALS Sector Regular" pitchFamily="2" charset="0"/>
                 <a:cs typeface="ALS Sector Regular" pitchFamily="2" charset="0"/>
               </a:rPr>
-              <a:t>2.	Решение задачи технического анализа на архитектуре CNN.</a:t>
-            </a:r>
-          </a:p>
-          <a:p>
-            <a:pPr algn="l"/>
+              <a:t>     </a:t>
+            </a:r>
             <a:r>
               <a:rPr lang="ru-RU" sz="1800" dirty="0">
                 <a:solidFill>
@@ -8121,7 +8155,7 @@
                 <a:latin typeface="ALS Sector Regular" pitchFamily="2" charset="0"/>
                 <a:cs typeface="ALS Sector Regular" pitchFamily="2" charset="0"/>
               </a:rPr>
-              <a:t>3.	Решение задачи технического анализа на архитектуре ViT</a:t>
+              <a:t>Решение задачи технического анализа на архитектуре MLP.</a:t>
             </a:r>
           </a:p>
           <a:p>
@@ -8134,7 +8168,93 @@
                 <a:latin typeface="ALS Sector Regular" pitchFamily="2" charset="0"/>
                 <a:cs typeface="ALS Sector Regular" pitchFamily="2" charset="0"/>
               </a:rPr>
-              <a:t>4.	Применение метода дообучения.</a:t>
+              <a:t>2.</a:t>
+            </a:r>
+            <a:r>
+              <a:rPr lang="en-US" sz="1800" dirty="0">
+                <a:solidFill>
+                  <a:schemeClr val="bg1"/>
+                </a:solidFill>
+                <a:latin typeface="ALS Sector Regular" pitchFamily="2" charset="0"/>
+                <a:cs typeface="ALS Sector Regular" pitchFamily="2" charset="0"/>
+              </a:rPr>
+              <a:t>     </a:t>
+            </a:r>
+            <a:r>
+              <a:rPr lang="ru-RU" sz="1800" dirty="0">
+                <a:solidFill>
+                  <a:schemeClr val="bg1"/>
+                </a:solidFill>
+                <a:latin typeface="ALS Sector Regular" pitchFamily="2" charset="0"/>
+                <a:cs typeface="ALS Sector Regular" pitchFamily="2" charset="0"/>
+              </a:rPr>
+              <a:t>Решение задачи технического анализа на архитектуре CNN.</a:t>
+            </a:r>
+          </a:p>
+          <a:p>
+            <a:pPr algn="l"/>
+            <a:r>
+              <a:rPr lang="ru-RU" sz="1800" dirty="0">
+                <a:solidFill>
+                  <a:schemeClr val="bg1"/>
+                </a:solidFill>
+                <a:latin typeface="ALS Sector Regular" pitchFamily="2" charset="0"/>
+                <a:cs typeface="ALS Sector Regular" pitchFamily="2" charset="0"/>
+              </a:rPr>
+              <a:t>3.</a:t>
+            </a:r>
+            <a:r>
+              <a:rPr lang="en-US" sz="1800" dirty="0">
+                <a:solidFill>
+                  <a:schemeClr val="bg1"/>
+                </a:solidFill>
+                <a:latin typeface="ALS Sector Regular" pitchFamily="2" charset="0"/>
+                <a:cs typeface="ALS Sector Regular" pitchFamily="2" charset="0"/>
+              </a:rPr>
+              <a:t>     </a:t>
+            </a:r>
+            <a:r>
+              <a:rPr lang="ru-RU" sz="1800" dirty="0">
+                <a:solidFill>
+                  <a:schemeClr val="bg1"/>
+                </a:solidFill>
+                <a:latin typeface="ALS Sector Regular" pitchFamily="2" charset="0"/>
+                <a:cs typeface="ALS Sector Regular" pitchFamily="2" charset="0"/>
+              </a:rPr>
+              <a:t>Решение задачи технического анализа на архитектуре ViT</a:t>
+            </a:r>
+          </a:p>
+          <a:p>
+            <a:pPr algn="l"/>
+            <a:r>
+              <a:rPr lang="ru-RU" sz="1800" dirty="0">
+                <a:solidFill>
+                  <a:schemeClr val="bg1"/>
+                </a:solidFill>
+                <a:latin typeface="ALS Sector Regular" pitchFamily="2" charset="0"/>
+                <a:cs typeface="ALS Sector Regular" pitchFamily="2" charset="0"/>
+              </a:rPr>
+              <a:t>4.</a:t>
+            </a:r>
+            <a:r>
+              <a:rPr lang="en-US" sz="1800" dirty="0">
+                <a:solidFill>
+                  <a:schemeClr val="bg1"/>
+                </a:solidFill>
+                <a:latin typeface="ALS Sector Regular" pitchFamily="2" charset="0"/>
+                <a:cs typeface="ALS Sector Regular" pitchFamily="2" charset="0"/>
+              </a:rPr>
+              <a:t>     </a:t>
+            </a:r>
+            <a:r>
+              <a:rPr lang="ru-RU" sz="1800" dirty="0">
+                <a:solidFill>
+                  <a:schemeClr val="bg1"/>
+                </a:solidFill>
+                <a:latin typeface="ALS Sector Regular" pitchFamily="2" charset="0"/>
+                <a:cs typeface="ALS Sector Regular" pitchFamily="2" charset="0"/>
+              </a:rPr>
+              <a:t>Применение метода дообучения.</a:t>
             </a:r>
           </a:p>
         </p:txBody>

--- a/Diploma/presentation/Presentation.pptx
+++ b/Diploma/presentation/Presentation.pptx
@@ -5,31 +5,32 @@
     <p:sldMasterId id="2147483648" r:id="rId1"/>
   </p:sldMasterIdLst>
   <p:notesMasterIdLst>
-    <p:notesMasterId r:id="rId17"/>
+    <p:notesMasterId r:id="rId18"/>
   </p:notesMasterIdLst>
   <p:sldIdLst>
     <p:sldId id="328" r:id="rId2"/>
     <p:sldId id="360" r:id="rId3"/>
     <p:sldId id="370" r:id="rId4"/>
     <p:sldId id="310" r:id="rId5"/>
-    <p:sldId id="350" r:id="rId6"/>
-    <p:sldId id="364" r:id="rId7"/>
-    <p:sldId id="362" r:id="rId8"/>
-    <p:sldId id="363" r:id="rId9"/>
-    <p:sldId id="365" r:id="rId10"/>
-    <p:sldId id="366" r:id="rId11"/>
-    <p:sldId id="367" r:id="rId12"/>
-    <p:sldId id="368" r:id="rId13"/>
-    <p:sldId id="371" r:id="rId14"/>
-    <p:sldId id="372" r:id="rId15"/>
-    <p:sldId id="369" r:id="rId16"/>
+    <p:sldId id="373" r:id="rId6"/>
+    <p:sldId id="350" r:id="rId7"/>
+    <p:sldId id="364" r:id="rId8"/>
+    <p:sldId id="362" r:id="rId9"/>
+    <p:sldId id="363" r:id="rId10"/>
+    <p:sldId id="365" r:id="rId11"/>
+    <p:sldId id="366" r:id="rId12"/>
+    <p:sldId id="374" r:id="rId13"/>
+    <p:sldId id="368" r:id="rId14"/>
+    <p:sldId id="371" r:id="rId15"/>
+    <p:sldId id="372" r:id="rId16"/>
+    <p:sldId id="369" r:id="rId17"/>
   </p:sldIdLst>
   <p:sldSz cx="12192000" cy="6858000"/>
   <p:notesSz cx="6858000" cy="9144000"/>
   <p:embeddedFontLst>
     <p:embeddedFont>
       <p:font typeface="Cambria Math" panose="02040503050406030204" pitchFamily="18" charset="0"/>
-      <p:regular r:id="rId18"/>
+      <p:regular r:id="rId19"/>
     </p:embeddedFont>
   </p:embeddedFontLst>
   <p:defaultTextStyle>
@@ -140,13 +141,14 @@
             <p14:sldId id="360"/>
             <p14:sldId id="370"/>
             <p14:sldId id="310"/>
+            <p14:sldId id="373"/>
             <p14:sldId id="350"/>
             <p14:sldId id="364"/>
             <p14:sldId id="362"/>
             <p14:sldId id="363"/>
             <p14:sldId id="365"/>
             <p14:sldId id="366"/>
-            <p14:sldId id="367"/>
+            <p14:sldId id="374"/>
             <p14:sldId id="368"/>
             <p14:sldId id="371"/>
             <p14:sldId id="372"/>
@@ -672,6 +674,10 @@
           <a:bodyPr/>
           <a:lstStyle/>
           <a:p>
+            <a:r>
+              <a:rPr lang="ru-RU" dirty="0"/>
+              <a:t>Работа трансформера определяется большим количеством настроечных параметров. После многочисленных экспериментов с данными настройками, я привожу лучшие результаты в данной таблице.</a:t>
+            </a:r>
             <a:endParaRPr lang="en-RU" dirty="0"/>
           </a:p>
         </p:txBody>
@@ -702,7 +708,7 @@
     </p:spTree>
     <p:extLst>
       <p:ext uri="{BB962C8B-B14F-4D97-AF65-F5344CB8AC3E}">
-        <p14:creationId xmlns:p14="http://schemas.microsoft.com/office/powerpoint/2010/main" val="2973597820"/>
+        <p14:creationId xmlns:p14="http://schemas.microsoft.com/office/powerpoint/2010/main" val="2364145800"/>
       </p:ext>
     </p:extLst>
   </p:cSld>
@@ -731,7 +737,7 @@
       </p:grpSpPr>
       <p:sp>
         <p:nvSpPr>
-          <p:cNvPr id="2" name="Slide Image Placeholder 1"/>
+          <p:cNvPr id="2" name="Образ слайда 1"/>
           <p:cNvSpPr>
             <a:spLocks noGrp="1" noRot="1" noChangeAspect="1"/>
           </p:cNvSpPr>
@@ -743,7 +749,7 @@
       </p:sp>
       <p:sp>
         <p:nvSpPr>
-          <p:cNvPr id="3" name="Notes Placeholder 2"/>
+          <p:cNvPr id="3" name="Заметки 2"/>
           <p:cNvSpPr>
             <a:spLocks noGrp="1"/>
           </p:cNvSpPr>
@@ -756,13 +762,21 @@
           <a:bodyPr/>
           <a:lstStyle/>
           <a:p>
-            <a:endParaRPr lang="en-RU" dirty="0"/>
-          </a:p>
-        </p:txBody>
-      </p:sp>
-      <p:sp>
-        <p:nvSpPr>
-          <p:cNvPr id="4" name="Slide Number Placeholder 3"/>
+            <a:r>
+              <a:rPr lang="ru-RU" dirty="0"/>
+              <a:t>Написать хорошую речь про </a:t>
+            </a:r>
+            <a:r>
+              <a:rPr lang="en-US" dirty="0"/>
+              <a:t>MSE, MAE.</a:t>
+            </a:r>
+            <a:endParaRPr lang="ru-RU" dirty="0"/>
+          </a:p>
+        </p:txBody>
+      </p:sp>
+      <p:sp>
+        <p:nvSpPr>
+          <p:cNvPr id="4" name="Номер слайда 3"/>
           <p:cNvSpPr>
             <a:spLocks noGrp="1"/>
           </p:cNvSpPr>
@@ -775,18 +789,78 @@
           <a:bodyPr/>
           <a:lstStyle/>
           <a:p>
+            <a:pPr marL="0" marR="0" lvl="0" indent="0" algn="r" defTabSz="914400" rtl="0" eaLnBrk="1" fontAlgn="auto" latinLnBrk="0" hangingPunct="1">
+              <a:lnSpc>
+                <a:spcPct val="100000"/>
+              </a:lnSpc>
+              <a:spcBef>
+                <a:spcPts val="0"/>
+              </a:spcBef>
+              <a:spcAft>
+                <a:spcPts val="0"/>
+              </a:spcAft>
+              <a:buClrTx/>
+              <a:buSzTx/>
+              <a:buFontTx/>
+              <a:buNone/>
+              <a:tabLst/>
+              <a:defRPr/>
+            </a:pPr>
             <a:fld id="{959E6FB5-F890-304F-A36B-54AA81FB8B09}" type="slidenum">
-              <a:rPr lang="ru-RU" smtClean="0"/>
+              <a:rPr kumimoji="0" lang="ru-RU" sz="1200" b="0" i="0" u="none" strike="noStrike" kern="1200" cap="none" spc="0" normalizeH="0" baseline="0" noProof="0" smtClean="0">
+                <a:ln>
+                  <a:noFill/>
+                </a:ln>
+                <a:solidFill>
+                  <a:prstClr val="black"/>
+                </a:solidFill>
+                <a:effectLst/>
+                <a:uLnTx/>
+                <a:uFillTx/>
+                <a:latin typeface="Calibri" panose="020F0502020204030204"/>
+                <a:ea typeface="+mn-ea"/>
+                <a:cs typeface="+mn-cs"/>
+              </a:rPr>
+              <a:pPr marL="0" marR="0" lvl="0" indent="0" algn="r" defTabSz="914400" rtl="0" eaLnBrk="1" fontAlgn="auto" latinLnBrk="0" hangingPunct="1">
+                <a:lnSpc>
+                  <a:spcPct val="100000"/>
+                </a:lnSpc>
+                <a:spcBef>
+                  <a:spcPts val="0"/>
+                </a:spcBef>
+                <a:spcAft>
+                  <a:spcPts val="0"/>
+                </a:spcAft>
+                <a:buClrTx/>
+                <a:buSzTx/>
+                <a:buFontTx/>
+                <a:buNone/>
+                <a:tabLst/>
+                <a:defRPr/>
+              </a:pPr>
               <a:t>12</a:t>
             </a:fld>
-            <a:endParaRPr lang="ru-RU"/>
+            <a:endParaRPr kumimoji="0" lang="ru-RU" sz="1200" b="0" i="0" u="none" strike="noStrike" kern="1200" cap="none" spc="0" normalizeH="0" baseline="0" noProof="0">
+              <a:ln>
+                <a:noFill/>
+              </a:ln>
+              <a:solidFill>
+                <a:prstClr val="black"/>
+              </a:solidFill>
+              <a:effectLst/>
+              <a:uLnTx/>
+              <a:uFillTx/>
+              <a:latin typeface="Calibri" panose="020F0502020204030204"/>
+              <a:ea typeface="+mn-ea"/>
+              <a:cs typeface="+mn-cs"/>
+            </a:endParaRPr>
           </a:p>
         </p:txBody>
       </p:sp>
     </p:spTree>
     <p:extLst>
       <p:ext uri="{BB962C8B-B14F-4D97-AF65-F5344CB8AC3E}">
-        <p14:creationId xmlns:p14="http://schemas.microsoft.com/office/powerpoint/2010/main" val="1117098518"/>
+        <p14:creationId xmlns:p14="http://schemas.microsoft.com/office/powerpoint/2010/main" val="3638350269"/>
       </p:ext>
     </p:extLst>
   </p:cSld>
@@ -870,7 +944,7 @@
     </p:spTree>
     <p:extLst>
       <p:ext uri="{BB962C8B-B14F-4D97-AF65-F5344CB8AC3E}">
-        <p14:creationId xmlns:p14="http://schemas.microsoft.com/office/powerpoint/2010/main" val="2166060782"/>
+        <p14:creationId xmlns:p14="http://schemas.microsoft.com/office/powerpoint/2010/main" val="1117098518"/>
       </p:ext>
     </p:extLst>
   </p:cSld>
@@ -954,7 +1028,186 @@
     </p:spTree>
     <p:extLst>
       <p:ext uri="{BB962C8B-B14F-4D97-AF65-F5344CB8AC3E}">
+        <p14:creationId xmlns:p14="http://schemas.microsoft.com/office/powerpoint/2010/main" val="2166060782"/>
+      </p:ext>
+    </p:extLst>
+  </p:cSld>
+  <p:clrMapOvr>
+    <a:masterClrMapping/>
+  </p:clrMapOvr>
+</p:notes>
+</file>
+
+<file path=ppt/notesSlides/notesSlide14.xml><?xml version="1.0" encoding="utf-8"?>
+<p:notes xmlns:a="http://schemas.openxmlformats.org/drawingml/2006/main" xmlns:r="http://schemas.openxmlformats.org/officeDocument/2006/relationships" xmlns:p="http://schemas.openxmlformats.org/presentationml/2006/main">
+  <p:cSld>
+    <p:spTree>
+      <p:nvGrpSpPr>
+        <p:cNvPr id="1" name=""/>
+        <p:cNvGrpSpPr/>
+        <p:nvPr/>
+      </p:nvGrpSpPr>
+      <p:grpSpPr>
+        <a:xfrm>
+          <a:off x="0" y="0"/>
+          <a:ext cx="0" cy="0"/>
+          <a:chOff x="0" y="0"/>
+          <a:chExt cx="0" cy="0"/>
+        </a:xfrm>
+      </p:grpSpPr>
+      <p:sp>
+        <p:nvSpPr>
+          <p:cNvPr id="2" name="Slide Image Placeholder 1"/>
+          <p:cNvSpPr>
+            <a:spLocks noGrp="1" noRot="1" noChangeAspect="1"/>
+          </p:cNvSpPr>
+          <p:nvPr>
+            <p:ph type="sldImg"/>
+          </p:nvPr>
+        </p:nvSpPr>
+        <p:spPr/>
+      </p:sp>
+      <p:sp>
+        <p:nvSpPr>
+          <p:cNvPr id="3" name="Notes Placeholder 2"/>
+          <p:cNvSpPr>
+            <a:spLocks noGrp="1"/>
+          </p:cNvSpPr>
+          <p:nvPr>
+            <p:ph type="body" idx="1"/>
+          </p:nvPr>
+        </p:nvSpPr>
+        <p:spPr/>
+        <p:txBody>
+          <a:bodyPr/>
+          <a:lstStyle/>
+          <a:p>
+            <a:endParaRPr lang="en-RU" dirty="0"/>
+          </a:p>
+        </p:txBody>
+      </p:sp>
+      <p:sp>
+        <p:nvSpPr>
+          <p:cNvPr id="4" name="Slide Number Placeholder 3"/>
+          <p:cNvSpPr>
+            <a:spLocks noGrp="1"/>
+          </p:cNvSpPr>
+          <p:nvPr>
+            <p:ph type="sldNum" sz="quarter" idx="5"/>
+          </p:nvPr>
+        </p:nvSpPr>
+        <p:spPr/>
+        <p:txBody>
+          <a:bodyPr/>
+          <a:lstStyle/>
+          <a:p>
+            <a:fld id="{959E6FB5-F890-304F-A36B-54AA81FB8B09}" type="slidenum">
+              <a:rPr lang="ru-RU" smtClean="0"/>
+              <a:t>15</a:t>
+            </a:fld>
+            <a:endParaRPr lang="ru-RU"/>
+          </a:p>
+        </p:txBody>
+      </p:sp>
+    </p:spTree>
+    <p:extLst>
+      <p:ext uri="{BB962C8B-B14F-4D97-AF65-F5344CB8AC3E}">
         <p14:creationId xmlns:p14="http://schemas.microsoft.com/office/powerpoint/2010/main" val="3429332153"/>
+      </p:ext>
+    </p:extLst>
+  </p:cSld>
+  <p:clrMapOvr>
+    <a:masterClrMapping/>
+  </p:clrMapOvr>
+</p:notes>
+</file>
+
+<file path=ppt/notesSlides/notesSlide15.xml><?xml version="1.0" encoding="utf-8"?>
+<p:notes xmlns:a="http://schemas.openxmlformats.org/drawingml/2006/main" xmlns:r="http://schemas.openxmlformats.org/officeDocument/2006/relationships" xmlns:p="http://schemas.openxmlformats.org/presentationml/2006/main">
+  <p:cSld>
+    <p:spTree>
+      <p:nvGrpSpPr>
+        <p:cNvPr id="1" name=""/>
+        <p:cNvGrpSpPr/>
+        <p:nvPr/>
+      </p:nvGrpSpPr>
+      <p:grpSpPr>
+        <a:xfrm>
+          <a:off x="0" y="0"/>
+          <a:ext cx="0" cy="0"/>
+          <a:chOff x="0" y="0"/>
+          <a:chExt cx="0" cy="0"/>
+        </a:xfrm>
+      </p:grpSpPr>
+      <p:sp>
+        <p:nvSpPr>
+          <p:cNvPr id="2" name="Образ слайда 1"/>
+          <p:cNvSpPr>
+            <a:spLocks noGrp="1" noRot="1" noChangeAspect="1"/>
+          </p:cNvSpPr>
+          <p:nvPr>
+            <p:ph type="sldImg"/>
+          </p:nvPr>
+        </p:nvSpPr>
+        <p:spPr/>
+      </p:sp>
+      <p:sp>
+        <p:nvSpPr>
+          <p:cNvPr id="3" name="Заметки 2"/>
+          <p:cNvSpPr>
+            <a:spLocks noGrp="1"/>
+          </p:cNvSpPr>
+          <p:nvPr>
+            <p:ph type="body" idx="1"/>
+          </p:nvPr>
+        </p:nvSpPr>
+        <p:spPr/>
+        <p:txBody>
+          <a:bodyPr/>
+          <a:lstStyle/>
+          <a:p>
+            <a:r>
+              <a:rPr lang="ru-RU" dirty="0"/>
+              <a:t>Результат исследования показал, что лучше всего себя показал</a:t>
+            </a:r>
+            <a:r>
+              <a:rPr lang="en-US" dirty="0"/>
+              <a:t> </a:t>
+            </a:r>
+            <a:r>
+              <a:rPr lang="ru-RU" dirty="0"/>
+              <a:t>многослойный перцептрон с дообучением: он дал лучшие результаты при меньшем времени обучения.</a:t>
+            </a:r>
+          </a:p>
+        </p:txBody>
+      </p:sp>
+      <p:sp>
+        <p:nvSpPr>
+          <p:cNvPr id="4" name="Номер слайда 3"/>
+          <p:cNvSpPr>
+            <a:spLocks noGrp="1"/>
+          </p:cNvSpPr>
+          <p:nvPr>
+            <p:ph type="sldNum" sz="quarter" idx="5"/>
+          </p:nvPr>
+        </p:nvSpPr>
+        <p:spPr/>
+        <p:txBody>
+          <a:bodyPr/>
+          <a:lstStyle/>
+          <a:p>
+            <a:fld id="{959E6FB5-F890-304F-A36B-54AA81FB8B09}" type="slidenum">
+              <a:rPr lang="ru-RU" smtClean="0"/>
+              <a:t>16</a:t>
+            </a:fld>
+            <a:endParaRPr lang="ru-RU"/>
+          </a:p>
+        </p:txBody>
+      </p:sp>
+    </p:spTree>
+    <p:extLst>
+      <p:ext uri="{BB962C8B-B14F-4D97-AF65-F5344CB8AC3E}">
+        <p14:creationId xmlns:p14="http://schemas.microsoft.com/office/powerpoint/2010/main" val="1433254201"/>
       </p:ext>
     </p:extLst>
   </p:cSld>
@@ -1241,7 +1494,7 @@
       </p:grpSpPr>
       <p:sp>
         <p:nvSpPr>
-          <p:cNvPr id="2" name="Slide Image Placeholder 1"/>
+          <p:cNvPr id="2" name="Образ слайда 1"/>
           <p:cNvSpPr>
             <a:spLocks noGrp="1" noRot="1" noChangeAspect="1"/>
           </p:cNvSpPr>
@@ -1253,7 +1506,7 @@
       </p:sp>
       <p:sp>
         <p:nvSpPr>
-          <p:cNvPr id="3" name="Notes Placeholder 2"/>
+          <p:cNvPr id="3" name="Заметки 2"/>
           <p:cNvSpPr>
             <a:spLocks noGrp="1"/>
           </p:cNvSpPr>
@@ -1266,13 +1519,21 @@
           <a:bodyPr/>
           <a:lstStyle/>
           <a:p>
-            <a:endParaRPr lang="en-RU" dirty="0"/>
-          </a:p>
-        </p:txBody>
-      </p:sp>
-      <p:sp>
-        <p:nvSpPr>
-          <p:cNvPr id="4" name="Slide Number Placeholder 3"/>
+            <a:r>
+              <a:rPr lang="ru-RU" dirty="0"/>
+              <a:t>Написать хорошую речь про </a:t>
+            </a:r>
+            <a:r>
+              <a:rPr lang="en-US" dirty="0"/>
+              <a:t>MSE, MAE.</a:t>
+            </a:r>
+            <a:endParaRPr lang="ru-RU" dirty="0"/>
+          </a:p>
+        </p:txBody>
+      </p:sp>
+      <p:sp>
+        <p:nvSpPr>
+          <p:cNvPr id="4" name="Номер слайда 3"/>
           <p:cNvSpPr>
             <a:spLocks noGrp="1"/>
           </p:cNvSpPr>
@@ -1285,18 +1546,78 @@
           <a:bodyPr/>
           <a:lstStyle/>
           <a:p>
+            <a:pPr marL="0" marR="0" lvl="0" indent="0" algn="r" defTabSz="914400" rtl="0" eaLnBrk="1" fontAlgn="auto" latinLnBrk="0" hangingPunct="1">
+              <a:lnSpc>
+                <a:spcPct val="100000"/>
+              </a:lnSpc>
+              <a:spcBef>
+                <a:spcPts val="0"/>
+              </a:spcBef>
+              <a:spcAft>
+                <a:spcPts val="0"/>
+              </a:spcAft>
+              <a:buClrTx/>
+              <a:buSzTx/>
+              <a:buFontTx/>
+              <a:buNone/>
+              <a:tabLst/>
+              <a:defRPr/>
+            </a:pPr>
             <a:fld id="{959E6FB5-F890-304F-A36B-54AA81FB8B09}" type="slidenum">
-              <a:rPr lang="ru-RU" smtClean="0"/>
+              <a:rPr kumimoji="0" lang="ru-RU" sz="1200" b="0" i="0" u="none" strike="noStrike" kern="1200" cap="none" spc="0" normalizeH="0" baseline="0" noProof="0" smtClean="0">
+                <a:ln>
+                  <a:noFill/>
+                </a:ln>
+                <a:solidFill>
+                  <a:prstClr val="black"/>
+                </a:solidFill>
+                <a:effectLst/>
+                <a:uLnTx/>
+                <a:uFillTx/>
+                <a:latin typeface="Calibri" panose="020F0502020204030204"/>
+                <a:ea typeface="+mn-ea"/>
+                <a:cs typeface="+mn-cs"/>
+              </a:rPr>
+              <a:pPr marL="0" marR="0" lvl="0" indent="0" algn="r" defTabSz="914400" rtl="0" eaLnBrk="1" fontAlgn="auto" latinLnBrk="0" hangingPunct="1">
+                <a:lnSpc>
+                  <a:spcPct val="100000"/>
+                </a:lnSpc>
+                <a:spcBef>
+                  <a:spcPts val="0"/>
+                </a:spcBef>
+                <a:spcAft>
+                  <a:spcPts val="0"/>
+                </a:spcAft>
+                <a:buClrTx/>
+                <a:buSzTx/>
+                <a:buFontTx/>
+                <a:buNone/>
+                <a:tabLst/>
+                <a:defRPr/>
+              </a:pPr>
               <a:t>5</a:t>
             </a:fld>
-            <a:endParaRPr lang="ru-RU"/>
+            <a:endParaRPr kumimoji="0" lang="ru-RU" sz="1200" b="0" i="0" u="none" strike="noStrike" kern="1200" cap="none" spc="0" normalizeH="0" baseline="0" noProof="0">
+              <a:ln>
+                <a:noFill/>
+              </a:ln>
+              <a:solidFill>
+                <a:prstClr val="black"/>
+              </a:solidFill>
+              <a:effectLst/>
+              <a:uLnTx/>
+              <a:uFillTx/>
+              <a:latin typeface="Calibri" panose="020F0502020204030204"/>
+              <a:ea typeface="+mn-ea"/>
+              <a:cs typeface="+mn-cs"/>
+            </a:endParaRPr>
           </a:p>
         </p:txBody>
       </p:sp>
     </p:spTree>
     <p:extLst>
       <p:ext uri="{BB962C8B-B14F-4D97-AF65-F5344CB8AC3E}">
-        <p14:creationId xmlns:p14="http://schemas.microsoft.com/office/powerpoint/2010/main" val="236837867"/>
+        <p14:creationId xmlns:p14="http://schemas.microsoft.com/office/powerpoint/2010/main" val="3232771653"/>
       </p:ext>
     </p:extLst>
   </p:cSld>
@@ -1380,7 +1701,7 @@
     </p:spTree>
     <p:extLst>
       <p:ext uri="{BB962C8B-B14F-4D97-AF65-F5344CB8AC3E}">
-        <p14:creationId xmlns:p14="http://schemas.microsoft.com/office/powerpoint/2010/main" val="1732091482"/>
+        <p14:creationId xmlns:p14="http://schemas.microsoft.com/office/powerpoint/2010/main" val="236837867"/>
       </p:ext>
     </p:extLst>
   </p:cSld>
@@ -1464,7 +1785,7 @@
     </p:spTree>
     <p:extLst>
       <p:ext uri="{BB962C8B-B14F-4D97-AF65-F5344CB8AC3E}">
-        <p14:creationId xmlns:p14="http://schemas.microsoft.com/office/powerpoint/2010/main" val="3664967711"/>
+        <p14:creationId xmlns:p14="http://schemas.microsoft.com/office/powerpoint/2010/main" val="1732091482"/>
       </p:ext>
     </p:extLst>
   </p:cSld>
@@ -1548,7 +1869,7 @@
     </p:spTree>
     <p:extLst>
       <p:ext uri="{BB962C8B-B14F-4D97-AF65-F5344CB8AC3E}">
-        <p14:creationId xmlns:p14="http://schemas.microsoft.com/office/powerpoint/2010/main" val="2885424314"/>
+        <p14:creationId xmlns:p14="http://schemas.microsoft.com/office/powerpoint/2010/main" val="3664967711"/>
       </p:ext>
     </p:extLst>
   </p:cSld>
@@ -1632,7 +1953,7 @@
     </p:spTree>
     <p:extLst>
       <p:ext uri="{BB962C8B-B14F-4D97-AF65-F5344CB8AC3E}">
-        <p14:creationId xmlns:p14="http://schemas.microsoft.com/office/powerpoint/2010/main" val="753292416"/>
+        <p14:creationId xmlns:p14="http://schemas.microsoft.com/office/powerpoint/2010/main" val="2885424314"/>
       </p:ext>
     </p:extLst>
   </p:cSld>
@@ -1716,7 +2037,7 @@
     </p:spTree>
     <p:extLst>
       <p:ext uri="{BB962C8B-B14F-4D97-AF65-F5344CB8AC3E}">
-        <p14:creationId xmlns:p14="http://schemas.microsoft.com/office/powerpoint/2010/main" val="2364145800"/>
+        <p14:creationId xmlns:p14="http://schemas.microsoft.com/office/powerpoint/2010/main" val="753292416"/>
       </p:ext>
     </p:extLst>
   </p:cSld>
@@ -5324,6 +5645,417 @@
       </p:grpSpPr>
       <p:sp>
         <p:nvSpPr>
+          <p:cNvPr id="11" name="TextBox 10">
+            <a:extLst>
+              <a:ext uri="{FF2B5EF4-FFF2-40B4-BE49-F238E27FC236}">
+                <a16:creationId xmlns:a16="http://schemas.microsoft.com/office/drawing/2014/main" id="{50D6B226-5CF2-C6D3-2EA7-19321638F3AE}"/>
+              </a:ext>
+            </a:extLst>
+          </p:cNvPr>
+          <p:cNvSpPr txBox="1"/>
+          <p:nvPr/>
+        </p:nvSpPr>
+        <p:spPr>
+          <a:xfrm>
+            <a:off x="6469380" y="-1257300"/>
+            <a:ext cx="184731" cy="369332"/>
+          </a:xfrm>
+          <a:prstGeom prst="rect">
+            <a:avLst/>
+          </a:prstGeom>
+          <a:noFill/>
+        </p:spPr>
+        <p:txBody>
+          <a:bodyPr wrap="none" rtlCol="0">
+            <a:spAutoFit/>
+          </a:bodyPr>
+          <a:lstStyle/>
+          <a:p>
+            <a:endParaRPr lang="ru-RU" dirty="0"/>
+          </a:p>
+        </p:txBody>
+      </p:sp>
+      <p:sp>
+        <p:nvSpPr>
+          <p:cNvPr id="8" name="Параллелограмм 7">
+            <a:extLst>
+              <a:ext uri="{FF2B5EF4-FFF2-40B4-BE49-F238E27FC236}">
+                <a16:creationId xmlns:a16="http://schemas.microsoft.com/office/drawing/2014/main" id="{E005804D-EB41-1E7D-1243-9F7DCAE924DC}"/>
+              </a:ext>
+            </a:extLst>
+          </p:cNvPr>
+          <p:cNvSpPr/>
+          <p:nvPr/>
+        </p:nvSpPr>
+        <p:spPr>
+          <a:xfrm>
+            <a:off x="-1852265" y="-818956"/>
+            <a:ext cx="9386048" cy="8115300"/>
+          </a:xfrm>
+          <a:prstGeom prst="parallelogram">
+            <a:avLst/>
+          </a:prstGeom>
+          <a:solidFill>
+            <a:srgbClr val="176DEA"/>
+          </a:solidFill>
+          <a:ln>
+            <a:noFill/>
+          </a:ln>
+        </p:spPr>
+        <p:style>
+          <a:lnRef idx="2">
+            <a:schemeClr val="accent1">
+              <a:shade val="50000"/>
+            </a:schemeClr>
+          </a:lnRef>
+          <a:fillRef idx="1">
+            <a:schemeClr val="accent1"/>
+          </a:fillRef>
+          <a:effectRef idx="0">
+            <a:schemeClr val="accent1"/>
+          </a:effectRef>
+          <a:fontRef idx="minor">
+            <a:schemeClr val="lt1"/>
+          </a:fontRef>
+        </p:style>
+        <p:txBody>
+          <a:bodyPr rtlCol="0" anchor="ctr"/>
+          <a:lstStyle/>
+          <a:p>
+            <a:pPr algn="ctr"/>
+            <a:endParaRPr lang="ru-RU"/>
+          </a:p>
+        </p:txBody>
+      </p:sp>
+      <p:sp>
+        <p:nvSpPr>
+          <p:cNvPr id="2" name="Заголовок 1">
+            <a:extLst>
+              <a:ext uri="{FF2B5EF4-FFF2-40B4-BE49-F238E27FC236}">
+                <a16:creationId xmlns:a16="http://schemas.microsoft.com/office/drawing/2014/main" id="{5B45E0E9-3513-5531-CB1D-AB5ABE2ED509}"/>
+              </a:ext>
+            </a:extLst>
+          </p:cNvPr>
+          <p:cNvSpPr>
+            <a:spLocks noGrp="1"/>
+          </p:cNvSpPr>
+          <p:nvPr>
+            <p:ph type="ctrTitle"/>
+          </p:nvPr>
+        </p:nvSpPr>
+        <p:spPr>
+          <a:xfrm>
+            <a:off x="0" y="144875"/>
+            <a:ext cx="7533783" cy="1749826"/>
+          </a:xfrm>
+        </p:spPr>
+        <p:txBody>
+          <a:bodyPr anchor="ctr">
+            <a:noAutofit/>
+          </a:bodyPr>
+          <a:lstStyle/>
+          <a:p>
+            <a:pPr algn="l"/>
+            <a:r>
+              <a:rPr lang="ru-RU" sz="4000" dirty="0">
+                <a:solidFill>
+                  <a:schemeClr val="bg1"/>
+                </a:solidFill>
+                <a:latin typeface="ALS Sector Regular" pitchFamily="2" charset="0"/>
+                <a:cs typeface="ALS Sector Regular" pitchFamily="2" charset="0"/>
+              </a:rPr>
+              <a:t>Решение задачи технического анализа на архитектуре </a:t>
+            </a:r>
+            <a:r>
+              <a:rPr lang="en-US" sz="4000" dirty="0">
+                <a:solidFill>
+                  <a:schemeClr val="bg1"/>
+                </a:solidFill>
+                <a:latin typeface="ALS Sector Regular" pitchFamily="2" charset="0"/>
+                <a:cs typeface="ALS Sector Regular" pitchFamily="2" charset="0"/>
+              </a:rPr>
+              <a:t>ViT</a:t>
+            </a:r>
+            <a:endParaRPr lang="ru-RU" sz="4000" b="1" dirty="0">
+              <a:solidFill>
+                <a:schemeClr val="bg1"/>
+              </a:solidFill>
+              <a:latin typeface="ALS Sector Regular" pitchFamily="2" charset="0"/>
+              <a:cs typeface="ALS Sector Regular" pitchFamily="2" charset="0"/>
+            </a:endParaRPr>
+          </a:p>
+        </p:txBody>
+      </p:sp>
+      <p:sp>
+        <p:nvSpPr>
+          <p:cNvPr id="5" name="TextBox 4">
+            <a:extLst>
+              <a:ext uri="{FF2B5EF4-FFF2-40B4-BE49-F238E27FC236}">
+                <a16:creationId xmlns:a16="http://schemas.microsoft.com/office/drawing/2014/main" id="{24FD4D67-7B85-5BA9-B79D-0ACE12EEC2FD}"/>
+              </a:ext>
+            </a:extLst>
+          </p:cNvPr>
+          <p:cNvSpPr txBox="1"/>
+          <p:nvPr/>
+        </p:nvSpPr>
+        <p:spPr>
+          <a:xfrm>
+            <a:off x="384865" y="2690336"/>
+            <a:ext cx="6007310" cy="2308324"/>
+          </a:xfrm>
+          <a:prstGeom prst="rect">
+            <a:avLst/>
+          </a:prstGeom>
+          <a:noFill/>
+        </p:spPr>
+        <p:txBody>
+          <a:bodyPr wrap="square">
+            <a:spAutoFit/>
+          </a:bodyPr>
+          <a:lstStyle/>
+          <a:p>
+            <a:pPr algn="l"/>
+            <a:r>
+              <a:rPr lang="ru-RU" dirty="0">
+                <a:solidFill>
+                  <a:schemeClr val="bg1"/>
+                </a:solidFill>
+                <a:latin typeface="ALS Sector Regular" pitchFamily="2" charset="0"/>
+                <a:cs typeface="ALS Sector Regular" pitchFamily="2" charset="0"/>
+              </a:rPr>
+              <a:t>Зрительный</a:t>
+            </a:r>
+            <a:r>
+              <a:rPr lang="ru-RU" sz="1800" dirty="0">
+                <a:solidFill>
+                  <a:schemeClr val="bg1"/>
+                </a:solidFill>
+                <a:latin typeface="ALS Sector Regular" pitchFamily="2" charset="0"/>
+                <a:cs typeface="ALS Sector Regular" pitchFamily="2" charset="0"/>
+              </a:rPr>
+              <a:t> трансформер</a:t>
+            </a:r>
+            <a:r>
+              <a:rPr lang="en-US" sz="1800" dirty="0">
+                <a:solidFill>
+                  <a:schemeClr val="bg1"/>
+                </a:solidFill>
+                <a:latin typeface="ALS Sector Regular" pitchFamily="2" charset="0"/>
+                <a:cs typeface="ALS Sector Regular" pitchFamily="2" charset="0"/>
+              </a:rPr>
+              <a:t> (Vision Transformer,</a:t>
+            </a:r>
+            <a:r>
+              <a:rPr lang="ru-RU" sz="1800" dirty="0">
+                <a:solidFill>
+                  <a:schemeClr val="bg1"/>
+                </a:solidFill>
+                <a:latin typeface="ALS Sector Regular" pitchFamily="2" charset="0"/>
+                <a:cs typeface="ALS Sector Regular" pitchFamily="2" charset="0"/>
+              </a:rPr>
+              <a:t> </a:t>
+            </a:r>
+            <a:r>
+              <a:rPr lang="en-US" sz="1800" dirty="0">
+                <a:solidFill>
+                  <a:schemeClr val="bg1"/>
+                </a:solidFill>
+                <a:latin typeface="ALS Sector Regular" pitchFamily="2" charset="0"/>
+                <a:cs typeface="ALS Sector Regular" pitchFamily="2" charset="0"/>
+              </a:rPr>
+              <a:t>ViT)</a:t>
+            </a:r>
+            <a:r>
+              <a:rPr lang="ru-RU" sz="1800" dirty="0">
+                <a:solidFill>
+                  <a:schemeClr val="bg1"/>
+                </a:solidFill>
+                <a:latin typeface="ALS Sector Regular" pitchFamily="2" charset="0"/>
+                <a:cs typeface="ALS Sector Regular" pitchFamily="2" charset="0"/>
+              </a:rPr>
+              <a:t> — ViT (Vision </a:t>
+            </a:r>
+            <a:r>
+              <a:rPr lang="ru-RU" sz="1800" dirty="0" err="1">
+                <a:solidFill>
+                  <a:schemeClr val="bg1"/>
+                </a:solidFill>
+                <a:latin typeface="ALS Sector Regular" pitchFamily="2" charset="0"/>
+                <a:cs typeface="ALS Sector Regular" pitchFamily="2" charset="0"/>
+              </a:rPr>
+              <a:t>Transformer</a:t>
+            </a:r>
+            <a:r>
+              <a:rPr lang="ru-RU" sz="1800" dirty="0">
+                <a:solidFill>
+                  <a:schemeClr val="bg1"/>
+                </a:solidFill>
+                <a:latin typeface="ALS Sector Regular" pitchFamily="2" charset="0"/>
+                <a:cs typeface="ALS Sector Regular" pitchFamily="2" charset="0"/>
+              </a:rPr>
+              <a:t>) - это модель глубокого обучения, которая применяет </a:t>
+            </a:r>
+            <a:r>
+              <a:rPr lang="ru-RU" sz="1800" dirty="0" err="1">
+                <a:solidFill>
+                  <a:schemeClr val="bg1"/>
+                </a:solidFill>
+                <a:latin typeface="ALS Sector Regular" pitchFamily="2" charset="0"/>
+                <a:cs typeface="ALS Sector Regular" pitchFamily="2" charset="0"/>
+              </a:rPr>
+              <a:t>трансформерную</a:t>
+            </a:r>
+            <a:r>
+              <a:rPr lang="ru-RU" sz="1800" dirty="0">
+                <a:solidFill>
+                  <a:schemeClr val="bg1"/>
+                </a:solidFill>
+                <a:latin typeface="ALS Sector Regular" pitchFamily="2" charset="0"/>
+                <a:cs typeface="ALS Sector Regular" pitchFamily="2" charset="0"/>
+              </a:rPr>
+              <a:t> архитектуру к задачам компьютерного зрения. В отличие от традиционных моделей, ViT не использует свертки, а вместо этого преобразует изображение в последовательность векторов и обрабатывает их с помощью механизма внимания трансформера.</a:t>
+            </a:r>
+          </a:p>
+        </p:txBody>
+      </p:sp>
+      <p:sp>
+        <p:nvSpPr>
+          <p:cNvPr id="12" name="TextBox 11">
+            <a:extLst>
+              <a:ext uri="{FF2B5EF4-FFF2-40B4-BE49-F238E27FC236}">
+                <a16:creationId xmlns:a16="http://schemas.microsoft.com/office/drawing/2014/main" id="{E9357361-B138-86ED-7C5D-FE852A5103EE}"/>
+              </a:ext>
+            </a:extLst>
+          </p:cNvPr>
+          <p:cNvSpPr txBox="1"/>
+          <p:nvPr/>
+        </p:nvSpPr>
+        <p:spPr>
+          <a:xfrm>
+            <a:off x="7587187" y="4958987"/>
+            <a:ext cx="3120742" cy="369332"/>
+          </a:xfrm>
+          <a:prstGeom prst="rect">
+            <a:avLst/>
+          </a:prstGeom>
+          <a:noFill/>
+        </p:spPr>
+        <p:txBody>
+          <a:bodyPr wrap="square">
+            <a:spAutoFit/>
+          </a:bodyPr>
+          <a:lstStyle/>
+          <a:p>
+            <a:pPr algn="ctr"/>
+            <a:r>
+              <a:rPr lang="ru-RU" dirty="0"/>
+              <a:t>Рис. 12. Схема устройства </a:t>
+            </a:r>
+            <a:r>
+              <a:rPr lang="en-US" dirty="0"/>
+              <a:t>ViT</a:t>
+            </a:r>
+            <a:endParaRPr lang="ru-RU" dirty="0"/>
+          </a:p>
+        </p:txBody>
+      </p:sp>
+      <p:sp>
+        <p:nvSpPr>
+          <p:cNvPr id="16" name="TextBox 15">
+            <a:extLst>
+              <a:ext uri="{FF2B5EF4-FFF2-40B4-BE49-F238E27FC236}">
+                <a16:creationId xmlns:a16="http://schemas.microsoft.com/office/drawing/2014/main" id="{7C12B897-F139-96F7-D007-DBE6781ED388}"/>
+              </a:ext>
+            </a:extLst>
+          </p:cNvPr>
+          <p:cNvSpPr txBox="1"/>
+          <p:nvPr/>
+        </p:nvSpPr>
+        <p:spPr>
+          <a:xfrm>
+            <a:off x="11773296" y="6488668"/>
+            <a:ext cx="418704" cy="369332"/>
+          </a:xfrm>
+          <a:prstGeom prst="rect">
+            <a:avLst/>
+          </a:prstGeom>
+          <a:noFill/>
+        </p:spPr>
+        <p:txBody>
+          <a:bodyPr wrap="none" rtlCol="0">
+            <a:spAutoFit/>
+          </a:bodyPr>
+          <a:lstStyle/>
+          <a:p>
+            <a:r>
+              <a:rPr lang="ru-RU" dirty="0"/>
+              <a:t>10</a:t>
+            </a:r>
+          </a:p>
+        </p:txBody>
+      </p:sp>
+      <p:pic>
+        <p:nvPicPr>
+          <p:cNvPr id="6" name="Рисунок 5">
+            <a:extLst>
+              <a:ext uri="{FF2B5EF4-FFF2-40B4-BE49-F238E27FC236}">
+                <a16:creationId xmlns:a16="http://schemas.microsoft.com/office/drawing/2014/main" id="{704F1652-D86F-3EA7-66C5-9AF5B80CD241}"/>
+              </a:ext>
+            </a:extLst>
+          </p:cNvPr>
+          <p:cNvPicPr>
+            <a:picLocks noChangeAspect="1"/>
+          </p:cNvPicPr>
+          <p:nvPr/>
+        </p:nvPicPr>
+        <p:blipFill>
+          <a:blip r:embed="rId3"/>
+          <a:stretch>
+            <a:fillRect/>
+          </a:stretch>
+        </p:blipFill>
+        <p:spPr>
+          <a:xfrm>
+            <a:off x="6392175" y="887059"/>
+            <a:ext cx="5510766" cy="4089181"/>
+          </a:xfrm>
+          <a:prstGeom prst="rect">
+            <a:avLst/>
+          </a:prstGeom>
+        </p:spPr>
+      </p:pic>
+    </p:spTree>
+    <p:extLst>
+      <p:ext uri="{BB962C8B-B14F-4D97-AF65-F5344CB8AC3E}">
+        <p14:creationId xmlns:p14="http://schemas.microsoft.com/office/powerpoint/2010/main" val="3615940946"/>
+      </p:ext>
+    </p:extLst>
+  </p:cSld>
+  <p:clrMapOvr>
+    <a:masterClrMapping/>
+  </p:clrMapOvr>
+</p:sld>
+</file>
+
+<file path=ppt/slides/slide11.xml><?xml version="1.0" encoding="utf-8"?>
+<p:sld xmlns:a="http://schemas.openxmlformats.org/drawingml/2006/main" xmlns:r="http://schemas.openxmlformats.org/officeDocument/2006/relationships" xmlns:p="http://schemas.openxmlformats.org/presentationml/2006/main">
+  <p:cSld>
+    <p:spTree>
+      <p:nvGrpSpPr>
+        <p:cNvPr id="1" name=""/>
+        <p:cNvGrpSpPr/>
+        <p:nvPr/>
+      </p:nvGrpSpPr>
+      <p:grpSpPr>
+        <a:xfrm>
+          <a:off x="0" y="0"/>
+          <a:ext cx="0" cy="0"/>
+          <a:chOff x="0" y="0"/>
+          <a:chExt cx="0" cy="0"/>
+        </a:xfrm>
+      </p:grpSpPr>
+      <p:sp>
+        <p:nvSpPr>
           <p:cNvPr id="7" name="Прямоугольник 6">
             <a:extLst>
               <a:ext uri="{FF2B5EF4-FFF2-40B4-BE49-F238E27FC236}">
@@ -5502,7 +6234,7 @@
         </p:nvCxnSpPr>
         <p:spPr>
           <a:xfrm>
-            <a:off x="762431" y="4429443"/>
+            <a:off x="1121617" y="4440344"/>
             <a:ext cx="304800" cy="0"/>
           </a:xfrm>
           <a:prstGeom prst="straightConnector1">
@@ -5593,25 +6325,25 @@
           <p:nvPr>
             <p:extLst>
               <p:ext uri="{D42A27DB-BD31-4B8C-83A1-F6EECF244321}">
-                <p14:modId xmlns:p14="http://schemas.microsoft.com/office/powerpoint/2010/main" val="3006445021"/>
+                <p14:modId xmlns:p14="http://schemas.microsoft.com/office/powerpoint/2010/main" val="3522712975"/>
               </p:ext>
             </p:extLst>
           </p:nvPr>
         </p:nvGraphicFramePr>
         <p:xfrm>
-          <a:off x="6030224" y="2949575"/>
-          <a:ext cx="5505450" cy="1362075"/>
+          <a:off x="5949261" y="2949575"/>
+          <a:ext cx="5667375" cy="1362075"/>
         </p:xfrm>
         <a:graphic>
           <a:graphicData uri="http://schemas.openxmlformats.org/presentationml/2006/ole">
             <mc:AlternateContent xmlns:mc="http://schemas.openxmlformats.org/markup-compatibility/2006">
               <mc:Choice xmlns:v="urn:schemas-microsoft-com:vml" Requires="v">
-                <p:oleObj name="Worksheet" r:id="rId3" imgW="5505483" imgH="1362055" progId="Excel.Sheet.12">
+                <p:oleObj name="Worksheet" r:id="rId3" imgW="5667336" imgH="1362055" progId="Excel.Sheet.12">
                   <p:embed/>
                 </p:oleObj>
               </mc:Choice>
               <mc:Fallback>
-                <p:oleObj name="Worksheet" r:id="rId3" imgW="5505483" imgH="1362055" progId="Excel.Sheet.12">
+                <p:oleObj name="Worksheet" r:id="rId3" imgW="5667336" imgH="1362055" progId="Excel.Sheet.12">
                   <p:embed/>
                   <p:pic>
                     <p:nvPicPr>
@@ -5633,8 +6365,8 @@
                     </p:blipFill>
                     <p:spPr>
                       <a:xfrm>
-                        <a:off x="6030224" y="2949575"/>
-                        <a:ext cx="5505450" cy="1362075"/>
+                        <a:off x="5949261" y="2949575"/>
+                        <a:ext cx="5667375" cy="1362075"/>
                       </a:xfrm>
                       <a:prstGeom prst="rect">
                         <a:avLst/>
@@ -5661,8 +6393,8 @@
         </p:nvSpPr>
         <p:spPr>
           <a:xfrm>
-            <a:off x="298833" y="3244638"/>
-            <a:ext cx="4256253" cy="369332"/>
+            <a:off x="606315" y="3107200"/>
+            <a:ext cx="4350169" cy="369332"/>
           </a:xfrm>
           <a:prstGeom prst="rect">
             <a:avLst/>
@@ -5678,7 +6410,7 @@
             <a:pPr algn="ctr"/>
             <a:r>
               <a:rPr lang="ru-RU" dirty="0"/>
-              <a:t>Рис. 7. График</a:t>
+              <a:t>Рис. 13. График</a:t>
             </a:r>
             <a:r>
               <a:rPr lang="en-US" dirty="0"/>
@@ -5705,8 +6437,8 @@
         </p:nvSpPr>
         <p:spPr>
           <a:xfrm>
-            <a:off x="531860" y="6163059"/>
-            <a:ext cx="4036877" cy="646331"/>
+            <a:off x="129395" y="5713476"/>
+            <a:ext cx="5304007" cy="369332"/>
           </a:xfrm>
           <a:prstGeom prst="rect">
             <a:avLst/>
@@ -5722,7 +6454,7 @@
             <a:pPr algn="ctr"/>
             <a:r>
               <a:rPr lang="ru-RU" dirty="0"/>
-              <a:t>Рис. 8. График второго наилучшего результата (4)</a:t>
+              <a:t>Рис. 14. График второго наилучшего результата (4)</a:t>
             </a:r>
             <a:endParaRPr lang="ru-RU" dirty="0">
               <a:highlight>
@@ -5762,9 +6494,12 @@
           <a:p>
             <a:r>
               <a:rPr lang="en-US" dirty="0"/>
-              <a:t>10</a:t>
-            </a:r>
-            <a:endParaRPr lang="ru-RU" dirty="0"/>
+              <a:t>1</a:t>
+            </a:r>
+            <a:r>
+              <a:rPr lang="ru-RU" dirty="0"/>
+              <a:t>1</a:t>
+            </a:r>
           </a:p>
         </p:txBody>
       </p:sp>
@@ -5826,7 +6561,7 @@
         </p:nvCxnSpPr>
         <p:spPr>
           <a:xfrm>
-            <a:off x="4486167" y="4429443"/>
+            <a:off x="4845353" y="4440344"/>
             <a:ext cx="304800" cy="0"/>
           </a:xfrm>
           <a:prstGeom prst="straightConnector1">
@@ -5898,7 +6633,7 @@
         </p:blipFill>
         <p:spPr>
           <a:xfrm>
-            <a:off x="923025" y="3981160"/>
+            <a:off x="1282211" y="3476532"/>
             <a:ext cx="3007869" cy="2181899"/>
           </a:xfrm>
           <a:prstGeom prst="rect">
@@ -5928,7 +6663,7 @@
         </p:blipFill>
         <p:spPr>
           <a:xfrm>
-            <a:off x="923025" y="1095966"/>
+            <a:off x="1274017" y="1015492"/>
             <a:ext cx="3014766" cy="2148672"/>
           </a:xfrm>
           <a:prstGeom prst="rect">
@@ -5936,6 +6671,47 @@
           </a:prstGeom>
         </p:spPr>
       </p:pic>
+      <p:sp>
+        <p:nvSpPr>
+          <p:cNvPr id="3" name="TextBox 2">
+            <a:extLst>
+              <a:ext uri="{FF2B5EF4-FFF2-40B4-BE49-F238E27FC236}">
+                <a16:creationId xmlns:a16="http://schemas.microsoft.com/office/drawing/2014/main" id="{01E14D3F-5400-71D0-1C48-61D8D0C462FB}"/>
+              </a:ext>
+            </a:extLst>
+          </p:cNvPr>
+          <p:cNvSpPr txBox="1"/>
+          <p:nvPr/>
+        </p:nvSpPr>
+        <p:spPr>
+          <a:xfrm>
+            <a:off x="866333" y="6155826"/>
+            <a:ext cx="3830129" cy="646331"/>
+          </a:xfrm>
+          <a:prstGeom prst="rect">
+            <a:avLst/>
+          </a:prstGeom>
+          <a:noFill/>
+        </p:spPr>
+        <p:txBody>
+          <a:bodyPr wrap="square">
+            <a:spAutoFit/>
+          </a:bodyPr>
+          <a:lstStyle/>
+          <a:p>
+            <a:pPr algn="ctr"/>
+            <a:r>
+              <a:rPr lang="ru-RU" sz="1200" dirty="0"/>
+              <a:t>На графиках синим цветом показаны предсказанные значения, красным – точные. По оси абсцисс – дни, по ординат – нормированное значение </a:t>
+            </a:r>
+            <a:r>
+              <a:rPr lang="en-US" sz="1200" dirty="0"/>
+              <a:t>stop-loss.</a:t>
+            </a:r>
+            <a:endParaRPr lang="ru-RU" sz="1200" dirty="0"/>
+          </a:p>
+        </p:txBody>
+      </p:sp>
     </p:spTree>
     <p:extLst>
       <p:ext uri="{BB962C8B-B14F-4D97-AF65-F5344CB8AC3E}">
@@ -5949,9 +6725,21 @@
 </p:sld>
 </file>
 
-<file path=ppt/slides/slide11.xml><?xml version="1.0" encoding="utf-8"?>
+<file path=ppt/slides/slide12.xml><?xml version="1.0" encoding="utf-8"?>
 <p:sld xmlns:a="http://schemas.openxmlformats.org/drawingml/2006/main" xmlns:r="http://schemas.openxmlformats.org/officeDocument/2006/relationships" xmlns:p="http://schemas.openxmlformats.org/presentationml/2006/main">
   <p:cSld>
+    <p:bg>
+      <p:bgPr>
+        <a:blipFill dpi="0" rotWithShape="1">
+          <a:blip r:embed="rId3">
+            <a:lum/>
+          </a:blip>
+          <a:srcRect/>
+          <a:tile tx="0" ty="0" sx="100000" sy="100000" flip="none" algn="tl"/>
+        </a:blipFill>
+        <a:effectLst/>
+      </p:bgPr>
+    </p:bg>
     <p:spTree>
       <p:nvGrpSpPr>
         <p:cNvPr id="1" name=""/>
@@ -5966,126 +6754,12 @@
           <a:chExt cx="0" cy="0"/>
         </a:xfrm>
       </p:grpSpPr>
-      <p:pic>
-        <p:nvPicPr>
-          <p:cNvPr id="4" name="Рисунок 3">
-            <a:extLst>
-              <a:ext uri="{FF2B5EF4-FFF2-40B4-BE49-F238E27FC236}">
-                <a16:creationId xmlns:a16="http://schemas.microsoft.com/office/drawing/2014/main" id="{91279C1D-9FB5-5FDB-0D6F-5102960F6A22}"/>
-              </a:ext>
-            </a:extLst>
-          </p:cNvPr>
-          <p:cNvPicPr>
-            <a:picLocks noChangeAspect="1"/>
-          </p:cNvPicPr>
-          <p:nvPr/>
-        </p:nvPicPr>
-        <p:blipFill>
-          <a:blip r:embed="rId3"/>
-          <a:stretch>
-            <a:fillRect/>
-          </a:stretch>
-        </p:blipFill>
-        <p:spPr>
-          <a:xfrm>
-            <a:off x="6458944" y="2328950"/>
-            <a:ext cx="5733056" cy="3425049"/>
-          </a:xfrm>
-          <a:prstGeom prst="rect">
-            <a:avLst/>
-          </a:prstGeom>
-        </p:spPr>
-      </p:pic>
-      <p:sp>
-        <p:nvSpPr>
-          <p:cNvPr id="11" name="TextBox 10">
-            <a:extLst>
-              <a:ext uri="{FF2B5EF4-FFF2-40B4-BE49-F238E27FC236}">
-                <a16:creationId xmlns:a16="http://schemas.microsoft.com/office/drawing/2014/main" id="{50D6B226-5CF2-C6D3-2EA7-19321638F3AE}"/>
-              </a:ext>
-            </a:extLst>
-          </p:cNvPr>
-          <p:cNvSpPr txBox="1"/>
-          <p:nvPr/>
-        </p:nvSpPr>
-        <p:spPr>
-          <a:xfrm>
-            <a:off x="6469380" y="-1257300"/>
-            <a:ext cx="184731" cy="369332"/>
-          </a:xfrm>
-          <a:prstGeom prst="rect">
-            <a:avLst/>
-          </a:prstGeom>
-          <a:noFill/>
-        </p:spPr>
-        <p:txBody>
-          <a:bodyPr wrap="none" rtlCol="0">
-            <a:spAutoFit/>
-          </a:bodyPr>
-          <a:lstStyle/>
-          <a:p>
-            <a:endParaRPr lang="ru-RU" dirty="0"/>
-          </a:p>
-        </p:txBody>
-      </p:sp>
-      <p:sp>
-        <p:nvSpPr>
-          <p:cNvPr id="8" name="Параллелограмм 7">
-            <a:extLst>
-              <a:ext uri="{FF2B5EF4-FFF2-40B4-BE49-F238E27FC236}">
-                <a16:creationId xmlns:a16="http://schemas.microsoft.com/office/drawing/2014/main" id="{E005804D-EB41-1E7D-1243-9F7DCAE924DC}"/>
-              </a:ext>
-            </a:extLst>
-          </p:cNvPr>
-          <p:cNvSpPr/>
-          <p:nvPr/>
-        </p:nvSpPr>
-        <p:spPr>
-          <a:xfrm>
-            <a:off x="-1852265" y="-818956"/>
-            <a:ext cx="9386048" cy="8115300"/>
-          </a:xfrm>
-          <a:prstGeom prst="parallelogram">
-            <a:avLst/>
-          </a:prstGeom>
-          <a:solidFill>
-            <a:srgbClr val="176DEA"/>
-          </a:solidFill>
-          <a:ln>
-            <a:noFill/>
-          </a:ln>
-        </p:spPr>
-        <p:style>
-          <a:lnRef idx="2">
-            <a:schemeClr val="accent1">
-              <a:shade val="50000"/>
-            </a:schemeClr>
-          </a:lnRef>
-          <a:fillRef idx="1">
-            <a:schemeClr val="accent1"/>
-          </a:fillRef>
-          <a:effectRef idx="0">
-            <a:schemeClr val="accent1"/>
-          </a:effectRef>
-          <a:fontRef idx="minor">
-            <a:schemeClr val="lt1"/>
-          </a:fontRef>
-        </p:style>
-        <p:txBody>
-          <a:bodyPr rtlCol="0" anchor="ctr"/>
-          <a:lstStyle/>
-          <a:p>
-            <a:pPr algn="ctr"/>
-            <a:endParaRPr lang="ru-RU"/>
-          </a:p>
-        </p:txBody>
-      </p:sp>
-      <p:sp>
-        <p:nvSpPr>
-          <p:cNvPr id="2" name="Заголовок 1">
-            <a:extLst>
-              <a:ext uri="{FF2B5EF4-FFF2-40B4-BE49-F238E27FC236}">
-                <a16:creationId xmlns:a16="http://schemas.microsoft.com/office/drawing/2014/main" id="{5B45E0E9-3513-5531-CB1D-AB5ABE2ED509}"/>
+      <p:sp>
+        <p:nvSpPr>
+          <p:cNvPr id="5" name="Номер слайда 4">
+            <a:extLst>
+              <a:ext uri="{FF2B5EF4-FFF2-40B4-BE49-F238E27FC236}">
+                <a16:creationId xmlns:a16="http://schemas.microsoft.com/office/drawing/2014/main" id="{0F94DC6D-13CB-C77D-6322-613422BA980D}"/>
               </a:ext>
             </a:extLst>
           </p:cNvPr>
@@ -6093,256 +6767,88 @@
             <a:spLocks noGrp="1"/>
           </p:cNvSpPr>
           <p:nvPr>
-            <p:ph type="ctrTitle"/>
+            <p:ph type="sldNum" sz="quarter" idx="12"/>
           </p:nvPr>
         </p:nvSpPr>
-        <p:spPr>
-          <a:xfrm>
-            <a:off x="289059" y="144875"/>
-            <a:ext cx="7013275" cy="1749826"/>
-          </a:xfrm>
-        </p:spPr>
-        <p:txBody>
-          <a:bodyPr anchor="ctr">
-            <a:noAutofit/>
-          </a:bodyPr>
+        <p:spPr/>
+        <p:txBody>
+          <a:bodyPr/>
           <a:lstStyle/>
           <a:p>
-            <a:pPr algn="l"/>
-            <a:r>
-              <a:rPr lang="ru-RU" sz="4000" dirty="0">
-                <a:solidFill>
-                  <a:schemeClr val="bg1"/>
-                </a:solidFill>
-                <a:latin typeface="ALS Sector Regular" pitchFamily="2" charset="0"/>
-                <a:cs typeface="ALS Sector Regular" pitchFamily="2" charset="0"/>
-              </a:rPr>
-              <a:t>Применение метода дообучения</a:t>
-            </a:r>
-            <a:endParaRPr lang="ru-RU" sz="4000" b="1" dirty="0">
+            <a:pPr marL="0" marR="0" lvl="0" indent="0" algn="r" defTabSz="914400" rtl="0" eaLnBrk="1" fontAlgn="auto" latinLnBrk="0" hangingPunct="1">
+              <a:lnSpc>
+                <a:spcPct val="100000"/>
+              </a:lnSpc>
+              <a:spcBef>
+                <a:spcPts val="0"/>
+              </a:spcBef>
+              <a:spcAft>
+                <a:spcPts val="0"/>
+              </a:spcAft>
+              <a:buClrTx/>
+              <a:buSzTx/>
+              <a:buFontTx/>
+              <a:buNone/>
+              <a:tabLst/>
+              <a:defRPr/>
+            </a:pPr>
+            <a:fld id="{1363E1C1-A028-4D4E-A8C8-9214D2A1B6C2}" type="slidenum">
+              <a:rPr kumimoji="0" lang="ru-RU" sz="1200" b="0" i="0" u="none" strike="noStrike" kern="1200" cap="none" spc="0" normalizeH="0" baseline="0" noProof="0" smtClean="0">
+                <a:ln>
+                  <a:noFill/>
+                </a:ln>
+                <a:solidFill>
+                  <a:prstClr val="black">
+                    <a:tint val="75000"/>
+                  </a:prstClr>
+                </a:solidFill>
+                <a:effectLst/>
+                <a:uLnTx/>
+                <a:uFillTx/>
+                <a:ea typeface="+mn-ea"/>
+              </a:rPr>
+              <a:pPr marL="0" marR="0" lvl="0" indent="0" algn="r" defTabSz="914400" rtl="0" eaLnBrk="1" fontAlgn="auto" latinLnBrk="0" hangingPunct="1">
+                <a:lnSpc>
+                  <a:spcPct val="100000"/>
+                </a:lnSpc>
+                <a:spcBef>
+                  <a:spcPts val="0"/>
+                </a:spcBef>
+                <a:spcAft>
+                  <a:spcPts val="0"/>
+                </a:spcAft>
+                <a:buClrTx/>
+                <a:buSzTx/>
+                <a:buFontTx/>
+                <a:buNone/>
+                <a:tabLst/>
+                <a:defRPr/>
+              </a:pPr>
+              <a:t>12</a:t>
+            </a:fld>
+            <a:endParaRPr kumimoji="0" lang="ru-RU" sz="1200" b="0" i="0" u="none" strike="noStrike" kern="1200" cap="none" spc="0" normalizeH="0" baseline="0" noProof="0">
+              <a:ln>
+                <a:noFill/>
+              </a:ln>
               <a:solidFill>
-                <a:schemeClr val="bg1"/>
+                <a:prstClr val="black">
+                  <a:tint val="75000"/>
+                </a:prstClr>
               </a:solidFill>
-              <a:latin typeface="ALS Sector Regular" pitchFamily="2" charset="0"/>
-              <a:cs typeface="ALS Sector Regular" pitchFamily="2" charset="0"/>
+              <a:effectLst/>
+              <a:uLnTx/>
+              <a:uFillTx/>
+              <a:ea typeface="+mn-ea"/>
             </a:endParaRPr>
           </a:p>
         </p:txBody>
       </p:sp>
       <p:sp>
         <p:nvSpPr>
-          <p:cNvPr id="5" name="TextBox 4">
-            <a:extLst>
-              <a:ext uri="{FF2B5EF4-FFF2-40B4-BE49-F238E27FC236}">
-                <a16:creationId xmlns:a16="http://schemas.microsoft.com/office/drawing/2014/main" id="{24FD4D67-7B85-5BA9-B79D-0ACE12EEC2FD}"/>
-              </a:ext>
-            </a:extLst>
-          </p:cNvPr>
-          <p:cNvSpPr txBox="1"/>
-          <p:nvPr/>
-        </p:nvSpPr>
-        <p:spPr>
-          <a:xfrm>
-            <a:off x="-162896" y="2340022"/>
-            <a:ext cx="6007310" cy="3416320"/>
-          </a:xfrm>
-          <a:prstGeom prst="rect">
-            <a:avLst/>
-          </a:prstGeom>
-          <a:noFill/>
-        </p:spPr>
-        <p:txBody>
-          <a:bodyPr wrap="square">
-            <a:spAutoFit/>
-          </a:bodyPr>
-          <a:lstStyle/>
-          <a:p>
-            <a:pPr algn="just"/>
-            <a:r>
-              <a:rPr lang="ru-RU" sz="1800" dirty="0">
-                <a:solidFill>
-                  <a:schemeClr val="bg1"/>
-                </a:solidFill>
-                <a:latin typeface="ALS Sector Regular" pitchFamily="2" charset="0"/>
-                <a:cs typeface="ALS Sector Regular" pitchFamily="2" charset="0"/>
-              </a:rPr>
-              <a:t>Управление активами на основе дневного </a:t>
-            </a:r>
-            <a:r>
-              <a:rPr lang="ru-RU" sz="1800" dirty="0" err="1">
-                <a:solidFill>
-                  <a:schemeClr val="bg1"/>
-                </a:solidFill>
-                <a:latin typeface="ALS Sector Regular" pitchFamily="2" charset="0"/>
-                <a:cs typeface="ALS Sector Regular" pitchFamily="2" charset="0"/>
-              </a:rPr>
-              <a:t>таймфрейма</a:t>
-            </a:r>
-            <a:r>
-              <a:rPr lang="ru-RU" sz="1800" dirty="0">
-                <a:solidFill>
-                  <a:schemeClr val="bg1"/>
-                </a:solidFill>
-                <a:latin typeface="ALS Sector Regular" pitchFamily="2" charset="0"/>
-                <a:cs typeface="ALS Sector Regular" pitchFamily="2" charset="0"/>
-              </a:rPr>
-              <a:t> графика цены подразумевает возможность для дообучения НС каждый день.</a:t>
-            </a:r>
-          </a:p>
-          <a:p>
-            <a:pPr algn="just"/>
-            <a:r>
-              <a:rPr lang="ru-RU" sz="1800" dirty="0">
-                <a:solidFill>
-                  <a:schemeClr val="bg1"/>
-                </a:solidFill>
-                <a:latin typeface="ALS Sector Regular" pitchFamily="2" charset="0"/>
-                <a:cs typeface="ALS Sector Regular" pitchFamily="2" charset="0"/>
-              </a:rPr>
-              <a:t>Поэтому было проведено исследование с использованием цикла дообучений НС. </a:t>
-            </a:r>
-          </a:p>
-          <a:p>
-            <a:pPr algn="just"/>
-            <a:r>
-              <a:rPr lang="ru-RU" sz="1800" dirty="0">
-                <a:solidFill>
-                  <a:schemeClr val="bg1"/>
-                </a:solidFill>
-                <a:latin typeface="ALS Sector Regular" pitchFamily="2" charset="0"/>
-                <a:cs typeface="ALS Sector Regular" pitchFamily="2" charset="0"/>
-              </a:rPr>
-              <a:t>Каждый новый день от брокера мы получаем новый элемент </a:t>
-            </a:r>
-            <a:r>
-              <a:rPr lang="ru-RU" sz="1800" dirty="0" err="1">
-                <a:solidFill>
-                  <a:schemeClr val="bg1"/>
-                </a:solidFill>
-                <a:latin typeface="ALS Sector Regular" pitchFamily="2" charset="0"/>
-                <a:cs typeface="ALS Sector Regular" pitchFamily="2" charset="0"/>
-              </a:rPr>
-              <a:t>датасета</a:t>
-            </a:r>
-            <a:r>
-              <a:rPr lang="ru-RU" sz="1800" dirty="0">
-                <a:solidFill>
-                  <a:schemeClr val="bg1"/>
-                </a:solidFill>
-                <a:latin typeface="ALS Sector Regular" pitchFamily="2" charset="0"/>
-                <a:cs typeface="ALS Sector Regular" pitchFamily="2" charset="0"/>
-              </a:rPr>
-              <a:t> с информацией о цене закрытия вчерашнего дня. </a:t>
-            </a:r>
-            <a:endParaRPr lang="ru-RU" dirty="0">
-              <a:solidFill>
-                <a:schemeClr val="bg1"/>
-              </a:solidFill>
-              <a:latin typeface="ALS Sector Regular" pitchFamily="2" charset="0"/>
-              <a:cs typeface="ALS Sector Regular" pitchFamily="2" charset="0"/>
-            </a:endParaRPr>
-          </a:p>
-          <a:p>
-            <a:pPr algn="just"/>
-            <a:r>
-              <a:rPr lang="ru-RU" sz="1800" dirty="0">
-                <a:solidFill>
-                  <a:schemeClr val="bg1"/>
-                </a:solidFill>
-                <a:latin typeface="ALS Sector Regular" pitchFamily="2" charset="0"/>
-                <a:cs typeface="ALS Sector Regular" pitchFamily="2" charset="0"/>
-              </a:rPr>
-              <a:t>На основе этой информации управляющий активами каждый день добавляет информацию о правильном «</a:t>
-            </a:r>
-            <a:r>
-              <a:rPr lang="ru-RU" sz="1800" dirty="0" err="1">
-                <a:solidFill>
-                  <a:schemeClr val="bg1"/>
-                </a:solidFill>
-                <a:latin typeface="ALS Sector Regular" pitchFamily="2" charset="0"/>
-                <a:cs typeface="ALS Sector Regular" pitchFamily="2" charset="0"/>
-              </a:rPr>
-              <a:t>take-profit</a:t>
-            </a:r>
-            <a:r>
-              <a:rPr lang="ru-RU" sz="1800" dirty="0">
-                <a:solidFill>
-                  <a:schemeClr val="bg1"/>
-                </a:solidFill>
-                <a:latin typeface="ALS Sector Regular" pitchFamily="2" charset="0"/>
-                <a:cs typeface="ALS Sector Regular" pitchFamily="2" charset="0"/>
-              </a:rPr>
-              <a:t>» и «</a:t>
-            </a:r>
-            <a:r>
-              <a:rPr lang="ru-RU" sz="1800" dirty="0" err="1">
-                <a:solidFill>
-                  <a:schemeClr val="bg1"/>
-                </a:solidFill>
-                <a:latin typeface="ALS Sector Regular" pitchFamily="2" charset="0"/>
-                <a:cs typeface="ALS Sector Regular" pitchFamily="2" charset="0"/>
-              </a:rPr>
-              <a:t>stop-loss</a:t>
-            </a:r>
-            <a:r>
-              <a:rPr lang="ru-RU" sz="1800" dirty="0">
-                <a:solidFill>
-                  <a:schemeClr val="bg1"/>
-                </a:solidFill>
-                <a:latin typeface="ALS Sector Regular" pitchFamily="2" charset="0"/>
-                <a:cs typeface="ALS Sector Regular" pitchFamily="2" charset="0"/>
-              </a:rPr>
-              <a:t>». Этой новой информации и будем дообучать НС.</a:t>
-            </a:r>
-          </a:p>
-        </p:txBody>
-      </p:sp>
-      <p:sp>
-        <p:nvSpPr>
-          <p:cNvPr id="12" name="TextBox 11">
-            <a:extLst>
-              <a:ext uri="{FF2B5EF4-FFF2-40B4-BE49-F238E27FC236}">
-                <a16:creationId xmlns:a16="http://schemas.microsoft.com/office/drawing/2014/main" id="{E9357361-B138-86ED-7C5D-FE852A5103EE}"/>
-              </a:ext>
-            </a:extLst>
-          </p:cNvPr>
-          <p:cNvSpPr txBox="1"/>
-          <p:nvPr/>
-        </p:nvSpPr>
-        <p:spPr>
-          <a:xfrm>
-            <a:off x="7449164" y="5260912"/>
-            <a:ext cx="3120742" cy="646331"/>
-          </a:xfrm>
-          <a:prstGeom prst="rect">
-            <a:avLst/>
-          </a:prstGeom>
-          <a:noFill/>
-        </p:spPr>
-        <p:txBody>
-          <a:bodyPr wrap="square">
-            <a:spAutoFit/>
-          </a:bodyPr>
-          <a:lstStyle/>
-          <a:p>
-            <a:pPr algn="ctr"/>
-            <a:r>
-              <a:rPr lang="ru-RU" dirty="0">
-                <a:highlight>
-                  <a:srgbClr val="FF0000"/>
-                </a:highlight>
-              </a:rPr>
-              <a:t>Рис. 11. Схема дообучения (???)</a:t>
-            </a:r>
-          </a:p>
-        </p:txBody>
-      </p:sp>
-      <p:sp>
-        <p:nvSpPr>
-          <p:cNvPr id="16" name="TextBox 15">
-            <a:extLst>
-              <a:ext uri="{FF2B5EF4-FFF2-40B4-BE49-F238E27FC236}">
-                <a16:creationId xmlns:a16="http://schemas.microsoft.com/office/drawing/2014/main" id="{7C12B897-F139-96F7-D007-DBE6781ED388}"/>
+          <p:cNvPr id="2" name="TextBox 1">
+            <a:extLst>
+              <a:ext uri="{FF2B5EF4-FFF2-40B4-BE49-F238E27FC236}">
+                <a16:creationId xmlns:a16="http://schemas.microsoft.com/office/drawing/2014/main" id="{D89A20BE-A8FA-36DA-BBD0-90FAC6A6E23A}"/>
               </a:ext>
             </a:extLst>
           </p:cNvPr>
@@ -6365,22 +6871,241 @@
           </a:bodyPr>
           <a:lstStyle/>
           <a:p>
-            <a:r>
-              <a:rPr lang="ru-RU" dirty="0"/>
-              <a:t>1</a:t>
-            </a:r>
-            <a:r>
-              <a:rPr lang="en-US" dirty="0"/>
-              <a:t>1</a:t>
-            </a:r>
-            <a:endParaRPr lang="ru-RU" dirty="0"/>
+            <a:pPr marL="0" marR="0" lvl="0" indent="0" algn="l" defTabSz="914400" rtl="0" eaLnBrk="1" fontAlgn="auto" latinLnBrk="0" hangingPunct="1">
+              <a:lnSpc>
+                <a:spcPct val="100000"/>
+              </a:lnSpc>
+              <a:spcBef>
+                <a:spcPts val="0"/>
+              </a:spcBef>
+              <a:spcAft>
+                <a:spcPts val="0"/>
+              </a:spcAft>
+              <a:buClrTx/>
+              <a:buSzTx/>
+              <a:buFontTx/>
+              <a:buNone/>
+              <a:tabLst/>
+              <a:defRPr/>
+            </a:pPr>
+            <a:r>
+              <a:rPr lang="ru-RU" dirty="0">
+                <a:solidFill>
+                  <a:prstClr val="white"/>
+                </a:solidFill>
+                <a:latin typeface="Calibri" panose="020F0502020204030204"/>
+              </a:rPr>
+              <a:t>12</a:t>
+            </a:r>
+            <a:endParaRPr kumimoji="0" lang="ru-RU" sz="1800" b="0" i="0" u="none" strike="noStrike" kern="1200" cap="none" spc="0" normalizeH="0" baseline="0" noProof="0" dirty="0">
+              <a:ln>
+                <a:noFill/>
+              </a:ln>
+              <a:solidFill>
+                <a:prstClr val="white"/>
+              </a:solidFill>
+              <a:effectLst/>
+              <a:uLnTx/>
+              <a:uFillTx/>
+              <a:latin typeface="Calibri" panose="020F0502020204030204"/>
+              <a:ea typeface="+mn-ea"/>
+              <a:cs typeface="+mn-cs"/>
+            </a:endParaRPr>
+          </a:p>
+        </p:txBody>
+      </p:sp>
+      <p:sp>
+        <p:nvSpPr>
+          <p:cNvPr id="7" name="Заголовок 1">
+            <a:extLst>
+              <a:ext uri="{FF2B5EF4-FFF2-40B4-BE49-F238E27FC236}">
+                <a16:creationId xmlns:a16="http://schemas.microsoft.com/office/drawing/2014/main" id="{63F1C2BE-E39C-A7DC-F84C-722F69D8E4ED}"/>
+              </a:ext>
+            </a:extLst>
+          </p:cNvPr>
+          <p:cNvSpPr txBox="1">
+            <a:spLocks/>
+          </p:cNvSpPr>
+          <p:nvPr/>
+        </p:nvSpPr>
+        <p:spPr>
+          <a:xfrm>
+            <a:off x="702945" y="0"/>
+            <a:ext cx="9076322" cy="1749826"/>
+          </a:xfrm>
+          <a:prstGeom prst="rect">
+            <a:avLst/>
+          </a:prstGeom>
+        </p:spPr>
+        <p:txBody>
+          <a:bodyPr anchor="ctr">
+            <a:noAutofit/>
+          </a:bodyPr>
+          <a:lstStyle>
+            <a:lvl1pPr algn="l" defTabSz="914400" rtl="0" eaLnBrk="1" latinLnBrk="0" hangingPunct="1">
+              <a:lnSpc>
+                <a:spcPct val="90000"/>
+              </a:lnSpc>
+              <a:spcBef>
+                <a:spcPct val="0"/>
+              </a:spcBef>
+              <a:buNone/>
+              <a:defRPr sz="4400" kern="1200">
+                <a:solidFill>
+                  <a:schemeClr val="tx1"/>
+                </a:solidFill>
+                <a:latin typeface="+mj-lt"/>
+                <a:ea typeface="+mj-ea"/>
+                <a:cs typeface="+mj-cs"/>
+              </a:defRPr>
+            </a:lvl1pPr>
+          </a:lstStyle>
+          <a:p>
+            <a:r>
+              <a:rPr lang="ru-RU" sz="4000" dirty="0">
+                <a:solidFill>
+                  <a:schemeClr val="bg1"/>
+                </a:solidFill>
+                <a:latin typeface="ALS Sector Regular" pitchFamily="2" charset="0"/>
+                <a:cs typeface="ALS Sector Regular" pitchFamily="2" charset="0"/>
+              </a:rPr>
+              <a:t>Применение метода дообучения</a:t>
+            </a:r>
+            <a:endParaRPr lang="ru-RU" sz="4000" b="1" dirty="0">
+              <a:solidFill>
+                <a:schemeClr val="bg1"/>
+              </a:solidFill>
+              <a:latin typeface="ALS Sector Regular" pitchFamily="2" charset="0"/>
+              <a:cs typeface="ALS Sector Regular" pitchFamily="2" charset="0"/>
+            </a:endParaRPr>
+          </a:p>
+        </p:txBody>
+      </p:sp>
+      <p:sp>
+        <p:nvSpPr>
+          <p:cNvPr id="8" name="TextBox 7">
+            <a:extLst>
+              <a:ext uri="{FF2B5EF4-FFF2-40B4-BE49-F238E27FC236}">
+                <a16:creationId xmlns:a16="http://schemas.microsoft.com/office/drawing/2014/main" id="{15A2D07A-F7A3-EE46-8D1A-2CCF84030C7A}"/>
+              </a:ext>
+            </a:extLst>
+          </p:cNvPr>
+          <p:cNvSpPr txBox="1"/>
+          <p:nvPr/>
+        </p:nvSpPr>
+        <p:spPr>
+          <a:xfrm>
+            <a:off x="702945" y="2243770"/>
+            <a:ext cx="6582948" cy="3170099"/>
+          </a:xfrm>
+          <a:prstGeom prst="rect">
+            <a:avLst/>
+          </a:prstGeom>
+          <a:noFill/>
+        </p:spPr>
+        <p:txBody>
+          <a:bodyPr wrap="square">
+            <a:spAutoFit/>
+          </a:bodyPr>
+          <a:lstStyle/>
+          <a:p>
+            <a:pPr algn="just"/>
+            <a:r>
+              <a:rPr lang="ru-RU" sz="2000" dirty="0">
+                <a:solidFill>
+                  <a:schemeClr val="bg1"/>
+                </a:solidFill>
+                <a:latin typeface="ALS Sector Regular" pitchFamily="2" charset="0"/>
+                <a:cs typeface="ALS Sector Regular" pitchFamily="2" charset="0"/>
+              </a:rPr>
+              <a:t>Управление активами на основе дневного </a:t>
+            </a:r>
+            <a:r>
+              <a:rPr lang="ru-RU" sz="2000" dirty="0" err="1">
+                <a:solidFill>
+                  <a:schemeClr val="bg1"/>
+                </a:solidFill>
+                <a:latin typeface="ALS Sector Regular" pitchFamily="2" charset="0"/>
+                <a:cs typeface="ALS Sector Regular" pitchFamily="2" charset="0"/>
+              </a:rPr>
+              <a:t>таймфрейма</a:t>
+            </a:r>
+            <a:r>
+              <a:rPr lang="ru-RU" sz="2000" dirty="0">
+                <a:solidFill>
+                  <a:schemeClr val="bg1"/>
+                </a:solidFill>
+                <a:latin typeface="ALS Sector Regular" pitchFamily="2" charset="0"/>
+                <a:cs typeface="ALS Sector Regular" pitchFamily="2" charset="0"/>
+              </a:rPr>
+              <a:t> графика цены подразумевает возможность для дообучения НС каждый день.</a:t>
+            </a:r>
+          </a:p>
+          <a:p>
+            <a:pPr algn="just"/>
+            <a:r>
+              <a:rPr lang="ru-RU" sz="2000" dirty="0">
+                <a:solidFill>
+                  <a:schemeClr val="bg1"/>
+                </a:solidFill>
+                <a:latin typeface="ALS Sector Regular" pitchFamily="2" charset="0"/>
+                <a:cs typeface="ALS Sector Regular" pitchFamily="2" charset="0"/>
+              </a:rPr>
+              <a:t>Поэтому было проведено исследование с использованием цикла дообучений НС. </a:t>
+            </a:r>
+          </a:p>
+          <a:p>
+            <a:pPr algn="just"/>
+            <a:r>
+              <a:rPr lang="ru-RU" sz="2000" dirty="0">
+                <a:solidFill>
+                  <a:schemeClr val="bg1"/>
+                </a:solidFill>
+                <a:latin typeface="ALS Sector Regular" pitchFamily="2" charset="0"/>
+                <a:cs typeface="ALS Sector Regular" pitchFamily="2" charset="0"/>
+              </a:rPr>
+              <a:t>Каждый день от брокера мы получаем новый элемент датасета с информацией о цене закрытия вчерашнего дня. </a:t>
+            </a:r>
+          </a:p>
+          <a:p>
+            <a:pPr algn="just"/>
+            <a:r>
+              <a:rPr lang="ru-RU" sz="2000" dirty="0">
+                <a:solidFill>
+                  <a:schemeClr val="bg1"/>
+                </a:solidFill>
+                <a:latin typeface="ALS Sector Regular" pitchFamily="2" charset="0"/>
+                <a:cs typeface="ALS Sector Regular" pitchFamily="2" charset="0"/>
+              </a:rPr>
+              <a:t>На её основе, управляющий активами раз в  день добавляет данные о правильном «</a:t>
+            </a:r>
+            <a:r>
+              <a:rPr lang="ru-RU" sz="2000" dirty="0" err="1">
+                <a:solidFill>
+                  <a:schemeClr val="bg1"/>
+                </a:solidFill>
+                <a:latin typeface="ALS Sector Regular" pitchFamily="2" charset="0"/>
+                <a:cs typeface="ALS Sector Regular" pitchFamily="2" charset="0"/>
+              </a:rPr>
+              <a:t>take-profit</a:t>
+            </a:r>
+            <a:r>
+              <a:rPr lang="ru-RU" sz="2000" dirty="0">
+                <a:solidFill>
+                  <a:schemeClr val="bg1"/>
+                </a:solidFill>
+                <a:latin typeface="ALS Sector Regular" pitchFamily="2" charset="0"/>
+                <a:cs typeface="ALS Sector Regular" pitchFamily="2" charset="0"/>
+              </a:rPr>
+              <a:t>» и «stop-loss». Этой новой информации и будем дообучать НС.</a:t>
+            </a:r>
           </a:p>
         </p:txBody>
       </p:sp>
     </p:spTree>
     <p:extLst>
       <p:ext uri="{BB962C8B-B14F-4D97-AF65-F5344CB8AC3E}">
-        <p14:creationId xmlns:p14="http://schemas.microsoft.com/office/powerpoint/2010/main" val="736694917"/>
+        <p14:creationId xmlns:p14="http://schemas.microsoft.com/office/powerpoint/2010/main" val="4287761979"/>
       </p:ext>
     </p:extLst>
   </p:cSld>
@@ -6390,7 +7115,7 @@
 </p:sld>
 </file>
 
-<file path=ppt/slides/slide12.xml><?xml version="1.0" encoding="utf-8"?>
+<file path=ppt/slides/slide13.xml><?xml version="1.0" encoding="utf-8"?>
 <p:sld xmlns:a="http://schemas.openxmlformats.org/drawingml/2006/main" xmlns:r="http://schemas.openxmlformats.org/officeDocument/2006/relationships" xmlns:p="http://schemas.openxmlformats.org/presentationml/2006/main">
   <p:cSld>
     <p:spTree>
@@ -6693,13 +7418,8 @@
           <a:p>
             <a:r>
               <a:rPr lang="ru-RU" dirty="0"/>
-              <a:t>1</a:t>
-            </a:r>
-            <a:r>
-              <a:rPr lang="en-US" dirty="0"/>
-              <a:t>2</a:t>
-            </a:r>
-            <a:endParaRPr lang="ru-RU" dirty="0"/>
+              <a:t>13</a:t>
+            </a:r>
           </a:p>
         </p:txBody>
       </p:sp>
@@ -6867,7 +7587,7 @@
             <a:pPr algn="ctr"/>
             <a:r>
               <a:rPr lang="ru-RU" dirty="0"/>
-              <a:t>Рис. 12. Слева – график до дообучения,</a:t>
+              <a:t>Рис. 15. Слева – график до дообучения,</a:t>
             </a:r>
           </a:p>
           <a:p>
@@ -6894,25 +7614,25 @@
           <p:nvPr>
             <p:extLst>
               <p:ext uri="{D42A27DB-BD31-4B8C-83A1-F6EECF244321}">
-                <p14:modId xmlns:p14="http://schemas.microsoft.com/office/powerpoint/2010/main" val="2736822578"/>
+                <p14:modId xmlns:p14="http://schemas.microsoft.com/office/powerpoint/2010/main" val="3213408666"/>
               </p:ext>
             </p:extLst>
           </p:nvPr>
         </p:nvGraphicFramePr>
         <p:xfrm>
-          <a:off x="6837363" y="1870075"/>
-          <a:ext cx="5008562" cy="438150"/>
+          <a:off x="6778623" y="1933260"/>
+          <a:ext cx="5173662" cy="438150"/>
         </p:xfrm>
         <a:graphic>
           <a:graphicData uri="http://schemas.openxmlformats.org/presentationml/2006/ole">
             <mc:AlternateContent xmlns:mc="http://schemas.openxmlformats.org/markup-compatibility/2006">
               <mc:Choice xmlns:v="urn:schemas-microsoft-com:vml" Requires="v">
-                <p:oleObj name="Worksheet" r:id="rId3" imgW="5229131" imgH="457082" progId="Excel.Sheet.12">
+                <p:oleObj name="Worksheet" r:id="rId3" imgW="5400526" imgH="457082" progId="Excel.Sheet.12">
                   <p:embed/>
                 </p:oleObj>
               </mc:Choice>
               <mc:Fallback>
-                <p:oleObj name="Worksheet" r:id="rId3" imgW="5229131" imgH="457082" progId="Excel.Sheet.12">
+                <p:oleObj name="Worksheet" r:id="rId3" imgW="5400526" imgH="457082" progId="Excel.Sheet.12">
                   <p:embed/>
                   <p:pic>
                     <p:nvPicPr>
@@ -6928,8 +7648,8 @@
                     </p:blipFill>
                     <p:spPr>
                       <a:xfrm>
-                        <a:off x="6837363" y="1870075"/>
-                        <a:ext cx="5008562" cy="438150"/>
+                        <a:off x="6778623" y="1933260"/>
+                        <a:ext cx="5173662" cy="438150"/>
                       </a:xfrm>
                       <a:prstGeom prst="rect">
                         <a:avLst/>
@@ -7001,25 +7721,25 @@
           <p:nvPr>
             <p:extLst>
               <p:ext uri="{D42A27DB-BD31-4B8C-83A1-F6EECF244321}">
-                <p14:modId xmlns:p14="http://schemas.microsoft.com/office/powerpoint/2010/main" val="1546984507"/>
+                <p14:modId xmlns:p14="http://schemas.microsoft.com/office/powerpoint/2010/main" val="2559323448"/>
               </p:ext>
             </p:extLst>
           </p:nvPr>
         </p:nvGraphicFramePr>
         <p:xfrm>
-          <a:off x="6881813" y="3813175"/>
-          <a:ext cx="4967287" cy="1539875"/>
+          <a:off x="6767511" y="3898646"/>
+          <a:ext cx="5195887" cy="1539875"/>
         </p:xfrm>
         <a:graphic>
           <a:graphicData uri="http://schemas.openxmlformats.org/presentationml/2006/ole">
             <mc:AlternateContent xmlns:mc="http://schemas.openxmlformats.org/markup-compatibility/2006">
               <mc:Choice xmlns:v="urn:schemas-microsoft-com:vml" Requires="v">
-                <p:oleObj name="Worksheet" r:id="rId5" imgW="5162694" imgH="1600318" progId="Excel.Sheet.12">
+                <p:oleObj name="Worksheet" r:id="rId5" imgW="5400526" imgH="1600318" progId="Excel.Sheet.12">
                   <p:embed/>
                 </p:oleObj>
               </mc:Choice>
               <mc:Fallback>
-                <p:oleObj name="Worksheet" r:id="rId5" imgW="5162694" imgH="1600318" progId="Excel.Sheet.12">
+                <p:oleObj name="Worksheet" r:id="rId5" imgW="5400526" imgH="1600318" progId="Excel.Sheet.12">
                   <p:embed/>
                   <p:pic>
                     <p:nvPicPr>
@@ -7035,8 +7755,8 @@
                     </p:blipFill>
                     <p:spPr>
                       <a:xfrm>
-                        <a:off x="6881813" y="3813175"/>
-                        <a:ext cx="4967287" cy="1539875"/>
+                        <a:off x="6767511" y="3898646"/>
+                        <a:ext cx="5195887" cy="1539875"/>
                       </a:xfrm>
                       <a:prstGeom prst="rect">
                         <a:avLst/>
@@ -7188,7 +7908,7 @@
             <a:pPr algn="ctr"/>
             <a:r>
               <a:rPr lang="ru-RU" dirty="0"/>
-              <a:t>Рис. 12. Слева – график до дообучения,</a:t>
+              <a:t>Рис. 16. Слева – график до дообучения,</a:t>
             </a:r>
           </a:p>
           <a:p>
@@ -7333,7 +8053,7 @@
 </p:sld>
 </file>
 
-<file path=ppt/slides/slide13.xml><?xml version="1.0" encoding="utf-8"?>
+<file path=ppt/slides/slide14.xml><?xml version="1.0" encoding="utf-8"?>
 <p:sld xmlns:a="http://schemas.openxmlformats.org/drawingml/2006/main" xmlns:r="http://schemas.openxmlformats.org/officeDocument/2006/relationships" xmlns:p="http://schemas.openxmlformats.org/presentationml/2006/main">
   <p:cSld>
     <p:spTree>
@@ -7604,13 +8324,8 @@
           <a:p>
             <a:r>
               <a:rPr lang="ru-RU" dirty="0"/>
-              <a:t>1</a:t>
-            </a:r>
-            <a:r>
-              <a:rPr lang="en-US" dirty="0"/>
-              <a:t>2</a:t>
-            </a:r>
-            <a:endParaRPr lang="ru-RU" dirty="0"/>
+              <a:t>14</a:t>
+            </a:r>
           </a:p>
         </p:txBody>
       </p:sp>
@@ -7794,25 +8509,25 @@
           <p:nvPr>
             <p:extLst>
               <p:ext uri="{D42A27DB-BD31-4B8C-83A1-F6EECF244321}">
-                <p14:modId xmlns:p14="http://schemas.microsoft.com/office/powerpoint/2010/main" val="899402064"/>
+                <p14:modId xmlns:p14="http://schemas.microsoft.com/office/powerpoint/2010/main" val="2836144334"/>
               </p:ext>
             </p:extLst>
           </p:nvPr>
         </p:nvGraphicFramePr>
         <p:xfrm>
-          <a:off x="6837363" y="1870075"/>
-          <a:ext cx="4916487" cy="438150"/>
+          <a:off x="6770686" y="1893434"/>
+          <a:ext cx="5189537" cy="438150"/>
         </p:xfrm>
         <a:graphic>
           <a:graphicData uri="http://schemas.openxmlformats.org/presentationml/2006/ole">
             <mc:AlternateContent xmlns:mc="http://schemas.openxmlformats.org/markup-compatibility/2006">
               <mc:Choice xmlns:v="urn:schemas-microsoft-com:vml" Requires="v">
-                <p:oleObj name="Worksheet" r:id="rId3" imgW="5134069" imgH="457082" progId="Excel.Sheet.12">
+                <p:oleObj name="Worksheet" r:id="rId3" imgW="5419609" imgH="457082" progId="Excel.Sheet.12">
                   <p:embed/>
                 </p:oleObj>
               </mc:Choice>
               <mc:Fallback>
-                <p:oleObj name="Worksheet" r:id="rId3" imgW="5134069" imgH="457082" progId="Excel.Sheet.12">
+                <p:oleObj name="Worksheet" r:id="rId3" imgW="5419609" imgH="457082" progId="Excel.Sheet.12">
                   <p:embed/>
                   <p:pic>
                     <p:nvPicPr>
@@ -7834,8 +8549,8 @@
                     </p:blipFill>
                     <p:spPr>
                       <a:xfrm>
-                        <a:off x="6837363" y="1870075"/>
-                        <a:ext cx="4916487" cy="438150"/>
+                        <a:off x="6770686" y="1893434"/>
+                        <a:ext cx="5189537" cy="438150"/>
                       </a:xfrm>
                       <a:prstGeom prst="rect">
                         <a:avLst/>
@@ -7879,7 +8594,7 @@
             <a:pPr algn="ctr"/>
             <a:r>
               <a:rPr lang="ru-RU" dirty="0"/>
-              <a:t>Таблица 8. Значения метрик для</a:t>
+              <a:t>Таблица 10. Значения метрик для</a:t>
             </a:r>
             <a:r>
               <a:rPr lang="en-US" dirty="0"/>
@@ -7915,25 +8630,25 @@
           <p:nvPr>
             <p:extLst>
               <p:ext uri="{D42A27DB-BD31-4B8C-83A1-F6EECF244321}">
-                <p14:modId xmlns:p14="http://schemas.microsoft.com/office/powerpoint/2010/main" val="2021157171"/>
+                <p14:modId xmlns:p14="http://schemas.microsoft.com/office/powerpoint/2010/main" val="2795913306"/>
               </p:ext>
             </p:extLst>
           </p:nvPr>
         </p:nvGraphicFramePr>
         <p:xfrm>
-          <a:off x="6881813" y="3813175"/>
-          <a:ext cx="4967287" cy="1539875"/>
+          <a:off x="6738392" y="3879043"/>
+          <a:ext cx="5195887" cy="1539875"/>
         </p:xfrm>
         <a:graphic>
           <a:graphicData uri="http://schemas.openxmlformats.org/presentationml/2006/ole">
             <mc:AlternateContent xmlns:mc="http://schemas.openxmlformats.org/markup-compatibility/2006">
               <mc:Choice xmlns:v="urn:schemas-microsoft-com:vml" Requires="v">
-                <p:oleObj name="Worksheet" r:id="rId5" imgW="5162694" imgH="1600318" progId="Excel.Sheet.12">
+                <p:oleObj name="Worksheet" r:id="rId5" imgW="5400526" imgH="1600318" progId="Excel.Sheet.12">
                   <p:embed/>
                 </p:oleObj>
               </mc:Choice>
               <mc:Fallback>
-                <p:oleObj name="Worksheet" r:id="rId5" imgW="5162694" imgH="1600318" progId="Excel.Sheet.12">
+                <p:oleObj name="Worksheet" r:id="rId5" imgW="5400526" imgH="1600318" progId="Excel.Sheet.12">
                   <p:embed/>
                   <p:pic>
                     <p:nvPicPr>
@@ -7955,8 +8670,8 @@
                     </p:blipFill>
                     <p:spPr>
                       <a:xfrm>
-                        <a:off x="6881813" y="3813175"/>
-                        <a:ext cx="4967287" cy="1539875"/>
+                        <a:off x="6738392" y="3879043"/>
+                        <a:ext cx="5195887" cy="1539875"/>
                       </a:xfrm>
                       <a:prstGeom prst="rect">
                         <a:avLst/>
@@ -8000,7 +8715,7 @@
             <a:pPr algn="ctr"/>
             <a:r>
               <a:rPr lang="ru-RU" dirty="0"/>
-              <a:t>Таблица 9. Значения метрик для </a:t>
+              <a:t>Таблица 11. Значения метрик для </a:t>
             </a:r>
             <a:r>
               <a:rPr lang="en-US" dirty="0"/>
@@ -8108,7 +8823,7 @@
             <a:pPr algn="ctr"/>
             <a:r>
               <a:rPr lang="ru-RU" dirty="0"/>
-              <a:t>Рис. 12. Слева – график до дообучения,</a:t>
+              <a:t>Рис. 17. Слева – график до дообучения,</a:t>
             </a:r>
           </a:p>
           <a:p>
@@ -8151,7 +8866,7 @@
             <a:pPr algn="ctr"/>
             <a:r>
               <a:rPr lang="ru-RU" dirty="0"/>
-              <a:t>Рис. 12. Слева – график до дообучения,</a:t>
+              <a:t>Рис. 18. Слева – график до дообучения,</a:t>
             </a:r>
           </a:p>
           <a:p>
@@ -8296,7 +9011,7 @@
 </p:sld>
 </file>
 
-<file path=ppt/slides/slide14.xml><?xml version="1.0" encoding="utf-8"?>
+<file path=ppt/slides/slide15.xml><?xml version="1.0" encoding="utf-8"?>
 <p:sld xmlns:a="http://schemas.openxmlformats.org/drawingml/2006/main" xmlns:r="http://schemas.openxmlformats.org/officeDocument/2006/relationships" xmlns:p="http://schemas.openxmlformats.org/presentationml/2006/main">
   <p:cSld>
     <p:spTree>
@@ -8567,13 +9282,8 @@
           <a:p>
             <a:r>
               <a:rPr lang="ru-RU" dirty="0"/>
-              <a:t>1</a:t>
-            </a:r>
-            <a:r>
-              <a:rPr lang="en-US" dirty="0"/>
-              <a:t>2</a:t>
-            </a:r>
-            <a:endParaRPr lang="ru-RU" dirty="0"/>
+              <a:t>15</a:t>
+            </a:r>
           </a:p>
         </p:txBody>
       </p:sp>
@@ -8693,25 +9403,25 @@
           <p:nvPr>
             <p:extLst>
               <p:ext uri="{D42A27DB-BD31-4B8C-83A1-F6EECF244321}">
-                <p14:modId xmlns:p14="http://schemas.microsoft.com/office/powerpoint/2010/main" val="2930748002"/>
+                <p14:modId xmlns:p14="http://schemas.microsoft.com/office/powerpoint/2010/main" val="3318369999"/>
               </p:ext>
             </p:extLst>
           </p:nvPr>
         </p:nvGraphicFramePr>
         <p:xfrm>
-          <a:off x="7060655" y="1858872"/>
-          <a:ext cx="4551362" cy="438150"/>
+          <a:off x="6921497" y="1879574"/>
+          <a:ext cx="4887913" cy="438150"/>
         </p:xfrm>
         <a:graphic>
           <a:graphicData uri="http://schemas.openxmlformats.org/presentationml/2006/ole">
             <mc:AlternateContent xmlns:mc="http://schemas.openxmlformats.org/markup-compatibility/2006">
               <mc:Choice xmlns:v="urn:schemas-microsoft-com:vml" Requires="v">
-                <p:oleObj name="Worksheet" r:id="rId3" imgW="4753113" imgH="457082" progId="Excel.Sheet.12">
+                <p:oleObj name="Worksheet" r:id="rId3" imgW="5105444" imgH="457082" progId="Excel.Sheet.12">
                   <p:embed/>
                 </p:oleObj>
               </mc:Choice>
               <mc:Fallback>
-                <p:oleObj name="Worksheet" r:id="rId3" imgW="4753113" imgH="457082" progId="Excel.Sheet.12">
+                <p:oleObj name="Worksheet" r:id="rId3" imgW="5105444" imgH="457082" progId="Excel.Sheet.12">
                   <p:embed/>
                   <p:pic>
                     <p:nvPicPr>
@@ -8733,8 +9443,8 @@
                     </p:blipFill>
                     <p:spPr>
                       <a:xfrm>
-                        <a:off x="7060655" y="1858872"/>
-                        <a:ext cx="4551362" cy="438150"/>
+                        <a:off x="6921497" y="1879574"/>
+                        <a:ext cx="4887913" cy="438150"/>
                       </a:xfrm>
                       <a:prstGeom prst="rect">
                         <a:avLst/>
@@ -8778,7 +9488,7 @@
             <a:pPr algn="ctr"/>
             <a:r>
               <a:rPr lang="ru-RU" dirty="0"/>
-              <a:t>Таблица 8. Значения метрик для </a:t>
+              <a:t>Таблица 12. Значения метрик для </a:t>
             </a:r>
             <a:r>
               <a:rPr lang="en-US" dirty="0"/>
@@ -8806,25 +9516,25 @@
           <p:nvPr>
             <p:extLst>
               <p:ext uri="{D42A27DB-BD31-4B8C-83A1-F6EECF244321}">
-                <p14:modId xmlns:p14="http://schemas.microsoft.com/office/powerpoint/2010/main" val="3218703991"/>
+                <p14:modId xmlns:p14="http://schemas.microsoft.com/office/powerpoint/2010/main" val="1806879585"/>
               </p:ext>
             </p:extLst>
           </p:nvPr>
         </p:nvGraphicFramePr>
         <p:xfrm>
-          <a:off x="6931817" y="4320234"/>
-          <a:ext cx="4867275" cy="989013"/>
+          <a:off x="6766717" y="4320234"/>
+          <a:ext cx="5197475" cy="989012"/>
         </p:xfrm>
         <a:graphic>
           <a:graphicData uri="http://schemas.openxmlformats.org/presentationml/2006/ole">
             <mc:AlternateContent xmlns:mc="http://schemas.openxmlformats.org/markup-compatibility/2006">
               <mc:Choice xmlns:v="urn:schemas-microsoft-com:vml" Requires="v">
-                <p:oleObj name="Worksheet" r:id="rId5" imgW="5057736" imgH="1028700" progId="Excel.Sheet.12">
+                <p:oleObj name="Worksheet" r:id="rId5" imgW="5400526" imgH="1028700" progId="Excel.Sheet.12">
                   <p:embed/>
                 </p:oleObj>
               </mc:Choice>
               <mc:Fallback>
-                <p:oleObj name="Worksheet" r:id="rId5" imgW="5057736" imgH="1028700" progId="Excel.Sheet.12">
+                <p:oleObj name="Worksheet" r:id="rId5" imgW="5400526" imgH="1028700" progId="Excel.Sheet.12">
                   <p:embed/>
                   <p:pic>
                     <p:nvPicPr>
@@ -8846,8 +9556,8 @@
                     </p:blipFill>
                     <p:spPr>
                       <a:xfrm>
-                        <a:off x="6931817" y="4320234"/>
-                        <a:ext cx="4867275" cy="989013"/>
+                        <a:off x="6766717" y="4320234"/>
+                        <a:ext cx="5197475" cy="989012"/>
                       </a:xfrm>
                       <a:prstGeom prst="rect">
                         <a:avLst/>
@@ -8891,7 +9601,7 @@
             <a:pPr algn="ctr"/>
             <a:r>
               <a:rPr lang="ru-RU" dirty="0"/>
-              <a:t>Таблица 9. Значения метрик для </a:t>
+              <a:t>Таблица 13. Значения метрик для </a:t>
             </a:r>
             <a:r>
               <a:rPr lang="en-US" dirty="0"/>
@@ -8999,7 +9709,7 @@
             <a:pPr algn="ctr"/>
             <a:r>
               <a:rPr lang="ru-RU" dirty="0"/>
-              <a:t>Рис. 12. Слева – график до дообучения,</a:t>
+              <a:t>Рис. 19. Слева – график до дообучения,</a:t>
             </a:r>
           </a:p>
           <a:p>
@@ -9042,7 +9752,7 @@
             <a:pPr algn="ctr"/>
             <a:r>
               <a:rPr lang="ru-RU" dirty="0"/>
-              <a:t>Рис. 12. Слева – график до дообучения,</a:t>
+              <a:t>Рис. 20. Слева – график до дообучения,</a:t>
             </a:r>
           </a:p>
           <a:p>
@@ -9187,13 +9897,13 @@
 </p:sld>
 </file>
 
-<file path=ppt/slides/slide15.xml><?xml version="1.0" encoding="utf-8"?>
+<file path=ppt/slides/slide16.xml><?xml version="1.0" encoding="utf-8"?>
 <p:sld xmlns:a="http://schemas.openxmlformats.org/drawingml/2006/main" xmlns:r="http://schemas.openxmlformats.org/officeDocument/2006/relationships" xmlns:p="http://schemas.openxmlformats.org/presentationml/2006/main">
   <p:cSld>
     <p:bg>
       <p:bgPr>
         <a:blipFill dpi="0" rotWithShape="1">
-          <a:blip r:embed="rId2">
+          <a:blip r:embed="rId3">
             <a:lum/>
           </a:blip>
           <a:srcRect/>
@@ -9394,7 +10104,7 @@
                 <a:tabLst/>
                 <a:defRPr/>
               </a:pPr>
-              <a:t>15</a:t>
+              <a:t>16</a:t>
             </a:fld>
             <a:endParaRPr kumimoji="0" lang="ru-RU" sz="1200" b="0" i="0" u="none" strike="noStrike" kern="1200" cap="none" spc="0" normalizeH="0" baseline="0" noProof="0">
               <a:ln>
@@ -9955,21 +10665,8 @@
                   <a:schemeClr val="bg1"/>
                 </a:solidFill>
               </a:rPr>
-              <a:t>1</a:t>
-            </a:r>
-            <a:r>
-              <a:rPr lang="en-US" dirty="0">
-                <a:solidFill>
-                  <a:schemeClr val="bg1"/>
-                </a:solidFill>
-              </a:rPr>
-              <a:t>3</a:t>
-            </a:r>
-            <a:endParaRPr lang="ru-RU" dirty="0">
-              <a:solidFill>
-                <a:schemeClr val="bg1"/>
-              </a:solidFill>
-            </a:endParaRPr>
+              <a:t>16</a:t>
+            </a:r>
           </a:p>
         </p:txBody>
       </p:sp>
@@ -10982,248 +11679,6 @@
       </p:sp>
       <p:sp>
         <p:nvSpPr>
-          <p:cNvPr id="10" name="TextBox 9">
-            <a:extLst>
-              <a:ext uri="{FF2B5EF4-FFF2-40B4-BE49-F238E27FC236}">
-                <a16:creationId xmlns:a16="http://schemas.microsoft.com/office/drawing/2014/main" id="{5B7362B9-2561-CE57-38BF-6385AC07C6C1}"/>
-              </a:ext>
-            </a:extLst>
-          </p:cNvPr>
-          <p:cNvSpPr txBox="1"/>
-          <p:nvPr/>
-        </p:nvSpPr>
-        <p:spPr>
-          <a:xfrm>
-            <a:off x="471037" y="1134635"/>
-            <a:ext cx="7576024" cy="923330"/>
-          </a:xfrm>
-          <a:prstGeom prst="rect">
-            <a:avLst/>
-          </a:prstGeom>
-          <a:noFill/>
-        </p:spPr>
-        <p:txBody>
-          <a:bodyPr wrap="square">
-            <a:spAutoFit/>
-          </a:bodyPr>
-          <a:lstStyle/>
-          <a:p>
-            <a:pPr marL="342900" marR="0" lvl="0" indent="-342900" algn="just" defTabSz="914400" rtl="0" eaLnBrk="1" fontAlgn="auto" latinLnBrk="0" hangingPunct="1">
-              <a:lnSpc>
-                <a:spcPct val="100000"/>
-              </a:lnSpc>
-              <a:spcBef>
-                <a:spcPts val="0"/>
-              </a:spcBef>
-              <a:spcAft>
-                <a:spcPts val="0"/>
-              </a:spcAft>
-              <a:buClrTx/>
-              <a:buSzTx/>
-              <a:buFontTx/>
-              <a:buAutoNum type="arabicPeriod"/>
-              <a:tabLst/>
-              <a:defRPr/>
-            </a:pPr>
-            <a:r>
-              <a:rPr lang="en-US" sz="1800" dirty="0" err="1">
-                <a:solidFill>
-                  <a:schemeClr val="bg1"/>
-                </a:solidFill>
-                <a:latin typeface="ALS Sector Regular" pitchFamily="2" charset="0"/>
-                <a:cs typeface="ALS Sector Regular" pitchFamily="2" charset="0"/>
-              </a:rPr>
-              <a:t>take_profit</a:t>
-            </a:r>
-            <a:r>
-              <a:rPr lang="en-US" sz="1800" dirty="0">
-                <a:solidFill>
-                  <a:schemeClr val="bg1"/>
-                </a:solidFill>
-                <a:latin typeface="ALS Sector Regular" pitchFamily="2" charset="0"/>
-                <a:cs typeface="ALS Sector Regular" pitchFamily="2" charset="0"/>
-              </a:rPr>
-              <a:t> </a:t>
-            </a:r>
-            <a:r>
-              <a:rPr lang="ru-RU" sz="1800" dirty="0">
-                <a:solidFill>
-                  <a:schemeClr val="bg1"/>
-                </a:solidFill>
-                <a:latin typeface="ALS Sector Regular" pitchFamily="2" charset="0"/>
-                <a:cs typeface="ALS Sector Regular" pitchFamily="2" charset="0"/>
-              </a:rPr>
-              <a:t>и </a:t>
-            </a:r>
-            <a:r>
-              <a:rPr lang="en-US" sz="1800" dirty="0" err="1">
-                <a:solidFill>
-                  <a:schemeClr val="bg1"/>
-                </a:solidFill>
-                <a:latin typeface="ALS Sector Regular" pitchFamily="2" charset="0"/>
-                <a:cs typeface="ALS Sector Regular" pitchFamily="2" charset="0"/>
-              </a:rPr>
-              <a:t>stop_loss</a:t>
-            </a:r>
-            <a:endParaRPr lang="ru-RU" sz="1800" dirty="0">
-              <a:solidFill>
-                <a:schemeClr val="bg1"/>
-              </a:solidFill>
-              <a:latin typeface="ALS Sector Regular" pitchFamily="2" charset="0"/>
-              <a:cs typeface="ALS Sector Regular" pitchFamily="2" charset="0"/>
-            </a:endParaRPr>
-          </a:p>
-          <a:p>
-            <a:pPr marL="342900" marR="0" lvl="0" indent="-342900" algn="just" defTabSz="914400" rtl="0" eaLnBrk="1" fontAlgn="auto" latinLnBrk="0" hangingPunct="1">
-              <a:lnSpc>
-                <a:spcPct val="100000"/>
-              </a:lnSpc>
-              <a:spcBef>
-                <a:spcPts val="0"/>
-              </a:spcBef>
-              <a:spcAft>
-                <a:spcPts val="0"/>
-              </a:spcAft>
-              <a:buClrTx/>
-              <a:buSzTx/>
-              <a:buFontTx/>
-              <a:buAutoNum type="arabicPeriod"/>
-              <a:tabLst/>
-              <a:defRPr/>
-            </a:pPr>
-            <a:r>
-              <a:rPr kumimoji="0" lang="ru-RU" b="0" i="0" u="none" strike="noStrike" kern="1200" cap="none" spc="0" normalizeH="0" baseline="0" noProof="0" dirty="0">
-                <a:ln>
-                  <a:noFill/>
-                </a:ln>
-                <a:solidFill>
-                  <a:schemeClr val="bg1"/>
-                </a:solidFill>
-                <a:effectLst/>
-                <a:uLnTx/>
-                <a:uFillTx/>
-                <a:latin typeface="ALS Sector Regular" pitchFamily="2" charset="0"/>
-                <a:ea typeface="+mn-ea"/>
-                <a:cs typeface="ALS Sector Regular" pitchFamily="2" charset="0"/>
-              </a:rPr>
-              <a:t>Показать типовой график с </a:t>
-            </a:r>
-            <a:r>
-              <a:rPr kumimoji="0" lang="en-US" b="0" i="0" u="none" strike="noStrike" kern="1200" cap="none" spc="0" normalizeH="0" baseline="0" noProof="0" dirty="0" err="1">
-                <a:ln>
-                  <a:noFill/>
-                </a:ln>
-                <a:solidFill>
-                  <a:schemeClr val="bg1"/>
-                </a:solidFill>
-                <a:effectLst/>
-                <a:uLnTx/>
-                <a:uFillTx/>
-                <a:latin typeface="ALS Sector Regular" pitchFamily="2" charset="0"/>
-                <a:ea typeface="+mn-ea"/>
-                <a:cs typeface="ALS Sector Regular" pitchFamily="2" charset="0"/>
-              </a:rPr>
-              <a:t>TradingView</a:t>
-            </a:r>
-            <a:r>
-              <a:rPr kumimoji="0" lang="en-US" b="0" i="0" u="none" strike="noStrike" kern="1200" cap="none" spc="0" normalizeH="0" baseline="0" noProof="0" dirty="0">
-                <a:ln>
-                  <a:noFill/>
-                </a:ln>
-                <a:solidFill>
-                  <a:schemeClr val="bg1"/>
-                </a:solidFill>
-                <a:effectLst/>
-                <a:uLnTx/>
-                <a:uFillTx/>
-                <a:latin typeface="ALS Sector Regular" pitchFamily="2" charset="0"/>
-                <a:ea typeface="+mn-ea"/>
-                <a:cs typeface="ALS Sector Regular" pitchFamily="2" charset="0"/>
-              </a:rPr>
-              <a:t> c </a:t>
-            </a:r>
-            <a:r>
-              <a:rPr lang="ru-RU" dirty="0">
-                <a:solidFill>
-                  <a:schemeClr val="bg1"/>
-                </a:solidFill>
-                <a:latin typeface="ALS Sector Regular" pitchFamily="2" charset="0"/>
-                <a:cs typeface="ALS Sector Regular" pitchFamily="2" charset="0"/>
-              </a:rPr>
-              <a:t>подписью.</a:t>
-            </a:r>
-          </a:p>
-          <a:p>
-            <a:pPr marL="342900" marR="0" lvl="0" indent="-342900" algn="just" defTabSz="914400" rtl="0" eaLnBrk="1" fontAlgn="auto" latinLnBrk="0" hangingPunct="1">
-              <a:lnSpc>
-                <a:spcPct val="100000"/>
-              </a:lnSpc>
-              <a:spcBef>
-                <a:spcPts val="0"/>
-              </a:spcBef>
-              <a:spcAft>
-                <a:spcPts val="0"/>
-              </a:spcAft>
-              <a:buClrTx/>
-              <a:buSzTx/>
-              <a:buFontTx/>
-              <a:buAutoNum type="arabicPeriod"/>
-              <a:tabLst/>
-              <a:defRPr/>
-            </a:pPr>
-            <a:r>
-              <a:rPr kumimoji="0" lang="ru-RU" sz="1800" b="0" i="0" u="none" strike="noStrike" kern="1200" cap="none" spc="0" normalizeH="0" baseline="0" noProof="0" dirty="0">
-                <a:ln>
-                  <a:noFill/>
-                </a:ln>
-                <a:solidFill>
-                  <a:schemeClr val="bg1"/>
-                </a:solidFill>
-                <a:effectLst/>
-                <a:uLnTx/>
-                <a:uFillTx/>
-                <a:latin typeface="ALS Sector Regular" pitchFamily="2" charset="0"/>
-                <a:ea typeface="+mn-ea"/>
-                <a:cs typeface="ALS Sector Regular" pitchFamily="2" charset="0"/>
-              </a:rPr>
-              <a:t>Пояснения по каждой свече: </a:t>
-            </a:r>
-            <a:r>
-              <a:rPr kumimoji="0" lang="en-US" sz="1800" b="0" i="0" u="none" strike="noStrike" kern="1200" cap="none" spc="0" normalizeH="0" baseline="0" noProof="0" dirty="0">
-                <a:ln>
-                  <a:noFill/>
-                </a:ln>
-                <a:solidFill>
-                  <a:schemeClr val="bg1"/>
-                </a:solidFill>
-                <a:effectLst/>
-                <a:uLnTx/>
-                <a:uFillTx/>
-                <a:latin typeface="ALS Sector Regular" pitchFamily="2" charset="0"/>
-                <a:ea typeface="+mn-ea"/>
-                <a:cs typeface="ALS Sector Regular" pitchFamily="2" charset="0"/>
-              </a:rPr>
-              <a:t>min, max, EMA 200.</a:t>
-            </a:r>
-            <a:endParaRPr kumimoji="0" lang="ru-RU" sz="1800" b="0" i="0" u="none" strike="noStrike" kern="1200" cap="none" spc="0" normalizeH="0" baseline="0" noProof="0" dirty="0">
-              <a:ln>
-                <a:noFill/>
-              </a:ln>
-              <a:solidFill>
-                <a:prstClr val="white"/>
-              </a:solidFill>
-              <a:effectLst/>
-              <a:uLnTx/>
-              <a:uFillTx/>
-              <a:latin typeface="ALS Sector Regular" pitchFamily="2" charset="0"/>
-              <a:ea typeface="+mn-ea"/>
-              <a:cs typeface="ALS Sector Regular" pitchFamily="2" charset="0"/>
-            </a:endParaRPr>
-          </a:p>
-        </p:txBody>
-      </p:sp>
-      <p:sp>
-        <p:nvSpPr>
           <p:cNvPr id="2" name="TextBox 1">
             <a:extLst>
               <a:ext uri="{FF2B5EF4-FFF2-40B4-BE49-F238E27FC236}">
@@ -11266,6 +11721,894 @@
           </a:p>
         </p:txBody>
       </p:sp>
+      <p:grpSp>
+        <p:nvGrpSpPr>
+          <p:cNvPr id="11" name="Группа 10">
+            <a:extLst>
+              <a:ext uri="{FF2B5EF4-FFF2-40B4-BE49-F238E27FC236}">
+                <a16:creationId xmlns:a16="http://schemas.microsoft.com/office/drawing/2014/main" id="{DA591858-FED8-5C09-E131-F7D6787D3B43}"/>
+              </a:ext>
+            </a:extLst>
+          </p:cNvPr>
+          <p:cNvGrpSpPr/>
+          <p:nvPr/>
+        </p:nvGrpSpPr>
+        <p:grpSpPr>
+          <a:xfrm>
+            <a:off x="5680296" y="4389147"/>
+            <a:ext cx="2332370" cy="2248774"/>
+            <a:chOff x="5199773" y="3376431"/>
+            <a:chExt cx="3120742" cy="3291455"/>
+          </a:xfrm>
+        </p:grpSpPr>
+        <p:pic>
+          <p:nvPicPr>
+            <p:cNvPr id="8" name="Рисунок 7">
+              <a:extLst>
+                <a:ext uri="{FF2B5EF4-FFF2-40B4-BE49-F238E27FC236}">
+                  <a16:creationId xmlns:a16="http://schemas.microsoft.com/office/drawing/2014/main" id="{F77E51E8-C8B4-E043-60F9-6ADBC70B250C}"/>
+                </a:ext>
+              </a:extLst>
+            </p:cNvPr>
+            <p:cNvPicPr>
+              <a:picLocks noChangeAspect="1"/>
+            </p:cNvPicPr>
+            <p:nvPr/>
+          </p:nvPicPr>
+          <p:blipFill>
+            <a:blip r:embed="rId4"/>
+            <a:stretch>
+              <a:fillRect/>
+            </a:stretch>
+          </p:blipFill>
+          <p:spPr>
+            <a:xfrm>
+              <a:off x="5268484" y="3376431"/>
+              <a:ext cx="2983320" cy="2649722"/>
+            </a:xfrm>
+            <a:prstGeom prst="rect">
+              <a:avLst/>
+            </a:prstGeom>
+          </p:spPr>
+        </p:pic>
+        <p:sp>
+          <p:nvSpPr>
+            <p:cNvPr id="9" name="TextBox 8">
+              <a:extLst>
+                <a:ext uri="{FF2B5EF4-FFF2-40B4-BE49-F238E27FC236}">
+                  <a16:creationId xmlns:a16="http://schemas.microsoft.com/office/drawing/2014/main" id="{2D264D49-8F3B-654A-9222-8E0CEA4A851F}"/>
+                </a:ext>
+              </a:extLst>
+            </p:cNvPr>
+            <p:cNvSpPr txBox="1"/>
+            <p:nvPr/>
+          </p:nvSpPr>
+          <p:spPr>
+            <a:xfrm>
+              <a:off x="5199773" y="6127307"/>
+              <a:ext cx="3120742" cy="540579"/>
+            </a:xfrm>
+            <a:prstGeom prst="rect">
+              <a:avLst/>
+            </a:prstGeom>
+            <a:noFill/>
+          </p:spPr>
+          <p:txBody>
+            <a:bodyPr wrap="square">
+              <a:spAutoFit/>
+            </a:bodyPr>
+            <a:lstStyle/>
+            <a:p>
+              <a:pPr algn="ctr"/>
+              <a:r>
+                <a:rPr lang="ru-RU" dirty="0">
+                  <a:solidFill>
+                    <a:schemeClr val="bg1"/>
+                  </a:solidFill>
+                </a:rPr>
+                <a:t>Рис. </a:t>
+              </a:r>
+              <a:r>
+                <a:rPr lang="en-US" dirty="0">
+                  <a:solidFill>
+                    <a:schemeClr val="bg1"/>
+                  </a:solidFill>
+                </a:rPr>
+                <a:t>2</a:t>
+              </a:r>
+              <a:r>
+                <a:rPr lang="ru-RU" dirty="0">
+                  <a:solidFill>
+                    <a:schemeClr val="bg1"/>
+                  </a:solidFill>
+                </a:rPr>
+                <a:t>. Схема свечей</a:t>
+              </a:r>
+            </a:p>
+          </p:txBody>
+        </p:sp>
+      </p:grpSp>
+      <p:grpSp>
+        <p:nvGrpSpPr>
+          <p:cNvPr id="15" name="Группа 14">
+            <a:extLst>
+              <a:ext uri="{FF2B5EF4-FFF2-40B4-BE49-F238E27FC236}">
+                <a16:creationId xmlns:a16="http://schemas.microsoft.com/office/drawing/2014/main" id="{ABC8CFDE-D2E8-D59A-00BA-9A724AF27B2E}"/>
+              </a:ext>
+            </a:extLst>
+          </p:cNvPr>
+          <p:cNvGrpSpPr/>
+          <p:nvPr/>
+        </p:nvGrpSpPr>
+        <p:grpSpPr>
+          <a:xfrm>
+            <a:off x="8920415" y="3220500"/>
+            <a:ext cx="3120742" cy="3325308"/>
+            <a:chOff x="1253414" y="3423257"/>
+            <a:chExt cx="3120742" cy="3325308"/>
+          </a:xfrm>
+        </p:grpSpPr>
+        <p:pic>
+          <p:nvPicPr>
+            <p:cNvPr id="13" name="Рисунок 12">
+              <a:extLst>
+                <a:ext uri="{FF2B5EF4-FFF2-40B4-BE49-F238E27FC236}">
+                  <a16:creationId xmlns:a16="http://schemas.microsoft.com/office/drawing/2014/main" id="{901A27D9-347C-0612-4F76-30692E83A283}"/>
+                </a:ext>
+              </a:extLst>
+            </p:cNvPr>
+            <p:cNvPicPr>
+              <a:picLocks noChangeAspect="1"/>
+            </p:cNvPicPr>
+            <p:nvPr/>
+          </p:nvPicPr>
+          <p:blipFill>
+            <a:blip r:embed="rId5"/>
+            <a:stretch>
+              <a:fillRect/>
+            </a:stretch>
+          </p:blipFill>
+          <p:spPr>
+            <a:xfrm>
+              <a:off x="1322125" y="3423257"/>
+              <a:ext cx="2983320" cy="2631169"/>
+            </a:xfrm>
+            <a:prstGeom prst="rect">
+              <a:avLst/>
+            </a:prstGeom>
+          </p:spPr>
+        </p:pic>
+        <p:sp>
+          <p:nvSpPr>
+            <p:cNvPr id="14" name="TextBox 13">
+              <a:extLst>
+                <a:ext uri="{FF2B5EF4-FFF2-40B4-BE49-F238E27FC236}">
+                  <a16:creationId xmlns:a16="http://schemas.microsoft.com/office/drawing/2014/main" id="{4F27C4A0-6FDF-933A-500F-3D61F595D535}"/>
+                </a:ext>
+              </a:extLst>
+            </p:cNvPr>
+            <p:cNvSpPr txBox="1"/>
+            <p:nvPr/>
+          </p:nvSpPr>
+          <p:spPr>
+            <a:xfrm>
+              <a:off x="1253414" y="6102234"/>
+              <a:ext cx="3120742" cy="646331"/>
+            </a:xfrm>
+            <a:prstGeom prst="rect">
+              <a:avLst/>
+            </a:prstGeom>
+            <a:noFill/>
+          </p:spPr>
+          <p:txBody>
+            <a:bodyPr wrap="square">
+              <a:spAutoFit/>
+            </a:bodyPr>
+            <a:lstStyle/>
+            <a:p>
+              <a:pPr algn="ctr"/>
+              <a:r>
+                <a:rPr lang="ru-RU" dirty="0">
+                  <a:solidFill>
+                    <a:schemeClr val="bg1"/>
+                  </a:solidFill>
+                </a:rPr>
+                <a:t>Рис. </a:t>
+              </a:r>
+              <a:r>
+                <a:rPr lang="en-US" dirty="0">
+                  <a:solidFill>
+                    <a:schemeClr val="bg1"/>
+                  </a:solidFill>
+                </a:rPr>
+                <a:t>4</a:t>
+              </a:r>
+              <a:r>
+                <a:rPr lang="ru-RU" dirty="0">
+                  <a:solidFill>
+                    <a:schemeClr val="bg1"/>
+                  </a:solidFill>
+                </a:rPr>
+                <a:t>. Примеры</a:t>
+              </a:r>
+              <a:r>
+                <a:rPr lang="en-US" dirty="0">
+                  <a:solidFill>
+                    <a:schemeClr val="bg1"/>
+                  </a:solidFill>
+                </a:rPr>
+                <a:t> </a:t>
+              </a:r>
+              <a:r>
+                <a:rPr lang="ru-RU" dirty="0">
+                  <a:solidFill>
+                    <a:schemeClr val="bg1"/>
+                  </a:solidFill>
+                </a:rPr>
+                <a:t>заявок </a:t>
+              </a:r>
+              <a:r>
+                <a:rPr lang="en-US" dirty="0">
+                  <a:solidFill>
+                    <a:schemeClr val="bg1"/>
+                  </a:solidFill>
+                </a:rPr>
+                <a:t>stop-loss </a:t>
+              </a:r>
+              <a:r>
+                <a:rPr lang="ru-RU" dirty="0">
+                  <a:solidFill>
+                    <a:schemeClr val="bg1"/>
+                  </a:solidFill>
+                </a:rPr>
+                <a:t>и </a:t>
+              </a:r>
+              <a:r>
+                <a:rPr lang="en-US" dirty="0">
+                  <a:solidFill>
+                    <a:schemeClr val="bg1"/>
+                  </a:solidFill>
+                </a:rPr>
+                <a:t>take-profit</a:t>
+              </a:r>
+              <a:endParaRPr lang="ru-RU" dirty="0">
+                <a:solidFill>
+                  <a:schemeClr val="bg1"/>
+                </a:solidFill>
+                <a:highlight>
+                  <a:srgbClr val="800080"/>
+                </a:highlight>
+              </a:endParaRPr>
+            </a:p>
+          </p:txBody>
+        </p:sp>
+      </p:grpSp>
+      <p:pic>
+        <p:nvPicPr>
+          <p:cNvPr id="17" name="Рисунок 16">
+            <a:extLst>
+              <a:ext uri="{FF2B5EF4-FFF2-40B4-BE49-F238E27FC236}">
+                <a16:creationId xmlns:a16="http://schemas.microsoft.com/office/drawing/2014/main" id="{A9F467DD-CC0C-3FDC-9BA0-962A4BDD6B54}"/>
+              </a:ext>
+            </a:extLst>
+          </p:cNvPr>
+          <p:cNvPicPr>
+            <a:picLocks noChangeAspect="1"/>
+          </p:cNvPicPr>
+          <p:nvPr/>
+        </p:nvPicPr>
+        <p:blipFill>
+          <a:blip r:embed="rId6"/>
+          <a:stretch>
+            <a:fillRect/>
+          </a:stretch>
+        </p:blipFill>
+        <p:spPr>
+          <a:xfrm>
+            <a:off x="8859289" y="1636674"/>
+            <a:ext cx="3181868" cy="810022"/>
+          </a:xfrm>
+          <a:prstGeom prst="rect">
+            <a:avLst/>
+          </a:prstGeom>
+        </p:spPr>
+      </p:pic>
+      <p:sp>
+        <p:nvSpPr>
+          <p:cNvPr id="18" name="TextBox 17">
+            <a:extLst>
+              <a:ext uri="{FF2B5EF4-FFF2-40B4-BE49-F238E27FC236}">
+                <a16:creationId xmlns:a16="http://schemas.microsoft.com/office/drawing/2014/main" id="{AF818BF3-BAA7-3D4D-6FE9-78EA739B7767}"/>
+              </a:ext>
+            </a:extLst>
+          </p:cNvPr>
+          <p:cNvSpPr txBox="1"/>
+          <p:nvPr/>
+        </p:nvSpPr>
+        <p:spPr>
+          <a:xfrm>
+            <a:off x="527841" y="6271132"/>
+            <a:ext cx="4464537" cy="369332"/>
+          </a:xfrm>
+          <a:prstGeom prst="rect">
+            <a:avLst/>
+          </a:prstGeom>
+          <a:noFill/>
+        </p:spPr>
+        <p:txBody>
+          <a:bodyPr wrap="square">
+            <a:spAutoFit/>
+          </a:bodyPr>
+          <a:lstStyle/>
+          <a:p>
+            <a:pPr algn="ctr"/>
+            <a:r>
+              <a:rPr lang="ru-RU" dirty="0">
+                <a:solidFill>
+                  <a:schemeClr val="bg1"/>
+                </a:solidFill>
+              </a:rPr>
+              <a:t>Рис. </a:t>
+            </a:r>
+            <a:r>
+              <a:rPr lang="en-US" dirty="0">
+                <a:solidFill>
+                  <a:schemeClr val="bg1"/>
+                </a:solidFill>
+              </a:rPr>
+              <a:t>1</a:t>
+            </a:r>
+            <a:r>
+              <a:rPr lang="ru-RU" dirty="0">
+                <a:solidFill>
+                  <a:schemeClr val="bg1"/>
+                </a:solidFill>
+              </a:rPr>
+              <a:t>. Вид </a:t>
+            </a:r>
+            <a:r>
+              <a:rPr lang="en-US" dirty="0">
+                <a:solidFill>
+                  <a:schemeClr val="bg1"/>
+                </a:solidFill>
+              </a:rPr>
+              <a:t>EMA</a:t>
+            </a:r>
+            <a:r>
+              <a:rPr lang="ru-RU" dirty="0">
+                <a:solidFill>
+                  <a:schemeClr val="bg1"/>
+                </a:solidFill>
+              </a:rPr>
+              <a:t> 200 на графике котировок</a:t>
+            </a:r>
+          </a:p>
+        </p:txBody>
+      </p:sp>
+      <p:sp>
+        <p:nvSpPr>
+          <p:cNvPr id="21" name="TextBox 20">
+            <a:extLst>
+              <a:ext uri="{FF2B5EF4-FFF2-40B4-BE49-F238E27FC236}">
+                <a16:creationId xmlns:a16="http://schemas.microsoft.com/office/drawing/2014/main" id="{A7EF646F-EA4E-0B9E-B440-DCA920E93867}"/>
+              </a:ext>
+            </a:extLst>
+          </p:cNvPr>
+          <p:cNvSpPr txBox="1"/>
+          <p:nvPr/>
+        </p:nvSpPr>
+        <p:spPr>
+          <a:xfrm>
+            <a:off x="8889852" y="2500282"/>
+            <a:ext cx="3120742" cy="369332"/>
+          </a:xfrm>
+          <a:prstGeom prst="rect">
+            <a:avLst/>
+          </a:prstGeom>
+          <a:noFill/>
+        </p:spPr>
+        <p:txBody>
+          <a:bodyPr wrap="square">
+            <a:spAutoFit/>
+          </a:bodyPr>
+          <a:lstStyle/>
+          <a:p>
+            <a:pPr algn="ctr"/>
+            <a:r>
+              <a:rPr lang="ru-RU" dirty="0">
+                <a:solidFill>
+                  <a:schemeClr val="bg1"/>
+                </a:solidFill>
+              </a:rPr>
+              <a:t>Рис. </a:t>
+            </a:r>
+            <a:r>
+              <a:rPr lang="en-US" dirty="0">
+                <a:solidFill>
+                  <a:schemeClr val="bg1"/>
+                </a:solidFill>
+              </a:rPr>
+              <a:t>3</a:t>
+            </a:r>
+            <a:r>
+              <a:rPr lang="ru-RU" dirty="0">
+                <a:solidFill>
+                  <a:schemeClr val="bg1"/>
+                </a:solidFill>
+              </a:rPr>
+              <a:t>. Формула расчёта </a:t>
+            </a:r>
+            <a:r>
+              <a:rPr lang="en-US" dirty="0">
+                <a:solidFill>
+                  <a:schemeClr val="bg1"/>
+                </a:solidFill>
+              </a:rPr>
+              <a:t>EMA</a:t>
+            </a:r>
+            <a:endParaRPr lang="ru-RU" dirty="0">
+              <a:solidFill>
+                <a:schemeClr val="bg1"/>
+              </a:solidFill>
+            </a:endParaRPr>
+          </a:p>
+        </p:txBody>
+      </p:sp>
+      <p:sp>
+        <p:nvSpPr>
+          <p:cNvPr id="23" name="TextBox 22">
+            <a:extLst>
+              <a:ext uri="{FF2B5EF4-FFF2-40B4-BE49-F238E27FC236}">
+                <a16:creationId xmlns:a16="http://schemas.microsoft.com/office/drawing/2014/main" id="{4C1AE930-3AAA-EB25-5CFC-9B97C64AAB71}"/>
+              </a:ext>
+            </a:extLst>
+          </p:cNvPr>
+          <p:cNvSpPr txBox="1"/>
+          <p:nvPr/>
+        </p:nvSpPr>
+        <p:spPr>
+          <a:xfrm>
+            <a:off x="222587" y="919728"/>
+            <a:ext cx="8380681" cy="3416320"/>
+          </a:xfrm>
+          <a:prstGeom prst="rect">
+            <a:avLst/>
+          </a:prstGeom>
+          <a:noFill/>
+        </p:spPr>
+        <p:txBody>
+          <a:bodyPr wrap="square">
+            <a:spAutoFit/>
+          </a:bodyPr>
+          <a:lstStyle/>
+          <a:p>
+            <a:pPr marL="342900" indent="-342900" algn="just">
+              <a:buFont typeface="Arial" panose="020B0604020202020204" pitchFamily="34" charset="0"/>
+              <a:buChar char="•"/>
+            </a:pPr>
+            <a:r>
+              <a:rPr lang="en-US" sz="1800" dirty="0">
+                <a:solidFill>
+                  <a:schemeClr val="bg1"/>
+                </a:solidFill>
+                <a:latin typeface="ALS Sector Regular" pitchFamily="2" charset="0"/>
+                <a:cs typeface="ALS Sector Regular" pitchFamily="2" charset="0"/>
+              </a:rPr>
+              <a:t>Stop</a:t>
+            </a:r>
+            <a:r>
+              <a:rPr lang="en-US" dirty="0">
+                <a:solidFill>
+                  <a:schemeClr val="bg1"/>
+                </a:solidFill>
+                <a:latin typeface="ALS Sector Regular" pitchFamily="2" charset="0"/>
+                <a:cs typeface="ALS Sector Regular" pitchFamily="2" charset="0"/>
+              </a:rPr>
+              <a:t>-loss – </a:t>
+            </a:r>
+            <a:r>
+              <a:rPr lang="ru-RU" dirty="0">
+                <a:solidFill>
+                  <a:schemeClr val="bg1"/>
+                </a:solidFill>
+                <a:latin typeface="ALS Sector Regular" pitchFamily="2" charset="0"/>
+                <a:cs typeface="ALS Sector Regular" pitchFamily="2" charset="0"/>
+              </a:rPr>
+              <a:t>это поручение продать актив, если его цена упадёт ниже заданного уровня, т.е. ограничитель убытков</a:t>
+            </a:r>
+            <a:r>
+              <a:rPr lang="en-US" dirty="0">
+                <a:solidFill>
+                  <a:schemeClr val="bg1"/>
+                </a:solidFill>
+                <a:latin typeface="ALS Sector Regular" pitchFamily="2" charset="0"/>
+                <a:cs typeface="ALS Sector Regular" pitchFamily="2" charset="0"/>
+              </a:rPr>
+              <a:t>;</a:t>
+            </a:r>
+          </a:p>
+          <a:p>
+            <a:pPr marL="342900" indent="-342900" algn="just">
+              <a:buFont typeface="Arial" panose="020B0604020202020204" pitchFamily="34" charset="0"/>
+              <a:buChar char="•"/>
+            </a:pPr>
+            <a:r>
+              <a:rPr lang="en-US" sz="1800" dirty="0">
+                <a:solidFill>
+                  <a:schemeClr val="bg1"/>
+                </a:solidFill>
+                <a:latin typeface="ALS Sector Regular" pitchFamily="2" charset="0"/>
+                <a:cs typeface="ALS Sector Regular" pitchFamily="2" charset="0"/>
+              </a:rPr>
+              <a:t>Take-profit – </a:t>
+            </a:r>
+            <a:r>
+              <a:rPr lang="ru-RU" dirty="0">
+                <a:solidFill>
+                  <a:schemeClr val="bg1"/>
+                </a:solidFill>
+                <a:latin typeface="ALS Sector Regular" pitchFamily="2" charset="0"/>
+                <a:cs typeface="ALS Sector Regular" pitchFamily="2" charset="0"/>
+              </a:rPr>
+              <a:t>это поручение продать актив, если его цена вырастет до заданного уровня</a:t>
+            </a:r>
+            <a:r>
+              <a:rPr lang="en-US" sz="1800" dirty="0">
+                <a:solidFill>
+                  <a:schemeClr val="bg1"/>
+                </a:solidFill>
+                <a:latin typeface="ALS Sector Regular" pitchFamily="2" charset="0"/>
+                <a:cs typeface="ALS Sector Regular" pitchFamily="2" charset="0"/>
+              </a:rPr>
+              <a:t>;</a:t>
+            </a:r>
+          </a:p>
+          <a:p>
+            <a:pPr marL="342900" indent="-342900" algn="just">
+              <a:buFont typeface="Arial" panose="020B0604020202020204" pitchFamily="34" charset="0"/>
+              <a:buChar char="•"/>
+            </a:pPr>
+            <a:r>
+              <a:rPr lang="en-US" dirty="0">
+                <a:solidFill>
+                  <a:schemeClr val="bg1"/>
+                </a:solidFill>
+                <a:latin typeface="ALS Sector Regular" pitchFamily="2" charset="0"/>
+                <a:cs typeface="ALS Sector Regular" pitchFamily="2" charset="0"/>
+              </a:rPr>
+              <a:t>High – </a:t>
+            </a:r>
+            <a:r>
+              <a:rPr lang="ru-RU" dirty="0">
+                <a:solidFill>
+                  <a:schemeClr val="bg1"/>
+                </a:solidFill>
+                <a:latin typeface="ALS Sector Regular" pitchFamily="2" charset="0"/>
+                <a:cs typeface="ALS Sector Regular" pitchFamily="2" charset="0"/>
+              </a:rPr>
+              <a:t>наибольшее значение цены актива за день</a:t>
+            </a:r>
+            <a:r>
+              <a:rPr lang="en-US" dirty="0">
+                <a:solidFill>
+                  <a:schemeClr val="bg1"/>
+                </a:solidFill>
+                <a:latin typeface="ALS Sector Regular" pitchFamily="2" charset="0"/>
+                <a:cs typeface="ALS Sector Regular" pitchFamily="2" charset="0"/>
+              </a:rPr>
+              <a:t>;</a:t>
+            </a:r>
+          </a:p>
+          <a:p>
+            <a:pPr marL="342900" indent="-342900" algn="just">
+              <a:buFont typeface="Arial" panose="020B0604020202020204" pitchFamily="34" charset="0"/>
+              <a:buChar char="•"/>
+            </a:pPr>
+            <a:r>
+              <a:rPr lang="en-US" sz="1800" dirty="0">
+                <a:solidFill>
+                  <a:schemeClr val="bg1"/>
+                </a:solidFill>
+                <a:latin typeface="ALS Sector Regular" pitchFamily="2" charset="0"/>
+                <a:cs typeface="ALS Sector Regular" pitchFamily="2" charset="0"/>
+              </a:rPr>
+              <a:t>Low – </a:t>
+            </a:r>
+            <a:r>
+              <a:rPr lang="ru-RU" sz="1800" dirty="0">
+                <a:solidFill>
+                  <a:schemeClr val="bg1"/>
+                </a:solidFill>
+                <a:latin typeface="ALS Sector Regular" pitchFamily="2" charset="0"/>
+                <a:cs typeface="ALS Sector Regular" pitchFamily="2" charset="0"/>
+              </a:rPr>
+              <a:t>наименьшее зн</a:t>
+            </a:r>
+            <a:r>
+              <a:rPr lang="ru-RU" dirty="0">
+                <a:solidFill>
+                  <a:schemeClr val="bg1"/>
+                </a:solidFill>
+                <a:latin typeface="ALS Sector Regular" pitchFamily="2" charset="0"/>
+                <a:cs typeface="ALS Sector Regular" pitchFamily="2" charset="0"/>
+              </a:rPr>
+              <a:t>ачение цены актива за день</a:t>
+            </a:r>
+            <a:r>
+              <a:rPr lang="en-US" dirty="0">
+                <a:solidFill>
+                  <a:schemeClr val="bg1"/>
+                </a:solidFill>
+                <a:latin typeface="ALS Sector Regular" pitchFamily="2" charset="0"/>
+                <a:cs typeface="ALS Sector Regular" pitchFamily="2" charset="0"/>
+              </a:rPr>
+              <a:t>;</a:t>
+            </a:r>
+          </a:p>
+          <a:p>
+            <a:pPr marL="342900" indent="-342900" algn="just">
+              <a:buFont typeface="Arial" panose="020B0604020202020204" pitchFamily="34" charset="0"/>
+              <a:buChar char="•"/>
+            </a:pPr>
+            <a:r>
+              <a:rPr lang="en-US" dirty="0">
+                <a:solidFill>
+                  <a:schemeClr val="bg1"/>
+                </a:solidFill>
+                <a:latin typeface="ALS Sector Regular" pitchFamily="2" charset="0"/>
+                <a:cs typeface="ALS Sector Regular" pitchFamily="2" charset="0"/>
+              </a:rPr>
+              <a:t>Open – </a:t>
+            </a:r>
+            <a:r>
+              <a:rPr lang="ru-RU" dirty="0">
+                <a:solidFill>
+                  <a:schemeClr val="bg1"/>
+                </a:solidFill>
+                <a:latin typeface="ALS Sector Regular" pitchFamily="2" charset="0"/>
+                <a:cs typeface="ALS Sector Regular" pitchFamily="2" charset="0"/>
+              </a:rPr>
+              <a:t>значение цены актива с которым она начала день</a:t>
+            </a:r>
+            <a:r>
+              <a:rPr lang="en-US" dirty="0">
+                <a:solidFill>
+                  <a:schemeClr val="bg1"/>
+                </a:solidFill>
+                <a:latin typeface="ALS Sector Regular" pitchFamily="2" charset="0"/>
+                <a:cs typeface="ALS Sector Regular" pitchFamily="2" charset="0"/>
+              </a:rPr>
+              <a:t>;</a:t>
+            </a:r>
+          </a:p>
+          <a:p>
+            <a:pPr marL="342900" indent="-342900" algn="just">
+              <a:buFont typeface="Arial" panose="020B0604020202020204" pitchFamily="34" charset="0"/>
+              <a:buChar char="•"/>
+            </a:pPr>
+            <a:r>
+              <a:rPr lang="en-US" dirty="0">
+                <a:solidFill>
+                  <a:schemeClr val="bg1"/>
+                </a:solidFill>
+                <a:latin typeface="ALS Sector Regular" pitchFamily="2" charset="0"/>
+                <a:cs typeface="ALS Sector Regular" pitchFamily="2" charset="0"/>
+              </a:rPr>
+              <a:t>Close – </a:t>
+            </a:r>
+            <a:r>
+              <a:rPr lang="ru-RU" dirty="0">
+                <a:solidFill>
+                  <a:schemeClr val="bg1"/>
+                </a:solidFill>
+                <a:latin typeface="ALS Sector Regular" pitchFamily="2" charset="0"/>
+                <a:cs typeface="ALS Sector Regular" pitchFamily="2" charset="0"/>
+              </a:rPr>
+              <a:t>значение цены актива с которым она закончила день</a:t>
+            </a:r>
+            <a:r>
+              <a:rPr lang="en-US" dirty="0">
+                <a:solidFill>
+                  <a:schemeClr val="bg1"/>
+                </a:solidFill>
+                <a:latin typeface="ALS Sector Regular" pitchFamily="2" charset="0"/>
+                <a:cs typeface="ALS Sector Regular" pitchFamily="2" charset="0"/>
+              </a:rPr>
+              <a:t>;</a:t>
+            </a:r>
+            <a:endParaRPr lang="ru-RU" dirty="0">
+              <a:solidFill>
+                <a:schemeClr val="bg1"/>
+              </a:solidFill>
+              <a:latin typeface="ALS Sector Regular" pitchFamily="2" charset="0"/>
+              <a:cs typeface="ALS Sector Regular" pitchFamily="2" charset="0"/>
+            </a:endParaRPr>
+          </a:p>
+          <a:p>
+            <a:pPr marL="342900" indent="-342900" algn="just">
+              <a:buFont typeface="Arial" panose="020B0604020202020204" pitchFamily="34" charset="0"/>
+              <a:buChar char="•"/>
+            </a:pPr>
+            <a:r>
+              <a:rPr lang="en-US" dirty="0">
+                <a:solidFill>
+                  <a:schemeClr val="bg1"/>
+                </a:solidFill>
+                <a:latin typeface="ALS Sector Regular" pitchFamily="2" charset="0"/>
+                <a:cs typeface="ALS Sector Regular" pitchFamily="2" charset="0"/>
+              </a:rPr>
+              <a:t>EMA - </a:t>
+            </a:r>
+            <a:r>
+              <a:rPr lang="ru-RU" dirty="0">
+                <a:solidFill>
+                  <a:schemeClr val="bg1"/>
+                </a:solidFill>
+                <a:latin typeface="ALS Sector Regular" pitchFamily="2" charset="0"/>
+                <a:cs typeface="ALS Sector Regular" pitchFamily="2" charset="0"/>
+              </a:rPr>
+              <a:t>(</a:t>
+            </a:r>
+            <a:r>
+              <a:rPr lang="ru-RU" dirty="0" err="1">
+                <a:solidFill>
+                  <a:schemeClr val="bg1"/>
+                </a:solidFill>
+                <a:latin typeface="ALS Sector Regular" pitchFamily="2" charset="0"/>
+                <a:cs typeface="ALS Sector Regular" pitchFamily="2" charset="0"/>
+              </a:rPr>
+              <a:t>Exponential</a:t>
+            </a:r>
+            <a:r>
+              <a:rPr lang="ru-RU" dirty="0">
+                <a:solidFill>
+                  <a:schemeClr val="bg1"/>
+                </a:solidFill>
+                <a:latin typeface="ALS Sector Regular" pitchFamily="2" charset="0"/>
+                <a:cs typeface="ALS Sector Regular" pitchFamily="2" charset="0"/>
+              </a:rPr>
+              <a:t> </a:t>
+            </a:r>
+            <a:r>
+              <a:rPr lang="ru-RU" dirty="0" err="1">
+                <a:solidFill>
+                  <a:schemeClr val="bg1"/>
+                </a:solidFill>
+                <a:latin typeface="ALS Sector Regular" pitchFamily="2" charset="0"/>
+                <a:cs typeface="ALS Sector Regular" pitchFamily="2" charset="0"/>
+              </a:rPr>
+              <a:t>Moving</a:t>
+            </a:r>
+            <a:r>
+              <a:rPr lang="ru-RU" dirty="0">
+                <a:solidFill>
+                  <a:schemeClr val="bg1"/>
+                </a:solidFill>
+                <a:latin typeface="ALS Sector Regular" pitchFamily="2" charset="0"/>
+                <a:cs typeface="ALS Sector Regular" pitchFamily="2" charset="0"/>
+              </a:rPr>
+              <a:t> </a:t>
+            </a:r>
+            <a:r>
+              <a:rPr lang="ru-RU" dirty="0" err="1">
+                <a:solidFill>
+                  <a:schemeClr val="bg1"/>
+                </a:solidFill>
+                <a:latin typeface="ALS Sector Regular" pitchFamily="2" charset="0"/>
+                <a:cs typeface="ALS Sector Regular" pitchFamily="2" charset="0"/>
+              </a:rPr>
+              <a:t>Average</a:t>
+            </a:r>
+            <a:r>
+              <a:rPr lang="ru-RU" dirty="0">
+                <a:solidFill>
+                  <a:schemeClr val="bg1"/>
+                </a:solidFill>
+                <a:latin typeface="ALS Sector Regular" pitchFamily="2" charset="0"/>
+                <a:cs typeface="ALS Sector Regular" pitchFamily="2" charset="0"/>
+              </a:rPr>
+              <a:t>) экспоненциальная скользящая средняя. Один из показателей, помогающих при техническом анализе</a:t>
+            </a:r>
+            <a:r>
+              <a:rPr lang="en-US" dirty="0">
+                <a:solidFill>
+                  <a:schemeClr val="bg1"/>
+                </a:solidFill>
+                <a:latin typeface="ALS Sector Regular" pitchFamily="2" charset="0"/>
+                <a:cs typeface="ALS Sector Regular" pitchFamily="2" charset="0"/>
+              </a:rPr>
+              <a:t>. </a:t>
+            </a:r>
+            <a:r>
+              <a:rPr lang="ru-RU" dirty="0">
+                <a:solidFill>
+                  <a:schemeClr val="bg1"/>
+                </a:solidFill>
+                <a:latin typeface="ALS Sector Regular" pitchFamily="2" charset="0"/>
+                <a:cs typeface="ALS Sector Regular" pitchFamily="2" charset="0"/>
+              </a:rPr>
+              <a:t>В данном решении используется </a:t>
+            </a:r>
+            <a:r>
+              <a:rPr lang="en-US" dirty="0">
+                <a:solidFill>
+                  <a:schemeClr val="bg1"/>
+                </a:solidFill>
+                <a:latin typeface="ALS Sector Regular" pitchFamily="2" charset="0"/>
+                <a:cs typeface="ALS Sector Regular" pitchFamily="2" charset="0"/>
+              </a:rPr>
+              <a:t>EMA</a:t>
+            </a:r>
+            <a:r>
+              <a:rPr lang="ru-RU" dirty="0">
+                <a:solidFill>
+                  <a:schemeClr val="bg1"/>
+                </a:solidFill>
+                <a:latin typeface="ALS Sector Regular" pitchFamily="2" charset="0"/>
+                <a:cs typeface="ALS Sector Regular" pitchFamily="2" charset="0"/>
+              </a:rPr>
+              <a:t> </a:t>
+            </a:r>
+            <a:r>
+              <a:rPr lang="en-US" dirty="0">
+                <a:solidFill>
+                  <a:schemeClr val="bg1"/>
+                </a:solidFill>
+                <a:latin typeface="ALS Sector Regular" pitchFamily="2" charset="0"/>
+                <a:cs typeface="ALS Sector Regular" pitchFamily="2" charset="0"/>
+              </a:rPr>
+              <a:t>200,</a:t>
+            </a:r>
+            <a:r>
+              <a:rPr lang="ru-RU" dirty="0">
+                <a:solidFill>
+                  <a:schemeClr val="bg1"/>
+                </a:solidFill>
+                <a:latin typeface="ALS Sector Regular" pitchFamily="2" charset="0"/>
+                <a:cs typeface="ALS Sector Regular" pitchFamily="2" charset="0"/>
+              </a:rPr>
+              <a:t> т.е. значение скользящей средней за 200-дневный интервал.</a:t>
+            </a:r>
+            <a:endParaRPr lang="en-US" dirty="0">
+              <a:solidFill>
+                <a:schemeClr val="bg1"/>
+              </a:solidFill>
+              <a:latin typeface="ALS Sector Regular" pitchFamily="2" charset="0"/>
+              <a:cs typeface="ALS Sector Regular" pitchFamily="2" charset="0"/>
+            </a:endParaRPr>
+          </a:p>
+        </p:txBody>
+      </p:sp>
+      <p:pic>
+        <p:nvPicPr>
+          <p:cNvPr id="25" name="Рисунок 24">
+            <a:extLst>
+              <a:ext uri="{FF2B5EF4-FFF2-40B4-BE49-F238E27FC236}">
+                <a16:creationId xmlns:a16="http://schemas.microsoft.com/office/drawing/2014/main" id="{DB21DEE6-2410-9459-412A-7EFECAE22A07}"/>
+              </a:ext>
+            </a:extLst>
+          </p:cNvPr>
+          <p:cNvPicPr>
+            <a:picLocks noChangeAspect="1"/>
+          </p:cNvPicPr>
+          <p:nvPr/>
+        </p:nvPicPr>
+        <p:blipFill>
+          <a:blip r:embed="rId7"/>
+          <a:stretch>
+            <a:fillRect/>
+          </a:stretch>
+        </p:blipFill>
+        <p:spPr>
+          <a:xfrm>
+            <a:off x="747673" y="4386192"/>
+            <a:ext cx="4024874" cy="1862398"/>
+          </a:xfrm>
+          <a:prstGeom prst="rect">
+            <a:avLst/>
+          </a:prstGeom>
+        </p:spPr>
+      </p:pic>
     </p:spTree>
     <p:extLst>
       <p:ext uri="{BB962C8B-B14F-4D97-AF65-F5344CB8AC3E}">
@@ -11910,7 +13253,7 @@
             <a:pPr algn="ctr"/>
             <a:r>
               <a:rPr lang="ru-RU" dirty="0"/>
-              <a:t>Рис. 1. Схема устройства </a:t>
+              <a:t>Рис. 5. Схема устройства </a:t>
             </a:r>
             <a:r>
               <a:rPr lang="en-US" dirty="0"/>
@@ -11956,53 +13299,6 @@
           </a:p>
         </p:txBody>
       </p:sp>
-      <p:pic>
-        <p:nvPicPr>
-          <p:cNvPr id="6146" name="Picture 2" descr="Activation function (ReLu). ReLu: Rectified Linear Activation.">
-            <a:extLst>
-              <a:ext uri="{FF2B5EF4-FFF2-40B4-BE49-F238E27FC236}">
-                <a16:creationId xmlns:a16="http://schemas.microsoft.com/office/drawing/2014/main" id="{B19895DE-7482-4C63-AB65-E7D2783E37CC}"/>
-              </a:ext>
-            </a:extLst>
-          </p:cNvPr>
-          <p:cNvPicPr>
-            <a:picLocks noChangeAspect="1" noChangeArrowheads="1"/>
-          </p:cNvPicPr>
-          <p:nvPr/>
-        </p:nvPicPr>
-        <p:blipFill>
-          <a:blip r:embed="rId4">
-            <a:extLst>
-              <a:ext uri="{28A0092B-C50C-407E-A947-70E740481C1C}">
-                <a14:useLocalDpi xmlns:a14="http://schemas.microsoft.com/office/drawing/2010/main" val="0"/>
-              </a:ext>
-            </a:extLst>
-          </a:blip>
-          <a:srcRect/>
-          <a:stretch>
-            <a:fillRect/>
-          </a:stretch>
-        </p:blipFill>
-        <p:spPr bwMode="auto">
-          <a:xfrm>
-            <a:off x="1652479" y="4180865"/>
-            <a:ext cx="1947140" cy="1899504"/>
-          </a:xfrm>
-          <a:prstGeom prst="rect">
-            <a:avLst/>
-          </a:prstGeom>
-          <a:noFill/>
-          <a:extLst>
-            <a:ext uri="{909E8E84-426E-40DD-AFC4-6F175D3DCCD1}">
-              <a14:hiddenFill xmlns:a14="http://schemas.microsoft.com/office/drawing/2010/main">
-                <a:solidFill>
-                  <a:srgbClr val="FFFFFF"/>
-                </a:solidFill>
-              </a14:hiddenFill>
-            </a:ext>
-          </a:extLst>
-        </p:spPr>
-      </p:pic>
       <p:sp>
         <p:nvSpPr>
           <p:cNvPr id="4" name="TextBox 3">
@@ -12017,7 +13313,7 @@
         </p:nvSpPr>
         <p:spPr>
           <a:xfrm>
-            <a:off x="1065678" y="6160626"/>
+            <a:off x="1065678" y="6161084"/>
             <a:ext cx="3120742" cy="369332"/>
           </a:xfrm>
           <a:prstGeom prst="rect">
@@ -12038,23 +13334,7 @@
                   <a:schemeClr val="bg1"/>
                 </a:solidFill>
               </a:rPr>
-              <a:t>Рис. </a:t>
-            </a:r>
-            <a:r>
-              <a:rPr lang="en-US" dirty="0">
-                <a:solidFill>
-                  <a:schemeClr val="bg1"/>
-                </a:solidFill>
-              </a:rPr>
-              <a:t>2</a:t>
-            </a:r>
-            <a:r>
-              <a:rPr lang="ru-RU" dirty="0">
-                <a:solidFill>
-                  <a:schemeClr val="bg1"/>
-                </a:solidFill>
-              </a:rPr>
-              <a:t>. Функция </a:t>
+              <a:t>Рис. 6. Функция </a:t>
             </a:r>
             <a:r>
               <a:rPr lang="en-US" dirty="0" err="1">
@@ -12072,6 +13352,36 @@
           </a:p>
         </p:txBody>
       </p:sp>
+      <p:pic>
+        <p:nvPicPr>
+          <p:cNvPr id="10" name="Рисунок 9">
+            <a:extLst>
+              <a:ext uri="{FF2B5EF4-FFF2-40B4-BE49-F238E27FC236}">
+                <a16:creationId xmlns:a16="http://schemas.microsoft.com/office/drawing/2014/main" id="{425510AA-21CB-4AFE-990B-C65E1FA42667}"/>
+              </a:ext>
+            </a:extLst>
+          </p:cNvPr>
+          <p:cNvPicPr>
+            <a:picLocks noChangeAspect="1"/>
+          </p:cNvPicPr>
+          <p:nvPr/>
+        </p:nvPicPr>
+        <p:blipFill>
+          <a:blip r:embed="rId4"/>
+          <a:stretch>
+            <a:fillRect/>
+          </a:stretch>
+        </p:blipFill>
+        <p:spPr>
+          <a:xfrm>
+            <a:off x="1476950" y="4160614"/>
+            <a:ext cx="2298197" cy="1965964"/>
+          </a:xfrm>
+          <a:prstGeom prst="rect">
+            <a:avLst/>
+          </a:prstGeom>
+        </p:spPr>
+      </p:pic>
     </p:spTree>
     <p:extLst>
       <p:ext uri="{BB962C8B-B14F-4D97-AF65-F5344CB8AC3E}">
@@ -12086,6 +13396,2016 @@
 </file>
 
 <file path=ppt/slides/slide5.xml><?xml version="1.0" encoding="utf-8"?>
+<p:sld xmlns:a="http://schemas.openxmlformats.org/drawingml/2006/main" xmlns:r="http://schemas.openxmlformats.org/officeDocument/2006/relationships" xmlns:p="http://schemas.openxmlformats.org/presentationml/2006/main">
+  <p:cSld>
+    <p:bg>
+      <p:bgPr>
+        <a:blipFill dpi="0" rotWithShape="1">
+          <a:blip r:embed="rId3">
+            <a:lum/>
+          </a:blip>
+          <a:srcRect/>
+          <a:tile tx="0" ty="0" sx="100000" sy="100000" flip="none" algn="tl"/>
+        </a:blipFill>
+        <a:effectLst/>
+      </p:bgPr>
+    </p:bg>
+    <p:spTree>
+      <p:nvGrpSpPr>
+        <p:cNvPr id="1" name=""/>
+        <p:cNvGrpSpPr/>
+        <p:nvPr/>
+      </p:nvGrpSpPr>
+      <p:grpSpPr>
+        <a:xfrm>
+          <a:off x="0" y="0"/>
+          <a:ext cx="0" cy="0"/>
+          <a:chOff x="0" y="0"/>
+          <a:chExt cx="0" cy="0"/>
+        </a:xfrm>
+      </p:grpSpPr>
+      <p:sp>
+        <p:nvSpPr>
+          <p:cNvPr id="4" name="Заголовок 1">
+            <a:extLst>
+              <a:ext uri="{FF2B5EF4-FFF2-40B4-BE49-F238E27FC236}">
+                <a16:creationId xmlns:a16="http://schemas.microsoft.com/office/drawing/2014/main" id="{A4FB85EC-22E5-F140-9E45-1A18C489A553}"/>
+              </a:ext>
+            </a:extLst>
+          </p:cNvPr>
+          <p:cNvSpPr txBox="1">
+            <a:spLocks/>
+          </p:cNvSpPr>
+          <p:nvPr/>
+        </p:nvSpPr>
+        <p:spPr>
+          <a:xfrm>
+            <a:off x="2506133" y="27846"/>
+            <a:ext cx="6874934" cy="1297292"/>
+          </a:xfrm>
+          <a:prstGeom prst="rect">
+            <a:avLst/>
+          </a:prstGeom>
+        </p:spPr>
+        <p:txBody>
+          <a:bodyPr anchor="ctr">
+            <a:normAutofit fontScale="92500"/>
+          </a:bodyPr>
+          <a:lstStyle>
+            <a:lvl1pPr algn="l" defTabSz="914400" rtl="0" eaLnBrk="1" latinLnBrk="0" hangingPunct="1">
+              <a:lnSpc>
+                <a:spcPct val="90000"/>
+              </a:lnSpc>
+              <a:spcBef>
+                <a:spcPct val="0"/>
+              </a:spcBef>
+              <a:buNone/>
+              <a:defRPr sz="4400" kern="1200">
+                <a:solidFill>
+                  <a:schemeClr val="tx1"/>
+                </a:solidFill>
+                <a:latin typeface="+mj-lt"/>
+                <a:ea typeface="+mj-ea"/>
+                <a:cs typeface="+mj-cs"/>
+              </a:defRPr>
+            </a:lvl1pPr>
+          </a:lstStyle>
+          <a:p>
+            <a:pPr marL="0" marR="0" lvl="0" indent="0" algn="l" defTabSz="914400" rtl="0" eaLnBrk="1" fontAlgn="auto" latinLnBrk="0" hangingPunct="1">
+              <a:lnSpc>
+                <a:spcPct val="90000"/>
+              </a:lnSpc>
+              <a:spcBef>
+                <a:spcPct val="0"/>
+              </a:spcBef>
+              <a:spcAft>
+                <a:spcPts val="0"/>
+              </a:spcAft>
+              <a:buClrTx/>
+              <a:buSzTx/>
+              <a:buFontTx/>
+              <a:buNone/>
+              <a:tabLst/>
+              <a:defRPr/>
+            </a:pPr>
+            <a:r>
+              <a:rPr kumimoji="0" lang="ru-RU" sz="5400" b="1" i="0" u="none" strike="noStrike" kern="1200" cap="none" spc="0" normalizeH="0" baseline="0" noProof="0" dirty="0">
+                <a:ln>
+                  <a:noFill/>
+                </a:ln>
+                <a:solidFill>
+                  <a:prstClr val="white"/>
+                </a:solidFill>
+                <a:effectLst/>
+                <a:uLnTx/>
+                <a:uFillTx/>
+                <a:latin typeface="ALS Sector Regular" pitchFamily="2" charset="0"/>
+                <a:ea typeface="+mj-ea"/>
+                <a:cs typeface="ALS Sector Regular" pitchFamily="2" charset="0"/>
+              </a:rPr>
+              <a:t>Основные определения</a:t>
+            </a:r>
+          </a:p>
+        </p:txBody>
+      </p:sp>
+      <p:sp>
+        <p:nvSpPr>
+          <p:cNvPr id="5" name="Номер слайда 4">
+            <a:extLst>
+              <a:ext uri="{FF2B5EF4-FFF2-40B4-BE49-F238E27FC236}">
+                <a16:creationId xmlns:a16="http://schemas.microsoft.com/office/drawing/2014/main" id="{0F94DC6D-13CB-C77D-6322-613422BA980D}"/>
+              </a:ext>
+            </a:extLst>
+          </p:cNvPr>
+          <p:cNvSpPr>
+            <a:spLocks noGrp="1"/>
+          </p:cNvSpPr>
+          <p:nvPr>
+            <p:ph type="sldNum" sz="quarter" idx="12"/>
+          </p:nvPr>
+        </p:nvSpPr>
+        <p:spPr/>
+        <p:txBody>
+          <a:bodyPr/>
+          <a:lstStyle/>
+          <a:p>
+            <a:pPr marL="0" marR="0" lvl="0" indent="0" algn="r" defTabSz="914400" rtl="0" eaLnBrk="1" fontAlgn="auto" latinLnBrk="0" hangingPunct="1">
+              <a:lnSpc>
+                <a:spcPct val="100000"/>
+              </a:lnSpc>
+              <a:spcBef>
+                <a:spcPts val="0"/>
+              </a:spcBef>
+              <a:spcAft>
+                <a:spcPts val="0"/>
+              </a:spcAft>
+              <a:buClrTx/>
+              <a:buSzTx/>
+              <a:buFontTx/>
+              <a:buNone/>
+              <a:tabLst/>
+              <a:defRPr/>
+            </a:pPr>
+            <a:fld id="{1363E1C1-A028-4D4E-A8C8-9214D2A1B6C2}" type="slidenum">
+              <a:rPr kumimoji="0" lang="ru-RU" sz="1200" b="0" i="0" u="none" strike="noStrike" kern="1200" cap="none" spc="0" normalizeH="0" baseline="0" noProof="0" smtClean="0">
+                <a:ln>
+                  <a:noFill/>
+                </a:ln>
+                <a:solidFill>
+                  <a:prstClr val="black">
+                    <a:tint val="75000"/>
+                  </a:prstClr>
+                </a:solidFill>
+                <a:effectLst/>
+                <a:uLnTx/>
+                <a:uFillTx/>
+                <a:ea typeface="+mn-ea"/>
+              </a:rPr>
+              <a:pPr marL="0" marR="0" lvl="0" indent="0" algn="r" defTabSz="914400" rtl="0" eaLnBrk="1" fontAlgn="auto" latinLnBrk="0" hangingPunct="1">
+                <a:lnSpc>
+                  <a:spcPct val="100000"/>
+                </a:lnSpc>
+                <a:spcBef>
+                  <a:spcPts val="0"/>
+                </a:spcBef>
+                <a:spcAft>
+                  <a:spcPts val="0"/>
+                </a:spcAft>
+                <a:buClrTx/>
+                <a:buSzTx/>
+                <a:buFontTx/>
+                <a:buNone/>
+                <a:tabLst/>
+                <a:defRPr/>
+              </a:pPr>
+              <a:t>5</a:t>
+            </a:fld>
+            <a:endParaRPr kumimoji="0" lang="ru-RU" sz="1200" b="0" i="0" u="none" strike="noStrike" kern="1200" cap="none" spc="0" normalizeH="0" baseline="0" noProof="0">
+              <a:ln>
+                <a:noFill/>
+              </a:ln>
+              <a:solidFill>
+                <a:prstClr val="black">
+                  <a:tint val="75000"/>
+                </a:prstClr>
+              </a:solidFill>
+              <a:effectLst/>
+              <a:uLnTx/>
+              <a:uFillTx/>
+              <a:ea typeface="+mn-ea"/>
+            </a:endParaRPr>
+          </a:p>
+        </p:txBody>
+      </p:sp>
+      <p:sp>
+        <p:nvSpPr>
+          <p:cNvPr id="2" name="TextBox 1">
+            <a:extLst>
+              <a:ext uri="{FF2B5EF4-FFF2-40B4-BE49-F238E27FC236}">
+                <a16:creationId xmlns:a16="http://schemas.microsoft.com/office/drawing/2014/main" id="{D89A20BE-A8FA-36DA-BBD0-90FAC6A6E23A}"/>
+              </a:ext>
+            </a:extLst>
+          </p:cNvPr>
+          <p:cNvSpPr txBox="1"/>
+          <p:nvPr/>
+        </p:nvSpPr>
+        <p:spPr>
+          <a:xfrm>
+            <a:off x="11890314" y="6488668"/>
+            <a:ext cx="301686" cy="369332"/>
+          </a:xfrm>
+          <a:prstGeom prst="rect">
+            <a:avLst/>
+          </a:prstGeom>
+          <a:noFill/>
+        </p:spPr>
+        <p:txBody>
+          <a:bodyPr wrap="none" rtlCol="0">
+            <a:spAutoFit/>
+          </a:bodyPr>
+          <a:lstStyle/>
+          <a:p>
+            <a:pPr marL="0" marR="0" lvl="0" indent="0" algn="l" defTabSz="914400" rtl="0" eaLnBrk="1" fontAlgn="auto" latinLnBrk="0" hangingPunct="1">
+              <a:lnSpc>
+                <a:spcPct val="100000"/>
+              </a:lnSpc>
+              <a:spcBef>
+                <a:spcPts val="0"/>
+              </a:spcBef>
+              <a:spcAft>
+                <a:spcPts val="0"/>
+              </a:spcAft>
+              <a:buClrTx/>
+              <a:buSzTx/>
+              <a:buFontTx/>
+              <a:buNone/>
+              <a:tabLst/>
+              <a:defRPr/>
+            </a:pPr>
+            <a:r>
+              <a:rPr lang="ru-RU" dirty="0">
+                <a:solidFill>
+                  <a:prstClr val="white"/>
+                </a:solidFill>
+                <a:latin typeface="Calibri" panose="020F0502020204030204"/>
+              </a:rPr>
+              <a:t>5</a:t>
+            </a:r>
+            <a:endParaRPr kumimoji="0" lang="ru-RU" sz="1800" b="0" i="0" u="none" strike="noStrike" kern="1200" cap="none" spc="0" normalizeH="0" baseline="0" noProof="0" dirty="0">
+              <a:ln>
+                <a:noFill/>
+              </a:ln>
+              <a:solidFill>
+                <a:prstClr val="white"/>
+              </a:solidFill>
+              <a:effectLst/>
+              <a:uLnTx/>
+              <a:uFillTx/>
+              <a:latin typeface="Calibri" panose="020F0502020204030204"/>
+              <a:ea typeface="+mn-ea"/>
+              <a:cs typeface="+mn-cs"/>
+            </a:endParaRPr>
+          </a:p>
+        </p:txBody>
+      </p:sp>
+      <mc:AlternateContent xmlns:mc="http://schemas.openxmlformats.org/markup-compatibility/2006" xmlns:a14="http://schemas.microsoft.com/office/drawing/2010/main">
+        <mc:Choice Requires="a14">
+          <p:sp>
+            <p:nvSpPr>
+              <p:cNvPr id="3" name="TextBox 2">
+                <a:extLst>
+                  <a:ext uri="{FF2B5EF4-FFF2-40B4-BE49-F238E27FC236}">
+                    <a16:creationId xmlns:a16="http://schemas.microsoft.com/office/drawing/2014/main" id="{CB64B43C-7B01-E3CB-FA35-07B97502BC44}"/>
+                  </a:ext>
+                </a:extLst>
+              </p:cNvPr>
+              <p:cNvSpPr txBox="1"/>
+              <p:nvPr/>
+            </p:nvSpPr>
+            <p:spPr>
+              <a:xfrm>
+                <a:off x="2810933" y="1089069"/>
+                <a:ext cx="5264136" cy="2610715"/>
+              </a:xfrm>
+              <a:prstGeom prst="rect">
+                <a:avLst/>
+              </a:prstGeom>
+              <a:noFill/>
+            </p:spPr>
+            <p:txBody>
+              <a:bodyPr wrap="square">
+                <a:spAutoFit/>
+              </a:bodyPr>
+              <a:lstStyle/>
+              <a:p>
+                <a:pPr indent="450215" algn="just">
+                  <a:lnSpc>
+                    <a:spcPct val="150000"/>
+                  </a:lnSpc>
+                </a:pPr>
+                <a:r>
+                  <a:rPr lang="en-US" sz="1400" dirty="0">
+                    <a:solidFill>
+                      <a:schemeClr val="bg1"/>
+                    </a:solidFill>
+                    <a:effectLst/>
+                    <a:latin typeface="Times New Roman" panose="02020603050405020304" pitchFamily="18" charset="0"/>
+                    <a:ea typeface="Times New Roman" panose="02020603050405020304" pitchFamily="18" charset="0"/>
+                  </a:rPr>
+                  <a:t>MSE</a:t>
+                </a:r>
+                <a:r>
+                  <a:rPr lang="en-US" sz="1400" dirty="0">
+                    <a:solidFill>
+                      <a:schemeClr val="bg1"/>
+                    </a:solidFill>
+                    <a:latin typeface="Times New Roman" panose="02020603050405020304" pitchFamily="18" charset="0"/>
+                    <a:ea typeface="Times New Roman" panose="02020603050405020304" pitchFamily="18" charset="0"/>
+                  </a:rPr>
+                  <a:t> (</a:t>
+                </a:r>
+                <a:r>
+                  <a:rPr lang="en-US" sz="1400" dirty="0">
+                    <a:solidFill>
+                      <a:schemeClr val="bg1"/>
+                    </a:solidFill>
+                    <a:effectLst/>
+                    <a:latin typeface="Times New Roman" panose="02020603050405020304" pitchFamily="18" charset="0"/>
+                    <a:ea typeface="Times New Roman" panose="02020603050405020304" pitchFamily="18" charset="0"/>
+                  </a:rPr>
+                  <a:t>mean squared error) </a:t>
+                </a:r>
+                <a:r>
+                  <a:rPr lang="ru-RU" sz="1400" dirty="0">
+                    <a:solidFill>
+                      <a:schemeClr val="bg1"/>
+                    </a:solidFill>
+                    <a:effectLst/>
+                    <a:latin typeface="Times New Roman" panose="02020603050405020304" pitchFamily="18" charset="0"/>
+                    <a:ea typeface="Times New Roman" panose="02020603050405020304" pitchFamily="18" charset="0"/>
+                  </a:rPr>
+                  <a:t>–</a:t>
+                </a:r>
+                <a:r>
+                  <a:rPr lang="en-US" sz="1400" dirty="0">
+                    <a:solidFill>
+                      <a:schemeClr val="bg1"/>
+                    </a:solidFill>
+                    <a:effectLst/>
+                    <a:latin typeface="Times New Roman" panose="02020603050405020304" pitchFamily="18" charset="0"/>
+                    <a:ea typeface="Times New Roman" panose="02020603050405020304" pitchFamily="18" charset="0"/>
+                  </a:rPr>
+                  <a:t> </a:t>
+                </a:r>
+                <a:r>
+                  <a:rPr lang="ru-RU" sz="1400" dirty="0">
+                    <a:solidFill>
+                      <a:schemeClr val="bg1"/>
+                    </a:solidFill>
+                    <a:effectLst/>
+                    <a:latin typeface="Times New Roman" panose="02020603050405020304" pitchFamily="18" charset="0"/>
+                    <a:ea typeface="Times New Roman" panose="02020603050405020304" pitchFamily="18" charset="0"/>
+                  </a:rPr>
+                  <a:t>среднеквадратичная ошибка</a:t>
+                </a:r>
+                <a:r>
+                  <a:rPr lang="en-US" sz="1400" dirty="0">
+                    <a:solidFill>
+                      <a:schemeClr val="bg1"/>
+                    </a:solidFill>
+                    <a:latin typeface="Times New Roman" panose="02020603050405020304" pitchFamily="18" charset="0"/>
+                    <a:ea typeface="Times New Roman" panose="02020603050405020304" pitchFamily="18" charset="0"/>
+                  </a:rPr>
+                  <a:t>.</a:t>
+                </a:r>
+              </a:p>
+              <a:p>
+                <a:pPr indent="450215" algn="just">
+                  <a:lnSpc>
+                    <a:spcPct val="150000"/>
+                  </a:lnSpc>
+                </a:pPr>
+                <a:r>
+                  <a:rPr lang="ru-RU" sz="1400" dirty="0">
+                    <a:solidFill>
+                      <a:schemeClr val="bg1"/>
+                    </a:solidFill>
+                    <a:effectLst/>
+                    <a:latin typeface="Times New Roman" panose="02020603050405020304" pitchFamily="18" charset="0"/>
+                    <a:ea typeface="Times New Roman" panose="02020603050405020304" pitchFamily="18" charset="0"/>
+                  </a:rPr>
+                  <a:t>Для определения </a:t>
+                </a:r>
+                <a:r>
+                  <a:rPr lang="en-US" sz="1400" dirty="0">
+                    <a:solidFill>
+                      <a:schemeClr val="bg1"/>
+                    </a:solidFill>
+                    <a:effectLst/>
+                    <a:latin typeface="Times New Roman" panose="02020603050405020304" pitchFamily="18" charset="0"/>
+                    <a:ea typeface="Times New Roman" panose="02020603050405020304" pitchFamily="18" charset="0"/>
+                  </a:rPr>
+                  <a:t>MSE </a:t>
+                </a:r>
+                <a:r>
+                  <a:rPr lang="ru-RU" sz="1400" dirty="0">
+                    <a:solidFill>
+                      <a:schemeClr val="bg1"/>
+                    </a:solidFill>
+                    <a:effectLst/>
+                    <a:latin typeface="Times New Roman" panose="02020603050405020304" pitchFamily="18" charset="0"/>
+                    <a:ea typeface="Times New Roman" panose="02020603050405020304" pitchFamily="18" charset="0"/>
+                  </a:rPr>
+                  <a:t>используется формула:</a:t>
+                </a:r>
+              </a:p>
+              <a:p>
+                <a:pPr indent="450215" algn="ctr">
+                  <a:lnSpc>
+                    <a:spcPct val="150000"/>
+                  </a:lnSpc>
+                  <a:spcBef>
+                    <a:spcPts val="1200"/>
+                  </a:spcBef>
+                </a:pPr>
+                <a14:m>
+                  <m:oMath xmlns:m="http://schemas.openxmlformats.org/officeDocument/2006/math">
+                    <m:r>
+                      <a:rPr lang="en-US" sz="1400" i="1">
+                        <a:solidFill>
+                          <a:schemeClr val="bg1"/>
+                        </a:solidFill>
+                        <a:effectLst/>
+                        <a:latin typeface="Cambria Math" panose="02040503050406030204" pitchFamily="18" charset="0"/>
+                        <a:ea typeface="Times New Roman" panose="02020603050405020304" pitchFamily="18" charset="0"/>
+                      </a:rPr>
+                      <m:t>𝑀𝑆𝐸</m:t>
+                    </m:r>
+                    <m:r>
+                      <a:rPr lang="ru-RU" sz="1400" i="1">
+                        <a:solidFill>
+                          <a:schemeClr val="bg1"/>
+                        </a:solidFill>
+                        <a:effectLst/>
+                        <a:latin typeface="Cambria Math" panose="02040503050406030204" pitchFamily="18" charset="0"/>
+                        <a:ea typeface="Times New Roman" panose="02020603050405020304" pitchFamily="18" charset="0"/>
+                      </a:rPr>
+                      <m:t> = </m:t>
+                    </m:r>
+                    <m:f>
+                      <m:fPr>
+                        <m:ctrlPr>
+                          <a:rPr lang="ru-RU" sz="1400" i="1">
+                            <a:solidFill>
+                              <a:schemeClr val="bg1"/>
+                            </a:solidFill>
+                            <a:effectLst/>
+                            <a:latin typeface="Cambria Math" panose="02040503050406030204" pitchFamily="18" charset="0"/>
+                            <a:ea typeface="Times New Roman" panose="02020603050405020304" pitchFamily="18" charset="0"/>
+                          </a:rPr>
+                        </m:ctrlPr>
+                      </m:fPr>
+                      <m:num>
+                        <m:r>
+                          <a:rPr lang="ru-RU" sz="1400" i="1">
+                            <a:solidFill>
+                              <a:schemeClr val="bg1"/>
+                            </a:solidFill>
+                            <a:effectLst/>
+                            <a:latin typeface="Cambria Math" panose="02040503050406030204" pitchFamily="18" charset="0"/>
+                            <a:ea typeface="Times New Roman" panose="02020603050405020304" pitchFamily="18" charset="0"/>
+                          </a:rPr>
+                          <m:t>1</m:t>
+                        </m:r>
+                      </m:num>
+                      <m:den>
+                        <m:r>
+                          <a:rPr lang="en-US" sz="1400" i="1">
+                            <a:solidFill>
+                              <a:schemeClr val="bg1"/>
+                            </a:solidFill>
+                            <a:effectLst/>
+                            <a:latin typeface="Cambria Math" panose="02040503050406030204" pitchFamily="18" charset="0"/>
+                            <a:ea typeface="Times New Roman" panose="02020603050405020304" pitchFamily="18" charset="0"/>
+                          </a:rPr>
+                          <m:t>𝑛</m:t>
+                        </m:r>
+                      </m:den>
+                    </m:f>
+                    <m:nary>
+                      <m:naryPr>
+                        <m:chr m:val="∑"/>
+                        <m:limLoc m:val="undOvr"/>
+                        <m:ctrlPr>
+                          <a:rPr lang="ru-RU" sz="1400" i="1">
+                            <a:solidFill>
+                              <a:schemeClr val="bg1"/>
+                            </a:solidFill>
+                            <a:effectLst/>
+                            <a:latin typeface="Cambria Math" panose="02040503050406030204" pitchFamily="18" charset="0"/>
+                            <a:ea typeface="Times New Roman" panose="02020603050405020304" pitchFamily="18" charset="0"/>
+                          </a:rPr>
+                        </m:ctrlPr>
+                      </m:naryPr>
+                      <m:sub>
+                        <m:r>
+                          <a:rPr lang="en-US" sz="1400" i="1">
+                            <a:solidFill>
+                              <a:schemeClr val="bg1"/>
+                            </a:solidFill>
+                            <a:effectLst/>
+                            <a:latin typeface="Cambria Math" panose="02040503050406030204" pitchFamily="18" charset="0"/>
+                            <a:ea typeface="Times New Roman" panose="02020603050405020304" pitchFamily="18" charset="0"/>
+                          </a:rPr>
+                          <m:t>𝑖</m:t>
+                        </m:r>
+                        <m:r>
+                          <a:rPr lang="ru-RU" sz="1400" i="1">
+                            <a:solidFill>
+                              <a:schemeClr val="bg1"/>
+                            </a:solidFill>
+                            <a:effectLst/>
+                            <a:latin typeface="Cambria Math" panose="02040503050406030204" pitchFamily="18" charset="0"/>
+                            <a:ea typeface="Times New Roman" panose="02020603050405020304" pitchFamily="18" charset="0"/>
+                          </a:rPr>
+                          <m:t>=1</m:t>
+                        </m:r>
+                      </m:sub>
+                      <m:sup>
+                        <m:r>
+                          <a:rPr lang="en-US" sz="1400" i="1">
+                            <a:solidFill>
+                              <a:schemeClr val="bg1"/>
+                            </a:solidFill>
+                            <a:effectLst/>
+                            <a:latin typeface="Cambria Math" panose="02040503050406030204" pitchFamily="18" charset="0"/>
+                            <a:ea typeface="Times New Roman" panose="02020603050405020304" pitchFamily="18" charset="0"/>
+                          </a:rPr>
+                          <m:t>𝑛</m:t>
+                        </m:r>
+                      </m:sup>
+                      <m:e>
+                        <m:sSup>
+                          <m:sSupPr>
+                            <m:ctrlPr>
+                              <a:rPr lang="ru-RU" sz="1400" i="1">
+                                <a:solidFill>
+                                  <a:schemeClr val="bg1"/>
+                                </a:solidFill>
+                                <a:effectLst/>
+                                <a:latin typeface="Cambria Math" panose="02040503050406030204" pitchFamily="18" charset="0"/>
+                                <a:ea typeface="Times New Roman" panose="02020603050405020304" pitchFamily="18" charset="0"/>
+                              </a:rPr>
+                            </m:ctrlPr>
+                          </m:sSupPr>
+                          <m:e>
+                            <m:r>
+                              <a:rPr lang="ru-RU" sz="1400" i="1">
+                                <a:solidFill>
+                                  <a:schemeClr val="bg1"/>
+                                </a:solidFill>
+                                <a:effectLst/>
+                                <a:latin typeface="Cambria Math" panose="02040503050406030204" pitchFamily="18" charset="0"/>
+                                <a:ea typeface="Times New Roman" panose="02020603050405020304" pitchFamily="18" charset="0"/>
+                              </a:rPr>
+                              <m:t>(</m:t>
+                            </m:r>
+                            <m:sSub>
+                              <m:sSubPr>
+                                <m:ctrlPr>
+                                  <a:rPr lang="ru-RU" sz="1400" i="1">
+                                    <a:solidFill>
+                                      <a:schemeClr val="bg1"/>
+                                    </a:solidFill>
+                                    <a:effectLst/>
+                                    <a:latin typeface="Cambria Math" panose="02040503050406030204" pitchFamily="18" charset="0"/>
+                                    <a:ea typeface="Times New Roman" panose="02020603050405020304" pitchFamily="18" charset="0"/>
+                                  </a:rPr>
+                                </m:ctrlPr>
+                              </m:sSubPr>
+                              <m:e>
+                                <m:r>
+                                  <a:rPr lang="en-US" sz="1400" i="1">
+                                    <a:solidFill>
+                                      <a:schemeClr val="bg1"/>
+                                    </a:solidFill>
+                                    <a:effectLst/>
+                                    <a:latin typeface="Cambria Math" panose="02040503050406030204" pitchFamily="18" charset="0"/>
+                                    <a:ea typeface="Times New Roman" panose="02020603050405020304" pitchFamily="18" charset="0"/>
+                                  </a:rPr>
+                                  <m:t>𝑌</m:t>
+                                </m:r>
+                              </m:e>
+                              <m:sub>
+                                <m:r>
+                                  <a:rPr lang="en-US" sz="1400" i="1">
+                                    <a:solidFill>
+                                      <a:schemeClr val="bg1"/>
+                                    </a:solidFill>
+                                    <a:effectLst/>
+                                    <a:latin typeface="Cambria Math" panose="02040503050406030204" pitchFamily="18" charset="0"/>
+                                    <a:ea typeface="Times New Roman" panose="02020603050405020304" pitchFamily="18" charset="0"/>
+                                  </a:rPr>
+                                  <m:t>𝑖</m:t>
+                                </m:r>
+                              </m:sub>
+                            </m:sSub>
+                            <m:r>
+                              <a:rPr lang="ru-RU" sz="1400" i="1">
+                                <a:solidFill>
+                                  <a:schemeClr val="bg1"/>
+                                </a:solidFill>
+                                <a:effectLst/>
+                                <a:latin typeface="Cambria Math" panose="02040503050406030204" pitchFamily="18" charset="0"/>
+                                <a:ea typeface="Times New Roman" panose="02020603050405020304" pitchFamily="18" charset="0"/>
+                              </a:rPr>
+                              <m:t>−</m:t>
+                            </m:r>
+                            <m:sSub>
+                              <m:sSubPr>
+                                <m:ctrlPr>
+                                  <a:rPr lang="ru-RU" sz="1400" i="1">
+                                    <a:solidFill>
+                                      <a:schemeClr val="bg1"/>
+                                    </a:solidFill>
+                                    <a:effectLst/>
+                                    <a:latin typeface="Cambria Math" panose="02040503050406030204" pitchFamily="18" charset="0"/>
+                                    <a:ea typeface="Times New Roman" panose="02020603050405020304" pitchFamily="18" charset="0"/>
+                                  </a:rPr>
+                                </m:ctrlPr>
+                              </m:sSubPr>
+                              <m:e>
+                                <m:acc>
+                                  <m:accPr>
+                                    <m:chr m:val="̂"/>
+                                    <m:ctrlPr>
+                                      <a:rPr lang="ru-RU" sz="1400" i="1">
+                                        <a:solidFill>
+                                          <a:schemeClr val="bg1"/>
+                                        </a:solidFill>
+                                        <a:effectLst/>
+                                        <a:latin typeface="Cambria Math" panose="02040503050406030204" pitchFamily="18" charset="0"/>
+                                        <a:ea typeface="Times New Roman" panose="02020603050405020304" pitchFamily="18" charset="0"/>
+                                      </a:rPr>
+                                    </m:ctrlPr>
+                                  </m:accPr>
+                                  <m:e>
+                                    <m:r>
+                                      <a:rPr lang="en-US" sz="1400" i="1">
+                                        <a:solidFill>
+                                          <a:schemeClr val="bg1"/>
+                                        </a:solidFill>
+                                        <a:effectLst/>
+                                        <a:latin typeface="Cambria Math" panose="02040503050406030204" pitchFamily="18" charset="0"/>
+                                        <a:ea typeface="Times New Roman" panose="02020603050405020304" pitchFamily="18" charset="0"/>
+                                      </a:rPr>
+                                      <m:t>𝑌</m:t>
+                                    </m:r>
+                                  </m:e>
+                                </m:acc>
+                              </m:e>
+                              <m:sub>
+                                <m:r>
+                                  <a:rPr lang="en-US" sz="1400" i="1">
+                                    <a:solidFill>
+                                      <a:schemeClr val="bg1"/>
+                                    </a:solidFill>
+                                    <a:effectLst/>
+                                    <a:latin typeface="Cambria Math" panose="02040503050406030204" pitchFamily="18" charset="0"/>
+                                    <a:ea typeface="Times New Roman" panose="02020603050405020304" pitchFamily="18" charset="0"/>
+                                  </a:rPr>
+                                  <m:t>𝑖</m:t>
+                                </m:r>
+                              </m:sub>
+                            </m:sSub>
+                            <m:r>
+                              <a:rPr lang="ru-RU" sz="1400" i="1">
+                                <a:solidFill>
+                                  <a:schemeClr val="bg1"/>
+                                </a:solidFill>
+                                <a:effectLst/>
+                                <a:latin typeface="Cambria Math" panose="02040503050406030204" pitchFamily="18" charset="0"/>
+                                <a:ea typeface="Times New Roman" panose="02020603050405020304" pitchFamily="18" charset="0"/>
+                              </a:rPr>
+                              <m:t>)</m:t>
+                            </m:r>
+                          </m:e>
+                          <m:sup>
+                            <m:r>
+                              <a:rPr lang="ru-RU" sz="1400" i="1">
+                                <a:solidFill>
+                                  <a:schemeClr val="bg1"/>
+                                </a:solidFill>
+                                <a:effectLst/>
+                                <a:latin typeface="Cambria Math" panose="02040503050406030204" pitchFamily="18" charset="0"/>
+                                <a:ea typeface="Times New Roman" panose="02020603050405020304" pitchFamily="18" charset="0"/>
+                              </a:rPr>
+                              <m:t>2</m:t>
+                            </m:r>
+                          </m:sup>
+                        </m:sSup>
+                      </m:e>
+                    </m:nary>
+                  </m:oMath>
+                </a14:m>
+                <a:r>
+                  <a:rPr lang="ru-RU" sz="1400" dirty="0">
+                    <a:solidFill>
+                      <a:schemeClr val="bg1"/>
+                    </a:solidFill>
+                    <a:effectLst/>
+                    <a:latin typeface="Times New Roman" panose="02020603050405020304" pitchFamily="18" charset="0"/>
+                    <a:ea typeface="Times New Roman" panose="02020603050405020304" pitchFamily="18" charset="0"/>
+                  </a:rPr>
+                  <a:t>,</a:t>
+                </a:r>
+              </a:p>
+              <a:p>
+                <a:pPr indent="450215" algn="just">
+                  <a:lnSpc>
+                    <a:spcPct val="150000"/>
+                  </a:lnSpc>
+                </a:pPr>
+                <a:r>
+                  <a:rPr lang="ru-RU" sz="1400" dirty="0">
+                    <a:solidFill>
+                      <a:schemeClr val="bg1"/>
+                    </a:solidFill>
+                    <a:effectLst/>
+                    <a:latin typeface="Times New Roman" panose="02020603050405020304" pitchFamily="18" charset="0"/>
+                    <a:ea typeface="Times New Roman" panose="02020603050405020304" pitchFamily="18" charset="0"/>
+                  </a:rPr>
+                  <a:t>где</a:t>
+                </a:r>
+              </a:p>
+              <a:p>
+                <a:pPr indent="450215" algn="just">
+                  <a:lnSpc>
+                    <a:spcPct val="150000"/>
+                  </a:lnSpc>
+                </a:pPr>
+                <a:r>
+                  <a:rPr lang="en-US" sz="1400" dirty="0">
+                    <a:solidFill>
+                      <a:schemeClr val="bg1"/>
+                    </a:solidFill>
+                    <a:effectLst/>
+                    <a:latin typeface="Times New Roman" panose="02020603050405020304" pitchFamily="18" charset="0"/>
+                    <a:ea typeface="Times New Roman" panose="02020603050405020304" pitchFamily="18" charset="0"/>
+                  </a:rPr>
+                  <a:t>n</a:t>
+                </a:r>
+                <a:r>
+                  <a:rPr lang="ru-RU" sz="1400" dirty="0">
+                    <a:solidFill>
+                      <a:schemeClr val="bg1"/>
+                    </a:solidFill>
+                    <a:effectLst/>
+                    <a:latin typeface="Times New Roman" panose="02020603050405020304" pitchFamily="18" charset="0"/>
+                    <a:ea typeface="Times New Roman" panose="02020603050405020304" pitchFamily="18" charset="0"/>
+                  </a:rPr>
+                  <a:t> – количество входных значений;</a:t>
+                </a:r>
+              </a:p>
+              <a:p>
+                <a:pPr indent="450215" algn="just">
+                  <a:lnSpc>
+                    <a:spcPct val="150000"/>
+                  </a:lnSpc>
+                </a:pPr>
+                <a14:m>
+                  <m:oMath xmlns:m="http://schemas.openxmlformats.org/officeDocument/2006/math">
+                    <m:sSub>
+                      <m:sSubPr>
+                        <m:ctrlPr>
+                          <a:rPr lang="ru-RU" sz="1400" i="1">
+                            <a:solidFill>
+                              <a:schemeClr val="bg1"/>
+                            </a:solidFill>
+                            <a:effectLst/>
+                            <a:latin typeface="Cambria Math" panose="02040503050406030204" pitchFamily="18" charset="0"/>
+                            <a:ea typeface="Times New Roman" panose="02020603050405020304" pitchFamily="18" charset="0"/>
+                          </a:rPr>
+                        </m:ctrlPr>
+                      </m:sSubPr>
+                      <m:e>
+                        <m:r>
+                          <a:rPr lang="en-US" sz="1400" i="1">
+                            <a:solidFill>
+                              <a:schemeClr val="bg1"/>
+                            </a:solidFill>
+                            <a:effectLst/>
+                            <a:latin typeface="Cambria Math" panose="02040503050406030204" pitchFamily="18" charset="0"/>
+                            <a:ea typeface="Times New Roman" panose="02020603050405020304" pitchFamily="18" charset="0"/>
+                          </a:rPr>
+                          <m:t>𝑌</m:t>
+                        </m:r>
+                      </m:e>
+                      <m:sub>
+                        <m:r>
+                          <a:rPr lang="en-US" sz="1400" i="1">
+                            <a:solidFill>
+                              <a:schemeClr val="bg1"/>
+                            </a:solidFill>
+                            <a:effectLst/>
+                            <a:latin typeface="Cambria Math" panose="02040503050406030204" pitchFamily="18" charset="0"/>
+                            <a:ea typeface="Times New Roman" panose="02020603050405020304" pitchFamily="18" charset="0"/>
+                          </a:rPr>
+                          <m:t>𝑖</m:t>
+                        </m:r>
+                      </m:sub>
+                    </m:sSub>
+                  </m:oMath>
+                </a14:m>
+                <a:r>
+                  <a:rPr lang="ru-RU" sz="1400" dirty="0">
+                    <a:solidFill>
+                      <a:schemeClr val="bg1"/>
+                    </a:solidFill>
+                    <a:effectLst/>
+                    <a:latin typeface="Times New Roman" panose="02020603050405020304" pitchFamily="18" charset="0"/>
+                    <a:ea typeface="Times New Roman" panose="02020603050405020304" pitchFamily="18" charset="0"/>
+                  </a:rPr>
+                  <a:t> – точная величина;</a:t>
+                </a:r>
+              </a:p>
+              <a:p>
+                <a:pPr indent="450215" algn="just">
+                  <a:lnSpc>
+                    <a:spcPct val="150000"/>
+                  </a:lnSpc>
+                  <a:spcAft>
+                    <a:spcPts val="1200"/>
+                  </a:spcAft>
+                </a:pPr>
+                <a14:m>
+                  <m:oMath xmlns:m="http://schemas.openxmlformats.org/officeDocument/2006/math">
+                    <m:sSub>
+                      <m:sSubPr>
+                        <m:ctrlPr>
+                          <a:rPr lang="ru-RU" sz="1400" i="1">
+                            <a:solidFill>
+                              <a:schemeClr val="bg1"/>
+                            </a:solidFill>
+                            <a:effectLst/>
+                            <a:latin typeface="Cambria Math" panose="02040503050406030204" pitchFamily="18" charset="0"/>
+                            <a:ea typeface="Times New Roman" panose="02020603050405020304" pitchFamily="18" charset="0"/>
+                          </a:rPr>
+                        </m:ctrlPr>
+                      </m:sSubPr>
+                      <m:e>
+                        <m:acc>
+                          <m:accPr>
+                            <m:chr m:val="̂"/>
+                            <m:ctrlPr>
+                              <a:rPr lang="ru-RU" sz="1400" i="1">
+                                <a:solidFill>
+                                  <a:schemeClr val="bg1"/>
+                                </a:solidFill>
+                                <a:effectLst/>
+                                <a:latin typeface="Cambria Math" panose="02040503050406030204" pitchFamily="18" charset="0"/>
+                                <a:ea typeface="Times New Roman" panose="02020603050405020304" pitchFamily="18" charset="0"/>
+                              </a:rPr>
+                            </m:ctrlPr>
+                          </m:accPr>
+                          <m:e>
+                            <m:r>
+                              <a:rPr lang="en-US" sz="1400" i="1">
+                                <a:solidFill>
+                                  <a:schemeClr val="bg1"/>
+                                </a:solidFill>
+                                <a:effectLst/>
+                                <a:latin typeface="Cambria Math" panose="02040503050406030204" pitchFamily="18" charset="0"/>
+                                <a:ea typeface="Times New Roman" panose="02020603050405020304" pitchFamily="18" charset="0"/>
+                              </a:rPr>
+                              <m:t>𝑌</m:t>
+                            </m:r>
+                          </m:e>
+                        </m:acc>
+                      </m:e>
+                      <m:sub>
+                        <m:r>
+                          <a:rPr lang="en-US" sz="1400" i="1">
+                            <a:solidFill>
+                              <a:schemeClr val="bg1"/>
+                            </a:solidFill>
+                            <a:effectLst/>
+                            <a:latin typeface="Cambria Math" panose="02040503050406030204" pitchFamily="18" charset="0"/>
+                            <a:ea typeface="Times New Roman" panose="02020603050405020304" pitchFamily="18" charset="0"/>
+                          </a:rPr>
+                          <m:t>𝑖</m:t>
+                        </m:r>
+                      </m:sub>
+                    </m:sSub>
+                  </m:oMath>
+                </a14:m>
+                <a:r>
+                  <a:rPr lang="ru-RU" sz="1400" dirty="0">
+                    <a:solidFill>
+                      <a:schemeClr val="bg1"/>
+                    </a:solidFill>
+                    <a:effectLst/>
+                    <a:latin typeface="Times New Roman" panose="02020603050405020304" pitchFamily="18" charset="0"/>
+                    <a:ea typeface="Times New Roman" panose="02020603050405020304" pitchFamily="18" charset="0"/>
+                  </a:rPr>
+                  <a:t> – предугаданная величина.</a:t>
+                </a:r>
+              </a:p>
+            </p:txBody>
+          </p:sp>
+        </mc:Choice>
+        <mc:Fallback xmlns="">
+          <p:sp>
+            <p:nvSpPr>
+              <p:cNvPr id="3" name="TextBox 2">
+                <a:extLst>
+                  <a:ext uri="{FF2B5EF4-FFF2-40B4-BE49-F238E27FC236}">
+                    <a16:creationId xmlns:a16="http://schemas.microsoft.com/office/drawing/2014/main" id="{CB64B43C-7B01-E3CB-FA35-07B97502BC44}"/>
+                  </a:ext>
+                </a:extLst>
+              </p:cNvPr>
+              <p:cNvSpPr txBox="1">
+                <a:spLocks noRot="1" noChangeAspect="1" noMove="1" noResize="1" noEditPoints="1" noAdjustHandles="1" noChangeArrowheads="1" noChangeShapeType="1" noTextEdit="1"/>
+              </p:cNvSpPr>
+              <p:nvPr/>
+            </p:nvSpPr>
+            <p:spPr>
+              <a:xfrm>
+                <a:off x="2810933" y="1089069"/>
+                <a:ext cx="5264136" cy="2610715"/>
+              </a:xfrm>
+              <a:prstGeom prst="rect">
+                <a:avLst/>
+              </a:prstGeom>
+              <a:blipFill>
+                <a:blip r:embed="rId4"/>
+                <a:stretch>
+                  <a:fillRect b="-1402"/>
+                </a:stretch>
+              </a:blipFill>
+            </p:spPr>
+            <p:txBody>
+              <a:bodyPr/>
+              <a:lstStyle/>
+              <a:p>
+                <a:r>
+                  <a:rPr lang="ru-RU">
+                    <a:noFill/>
+                  </a:rPr>
+                  <a:t> </a:t>
+                </a:r>
+              </a:p>
+            </p:txBody>
+          </p:sp>
+        </mc:Fallback>
+      </mc:AlternateContent>
+      <mc:AlternateContent xmlns:mc="http://schemas.openxmlformats.org/markup-compatibility/2006" xmlns:a14="http://schemas.microsoft.com/office/drawing/2010/main">
+        <mc:Choice Requires="a14">
+          <p:sp>
+            <p:nvSpPr>
+              <p:cNvPr id="6" name="TextBox 5">
+                <a:extLst>
+                  <a:ext uri="{FF2B5EF4-FFF2-40B4-BE49-F238E27FC236}">
+                    <a16:creationId xmlns:a16="http://schemas.microsoft.com/office/drawing/2014/main" id="{7CC61D25-3C56-0C83-56CD-9D3ADBDE1683}"/>
+                  </a:ext>
+                </a:extLst>
+              </p:cNvPr>
+              <p:cNvSpPr txBox="1"/>
+              <p:nvPr/>
+            </p:nvSpPr>
+            <p:spPr>
+              <a:xfrm>
+                <a:off x="2810933" y="3939639"/>
+                <a:ext cx="5264136" cy="2502545"/>
+              </a:xfrm>
+              <a:prstGeom prst="rect">
+                <a:avLst/>
+              </a:prstGeom>
+              <a:noFill/>
+            </p:spPr>
+            <p:txBody>
+              <a:bodyPr wrap="square">
+                <a:spAutoFit/>
+              </a:bodyPr>
+              <a:lstStyle/>
+              <a:p>
+                <a:pPr marL="0" marR="0" lvl="0" indent="450215" algn="just" defTabSz="914400" rtl="0" eaLnBrk="1" fontAlgn="auto" latinLnBrk="0" hangingPunct="1">
+                  <a:lnSpc>
+                    <a:spcPct val="150000"/>
+                  </a:lnSpc>
+                  <a:spcBef>
+                    <a:spcPts val="0"/>
+                  </a:spcBef>
+                  <a:spcAft>
+                    <a:spcPts val="0"/>
+                  </a:spcAft>
+                  <a:buClrTx/>
+                  <a:buSzTx/>
+                  <a:buFontTx/>
+                  <a:buNone/>
+                  <a:tabLst/>
+                  <a:defRPr/>
+                </a:pPr>
+                <a:r>
+                  <a:rPr kumimoji="0" lang="en-US" sz="1400" b="0" i="0" u="none" strike="noStrike" kern="1200" cap="none" spc="0" normalizeH="0" baseline="0" noProof="0" dirty="0">
+                    <a:ln>
+                      <a:noFill/>
+                    </a:ln>
+                    <a:solidFill>
+                      <a:schemeClr val="bg1"/>
+                    </a:solidFill>
+                    <a:effectLst/>
+                    <a:uLnTx/>
+                    <a:uFillTx/>
+                    <a:latin typeface="Times New Roman" panose="02020603050405020304" pitchFamily="18" charset="0"/>
+                    <a:ea typeface="Times New Roman" panose="02020603050405020304" pitchFamily="18" charset="0"/>
+                    <a:cs typeface="+mn-cs"/>
+                  </a:rPr>
+                  <a:t>MAE</a:t>
+                </a:r>
+                <a:r>
+                  <a:rPr kumimoji="0" lang="ru-RU" sz="1400" b="0" i="0" u="none" strike="noStrike" kern="1200" cap="none" spc="0" normalizeH="0" baseline="0" noProof="0" dirty="0">
+                    <a:ln>
+                      <a:noFill/>
+                    </a:ln>
+                    <a:solidFill>
+                      <a:schemeClr val="bg1"/>
+                    </a:solidFill>
+                    <a:effectLst/>
+                    <a:uLnTx/>
+                    <a:uFillTx/>
+                    <a:latin typeface="Times New Roman" panose="02020603050405020304" pitchFamily="18" charset="0"/>
+                    <a:ea typeface="Times New Roman" panose="02020603050405020304" pitchFamily="18" charset="0"/>
+                    <a:cs typeface="+mn-cs"/>
+                  </a:rPr>
+                  <a:t> </a:t>
+                </a:r>
+                <a:r>
+                  <a:rPr kumimoji="0" lang="en-US" sz="1400" b="0" i="0" u="none" strike="noStrike" kern="1200" cap="none" spc="0" normalizeH="0" baseline="0" noProof="0" dirty="0">
+                    <a:ln>
+                      <a:noFill/>
+                    </a:ln>
+                    <a:solidFill>
+                      <a:schemeClr val="bg1"/>
+                    </a:solidFill>
+                    <a:effectLst/>
+                    <a:uLnTx/>
+                    <a:uFillTx/>
+                    <a:latin typeface="Times New Roman" panose="02020603050405020304" pitchFamily="18" charset="0"/>
+                    <a:ea typeface="Times New Roman" panose="02020603050405020304" pitchFamily="18" charset="0"/>
+                    <a:cs typeface="+mn-cs"/>
+                  </a:rPr>
+                  <a:t>(mean absolute error)</a:t>
+                </a:r>
+                <a:r>
+                  <a:rPr kumimoji="0" lang="ru-RU" sz="1400" b="0" i="0" u="none" strike="noStrike" kern="1200" cap="none" spc="0" normalizeH="0" baseline="0" noProof="0" dirty="0">
+                    <a:ln>
+                      <a:noFill/>
+                    </a:ln>
+                    <a:solidFill>
+                      <a:schemeClr val="bg1"/>
+                    </a:solidFill>
+                    <a:effectLst/>
+                    <a:uLnTx/>
+                    <a:uFillTx/>
+                    <a:latin typeface="Times New Roman" panose="02020603050405020304" pitchFamily="18" charset="0"/>
+                    <a:ea typeface="Times New Roman" panose="02020603050405020304" pitchFamily="18" charset="0"/>
+                    <a:cs typeface="+mn-cs"/>
+                  </a:rPr>
+                  <a:t> </a:t>
+                </a:r>
+                <a:r>
+                  <a:rPr kumimoji="0" lang="en-US" sz="1400" b="0" i="0" u="none" strike="noStrike" kern="1200" cap="none" spc="0" normalizeH="0" baseline="0" noProof="0" dirty="0">
+                    <a:ln>
+                      <a:noFill/>
+                    </a:ln>
+                    <a:solidFill>
+                      <a:schemeClr val="bg1"/>
+                    </a:solidFill>
+                    <a:effectLst/>
+                    <a:uLnTx/>
+                    <a:uFillTx/>
+                    <a:latin typeface="Times New Roman" panose="02020603050405020304" pitchFamily="18" charset="0"/>
+                    <a:ea typeface="Times New Roman" panose="02020603050405020304" pitchFamily="18" charset="0"/>
+                    <a:cs typeface="+mn-cs"/>
+                  </a:rPr>
+                  <a:t>- </a:t>
+                </a:r>
+                <a:r>
+                  <a:rPr kumimoji="0" lang="ru-RU" sz="1400" b="0" i="0" u="none" strike="noStrike" kern="1200" cap="none" spc="0" normalizeH="0" baseline="0" noProof="0" dirty="0">
+                    <a:ln>
+                      <a:noFill/>
+                    </a:ln>
+                    <a:solidFill>
+                      <a:schemeClr val="bg1"/>
+                    </a:solidFill>
+                    <a:effectLst/>
+                    <a:uLnTx/>
+                    <a:uFillTx/>
+                    <a:latin typeface="Times New Roman" panose="02020603050405020304" pitchFamily="18" charset="0"/>
+                    <a:ea typeface="Times New Roman" panose="02020603050405020304" pitchFamily="18" charset="0"/>
+                    <a:cs typeface="+mn-cs"/>
+                  </a:rPr>
+                  <a:t>средняя абсолютная ошибка</a:t>
+                </a:r>
+                <a:r>
+                  <a:rPr lang="en-US" sz="1400" dirty="0">
+                    <a:solidFill>
+                      <a:schemeClr val="bg1"/>
+                    </a:solidFill>
+                    <a:latin typeface="Times New Roman" panose="02020603050405020304" pitchFamily="18" charset="0"/>
+                    <a:ea typeface="Times New Roman" panose="02020603050405020304" pitchFamily="18" charset="0"/>
+                  </a:rPr>
+                  <a:t>.</a:t>
+                </a:r>
+                <a:endParaRPr kumimoji="0" lang="en-US" sz="1400" b="0" i="0" u="none" strike="noStrike" kern="1200" cap="none" spc="0" normalizeH="0" baseline="0" noProof="0" dirty="0">
+                  <a:ln>
+                    <a:noFill/>
+                  </a:ln>
+                  <a:solidFill>
+                    <a:schemeClr val="bg1"/>
+                  </a:solidFill>
+                  <a:effectLst/>
+                  <a:uLnTx/>
+                  <a:uFillTx/>
+                  <a:latin typeface="Times New Roman" panose="02020603050405020304" pitchFamily="18" charset="0"/>
+                  <a:ea typeface="Times New Roman" panose="02020603050405020304" pitchFamily="18" charset="0"/>
+                  <a:cs typeface="+mn-cs"/>
+                </a:endParaRPr>
+              </a:p>
+              <a:p>
+                <a:pPr marL="0" marR="0" lvl="0" indent="450215" algn="just" defTabSz="914400" rtl="0" eaLnBrk="1" fontAlgn="auto" latinLnBrk="0" hangingPunct="1">
+                  <a:lnSpc>
+                    <a:spcPct val="150000"/>
+                  </a:lnSpc>
+                  <a:spcBef>
+                    <a:spcPts val="0"/>
+                  </a:spcBef>
+                  <a:spcAft>
+                    <a:spcPts val="0"/>
+                  </a:spcAft>
+                  <a:buClrTx/>
+                  <a:buSzTx/>
+                  <a:buFontTx/>
+                  <a:buNone/>
+                  <a:tabLst/>
+                  <a:defRPr/>
+                </a:pPr>
+                <a:r>
+                  <a:rPr kumimoji="0" lang="ru-RU" sz="1400" b="0" i="0" u="none" strike="noStrike" kern="1200" cap="none" spc="0" normalizeH="0" baseline="0" noProof="0" dirty="0">
+                    <a:ln>
+                      <a:noFill/>
+                    </a:ln>
+                    <a:solidFill>
+                      <a:schemeClr val="bg1"/>
+                    </a:solidFill>
+                    <a:effectLst/>
+                    <a:uLnTx/>
+                    <a:uFillTx/>
+                    <a:latin typeface="Times New Roman" panose="02020603050405020304" pitchFamily="18" charset="0"/>
+                    <a:ea typeface="Times New Roman" panose="02020603050405020304" pitchFamily="18" charset="0"/>
+                    <a:cs typeface="+mn-cs"/>
+                  </a:rPr>
+                  <a:t>Для определения </a:t>
+                </a:r>
+                <a:r>
+                  <a:rPr kumimoji="0" lang="en-US" sz="1400" b="0" i="0" u="none" strike="noStrike" kern="1200" cap="none" spc="0" normalizeH="0" baseline="0" noProof="0" dirty="0">
+                    <a:ln>
+                      <a:noFill/>
+                    </a:ln>
+                    <a:solidFill>
+                      <a:schemeClr val="bg1"/>
+                    </a:solidFill>
+                    <a:effectLst/>
+                    <a:uLnTx/>
+                    <a:uFillTx/>
+                    <a:latin typeface="Times New Roman" panose="02020603050405020304" pitchFamily="18" charset="0"/>
+                    <a:ea typeface="Times New Roman" panose="02020603050405020304" pitchFamily="18" charset="0"/>
+                    <a:cs typeface="+mn-cs"/>
+                  </a:rPr>
+                  <a:t>MAE </a:t>
+                </a:r>
+                <a:r>
+                  <a:rPr kumimoji="0" lang="ru-RU" sz="1400" b="0" i="0" u="none" strike="noStrike" kern="1200" cap="none" spc="0" normalizeH="0" baseline="0" noProof="0" dirty="0">
+                    <a:ln>
+                      <a:noFill/>
+                    </a:ln>
+                    <a:solidFill>
+                      <a:schemeClr val="bg1"/>
+                    </a:solidFill>
+                    <a:effectLst/>
+                    <a:uLnTx/>
+                    <a:uFillTx/>
+                    <a:latin typeface="Times New Roman" panose="02020603050405020304" pitchFamily="18" charset="0"/>
+                    <a:ea typeface="Times New Roman" panose="02020603050405020304" pitchFamily="18" charset="0"/>
+                    <a:cs typeface="+mn-cs"/>
+                  </a:rPr>
+                  <a:t>используется формула:</a:t>
+                </a:r>
+                <a:endParaRPr kumimoji="0" lang="ru-RU" sz="1200" b="0" i="0" u="none" strike="noStrike" kern="1200" cap="none" spc="0" normalizeH="0" baseline="0" noProof="0" dirty="0">
+                  <a:ln>
+                    <a:noFill/>
+                  </a:ln>
+                  <a:solidFill>
+                    <a:schemeClr val="bg1"/>
+                  </a:solidFill>
+                  <a:effectLst/>
+                  <a:uLnTx/>
+                  <a:uFillTx/>
+                  <a:latin typeface="Times New Roman" panose="02020603050405020304" pitchFamily="18" charset="0"/>
+                  <a:ea typeface="Times New Roman" panose="02020603050405020304" pitchFamily="18" charset="0"/>
+                  <a:cs typeface="+mn-cs"/>
+                </a:endParaRPr>
+              </a:p>
+              <a:p>
+                <a:pPr marL="0" marR="0" lvl="0" indent="450215" algn="ctr" defTabSz="914400" rtl="0" eaLnBrk="1" fontAlgn="auto" latinLnBrk="0" hangingPunct="1">
+                  <a:lnSpc>
+                    <a:spcPct val="150000"/>
+                  </a:lnSpc>
+                  <a:spcBef>
+                    <a:spcPts val="0"/>
+                  </a:spcBef>
+                  <a:spcAft>
+                    <a:spcPts val="0"/>
+                  </a:spcAft>
+                  <a:buClrTx/>
+                  <a:buSzTx/>
+                  <a:buFontTx/>
+                  <a:buNone/>
+                  <a:tabLst/>
+                  <a:defRPr/>
+                </a:pPr>
+                <a14:m>
+                  <m:oMath xmlns:m="http://schemas.openxmlformats.org/officeDocument/2006/math">
+                    <m:r>
+                      <a:rPr kumimoji="0" lang="ru-RU" sz="1400" b="0" i="1" u="none" strike="noStrike" kern="1200" cap="none" spc="0" normalizeH="0" baseline="0" noProof="0">
+                        <a:ln>
+                          <a:noFill/>
+                        </a:ln>
+                        <a:solidFill>
+                          <a:schemeClr val="bg1"/>
+                        </a:solidFill>
+                        <a:effectLst/>
+                        <a:uLnTx/>
+                        <a:uFillTx/>
+                        <a:latin typeface="Cambria Math" panose="02040503050406030204" pitchFamily="18" charset="0"/>
+                        <a:ea typeface="Times New Roman" panose="02020603050405020304" pitchFamily="18" charset="0"/>
+                        <a:cs typeface="+mn-cs"/>
+                      </a:rPr>
+                      <m:t>𝑀</m:t>
+                    </m:r>
+                    <m:r>
+                      <a:rPr kumimoji="0" lang="en-US" sz="1400" b="0" i="1" u="none" strike="noStrike" kern="1200" cap="none" spc="0" normalizeH="0" baseline="0" noProof="0">
+                        <a:ln>
+                          <a:noFill/>
+                        </a:ln>
+                        <a:solidFill>
+                          <a:schemeClr val="bg1"/>
+                        </a:solidFill>
+                        <a:effectLst/>
+                        <a:uLnTx/>
+                        <a:uFillTx/>
+                        <a:latin typeface="Cambria Math" panose="02040503050406030204" pitchFamily="18" charset="0"/>
+                        <a:ea typeface="Times New Roman" panose="02020603050405020304" pitchFamily="18" charset="0"/>
+                        <a:cs typeface="+mn-cs"/>
+                      </a:rPr>
+                      <m:t>𝐴𝐸</m:t>
+                    </m:r>
+                    <m:r>
+                      <a:rPr kumimoji="0" lang="ru-RU" sz="1400" b="0" i="1" u="none" strike="noStrike" kern="1200" cap="none" spc="0" normalizeH="0" baseline="0" noProof="0">
+                        <a:ln>
+                          <a:noFill/>
+                        </a:ln>
+                        <a:solidFill>
+                          <a:schemeClr val="bg1"/>
+                        </a:solidFill>
+                        <a:effectLst/>
+                        <a:uLnTx/>
+                        <a:uFillTx/>
+                        <a:latin typeface="Cambria Math" panose="02040503050406030204" pitchFamily="18" charset="0"/>
+                        <a:ea typeface="Times New Roman" panose="02020603050405020304" pitchFamily="18" charset="0"/>
+                        <a:cs typeface="+mn-cs"/>
+                      </a:rPr>
+                      <m:t> = </m:t>
+                    </m:r>
+                    <m:f>
+                      <m:fPr>
+                        <m:ctrlPr>
+                          <a:rPr kumimoji="0" lang="ru-RU" sz="1400" b="0" i="1" u="none" strike="noStrike" kern="1200" cap="none" spc="0" normalizeH="0" baseline="0" noProof="0">
+                            <a:ln>
+                              <a:noFill/>
+                            </a:ln>
+                            <a:solidFill>
+                              <a:schemeClr val="bg1"/>
+                            </a:solidFill>
+                            <a:effectLst/>
+                            <a:uLnTx/>
+                            <a:uFillTx/>
+                            <a:latin typeface="Cambria Math" panose="02040503050406030204" pitchFamily="18" charset="0"/>
+                            <a:ea typeface="Times New Roman" panose="02020603050405020304" pitchFamily="18" charset="0"/>
+                            <a:cs typeface="+mn-cs"/>
+                          </a:rPr>
+                        </m:ctrlPr>
+                      </m:fPr>
+                      <m:num>
+                        <m:nary>
+                          <m:naryPr>
+                            <m:chr m:val="∑"/>
+                            <m:limLoc m:val="undOvr"/>
+                            <m:ctrlPr>
+                              <a:rPr kumimoji="0" lang="ru-RU" sz="1400" b="0" i="1" u="none" strike="noStrike" kern="1200" cap="none" spc="0" normalizeH="0" baseline="0" noProof="0">
+                                <a:ln>
+                                  <a:noFill/>
+                                </a:ln>
+                                <a:solidFill>
+                                  <a:schemeClr val="bg1"/>
+                                </a:solidFill>
+                                <a:effectLst/>
+                                <a:uLnTx/>
+                                <a:uFillTx/>
+                                <a:latin typeface="Cambria Math" panose="02040503050406030204" pitchFamily="18" charset="0"/>
+                                <a:ea typeface="Times New Roman" panose="02020603050405020304" pitchFamily="18" charset="0"/>
+                                <a:cs typeface="+mn-cs"/>
+                              </a:rPr>
+                            </m:ctrlPr>
+                          </m:naryPr>
+                          <m:sub>
+                            <m:r>
+                              <a:rPr kumimoji="0" lang="en-US" sz="1400" b="0" i="1" u="none" strike="noStrike" kern="1200" cap="none" spc="0" normalizeH="0" baseline="0" noProof="0">
+                                <a:ln>
+                                  <a:noFill/>
+                                </a:ln>
+                                <a:solidFill>
+                                  <a:schemeClr val="bg1"/>
+                                </a:solidFill>
+                                <a:effectLst/>
+                                <a:uLnTx/>
+                                <a:uFillTx/>
+                                <a:latin typeface="Cambria Math" panose="02040503050406030204" pitchFamily="18" charset="0"/>
+                                <a:ea typeface="Times New Roman" panose="02020603050405020304" pitchFamily="18" charset="0"/>
+                                <a:cs typeface="+mn-cs"/>
+                              </a:rPr>
+                              <m:t>𝑖</m:t>
+                            </m:r>
+                            <m:r>
+                              <a:rPr kumimoji="0" lang="ru-RU" sz="1400" b="0" i="1" u="none" strike="noStrike" kern="1200" cap="none" spc="0" normalizeH="0" baseline="0" noProof="0">
+                                <a:ln>
+                                  <a:noFill/>
+                                </a:ln>
+                                <a:solidFill>
+                                  <a:schemeClr val="bg1"/>
+                                </a:solidFill>
+                                <a:effectLst/>
+                                <a:uLnTx/>
+                                <a:uFillTx/>
+                                <a:latin typeface="Cambria Math" panose="02040503050406030204" pitchFamily="18" charset="0"/>
+                                <a:ea typeface="Times New Roman" panose="02020603050405020304" pitchFamily="18" charset="0"/>
+                                <a:cs typeface="+mn-cs"/>
+                              </a:rPr>
+                              <m:t>=1</m:t>
+                            </m:r>
+                          </m:sub>
+                          <m:sup>
+                            <m:r>
+                              <a:rPr kumimoji="0" lang="en-US" sz="1400" b="0" i="1" u="none" strike="noStrike" kern="1200" cap="none" spc="0" normalizeH="0" baseline="0" noProof="0">
+                                <a:ln>
+                                  <a:noFill/>
+                                </a:ln>
+                                <a:solidFill>
+                                  <a:schemeClr val="bg1"/>
+                                </a:solidFill>
+                                <a:effectLst/>
+                                <a:uLnTx/>
+                                <a:uFillTx/>
+                                <a:latin typeface="Cambria Math" panose="02040503050406030204" pitchFamily="18" charset="0"/>
+                                <a:ea typeface="Times New Roman" panose="02020603050405020304" pitchFamily="18" charset="0"/>
+                                <a:cs typeface="+mn-cs"/>
+                              </a:rPr>
+                              <m:t>𝑛</m:t>
+                            </m:r>
+                          </m:sup>
+                          <m:e>
+                            <m:d>
+                              <m:dPr>
+                                <m:begChr m:val="|"/>
+                                <m:endChr m:val="|"/>
+                                <m:ctrlPr>
+                                  <a:rPr kumimoji="0" lang="ru-RU" sz="1400" b="0" i="1" u="none" strike="noStrike" kern="1200" cap="none" spc="0" normalizeH="0" baseline="0" noProof="0">
+                                    <a:ln>
+                                      <a:noFill/>
+                                    </a:ln>
+                                    <a:solidFill>
+                                      <a:schemeClr val="bg1"/>
+                                    </a:solidFill>
+                                    <a:effectLst/>
+                                    <a:uLnTx/>
+                                    <a:uFillTx/>
+                                    <a:latin typeface="Cambria Math" panose="02040503050406030204" pitchFamily="18" charset="0"/>
+                                    <a:ea typeface="Times New Roman" panose="02020603050405020304" pitchFamily="18" charset="0"/>
+                                    <a:cs typeface="+mn-cs"/>
+                                  </a:rPr>
+                                </m:ctrlPr>
+                              </m:dPr>
+                              <m:e>
+                                <m:sSub>
+                                  <m:sSubPr>
+                                    <m:ctrlPr>
+                                      <a:rPr kumimoji="0" lang="ru-RU" sz="1400" b="0" i="1" u="none" strike="noStrike" kern="1200" cap="none" spc="0" normalizeH="0" baseline="0" noProof="0">
+                                        <a:ln>
+                                          <a:noFill/>
+                                        </a:ln>
+                                        <a:solidFill>
+                                          <a:schemeClr val="bg1"/>
+                                        </a:solidFill>
+                                        <a:effectLst/>
+                                        <a:uLnTx/>
+                                        <a:uFillTx/>
+                                        <a:latin typeface="Cambria Math" panose="02040503050406030204" pitchFamily="18" charset="0"/>
+                                        <a:ea typeface="Times New Roman" panose="02020603050405020304" pitchFamily="18" charset="0"/>
+                                        <a:cs typeface="+mn-cs"/>
+                                      </a:rPr>
+                                    </m:ctrlPr>
+                                  </m:sSubPr>
+                                  <m:e>
+                                    <m:r>
+                                      <a:rPr kumimoji="0" lang="en-US" sz="1400" b="0" i="1" u="none" strike="noStrike" kern="1200" cap="none" spc="0" normalizeH="0" baseline="0" noProof="0">
+                                        <a:ln>
+                                          <a:noFill/>
+                                        </a:ln>
+                                        <a:solidFill>
+                                          <a:schemeClr val="bg1"/>
+                                        </a:solidFill>
+                                        <a:effectLst/>
+                                        <a:uLnTx/>
+                                        <a:uFillTx/>
+                                        <a:latin typeface="Cambria Math" panose="02040503050406030204" pitchFamily="18" charset="0"/>
+                                        <a:ea typeface="Times New Roman" panose="02020603050405020304" pitchFamily="18" charset="0"/>
+                                        <a:cs typeface="+mn-cs"/>
+                                      </a:rPr>
+                                      <m:t>𝑦</m:t>
+                                    </m:r>
+                                  </m:e>
+                                  <m:sub>
+                                    <m:r>
+                                      <a:rPr kumimoji="0" lang="en-US" sz="1400" b="0" i="1" u="none" strike="noStrike" kern="1200" cap="none" spc="0" normalizeH="0" baseline="0" noProof="0">
+                                        <a:ln>
+                                          <a:noFill/>
+                                        </a:ln>
+                                        <a:solidFill>
+                                          <a:schemeClr val="bg1"/>
+                                        </a:solidFill>
+                                        <a:effectLst/>
+                                        <a:uLnTx/>
+                                        <a:uFillTx/>
+                                        <a:latin typeface="Cambria Math" panose="02040503050406030204" pitchFamily="18" charset="0"/>
+                                        <a:ea typeface="Times New Roman" panose="02020603050405020304" pitchFamily="18" charset="0"/>
+                                        <a:cs typeface="+mn-cs"/>
+                                      </a:rPr>
+                                      <m:t>𝑖</m:t>
+                                    </m:r>
+                                  </m:sub>
+                                </m:sSub>
+                                <m:r>
+                                  <a:rPr kumimoji="0" lang="ru-RU" sz="1400" b="0" i="1" u="none" strike="noStrike" kern="1200" cap="none" spc="0" normalizeH="0" baseline="0" noProof="0">
+                                    <a:ln>
+                                      <a:noFill/>
+                                    </a:ln>
+                                    <a:solidFill>
+                                      <a:schemeClr val="bg1"/>
+                                    </a:solidFill>
+                                    <a:effectLst/>
+                                    <a:uLnTx/>
+                                    <a:uFillTx/>
+                                    <a:latin typeface="Cambria Math" panose="02040503050406030204" pitchFamily="18" charset="0"/>
+                                    <a:ea typeface="Times New Roman" panose="02020603050405020304" pitchFamily="18" charset="0"/>
+                                    <a:cs typeface="+mn-cs"/>
+                                  </a:rPr>
+                                  <m:t>−</m:t>
+                                </m:r>
+                                <m:sSub>
+                                  <m:sSubPr>
+                                    <m:ctrlPr>
+                                      <a:rPr kumimoji="0" lang="ru-RU" sz="1400" b="0" i="1" u="none" strike="noStrike" kern="1200" cap="none" spc="0" normalizeH="0" baseline="0" noProof="0">
+                                        <a:ln>
+                                          <a:noFill/>
+                                        </a:ln>
+                                        <a:solidFill>
+                                          <a:schemeClr val="bg1"/>
+                                        </a:solidFill>
+                                        <a:effectLst/>
+                                        <a:uLnTx/>
+                                        <a:uFillTx/>
+                                        <a:latin typeface="Cambria Math" panose="02040503050406030204" pitchFamily="18" charset="0"/>
+                                        <a:ea typeface="Times New Roman" panose="02020603050405020304" pitchFamily="18" charset="0"/>
+                                        <a:cs typeface="+mn-cs"/>
+                                      </a:rPr>
+                                    </m:ctrlPr>
+                                  </m:sSubPr>
+                                  <m:e>
+                                    <m:acc>
+                                      <m:accPr>
+                                        <m:chr m:val="̂"/>
+                                        <m:ctrlPr>
+                                          <a:rPr kumimoji="0" lang="ru-RU" sz="1400" b="0" i="1" u="none" strike="noStrike" kern="1200" cap="none" spc="0" normalizeH="0" baseline="0" noProof="0">
+                                            <a:ln>
+                                              <a:noFill/>
+                                            </a:ln>
+                                            <a:solidFill>
+                                              <a:schemeClr val="bg1"/>
+                                            </a:solidFill>
+                                            <a:effectLst/>
+                                            <a:uLnTx/>
+                                            <a:uFillTx/>
+                                            <a:latin typeface="Cambria Math" panose="02040503050406030204" pitchFamily="18" charset="0"/>
+                                            <a:ea typeface="Times New Roman" panose="02020603050405020304" pitchFamily="18" charset="0"/>
+                                            <a:cs typeface="+mn-cs"/>
+                                          </a:rPr>
+                                        </m:ctrlPr>
+                                      </m:accPr>
+                                      <m:e>
+                                        <m:r>
+                                          <a:rPr kumimoji="0" lang="en-US" sz="1400" b="0" i="1" u="none" strike="noStrike" kern="1200" cap="none" spc="0" normalizeH="0" baseline="0" noProof="0">
+                                            <a:ln>
+                                              <a:noFill/>
+                                            </a:ln>
+                                            <a:solidFill>
+                                              <a:schemeClr val="bg1"/>
+                                            </a:solidFill>
+                                            <a:effectLst/>
+                                            <a:uLnTx/>
+                                            <a:uFillTx/>
+                                            <a:latin typeface="Cambria Math" panose="02040503050406030204" pitchFamily="18" charset="0"/>
+                                            <a:ea typeface="Times New Roman" panose="02020603050405020304" pitchFamily="18" charset="0"/>
+                                            <a:cs typeface="+mn-cs"/>
+                                          </a:rPr>
+                                          <m:t>𝑦</m:t>
+                                        </m:r>
+                                      </m:e>
+                                    </m:acc>
+                                  </m:e>
+                                  <m:sub>
+                                    <m:r>
+                                      <a:rPr kumimoji="0" lang="en-US" sz="1400" b="0" i="1" u="none" strike="noStrike" kern="1200" cap="none" spc="0" normalizeH="0" baseline="0" noProof="0">
+                                        <a:ln>
+                                          <a:noFill/>
+                                        </a:ln>
+                                        <a:solidFill>
+                                          <a:schemeClr val="bg1"/>
+                                        </a:solidFill>
+                                        <a:effectLst/>
+                                        <a:uLnTx/>
+                                        <a:uFillTx/>
+                                        <a:latin typeface="Cambria Math" panose="02040503050406030204" pitchFamily="18" charset="0"/>
+                                        <a:ea typeface="Times New Roman" panose="02020603050405020304" pitchFamily="18" charset="0"/>
+                                        <a:cs typeface="+mn-cs"/>
+                                      </a:rPr>
+                                      <m:t>𝑖</m:t>
+                                    </m:r>
+                                  </m:sub>
+                                </m:sSub>
+                              </m:e>
+                            </m:d>
+                          </m:e>
+                        </m:nary>
+                      </m:num>
+                      <m:den>
+                        <m:r>
+                          <a:rPr kumimoji="0" lang="en-US" sz="1400" b="0" i="1" u="none" strike="noStrike" kern="1200" cap="none" spc="0" normalizeH="0" baseline="0" noProof="0">
+                            <a:ln>
+                              <a:noFill/>
+                            </a:ln>
+                            <a:solidFill>
+                              <a:schemeClr val="bg1"/>
+                            </a:solidFill>
+                            <a:effectLst/>
+                            <a:uLnTx/>
+                            <a:uFillTx/>
+                            <a:latin typeface="Cambria Math" panose="02040503050406030204" pitchFamily="18" charset="0"/>
+                            <a:ea typeface="Times New Roman" panose="02020603050405020304" pitchFamily="18" charset="0"/>
+                            <a:cs typeface="+mn-cs"/>
+                          </a:rPr>
+                          <m:t>𝑛</m:t>
+                        </m:r>
+                      </m:den>
+                    </m:f>
+                  </m:oMath>
+                </a14:m>
+                <a:r>
+                  <a:rPr kumimoji="0" lang="ru-RU" sz="1400" b="0" i="0" u="none" strike="noStrike" kern="1200" cap="none" spc="0" normalizeH="0" baseline="0" noProof="0" dirty="0">
+                    <a:ln>
+                      <a:noFill/>
+                    </a:ln>
+                    <a:solidFill>
+                      <a:schemeClr val="bg1"/>
+                    </a:solidFill>
+                    <a:effectLst/>
+                    <a:uLnTx/>
+                    <a:uFillTx/>
+                    <a:latin typeface="Times New Roman" panose="02020603050405020304" pitchFamily="18" charset="0"/>
+                    <a:ea typeface="Times New Roman" panose="02020603050405020304" pitchFamily="18" charset="0"/>
+                    <a:cs typeface="+mn-cs"/>
+                  </a:rPr>
+                  <a:t>,</a:t>
+                </a:r>
+                <a:endParaRPr kumimoji="0" lang="ru-RU" sz="1200" b="0" i="0" u="none" strike="noStrike" kern="1200" cap="none" spc="0" normalizeH="0" baseline="0" noProof="0" dirty="0">
+                  <a:ln>
+                    <a:noFill/>
+                  </a:ln>
+                  <a:solidFill>
+                    <a:schemeClr val="bg1"/>
+                  </a:solidFill>
+                  <a:effectLst/>
+                  <a:uLnTx/>
+                  <a:uFillTx/>
+                  <a:latin typeface="Times New Roman" panose="02020603050405020304" pitchFamily="18" charset="0"/>
+                  <a:ea typeface="Times New Roman" panose="02020603050405020304" pitchFamily="18" charset="0"/>
+                  <a:cs typeface="+mn-cs"/>
+                </a:endParaRPr>
+              </a:p>
+              <a:p>
+                <a:pPr marL="0" marR="0" lvl="0" indent="450215" algn="just" defTabSz="914400" rtl="0" eaLnBrk="1" fontAlgn="auto" latinLnBrk="0" hangingPunct="1">
+                  <a:lnSpc>
+                    <a:spcPct val="150000"/>
+                  </a:lnSpc>
+                  <a:spcBef>
+                    <a:spcPts val="0"/>
+                  </a:spcBef>
+                  <a:spcAft>
+                    <a:spcPts val="0"/>
+                  </a:spcAft>
+                  <a:buClrTx/>
+                  <a:buSzTx/>
+                  <a:buFontTx/>
+                  <a:buNone/>
+                  <a:tabLst/>
+                  <a:defRPr/>
+                </a:pPr>
+                <a:r>
+                  <a:rPr kumimoji="0" lang="ru-RU" sz="1400" b="0" i="0" u="none" strike="noStrike" kern="1200" cap="none" spc="0" normalizeH="0" baseline="0" noProof="0" dirty="0">
+                    <a:ln>
+                      <a:noFill/>
+                    </a:ln>
+                    <a:solidFill>
+                      <a:schemeClr val="bg1"/>
+                    </a:solidFill>
+                    <a:effectLst/>
+                    <a:uLnTx/>
+                    <a:uFillTx/>
+                    <a:latin typeface="Times New Roman" panose="02020603050405020304" pitchFamily="18" charset="0"/>
+                    <a:ea typeface="Times New Roman" panose="02020603050405020304" pitchFamily="18" charset="0"/>
+                    <a:cs typeface="+mn-cs"/>
+                  </a:rPr>
+                  <a:t>где;</a:t>
+                </a:r>
+                <a:endParaRPr kumimoji="0" lang="ru-RU" sz="1200" b="0" i="0" u="none" strike="noStrike" kern="1200" cap="none" spc="0" normalizeH="0" baseline="0" noProof="0" dirty="0">
+                  <a:ln>
+                    <a:noFill/>
+                  </a:ln>
+                  <a:solidFill>
+                    <a:schemeClr val="bg1"/>
+                  </a:solidFill>
+                  <a:effectLst/>
+                  <a:uLnTx/>
+                  <a:uFillTx/>
+                  <a:latin typeface="Times New Roman" panose="02020603050405020304" pitchFamily="18" charset="0"/>
+                  <a:ea typeface="Times New Roman" panose="02020603050405020304" pitchFamily="18" charset="0"/>
+                  <a:cs typeface="+mn-cs"/>
+                </a:endParaRPr>
+              </a:p>
+              <a:p>
+                <a:pPr marL="0" marR="0" lvl="0" indent="450215" algn="just" defTabSz="914400" rtl="0" eaLnBrk="1" fontAlgn="auto" latinLnBrk="0" hangingPunct="1">
+                  <a:lnSpc>
+                    <a:spcPct val="150000"/>
+                  </a:lnSpc>
+                  <a:spcBef>
+                    <a:spcPts val="0"/>
+                  </a:spcBef>
+                  <a:spcAft>
+                    <a:spcPts val="0"/>
+                  </a:spcAft>
+                  <a:buClrTx/>
+                  <a:buSzTx/>
+                  <a:buFontTx/>
+                  <a:buNone/>
+                  <a:tabLst/>
+                  <a:defRPr/>
+                </a:pPr>
+                <a:r>
+                  <a:rPr kumimoji="0" lang="en-US" sz="1400" b="0" i="0" u="none" strike="noStrike" kern="1200" cap="none" spc="0" normalizeH="0" baseline="0" noProof="0" dirty="0">
+                    <a:ln>
+                      <a:noFill/>
+                    </a:ln>
+                    <a:solidFill>
+                      <a:schemeClr val="bg1"/>
+                    </a:solidFill>
+                    <a:effectLst/>
+                    <a:uLnTx/>
+                    <a:uFillTx/>
+                    <a:latin typeface="Times New Roman" panose="02020603050405020304" pitchFamily="18" charset="0"/>
+                    <a:ea typeface="Times New Roman" panose="02020603050405020304" pitchFamily="18" charset="0"/>
+                    <a:cs typeface="+mn-cs"/>
+                  </a:rPr>
+                  <a:t>n</a:t>
+                </a:r>
+                <a:r>
+                  <a:rPr kumimoji="0" lang="ru-RU" sz="1400" b="0" i="0" u="none" strike="noStrike" kern="1200" cap="none" spc="0" normalizeH="0" baseline="0" noProof="0" dirty="0">
+                    <a:ln>
+                      <a:noFill/>
+                    </a:ln>
+                    <a:solidFill>
+                      <a:schemeClr val="bg1"/>
+                    </a:solidFill>
+                    <a:effectLst/>
+                    <a:uLnTx/>
+                    <a:uFillTx/>
+                    <a:latin typeface="Times New Roman" panose="02020603050405020304" pitchFamily="18" charset="0"/>
+                    <a:ea typeface="Times New Roman" panose="02020603050405020304" pitchFamily="18" charset="0"/>
+                    <a:cs typeface="+mn-cs"/>
+                  </a:rPr>
+                  <a:t> – количество входных значений;</a:t>
+                </a:r>
+              </a:p>
+              <a:p>
+                <a:pPr marL="0" marR="0" lvl="0" indent="450215" algn="just" defTabSz="914400" rtl="0" eaLnBrk="1" fontAlgn="auto" latinLnBrk="0" hangingPunct="1">
+                  <a:lnSpc>
+                    <a:spcPct val="150000"/>
+                  </a:lnSpc>
+                  <a:spcBef>
+                    <a:spcPts val="0"/>
+                  </a:spcBef>
+                  <a:spcAft>
+                    <a:spcPts val="0"/>
+                  </a:spcAft>
+                  <a:buClrTx/>
+                  <a:buSzTx/>
+                  <a:buFontTx/>
+                  <a:buNone/>
+                  <a:tabLst/>
+                  <a:defRPr/>
+                </a:pPr>
+                <a14:m>
+                  <m:oMath xmlns:m="http://schemas.openxmlformats.org/officeDocument/2006/math">
+                    <m:sSub>
+                      <m:sSubPr>
+                        <m:ctrlPr>
+                          <a:rPr kumimoji="0" lang="ru-RU" sz="1400" b="0" i="1" u="none" strike="noStrike" kern="1200" cap="none" spc="0" normalizeH="0" baseline="0" noProof="0">
+                            <a:ln>
+                              <a:noFill/>
+                            </a:ln>
+                            <a:solidFill>
+                              <a:schemeClr val="bg1"/>
+                            </a:solidFill>
+                            <a:effectLst/>
+                            <a:uLnTx/>
+                            <a:uFillTx/>
+                            <a:latin typeface="Cambria Math" panose="02040503050406030204" pitchFamily="18" charset="0"/>
+                            <a:ea typeface="Times New Roman" panose="02020603050405020304" pitchFamily="18" charset="0"/>
+                            <a:cs typeface="+mn-cs"/>
+                          </a:rPr>
+                        </m:ctrlPr>
+                      </m:sSubPr>
+                      <m:e>
+                        <m:r>
+                          <a:rPr kumimoji="0" lang="en-US" sz="1400" b="0" i="1" u="none" strike="noStrike" kern="1200" cap="none" spc="0" normalizeH="0" baseline="0" noProof="0">
+                            <a:ln>
+                              <a:noFill/>
+                            </a:ln>
+                            <a:solidFill>
+                              <a:schemeClr val="bg1"/>
+                            </a:solidFill>
+                            <a:effectLst/>
+                            <a:uLnTx/>
+                            <a:uFillTx/>
+                            <a:latin typeface="Cambria Math" panose="02040503050406030204" pitchFamily="18" charset="0"/>
+                            <a:ea typeface="Times New Roman" panose="02020603050405020304" pitchFamily="18" charset="0"/>
+                            <a:cs typeface="+mn-cs"/>
+                          </a:rPr>
+                          <m:t>𝑦</m:t>
+                        </m:r>
+                      </m:e>
+                      <m:sub>
+                        <m:r>
+                          <a:rPr kumimoji="0" lang="en-US" sz="1400" b="0" i="1" u="none" strike="noStrike" kern="1200" cap="none" spc="0" normalizeH="0" baseline="0" noProof="0">
+                            <a:ln>
+                              <a:noFill/>
+                            </a:ln>
+                            <a:solidFill>
+                              <a:schemeClr val="bg1"/>
+                            </a:solidFill>
+                            <a:effectLst/>
+                            <a:uLnTx/>
+                            <a:uFillTx/>
+                            <a:latin typeface="Cambria Math" panose="02040503050406030204" pitchFamily="18" charset="0"/>
+                            <a:ea typeface="Times New Roman" panose="02020603050405020304" pitchFamily="18" charset="0"/>
+                            <a:cs typeface="+mn-cs"/>
+                          </a:rPr>
+                          <m:t>𝑖</m:t>
+                        </m:r>
+                      </m:sub>
+                    </m:sSub>
+                  </m:oMath>
+                </a14:m>
+                <a:r>
+                  <a:rPr kumimoji="0" lang="ru-RU" sz="1400" b="0" i="0" u="none" strike="noStrike" kern="1200" cap="none" spc="0" normalizeH="0" baseline="0" noProof="0" dirty="0">
+                    <a:ln>
+                      <a:noFill/>
+                    </a:ln>
+                    <a:solidFill>
+                      <a:schemeClr val="bg1"/>
+                    </a:solidFill>
+                    <a:effectLst/>
+                    <a:uLnTx/>
+                    <a:uFillTx/>
+                    <a:latin typeface="Times New Roman" panose="02020603050405020304" pitchFamily="18" charset="0"/>
+                    <a:ea typeface="Times New Roman" panose="02020603050405020304" pitchFamily="18" charset="0"/>
+                    <a:cs typeface="+mn-cs"/>
+                  </a:rPr>
+                  <a:t> – точная величина;</a:t>
+                </a:r>
+              </a:p>
+              <a:p>
+                <a:pPr marL="0" marR="0" lvl="0" indent="450215" algn="just" defTabSz="914400" rtl="0" eaLnBrk="1" fontAlgn="auto" latinLnBrk="0" hangingPunct="1">
+                  <a:lnSpc>
+                    <a:spcPct val="150000"/>
+                  </a:lnSpc>
+                  <a:spcBef>
+                    <a:spcPts val="0"/>
+                  </a:spcBef>
+                  <a:spcAft>
+                    <a:spcPts val="1200"/>
+                  </a:spcAft>
+                  <a:buClrTx/>
+                  <a:buSzTx/>
+                  <a:buFontTx/>
+                  <a:buNone/>
+                  <a:tabLst/>
+                  <a:defRPr/>
+                </a:pPr>
+                <a14:m>
+                  <m:oMath xmlns:m="http://schemas.openxmlformats.org/officeDocument/2006/math">
+                    <m:sSub>
+                      <m:sSubPr>
+                        <m:ctrlPr>
+                          <a:rPr kumimoji="0" lang="ru-RU" sz="1400" b="0" i="1" u="none" strike="noStrike" kern="1200" cap="none" spc="0" normalizeH="0" baseline="0" noProof="0">
+                            <a:ln>
+                              <a:noFill/>
+                            </a:ln>
+                            <a:solidFill>
+                              <a:schemeClr val="bg1"/>
+                            </a:solidFill>
+                            <a:effectLst/>
+                            <a:uLnTx/>
+                            <a:uFillTx/>
+                            <a:latin typeface="Cambria Math" panose="02040503050406030204" pitchFamily="18" charset="0"/>
+                            <a:ea typeface="Times New Roman" panose="02020603050405020304" pitchFamily="18" charset="0"/>
+                            <a:cs typeface="+mn-cs"/>
+                          </a:rPr>
+                        </m:ctrlPr>
+                      </m:sSubPr>
+                      <m:e>
+                        <m:acc>
+                          <m:accPr>
+                            <m:chr m:val="̂"/>
+                            <m:ctrlPr>
+                              <a:rPr kumimoji="0" lang="ru-RU" sz="1400" b="0" i="1" u="none" strike="noStrike" kern="1200" cap="none" spc="0" normalizeH="0" baseline="0" noProof="0">
+                                <a:ln>
+                                  <a:noFill/>
+                                </a:ln>
+                                <a:solidFill>
+                                  <a:schemeClr val="bg1"/>
+                                </a:solidFill>
+                                <a:effectLst/>
+                                <a:uLnTx/>
+                                <a:uFillTx/>
+                                <a:latin typeface="Cambria Math" panose="02040503050406030204" pitchFamily="18" charset="0"/>
+                                <a:ea typeface="Times New Roman" panose="02020603050405020304" pitchFamily="18" charset="0"/>
+                                <a:cs typeface="+mn-cs"/>
+                              </a:rPr>
+                            </m:ctrlPr>
+                          </m:accPr>
+                          <m:e>
+                            <m:r>
+                              <a:rPr kumimoji="0" lang="en-US" sz="1400" b="0" i="1" u="none" strike="noStrike" kern="1200" cap="none" spc="0" normalizeH="0" baseline="0" noProof="0">
+                                <a:ln>
+                                  <a:noFill/>
+                                </a:ln>
+                                <a:solidFill>
+                                  <a:schemeClr val="bg1"/>
+                                </a:solidFill>
+                                <a:effectLst/>
+                                <a:uLnTx/>
+                                <a:uFillTx/>
+                                <a:latin typeface="Cambria Math" panose="02040503050406030204" pitchFamily="18" charset="0"/>
+                                <a:ea typeface="Times New Roman" panose="02020603050405020304" pitchFamily="18" charset="0"/>
+                                <a:cs typeface="+mn-cs"/>
+                              </a:rPr>
+                              <m:t>𝑦</m:t>
+                            </m:r>
+                          </m:e>
+                        </m:acc>
+                      </m:e>
+                      <m:sub>
+                        <m:r>
+                          <a:rPr kumimoji="0" lang="en-US" sz="1400" b="0" i="1" u="none" strike="noStrike" kern="1200" cap="none" spc="0" normalizeH="0" baseline="0" noProof="0">
+                            <a:ln>
+                              <a:noFill/>
+                            </a:ln>
+                            <a:solidFill>
+                              <a:schemeClr val="bg1"/>
+                            </a:solidFill>
+                            <a:effectLst/>
+                            <a:uLnTx/>
+                            <a:uFillTx/>
+                            <a:latin typeface="Cambria Math" panose="02040503050406030204" pitchFamily="18" charset="0"/>
+                            <a:ea typeface="Times New Roman" panose="02020603050405020304" pitchFamily="18" charset="0"/>
+                            <a:cs typeface="+mn-cs"/>
+                          </a:rPr>
+                          <m:t>𝑖</m:t>
+                        </m:r>
+                      </m:sub>
+                    </m:sSub>
+                  </m:oMath>
+                </a14:m>
+                <a:r>
+                  <a:rPr kumimoji="0" lang="ru-RU" sz="1400" b="0" i="0" u="none" strike="noStrike" kern="1200" cap="none" spc="0" normalizeH="0" baseline="0" noProof="0" dirty="0">
+                    <a:ln>
+                      <a:noFill/>
+                    </a:ln>
+                    <a:solidFill>
+                      <a:schemeClr val="bg1"/>
+                    </a:solidFill>
+                    <a:effectLst/>
+                    <a:uLnTx/>
+                    <a:uFillTx/>
+                    <a:latin typeface="Times New Roman" panose="02020603050405020304" pitchFamily="18" charset="0"/>
+                    <a:ea typeface="Times New Roman" panose="02020603050405020304" pitchFamily="18" charset="0"/>
+                    <a:cs typeface="+mn-cs"/>
+                  </a:rPr>
+                  <a:t> – предугаданная величина.</a:t>
+                </a:r>
+              </a:p>
+            </p:txBody>
+          </p:sp>
+        </mc:Choice>
+        <mc:Fallback xmlns="">
+          <p:sp>
+            <p:nvSpPr>
+              <p:cNvPr id="6" name="TextBox 5">
+                <a:extLst>
+                  <a:ext uri="{FF2B5EF4-FFF2-40B4-BE49-F238E27FC236}">
+                    <a16:creationId xmlns:a16="http://schemas.microsoft.com/office/drawing/2014/main" id="{7CC61D25-3C56-0C83-56CD-9D3ADBDE1683}"/>
+                  </a:ext>
+                </a:extLst>
+              </p:cNvPr>
+              <p:cNvSpPr txBox="1">
+                <a:spLocks noRot="1" noChangeAspect="1" noMove="1" noResize="1" noEditPoints="1" noAdjustHandles="1" noChangeArrowheads="1" noChangeShapeType="1" noTextEdit="1"/>
+              </p:cNvSpPr>
+              <p:nvPr/>
+            </p:nvSpPr>
+            <p:spPr>
+              <a:xfrm>
+                <a:off x="2810933" y="3939639"/>
+                <a:ext cx="5264136" cy="2502545"/>
+              </a:xfrm>
+              <a:prstGeom prst="rect">
+                <a:avLst/>
+              </a:prstGeom>
+              <a:blipFill>
+                <a:blip r:embed="rId5"/>
+                <a:stretch>
+                  <a:fillRect b="-1703"/>
+                </a:stretch>
+              </a:blipFill>
+            </p:spPr>
+            <p:txBody>
+              <a:bodyPr/>
+              <a:lstStyle/>
+              <a:p>
+                <a:r>
+                  <a:rPr lang="ru-RU">
+                    <a:noFill/>
+                  </a:rPr>
+                  <a:t> </a:t>
+                </a:r>
+              </a:p>
+            </p:txBody>
+          </p:sp>
+        </mc:Fallback>
+      </mc:AlternateContent>
+    </p:spTree>
+    <p:extLst>
+      <p:ext uri="{BB962C8B-B14F-4D97-AF65-F5344CB8AC3E}">
+        <p14:creationId xmlns:p14="http://schemas.microsoft.com/office/powerpoint/2010/main" val="4268185541"/>
+      </p:ext>
+    </p:extLst>
+  </p:cSld>
+  <p:clrMapOvr>
+    <a:masterClrMapping/>
+  </p:clrMapOvr>
+</p:sld>
+</file>
+
+<file path=ppt/slides/slide6.xml><?xml version="1.0" encoding="utf-8"?>
 <p:sld xmlns:a="http://schemas.openxmlformats.org/drawingml/2006/main" xmlns:r="http://schemas.openxmlformats.org/officeDocument/2006/relationships" xmlns:p="http://schemas.openxmlformats.org/presentationml/2006/main">
   <p:cSld>
     <p:spTree>
@@ -12457,25 +15777,25 @@
           <p:nvPr>
             <p:extLst>
               <p:ext uri="{D42A27DB-BD31-4B8C-83A1-F6EECF244321}">
-                <p14:modId xmlns:p14="http://schemas.microsoft.com/office/powerpoint/2010/main" val="1745575414"/>
+                <p14:modId xmlns:p14="http://schemas.microsoft.com/office/powerpoint/2010/main" val="1626852949"/>
               </p:ext>
             </p:extLst>
           </p:nvPr>
         </p:nvGraphicFramePr>
         <p:xfrm>
-          <a:off x="6203915" y="1309152"/>
-          <a:ext cx="4924425" cy="1933575"/>
+          <a:off x="6118188" y="1331245"/>
+          <a:ext cx="5095875" cy="1933575"/>
         </p:xfrm>
         <a:graphic>
           <a:graphicData uri="http://schemas.openxmlformats.org/presentationml/2006/ole">
             <mc:AlternateContent xmlns:mc="http://schemas.openxmlformats.org/markup-compatibility/2006">
               <mc:Choice xmlns:v="urn:schemas-microsoft-com:vml" Requires="v">
-                <p:oleObj name="Worksheet" r:id="rId3" imgW="4924508" imgH="1933673" progId="Excel.Sheet.12">
+                <p:oleObj name="Worksheet" r:id="rId3" imgW="5095903" imgH="1933673" progId="Excel.Sheet.12">
                   <p:embed/>
                 </p:oleObj>
               </mc:Choice>
               <mc:Fallback>
-                <p:oleObj name="Worksheet" r:id="rId3" imgW="4924508" imgH="1933673" progId="Excel.Sheet.12">
+                <p:oleObj name="Worksheet" r:id="rId3" imgW="5095903" imgH="1933673" progId="Excel.Sheet.12">
                   <p:embed/>
                   <p:pic>
                     <p:nvPicPr>
@@ -12491,8 +15811,8 @@
                     </p:blipFill>
                     <p:spPr>
                       <a:xfrm>
-                        <a:off x="6203915" y="1309152"/>
-                        <a:ext cx="4924425" cy="1933575"/>
+                        <a:off x="6118188" y="1331245"/>
+                        <a:ext cx="5095875" cy="1933575"/>
                       </a:xfrm>
                       <a:prstGeom prst="rect">
                         <a:avLst/>
@@ -12520,25 +15840,25 @@
           <p:nvPr>
             <p:extLst>
               <p:ext uri="{D42A27DB-BD31-4B8C-83A1-F6EECF244321}">
-                <p14:modId xmlns:p14="http://schemas.microsoft.com/office/powerpoint/2010/main" val="2632803190"/>
+                <p14:modId xmlns:p14="http://schemas.microsoft.com/office/powerpoint/2010/main" val="748336000"/>
               </p:ext>
             </p:extLst>
           </p:nvPr>
         </p:nvGraphicFramePr>
         <p:xfrm>
-          <a:off x="6089614" y="4137165"/>
-          <a:ext cx="5153025" cy="1933575"/>
+          <a:off x="6075363" y="4137025"/>
+          <a:ext cx="5191125" cy="1933575"/>
         </p:xfrm>
         <a:graphic>
           <a:graphicData uri="http://schemas.openxmlformats.org/presentationml/2006/ole">
             <mc:AlternateContent xmlns:mc="http://schemas.openxmlformats.org/markup-compatibility/2006">
               <mc:Choice xmlns:v="urn:schemas-microsoft-com:vml" Requires="v">
-                <p:oleObj name="Worksheet" r:id="rId5" imgW="5153152" imgH="1933673" progId="Excel.Sheet.12">
+                <p:oleObj name="Worksheet" r:id="rId5" imgW="5190965" imgH="1933673" progId="Excel.Sheet.12">
                   <p:embed/>
                 </p:oleObj>
               </mc:Choice>
               <mc:Fallback>
-                <p:oleObj name="Worksheet" r:id="rId5" imgW="5153152" imgH="1933673" progId="Excel.Sheet.12">
+                <p:oleObj name="Worksheet" r:id="rId5" imgW="5190965" imgH="1933673" progId="Excel.Sheet.12">
                   <p:embed/>
                   <p:pic>
                     <p:nvPicPr>
@@ -12554,8 +15874,8 @@
                     </p:blipFill>
                     <p:spPr>
                       <a:xfrm>
-                        <a:off x="6089614" y="4137165"/>
-                        <a:ext cx="5153025" cy="1933575"/>
+                        <a:off x="6075363" y="4137025"/>
+                        <a:ext cx="5191125" cy="1933575"/>
                       </a:xfrm>
                       <a:prstGeom prst="rect">
                         <a:avLst/>
@@ -12582,7 +15902,7 @@
         </p:nvSpPr>
         <p:spPr>
           <a:xfrm>
-            <a:off x="659343" y="3290716"/>
+            <a:off x="659343" y="3156187"/>
             <a:ext cx="3757381" cy="369332"/>
           </a:xfrm>
           <a:prstGeom prst="rect">
@@ -12598,7 +15918,15 @@
           <a:p>
             <a:r>
               <a:rPr lang="ru-RU" dirty="0"/>
-              <a:t>Рис. 2. График для 200 эпох для </a:t>
+              <a:t>Рис. </a:t>
+            </a:r>
+            <a:r>
+              <a:rPr lang="en-US" dirty="0"/>
+              <a:t>7</a:t>
+            </a:r>
+            <a:r>
+              <a:rPr lang="ru-RU" dirty="0"/>
+              <a:t>. График для 200 эпох для </a:t>
             </a:r>
             <a:r>
               <a:rPr lang="en-US" dirty="0"/>
@@ -12622,7 +15950,7 @@
         </p:nvSpPr>
         <p:spPr>
           <a:xfrm>
-            <a:off x="779903" y="6229297"/>
+            <a:off x="779903" y="5833801"/>
             <a:ext cx="3757381" cy="369332"/>
           </a:xfrm>
           <a:prstGeom prst="rect">
@@ -12642,7 +15970,7 @@
             </a:r>
             <a:r>
               <a:rPr lang="en-US" dirty="0"/>
-              <a:t>3</a:t>
+              <a:t>8</a:t>
             </a:r>
             <a:r>
               <a:rPr lang="ru-RU" dirty="0"/>
@@ -12797,10 +16125,9 @@
           <a:lstStyle/>
           <a:p>
             <a:r>
-              <a:rPr lang="en-US" dirty="0"/>
-              <a:t>5</a:t>
-            </a:r>
-            <a:endParaRPr lang="ru-RU" dirty="0"/>
+              <a:rPr lang="ru-RU" dirty="0"/>
+              <a:t>6</a:t>
+            </a:r>
           </a:p>
         </p:txBody>
       </p:sp>
@@ -12825,7 +16152,7 @@
         </p:blipFill>
         <p:spPr>
           <a:xfrm>
-            <a:off x="995380" y="1034592"/>
+            <a:off x="975538" y="977835"/>
             <a:ext cx="3091256" cy="2244636"/>
           </a:xfrm>
           <a:prstGeom prst="rect">
@@ -12854,7 +16181,7 @@
         </p:blipFill>
         <p:spPr>
           <a:xfrm>
-            <a:off x="972490" y="3860184"/>
+            <a:off x="986762" y="3503414"/>
             <a:ext cx="3161994" cy="2292345"/>
           </a:xfrm>
           <a:prstGeom prst="rect">
@@ -12862,6 +16189,47 @@
           </a:prstGeom>
         </p:spPr>
       </p:pic>
+      <p:sp>
+        <p:nvSpPr>
+          <p:cNvPr id="5" name="TextBox 4">
+            <a:extLst>
+              <a:ext uri="{FF2B5EF4-FFF2-40B4-BE49-F238E27FC236}">
+                <a16:creationId xmlns:a16="http://schemas.microsoft.com/office/drawing/2014/main" id="{B6A34035-207F-AE6C-CEFD-A37D7C809921}"/>
+              </a:ext>
+            </a:extLst>
+          </p:cNvPr>
+          <p:cNvSpPr txBox="1"/>
+          <p:nvPr/>
+        </p:nvSpPr>
+        <p:spPr>
+          <a:xfrm>
+            <a:off x="762431" y="6155826"/>
+            <a:ext cx="3830129" cy="646331"/>
+          </a:xfrm>
+          <a:prstGeom prst="rect">
+            <a:avLst/>
+          </a:prstGeom>
+          <a:noFill/>
+        </p:spPr>
+        <p:txBody>
+          <a:bodyPr wrap="square">
+            <a:spAutoFit/>
+          </a:bodyPr>
+          <a:lstStyle/>
+          <a:p>
+            <a:pPr algn="ctr"/>
+            <a:r>
+              <a:rPr lang="ru-RU" sz="1200" dirty="0"/>
+              <a:t>На графиках синим цветом показаны предсказанные значения, красным – точные. По оси абсцисс – дни, по ординат – нормированное значение </a:t>
+            </a:r>
+            <a:r>
+              <a:rPr lang="en-US" sz="1200" dirty="0"/>
+              <a:t>stop-loss.</a:t>
+            </a:r>
+            <a:endParaRPr lang="ru-RU" sz="1200" dirty="0"/>
+          </a:p>
+        </p:txBody>
+      </p:sp>
     </p:spTree>
     <p:extLst>
       <p:ext uri="{BB962C8B-B14F-4D97-AF65-F5344CB8AC3E}">
@@ -12875,7 +16243,7 @@
 </p:sld>
 </file>
 
-<file path=ppt/slides/slide6.xml><?xml version="1.0" encoding="utf-8"?>
+<file path=ppt/slides/slide7.xml><?xml version="1.0" encoding="utf-8"?>
 <p:sld xmlns:a="http://schemas.openxmlformats.org/drawingml/2006/main" xmlns:r="http://schemas.openxmlformats.org/officeDocument/2006/relationships" xmlns:p="http://schemas.openxmlformats.org/presentationml/2006/main">
   <p:cSld>
     <p:spTree>
@@ -13157,15 +16525,7 @@
             <a:pPr algn="ctr"/>
             <a:r>
               <a:rPr lang="ru-RU" dirty="0"/>
-              <a:t>Рис. </a:t>
-            </a:r>
-            <a:r>
-              <a:rPr lang="en-US" dirty="0"/>
-              <a:t>4</a:t>
-            </a:r>
-            <a:r>
-              <a:rPr lang="ru-RU" dirty="0"/>
-              <a:t>. Схема устройства </a:t>
+              <a:t>Рис. 9. Схема устройства </a:t>
             </a:r>
             <a:r>
               <a:rPr lang="en-US" dirty="0"/>
@@ -13259,10 +16619,9 @@
           <a:lstStyle/>
           <a:p>
             <a:r>
-              <a:rPr lang="en-US" dirty="0"/>
-              <a:t>6</a:t>
-            </a:r>
-            <a:endParaRPr lang="ru-RU" dirty="0"/>
+              <a:rPr lang="ru-RU" dirty="0"/>
+              <a:t>7</a:t>
+            </a:r>
           </a:p>
         </p:txBody>
       </p:sp>
@@ -13401,7 +16760,7 @@
 </p:sld>
 </file>
 
-<file path=ppt/slides/slide7.xml><?xml version="1.0" encoding="utf-8"?>
+<file path=ppt/slides/slide8.xml><?xml version="1.0" encoding="utf-8"?>
 <p:sld xmlns:a="http://schemas.openxmlformats.org/drawingml/2006/main" xmlns:r="http://schemas.openxmlformats.org/officeDocument/2006/relationships" xmlns:p="http://schemas.openxmlformats.org/presentationml/2006/main">
   <p:cSld>
     <p:spTree>
@@ -13689,25 +17048,25 @@
           <p:nvPr>
             <p:extLst>
               <p:ext uri="{D42A27DB-BD31-4B8C-83A1-F6EECF244321}">
-                <p14:modId xmlns:p14="http://schemas.microsoft.com/office/powerpoint/2010/main" val="1565275293"/>
+                <p14:modId xmlns:p14="http://schemas.microsoft.com/office/powerpoint/2010/main" val="3586089270"/>
               </p:ext>
             </p:extLst>
           </p:nvPr>
         </p:nvGraphicFramePr>
         <p:xfrm>
-          <a:off x="6132478" y="1247901"/>
-          <a:ext cx="5067300" cy="1933575"/>
+          <a:off x="6070565" y="1266429"/>
+          <a:ext cx="5191125" cy="1933575"/>
         </p:xfrm>
         <a:graphic>
           <a:graphicData uri="http://schemas.openxmlformats.org/presentationml/2006/ole">
             <mc:AlternateContent xmlns:mc="http://schemas.openxmlformats.org/markup-compatibility/2006">
               <mc:Choice xmlns:v="urn:schemas-microsoft-com:vml" Requires="v">
-                <p:oleObj name="Worksheet" r:id="rId3" imgW="5067278" imgH="1933673" progId="Excel.Sheet.12">
+                <p:oleObj name="Worksheet" r:id="rId3" imgW="5190965" imgH="1933673" progId="Excel.Sheet.12">
                   <p:embed/>
                 </p:oleObj>
               </mc:Choice>
               <mc:Fallback>
-                <p:oleObj name="Worksheet" r:id="rId3" imgW="5067278" imgH="1933673" progId="Excel.Sheet.12">
+                <p:oleObj name="Worksheet" r:id="rId3" imgW="5190965" imgH="1933673" progId="Excel.Sheet.12">
                   <p:embed/>
                   <p:pic>
                     <p:nvPicPr>
@@ -13729,8 +17088,8 @@
                     </p:blipFill>
                     <p:spPr>
                       <a:xfrm>
-                        <a:off x="6132478" y="1247901"/>
-                        <a:ext cx="5067300" cy="1933575"/>
+                        <a:off x="6070565" y="1266429"/>
+                        <a:ext cx="5191125" cy="1933575"/>
                       </a:xfrm>
                       <a:prstGeom prst="rect">
                         <a:avLst/>
@@ -13758,25 +17117,25 @@
           <p:nvPr>
             <p:extLst>
               <p:ext uri="{D42A27DB-BD31-4B8C-83A1-F6EECF244321}">
-                <p14:modId xmlns:p14="http://schemas.microsoft.com/office/powerpoint/2010/main" val="1367487411"/>
+                <p14:modId xmlns:p14="http://schemas.microsoft.com/office/powerpoint/2010/main" val="3415892526"/>
               </p:ext>
             </p:extLst>
           </p:nvPr>
         </p:nvGraphicFramePr>
         <p:xfrm>
-          <a:off x="6132478" y="4111625"/>
-          <a:ext cx="5067300" cy="1933575"/>
+          <a:off x="6113463" y="4064000"/>
+          <a:ext cx="5191125" cy="1933575"/>
         </p:xfrm>
         <a:graphic>
           <a:graphicData uri="http://schemas.openxmlformats.org/presentationml/2006/ole">
             <mc:AlternateContent xmlns:mc="http://schemas.openxmlformats.org/markup-compatibility/2006">
               <mc:Choice xmlns:v="urn:schemas-microsoft-com:vml" Requires="v">
-                <p:oleObj name="Worksheet" r:id="rId5" imgW="5067278" imgH="1933673" progId="Excel.Sheet.12">
+                <p:oleObj name="Worksheet" r:id="rId5" imgW="5190965" imgH="1933673" progId="Excel.Sheet.12">
                   <p:embed/>
                 </p:oleObj>
               </mc:Choice>
               <mc:Fallback>
-                <p:oleObj name="Worksheet" r:id="rId5" imgW="5067278" imgH="1933673" progId="Excel.Sheet.12">
+                <p:oleObj name="Worksheet" r:id="rId5" imgW="5190965" imgH="1933673" progId="Excel.Sheet.12">
                   <p:embed/>
                   <p:pic>
                     <p:nvPicPr>
@@ -13798,8 +17157,8 @@
                     </p:blipFill>
                     <p:spPr>
                       <a:xfrm>
-                        <a:off x="6132478" y="4111625"/>
-                        <a:ext cx="5067300" cy="1933575"/>
+                        <a:off x="6113463" y="4064000"/>
+                        <a:ext cx="5191125" cy="1933575"/>
                       </a:xfrm>
                       <a:prstGeom prst="rect">
                         <a:avLst/>
@@ -13826,7 +17185,7 @@
         </p:nvSpPr>
         <p:spPr>
           <a:xfrm>
-            <a:off x="659343" y="3258616"/>
+            <a:off x="495714" y="3153306"/>
             <a:ext cx="3757381" cy="369332"/>
           </a:xfrm>
           <a:prstGeom prst="rect">
@@ -13842,7 +17201,7 @@
           <a:p>
             <a:r>
               <a:rPr lang="ru-RU" dirty="0"/>
-              <a:t>Рис. 5. График для </a:t>
+              <a:t>Рис. 10. График для </a:t>
             </a:r>
             <a:r>
               <a:rPr lang="en-US" dirty="0"/>
@@ -13874,8 +17233,8 @@
         </p:nvSpPr>
         <p:spPr>
           <a:xfrm>
-            <a:off x="659344" y="6229297"/>
-            <a:ext cx="3757381" cy="369332"/>
+            <a:off x="403638" y="5812362"/>
+            <a:ext cx="3941532" cy="369332"/>
           </a:xfrm>
           <a:prstGeom prst="rect">
             <a:avLst/>
@@ -13890,7 +17249,7 @@
           <a:p>
             <a:r>
               <a:rPr lang="ru-RU" dirty="0"/>
-              <a:t>Рис. 6. График для </a:t>
+              <a:t>Рис. 11. График для </a:t>
             </a:r>
             <a:r>
               <a:rPr lang="en-US" dirty="0"/>
@@ -13981,10 +17340,9 @@
           <a:lstStyle/>
           <a:p>
             <a:r>
-              <a:rPr lang="en-US" dirty="0"/>
-              <a:t>7</a:t>
-            </a:r>
-            <a:endParaRPr lang="ru-RU" dirty="0"/>
+              <a:rPr lang="ru-RU" dirty="0"/>
+              <a:t>8</a:t>
+            </a:r>
           </a:p>
         </p:txBody>
       </p:sp>
@@ -14061,8 +17419,8 @@
         </p:blipFill>
         <p:spPr>
           <a:xfrm>
-            <a:off x="861273" y="975443"/>
-            <a:ext cx="3206147" cy="2374149"/>
+            <a:off x="762432" y="946138"/>
+            <a:ext cx="3039548" cy="2250783"/>
           </a:xfrm>
           <a:prstGeom prst="rect">
             <a:avLst/>
@@ -14090,7 +17448,7 @@
         </p:blipFill>
         <p:spPr>
           <a:xfrm>
-            <a:off x="861273" y="3754247"/>
+            <a:off x="692857" y="3502047"/>
             <a:ext cx="3206147" cy="2410168"/>
           </a:xfrm>
           <a:prstGeom prst="rect">
@@ -14098,6 +17456,47 @@
           </a:prstGeom>
         </p:spPr>
       </p:pic>
+      <p:sp>
+        <p:nvSpPr>
+          <p:cNvPr id="3" name="TextBox 2">
+            <a:extLst>
+              <a:ext uri="{FF2B5EF4-FFF2-40B4-BE49-F238E27FC236}">
+                <a16:creationId xmlns:a16="http://schemas.microsoft.com/office/drawing/2014/main" id="{E20008E9-2490-61F4-E147-69D848468DC7}"/>
+              </a:ext>
+            </a:extLst>
+          </p:cNvPr>
+          <p:cNvSpPr txBox="1"/>
+          <p:nvPr/>
+        </p:nvSpPr>
+        <p:spPr>
+          <a:xfrm>
+            <a:off x="380867" y="6177530"/>
+            <a:ext cx="3830129" cy="646331"/>
+          </a:xfrm>
+          <a:prstGeom prst="rect">
+            <a:avLst/>
+          </a:prstGeom>
+          <a:noFill/>
+        </p:spPr>
+        <p:txBody>
+          <a:bodyPr wrap="square">
+            <a:spAutoFit/>
+          </a:bodyPr>
+          <a:lstStyle/>
+          <a:p>
+            <a:pPr algn="ctr"/>
+            <a:r>
+              <a:rPr lang="ru-RU" sz="1200" dirty="0"/>
+              <a:t>На графиках синим цветом показаны предсказанные значения, красным – точные. По оси абсцисс – дни, по ординат – нормированное значение </a:t>
+            </a:r>
+            <a:r>
+              <a:rPr lang="en-US" sz="1200" dirty="0"/>
+              <a:t>stop-loss.</a:t>
+            </a:r>
+            <a:endParaRPr lang="ru-RU" sz="1200" dirty="0"/>
+          </a:p>
+        </p:txBody>
+      </p:sp>
     </p:spTree>
     <p:extLst>
       <p:ext uri="{BB962C8B-B14F-4D97-AF65-F5344CB8AC3E}">
@@ -14111,7 +17510,7 @@
 </p:sld>
 </file>
 
-<file path=ppt/slides/slide8.xml><?xml version="1.0" encoding="utf-8"?>
+<file path=ppt/slides/slide9.xml><?xml version="1.0" encoding="utf-8"?>
 <p:sld xmlns:a="http://schemas.openxmlformats.org/drawingml/2006/main" xmlns:r="http://schemas.openxmlformats.org/officeDocument/2006/relationships" xmlns:p="http://schemas.openxmlformats.org/presentationml/2006/main">
   <p:cSld>
     <p:spTree>
@@ -14308,7 +17707,7 @@
         </p:nvGrpSpPr>
         <p:grpSpPr>
           <a:xfrm>
-            <a:off x="762431" y="2979762"/>
+            <a:off x="3595416" y="2842361"/>
             <a:ext cx="3304363" cy="530915"/>
             <a:chOff x="762431" y="2979762"/>
             <a:chExt cx="3304363" cy="530915"/>
@@ -14412,7 +17811,7 @@
         </p:nvGrpSpPr>
         <p:grpSpPr>
           <a:xfrm>
-            <a:off x="762431" y="4287097"/>
+            <a:off x="3595416" y="4149696"/>
             <a:ext cx="3304363" cy="284693"/>
             <a:chOff x="762431" y="4287097"/>
             <a:chExt cx="3304363" cy="284693"/>
@@ -14516,7 +17915,7 @@
         </p:nvGrpSpPr>
         <p:grpSpPr>
           <a:xfrm>
-            <a:off x="755091" y="4879209"/>
+            <a:off x="3588076" y="4741808"/>
             <a:ext cx="3304363" cy="284693"/>
             <a:chOff x="755091" y="4879209"/>
             <a:chExt cx="3304363" cy="284693"/>
@@ -14679,25 +18078,25 @@
           <p:nvPr>
             <p:extLst>
               <p:ext uri="{D42A27DB-BD31-4B8C-83A1-F6EECF244321}">
-                <p14:modId xmlns:p14="http://schemas.microsoft.com/office/powerpoint/2010/main" val="3133480768"/>
+                <p14:modId xmlns:p14="http://schemas.microsoft.com/office/powerpoint/2010/main" val="2323101535"/>
               </p:ext>
             </p:extLst>
           </p:nvPr>
         </p:nvGraphicFramePr>
         <p:xfrm>
-          <a:off x="2267652" y="1311644"/>
-          <a:ext cx="1990725" cy="1933575"/>
+          <a:off x="4986336" y="1210456"/>
+          <a:ext cx="2219325" cy="1933575"/>
         </p:xfrm>
         <a:graphic>
           <a:graphicData uri="http://schemas.openxmlformats.org/presentationml/2006/ole">
             <mc:AlternateContent xmlns:mc="http://schemas.openxmlformats.org/markup-compatibility/2006">
               <mc:Choice xmlns:v="urn:schemas-microsoft-com:vml" Requires="v">
-                <p:oleObj name="Worksheet" r:id="rId3" imgW="1990653" imgH="1933673" progId="Excel.Sheet.12">
+                <p:oleObj name="Worksheet" r:id="rId3" imgW="2219297" imgH="1933673" progId="Excel.Sheet.12">
                   <p:embed/>
                 </p:oleObj>
               </mc:Choice>
               <mc:Fallback>
-                <p:oleObj name="Worksheet" r:id="rId3" imgW="1990653" imgH="1933673" progId="Excel.Sheet.12">
+                <p:oleObj name="Worksheet" r:id="rId3" imgW="2219297" imgH="1933673" progId="Excel.Sheet.12">
                   <p:embed/>
                   <p:pic>
                     <p:nvPicPr>
@@ -14719,8 +18118,8 @@
                     </p:blipFill>
                     <p:spPr>
                       <a:xfrm>
-                        <a:off x="2267652" y="1311644"/>
-                        <a:ext cx="1990725" cy="1933575"/>
+                        <a:off x="4986336" y="1210456"/>
+                        <a:ext cx="2219325" cy="1933575"/>
                       </a:xfrm>
                       <a:prstGeom prst="rect">
                         <a:avLst/>
@@ -14748,25 +18147,25 @@
           <p:nvPr>
             <p:extLst>
               <p:ext uri="{D42A27DB-BD31-4B8C-83A1-F6EECF244321}">
-                <p14:modId xmlns:p14="http://schemas.microsoft.com/office/powerpoint/2010/main" val="3088621417"/>
+                <p14:modId xmlns:p14="http://schemas.microsoft.com/office/powerpoint/2010/main" val="3578465813"/>
               </p:ext>
             </p:extLst>
           </p:nvPr>
         </p:nvGraphicFramePr>
         <p:xfrm>
-          <a:off x="2239076" y="4138350"/>
-          <a:ext cx="2047875" cy="1933575"/>
+          <a:off x="5005387" y="4016348"/>
+          <a:ext cx="2181225" cy="1933575"/>
         </p:xfrm>
         <a:graphic>
           <a:graphicData uri="http://schemas.openxmlformats.org/presentationml/2006/ole">
             <mc:AlternateContent xmlns:mc="http://schemas.openxmlformats.org/markup-compatibility/2006">
               <mc:Choice xmlns:v="urn:schemas-microsoft-com:vml" Requires="v">
-                <p:oleObj name="Worksheet" r:id="rId5" imgW="2047903" imgH="1933673" progId="Excel.Sheet.12">
+                <p:oleObj name="Worksheet" r:id="rId5" imgW="2181131" imgH="1933673" progId="Excel.Sheet.12">
                   <p:embed/>
                 </p:oleObj>
               </mc:Choice>
               <mc:Fallback>
-                <p:oleObj name="Worksheet" r:id="rId5" imgW="2047903" imgH="1933673" progId="Excel.Sheet.12">
+                <p:oleObj name="Worksheet" r:id="rId5" imgW="2181131" imgH="1933673" progId="Excel.Sheet.12">
                   <p:embed/>
                   <p:pic>
                     <p:nvPicPr>
@@ -14788,8 +18187,8 @@
                     </p:blipFill>
                     <p:spPr>
                       <a:xfrm>
-                        <a:off x="2239076" y="4138350"/>
-                        <a:ext cx="2047875" cy="1933575"/>
+                        <a:off x="5005387" y="4016348"/>
+                        <a:ext cx="2181225" cy="1933575"/>
                       </a:xfrm>
                       <a:prstGeom prst="rect">
                         <a:avLst/>
@@ -14816,7 +18215,7 @@
         </p:nvSpPr>
         <p:spPr>
           <a:xfrm>
-            <a:off x="106233" y="3344710"/>
+            <a:off x="2939218" y="3207309"/>
             <a:ext cx="6534930" cy="646331"/>
           </a:xfrm>
           <a:prstGeom prst="rect">
@@ -14860,7 +18259,7 @@
         </p:nvSpPr>
         <p:spPr>
           <a:xfrm>
-            <a:off x="430413" y="6071925"/>
+            <a:off x="3263398" y="5934524"/>
             <a:ext cx="6204950" cy="646331"/>
           </a:xfrm>
           <a:prstGeom prst="rect">
@@ -14919,2049 +18318,16 @@
           <a:lstStyle/>
           <a:p>
             <a:r>
-              <a:rPr lang="en-US" dirty="0"/>
-              <a:t>8</a:t>
-            </a:r>
-            <a:endParaRPr lang="ru-RU" dirty="0"/>
-          </a:p>
-        </p:txBody>
-      </p:sp>
-      <mc:AlternateContent xmlns:mc="http://schemas.openxmlformats.org/markup-compatibility/2006">
-        <mc:Choice xmlns:a14="http://schemas.microsoft.com/office/drawing/2010/main" Requires="a14">
-          <p:sp>
-            <p:nvSpPr>
-              <p:cNvPr id="21" name="TextBox 20">
-                <a:extLst>
-                  <a:ext uri="{FF2B5EF4-FFF2-40B4-BE49-F238E27FC236}">
-                    <a16:creationId xmlns:a16="http://schemas.microsoft.com/office/drawing/2014/main" id="{D3A7290E-F239-D36D-10E6-890D2DDDC2F2}"/>
-                  </a:ext>
-                </a:extLst>
-              </p:cNvPr>
-              <p:cNvSpPr txBox="1"/>
-              <p:nvPr/>
-            </p:nvSpPr>
-            <p:spPr>
-              <a:xfrm>
-                <a:off x="6747395" y="1266429"/>
-                <a:ext cx="5264136" cy="2287549"/>
-              </a:xfrm>
-              <a:prstGeom prst="rect">
-                <a:avLst/>
-              </a:prstGeom>
-              <a:noFill/>
-            </p:spPr>
-            <p:txBody>
-              <a:bodyPr wrap="square">
-                <a:spAutoFit/>
-              </a:bodyPr>
-              <a:lstStyle/>
-              <a:p>
-                <a:pPr indent="450215" algn="just">
-                  <a:lnSpc>
-                    <a:spcPct val="150000"/>
-                  </a:lnSpc>
-                  <a:spcBef>
-                    <a:spcPts val="1200"/>
-                  </a:spcBef>
-                </a:pPr>
-                <a:r>
-                  <a:rPr lang="ru-RU" sz="1400" dirty="0">
-                    <a:solidFill>
-                      <a:srgbClr val="000000"/>
-                    </a:solidFill>
-                    <a:effectLst/>
-                    <a:latin typeface="Times New Roman" panose="02020603050405020304" pitchFamily="18" charset="0"/>
-                    <a:ea typeface="Times New Roman" panose="02020603050405020304" pitchFamily="18" charset="0"/>
-                  </a:rPr>
-                  <a:t>Для определения </a:t>
-                </a:r>
-                <a:r>
-                  <a:rPr lang="en-US" sz="1400" dirty="0">
-                    <a:solidFill>
-                      <a:srgbClr val="000000"/>
-                    </a:solidFill>
-                    <a:effectLst/>
-                    <a:latin typeface="Times New Roman" panose="02020603050405020304" pitchFamily="18" charset="0"/>
-                    <a:ea typeface="Times New Roman" panose="02020603050405020304" pitchFamily="18" charset="0"/>
-                  </a:rPr>
-                  <a:t>MSE </a:t>
-                </a:r>
-                <a:r>
-                  <a:rPr lang="ru-RU" sz="1400" dirty="0">
-                    <a:solidFill>
-                      <a:srgbClr val="000000"/>
-                    </a:solidFill>
-                    <a:effectLst/>
-                    <a:latin typeface="Times New Roman" panose="02020603050405020304" pitchFamily="18" charset="0"/>
-                    <a:ea typeface="Times New Roman" panose="02020603050405020304" pitchFamily="18" charset="0"/>
-                  </a:rPr>
-                  <a:t>используется формула:</a:t>
-                </a:r>
-              </a:p>
-              <a:p>
-                <a:pPr indent="450215" algn="ctr">
-                  <a:lnSpc>
-                    <a:spcPct val="150000"/>
-                  </a:lnSpc>
-                  <a:spcBef>
-                    <a:spcPts val="1200"/>
-                  </a:spcBef>
-                </a:pPr>
-                <a14:m>
-                  <m:oMath xmlns:m="http://schemas.openxmlformats.org/officeDocument/2006/math">
-                    <m:r>
-                      <a:rPr lang="en-US" sz="1400" i="1">
-                        <a:solidFill>
-                          <a:srgbClr val="000000"/>
-                        </a:solidFill>
-                        <a:effectLst/>
-                        <a:latin typeface="Cambria Math" panose="02040503050406030204" pitchFamily="18" charset="0"/>
-                        <a:ea typeface="Times New Roman" panose="02020603050405020304" pitchFamily="18" charset="0"/>
-                      </a:rPr>
-                      <m:t>𝑀𝑆𝐸</m:t>
-                    </m:r>
-                    <m:r>
-                      <a:rPr lang="ru-RU" sz="1400" i="1">
-                        <a:solidFill>
-                          <a:srgbClr val="000000"/>
-                        </a:solidFill>
-                        <a:effectLst/>
-                        <a:latin typeface="Cambria Math" panose="02040503050406030204" pitchFamily="18" charset="0"/>
-                        <a:ea typeface="Times New Roman" panose="02020603050405020304" pitchFamily="18" charset="0"/>
-                      </a:rPr>
-                      <m:t> = </m:t>
-                    </m:r>
-                    <m:f>
-                      <m:fPr>
-                        <m:ctrlPr>
-                          <a:rPr lang="ru-RU" sz="1400" i="1">
-                            <a:solidFill>
-                              <a:srgbClr val="000000"/>
-                            </a:solidFill>
-                            <a:effectLst/>
-                            <a:latin typeface="Cambria Math" panose="02040503050406030204" pitchFamily="18" charset="0"/>
-                            <a:ea typeface="Times New Roman" panose="02020603050405020304" pitchFamily="18" charset="0"/>
-                          </a:rPr>
-                        </m:ctrlPr>
-                      </m:fPr>
-                      <m:num>
-                        <m:r>
-                          <a:rPr lang="ru-RU" sz="1400" i="1">
-                            <a:solidFill>
-                              <a:srgbClr val="000000"/>
-                            </a:solidFill>
-                            <a:effectLst/>
-                            <a:latin typeface="Cambria Math" panose="02040503050406030204" pitchFamily="18" charset="0"/>
-                            <a:ea typeface="Times New Roman" panose="02020603050405020304" pitchFamily="18" charset="0"/>
-                          </a:rPr>
-                          <m:t>1</m:t>
-                        </m:r>
-                      </m:num>
-                      <m:den>
-                        <m:r>
-                          <a:rPr lang="en-US" sz="1400" i="1">
-                            <a:solidFill>
-                              <a:srgbClr val="000000"/>
-                            </a:solidFill>
-                            <a:effectLst/>
-                            <a:latin typeface="Cambria Math" panose="02040503050406030204" pitchFamily="18" charset="0"/>
-                            <a:ea typeface="Times New Roman" panose="02020603050405020304" pitchFamily="18" charset="0"/>
-                          </a:rPr>
-                          <m:t>𝑛</m:t>
-                        </m:r>
-                      </m:den>
-                    </m:f>
-                    <m:nary>
-                      <m:naryPr>
-                        <m:chr m:val="∑"/>
-                        <m:limLoc m:val="undOvr"/>
-                        <m:ctrlPr>
-                          <a:rPr lang="ru-RU" sz="1400" i="1">
-                            <a:solidFill>
-                              <a:srgbClr val="000000"/>
-                            </a:solidFill>
-                            <a:effectLst/>
-                            <a:latin typeface="Cambria Math" panose="02040503050406030204" pitchFamily="18" charset="0"/>
-                            <a:ea typeface="Times New Roman" panose="02020603050405020304" pitchFamily="18" charset="0"/>
-                          </a:rPr>
-                        </m:ctrlPr>
-                      </m:naryPr>
-                      <m:sub>
-                        <m:r>
-                          <a:rPr lang="en-US" sz="1400" i="1">
-                            <a:solidFill>
-                              <a:srgbClr val="000000"/>
-                            </a:solidFill>
-                            <a:effectLst/>
-                            <a:latin typeface="Cambria Math" panose="02040503050406030204" pitchFamily="18" charset="0"/>
-                            <a:ea typeface="Times New Roman" panose="02020603050405020304" pitchFamily="18" charset="0"/>
-                          </a:rPr>
-                          <m:t>𝑖</m:t>
-                        </m:r>
-                        <m:r>
-                          <a:rPr lang="ru-RU" sz="1400" i="1">
-                            <a:solidFill>
-                              <a:srgbClr val="000000"/>
-                            </a:solidFill>
-                            <a:effectLst/>
-                            <a:latin typeface="Cambria Math" panose="02040503050406030204" pitchFamily="18" charset="0"/>
-                            <a:ea typeface="Times New Roman" panose="02020603050405020304" pitchFamily="18" charset="0"/>
-                          </a:rPr>
-                          <m:t>=1</m:t>
-                        </m:r>
-                      </m:sub>
-                      <m:sup>
-                        <m:r>
-                          <a:rPr lang="en-US" sz="1400" i="1">
-                            <a:solidFill>
-                              <a:srgbClr val="000000"/>
-                            </a:solidFill>
-                            <a:effectLst/>
-                            <a:latin typeface="Cambria Math" panose="02040503050406030204" pitchFamily="18" charset="0"/>
-                            <a:ea typeface="Times New Roman" panose="02020603050405020304" pitchFamily="18" charset="0"/>
-                          </a:rPr>
-                          <m:t>𝑛</m:t>
-                        </m:r>
-                      </m:sup>
-                      <m:e>
-                        <m:sSup>
-                          <m:sSupPr>
-                            <m:ctrlPr>
-                              <a:rPr lang="ru-RU" sz="1400" i="1">
-                                <a:solidFill>
-                                  <a:srgbClr val="000000"/>
-                                </a:solidFill>
-                                <a:effectLst/>
-                                <a:latin typeface="Cambria Math" panose="02040503050406030204" pitchFamily="18" charset="0"/>
-                                <a:ea typeface="Times New Roman" panose="02020603050405020304" pitchFamily="18" charset="0"/>
-                              </a:rPr>
-                            </m:ctrlPr>
-                          </m:sSupPr>
-                          <m:e>
-                            <m:r>
-                              <a:rPr lang="ru-RU" sz="1400" i="1">
-                                <a:solidFill>
-                                  <a:srgbClr val="000000"/>
-                                </a:solidFill>
-                                <a:effectLst/>
-                                <a:latin typeface="Cambria Math" panose="02040503050406030204" pitchFamily="18" charset="0"/>
-                                <a:ea typeface="Times New Roman" panose="02020603050405020304" pitchFamily="18" charset="0"/>
-                              </a:rPr>
-                              <m:t>(</m:t>
-                            </m:r>
-                            <m:sSub>
-                              <m:sSubPr>
-                                <m:ctrlPr>
-                                  <a:rPr lang="ru-RU" sz="1400" i="1">
-                                    <a:solidFill>
-                                      <a:srgbClr val="000000"/>
-                                    </a:solidFill>
-                                    <a:effectLst/>
-                                    <a:latin typeface="Cambria Math" panose="02040503050406030204" pitchFamily="18" charset="0"/>
-                                    <a:ea typeface="Times New Roman" panose="02020603050405020304" pitchFamily="18" charset="0"/>
-                                  </a:rPr>
-                                </m:ctrlPr>
-                              </m:sSubPr>
-                              <m:e>
-                                <m:r>
-                                  <a:rPr lang="en-US" sz="1400" i="1">
-                                    <a:solidFill>
-                                      <a:srgbClr val="000000"/>
-                                    </a:solidFill>
-                                    <a:effectLst/>
-                                    <a:latin typeface="Cambria Math" panose="02040503050406030204" pitchFamily="18" charset="0"/>
-                                    <a:ea typeface="Times New Roman" panose="02020603050405020304" pitchFamily="18" charset="0"/>
-                                  </a:rPr>
-                                  <m:t>𝑌</m:t>
-                                </m:r>
-                              </m:e>
-                              <m:sub>
-                                <m:r>
-                                  <a:rPr lang="en-US" sz="1400" i="1">
-                                    <a:solidFill>
-                                      <a:srgbClr val="000000"/>
-                                    </a:solidFill>
-                                    <a:effectLst/>
-                                    <a:latin typeface="Cambria Math" panose="02040503050406030204" pitchFamily="18" charset="0"/>
-                                    <a:ea typeface="Times New Roman" panose="02020603050405020304" pitchFamily="18" charset="0"/>
-                                  </a:rPr>
-                                  <m:t>𝑖</m:t>
-                                </m:r>
-                              </m:sub>
-                            </m:sSub>
-                            <m:r>
-                              <a:rPr lang="ru-RU" sz="1400" i="1">
-                                <a:solidFill>
-                                  <a:srgbClr val="000000"/>
-                                </a:solidFill>
-                                <a:effectLst/>
-                                <a:latin typeface="Cambria Math" panose="02040503050406030204" pitchFamily="18" charset="0"/>
-                                <a:ea typeface="Times New Roman" panose="02020603050405020304" pitchFamily="18" charset="0"/>
-                              </a:rPr>
-                              <m:t>−</m:t>
-                            </m:r>
-                            <m:sSub>
-                              <m:sSubPr>
-                                <m:ctrlPr>
-                                  <a:rPr lang="ru-RU" sz="1400" i="1">
-                                    <a:solidFill>
-                                      <a:srgbClr val="000000"/>
-                                    </a:solidFill>
-                                    <a:effectLst/>
-                                    <a:latin typeface="Cambria Math" panose="02040503050406030204" pitchFamily="18" charset="0"/>
-                                    <a:ea typeface="Times New Roman" panose="02020603050405020304" pitchFamily="18" charset="0"/>
-                                  </a:rPr>
-                                </m:ctrlPr>
-                              </m:sSubPr>
-                              <m:e>
-                                <m:acc>
-                                  <m:accPr>
-                                    <m:chr m:val="̂"/>
-                                    <m:ctrlPr>
-                                      <a:rPr lang="ru-RU" sz="1400" i="1">
-                                        <a:solidFill>
-                                          <a:srgbClr val="000000"/>
-                                        </a:solidFill>
-                                        <a:effectLst/>
-                                        <a:latin typeface="Cambria Math" panose="02040503050406030204" pitchFamily="18" charset="0"/>
-                                        <a:ea typeface="Times New Roman" panose="02020603050405020304" pitchFamily="18" charset="0"/>
-                                      </a:rPr>
-                                    </m:ctrlPr>
-                                  </m:accPr>
-                                  <m:e>
-                                    <m:r>
-                                      <a:rPr lang="en-US" sz="1400" i="1">
-                                        <a:solidFill>
-                                          <a:srgbClr val="000000"/>
-                                        </a:solidFill>
-                                        <a:effectLst/>
-                                        <a:latin typeface="Cambria Math" panose="02040503050406030204" pitchFamily="18" charset="0"/>
-                                        <a:ea typeface="Times New Roman" panose="02020603050405020304" pitchFamily="18" charset="0"/>
-                                      </a:rPr>
-                                      <m:t>𝑌</m:t>
-                                    </m:r>
-                                  </m:e>
-                                </m:acc>
-                              </m:e>
-                              <m:sub>
-                                <m:r>
-                                  <a:rPr lang="en-US" sz="1400" i="1">
-                                    <a:solidFill>
-                                      <a:srgbClr val="000000"/>
-                                    </a:solidFill>
-                                    <a:effectLst/>
-                                    <a:latin typeface="Cambria Math" panose="02040503050406030204" pitchFamily="18" charset="0"/>
-                                    <a:ea typeface="Times New Roman" panose="02020603050405020304" pitchFamily="18" charset="0"/>
-                                  </a:rPr>
-                                  <m:t>𝑖</m:t>
-                                </m:r>
-                              </m:sub>
-                            </m:sSub>
-                            <m:r>
-                              <a:rPr lang="ru-RU" sz="1400" i="1">
-                                <a:solidFill>
-                                  <a:srgbClr val="000000"/>
-                                </a:solidFill>
-                                <a:effectLst/>
-                                <a:latin typeface="Cambria Math" panose="02040503050406030204" pitchFamily="18" charset="0"/>
-                                <a:ea typeface="Times New Roman" panose="02020603050405020304" pitchFamily="18" charset="0"/>
-                              </a:rPr>
-                              <m:t>)</m:t>
-                            </m:r>
-                          </m:e>
-                          <m:sup>
-                            <m:r>
-                              <a:rPr lang="ru-RU" sz="1400" i="1">
-                                <a:solidFill>
-                                  <a:srgbClr val="000000"/>
-                                </a:solidFill>
-                                <a:effectLst/>
-                                <a:latin typeface="Cambria Math" panose="02040503050406030204" pitchFamily="18" charset="0"/>
-                                <a:ea typeface="Times New Roman" panose="02020603050405020304" pitchFamily="18" charset="0"/>
-                              </a:rPr>
-                              <m:t>2</m:t>
-                            </m:r>
-                          </m:sup>
-                        </m:sSup>
-                      </m:e>
-                    </m:nary>
-                  </m:oMath>
-                </a14:m>
-                <a:r>
-                  <a:rPr lang="ru-RU" sz="1400" dirty="0">
-                    <a:solidFill>
-                      <a:srgbClr val="000000"/>
-                    </a:solidFill>
-                    <a:effectLst/>
-                    <a:latin typeface="Times New Roman" panose="02020603050405020304" pitchFamily="18" charset="0"/>
-                    <a:ea typeface="Times New Roman" panose="02020603050405020304" pitchFamily="18" charset="0"/>
-                  </a:rPr>
-                  <a:t>,</a:t>
-                </a:r>
-              </a:p>
-              <a:p>
-                <a:pPr indent="450215" algn="just">
-                  <a:lnSpc>
-                    <a:spcPct val="150000"/>
-                  </a:lnSpc>
-                </a:pPr>
-                <a:r>
-                  <a:rPr lang="ru-RU" sz="1400" dirty="0">
-                    <a:solidFill>
-                      <a:srgbClr val="000000"/>
-                    </a:solidFill>
-                    <a:effectLst/>
-                    <a:latin typeface="Times New Roman" panose="02020603050405020304" pitchFamily="18" charset="0"/>
-                    <a:ea typeface="Times New Roman" panose="02020603050405020304" pitchFamily="18" charset="0"/>
-                  </a:rPr>
-                  <a:t>где </a:t>
-                </a:r>
-                <a:r>
-                  <a:rPr lang="en-US" sz="1400" dirty="0">
-                    <a:solidFill>
-                      <a:srgbClr val="000000"/>
-                    </a:solidFill>
-                    <a:effectLst/>
-                    <a:latin typeface="Times New Roman" panose="02020603050405020304" pitchFamily="18" charset="0"/>
-                    <a:ea typeface="Times New Roman" panose="02020603050405020304" pitchFamily="18" charset="0"/>
-                  </a:rPr>
-                  <a:t>MSE</a:t>
-                </a:r>
-                <a:r>
-                  <a:rPr lang="ru-RU" sz="1400" dirty="0">
-                    <a:solidFill>
-                      <a:srgbClr val="000000"/>
-                    </a:solidFill>
-                    <a:effectLst/>
-                    <a:latin typeface="Times New Roman" panose="02020603050405020304" pitchFamily="18" charset="0"/>
-                    <a:ea typeface="Times New Roman" panose="02020603050405020304" pitchFamily="18" charset="0"/>
-                  </a:rPr>
-                  <a:t> – </a:t>
-                </a:r>
-                <a:r>
-                  <a:rPr lang="en-US" sz="1400" dirty="0">
-                    <a:solidFill>
-                      <a:srgbClr val="000000"/>
-                    </a:solidFill>
-                    <a:effectLst/>
-                    <a:latin typeface="Times New Roman" panose="02020603050405020304" pitchFamily="18" charset="0"/>
-                    <a:ea typeface="Times New Roman" panose="02020603050405020304" pitchFamily="18" charset="0"/>
-                  </a:rPr>
-                  <a:t>mean squared error</a:t>
-                </a:r>
-                <a:r>
-                  <a:rPr lang="ru-RU" sz="1400" dirty="0">
-                    <a:solidFill>
-                      <a:srgbClr val="000000"/>
-                    </a:solidFill>
-                    <a:effectLst/>
-                    <a:latin typeface="Times New Roman" panose="02020603050405020304" pitchFamily="18" charset="0"/>
-                    <a:ea typeface="Times New Roman" panose="02020603050405020304" pitchFamily="18" charset="0"/>
-                  </a:rPr>
-                  <a:t> (среднеквадратичная ошибка);</a:t>
-                </a:r>
-              </a:p>
-              <a:p>
-                <a:pPr indent="450215" algn="just">
-                  <a:lnSpc>
-                    <a:spcPct val="150000"/>
-                  </a:lnSpc>
-                </a:pPr>
-                <a:r>
-                  <a:rPr lang="en-US" sz="1400" dirty="0">
-                    <a:solidFill>
-                      <a:srgbClr val="000000"/>
-                    </a:solidFill>
-                    <a:effectLst/>
-                    <a:latin typeface="Times New Roman" panose="02020603050405020304" pitchFamily="18" charset="0"/>
-                    <a:ea typeface="Times New Roman" panose="02020603050405020304" pitchFamily="18" charset="0"/>
-                  </a:rPr>
-                  <a:t>n</a:t>
-                </a:r>
-                <a:r>
-                  <a:rPr lang="ru-RU" sz="1400" dirty="0">
-                    <a:solidFill>
-                      <a:srgbClr val="000000"/>
-                    </a:solidFill>
-                    <a:effectLst/>
-                    <a:latin typeface="Times New Roman" panose="02020603050405020304" pitchFamily="18" charset="0"/>
-                    <a:ea typeface="Times New Roman" panose="02020603050405020304" pitchFamily="18" charset="0"/>
-                  </a:rPr>
-                  <a:t> – количество входных значений;</a:t>
-                </a:r>
-              </a:p>
-              <a:p>
-                <a:pPr indent="450215" algn="just">
-                  <a:lnSpc>
-                    <a:spcPct val="150000"/>
-                  </a:lnSpc>
-                </a:pPr>
-                <a14:m>
-                  <m:oMath xmlns:m="http://schemas.openxmlformats.org/officeDocument/2006/math">
-                    <m:sSub>
-                      <m:sSubPr>
-                        <m:ctrlPr>
-                          <a:rPr lang="ru-RU" sz="1400" i="1">
-                            <a:solidFill>
-                              <a:srgbClr val="000000"/>
-                            </a:solidFill>
-                            <a:effectLst/>
-                            <a:latin typeface="Cambria Math" panose="02040503050406030204" pitchFamily="18" charset="0"/>
-                            <a:ea typeface="Times New Roman" panose="02020603050405020304" pitchFamily="18" charset="0"/>
-                          </a:rPr>
-                        </m:ctrlPr>
-                      </m:sSubPr>
-                      <m:e>
-                        <m:r>
-                          <a:rPr lang="en-US" sz="1400" i="1">
-                            <a:solidFill>
-                              <a:srgbClr val="000000"/>
-                            </a:solidFill>
-                            <a:effectLst/>
-                            <a:latin typeface="Cambria Math" panose="02040503050406030204" pitchFamily="18" charset="0"/>
-                            <a:ea typeface="Times New Roman" panose="02020603050405020304" pitchFamily="18" charset="0"/>
-                          </a:rPr>
-                          <m:t>𝑌</m:t>
-                        </m:r>
-                      </m:e>
-                      <m:sub>
-                        <m:r>
-                          <a:rPr lang="en-US" sz="1400" i="1">
-                            <a:solidFill>
-                              <a:srgbClr val="000000"/>
-                            </a:solidFill>
-                            <a:effectLst/>
-                            <a:latin typeface="Cambria Math" panose="02040503050406030204" pitchFamily="18" charset="0"/>
-                            <a:ea typeface="Times New Roman" panose="02020603050405020304" pitchFamily="18" charset="0"/>
-                          </a:rPr>
-                          <m:t>𝑖</m:t>
-                        </m:r>
-                      </m:sub>
-                    </m:sSub>
-                  </m:oMath>
-                </a14:m>
-                <a:r>
-                  <a:rPr lang="ru-RU" sz="1400" dirty="0">
-                    <a:solidFill>
-                      <a:srgbClr val="000000"/>
-                    </a:solidFill>
-                    <a:effectLst/>
-                    <a:latin typeface="Times New Roman" panose="02020603050405020304" pitchFamily="18" charset="0"/>
-                    <a:ea typeface="Times New Roman" panose="02020603050405020304" pitchFamily="18" charset="0"/>
-                  </a:rPr>
-                  <a:t> – точная величина;</a:t>
-                </a:r>
-              </a:p>
-              <a:p>
-                <a:pPr indent="450215" algn="just">
-                  <a:lnSpc>
-                    <a:spcPct val="150000"/>
-                  </a:lnSpc>
-                  <a:spcAft>
-                    <a:spcPts val="1200"/>
-                  </a:spcAft>
-                </a:pPr>
-                <a14:m>
-                  <m:oMath xmlns:m="http://schemas.openxmlformats.org/officeDocument/2006/math">
-                    <m:sSub>
-                      <m:sSubPr>
-                        <m:ctrlPr>
-                          <a:rPr lang="ru-RU" sz="1400" i="1">
-                            <a:solidFill>
-                              <a:srgbClr val="000000"/>
-                            </a:solidFill>
-                            <a:effectLst/>
-                            <a:latin typeface="Cambria Math" panose="02040503050406030204" pitchFamily="18" charset="0"/>
-                            <a:ea typeface="Times New Roman" panose="02020603050405020304" pitchFamily="18" charset="0"/>
-                          </a:rPr>
-                        </m:ctrlPr>
-                      </m:sSubPr>
-                      <m:e>
-                        <m:acc>
-                          <m:accPr>
-                            <m:chr m:val="̂"/>
-                            <m:ctrlPr>
-                              <a:rPr lang="ru-RU" sz="1400" i="1">
-                                <a:solidFill>
-                                  <a:srgbClr val="000000"/>
-                                </a:solidFill>
-                                <a:effectLst/>
-                                <a:latin typeface="Cambria Math" panose="02040503050406030204" pitchFamily="18" charset="0"/>
-                                <a:ea typeface="Times New Roman" panose="02020603050405020304" pitchFamily="18" charset="0"/>
-                              </a:rPr>
-                            </m:ctrlPr>
-                          </m:accPr>
-                          <m:e>
-                            <m:r>
-                              <a:rPr lang="en-US" sz="1400" i="1">
-                                <a:solidFill>
-                                  <a:srgbClr val="000000"/>
-                                </a:solidFill>
-                                <a:effectLst/>
-                                <a:latin typeface="Cambria Math" panose="02040503050406030204" pitchFamily="18" charset="0"/>
-                                <a:ea typeface="Times New Roman" panose="02020603050405020304" pitchFamily="18" charset="0"/>
-                              </a:rPr>
-                              <m:t>𝑌</m:t>
-                            </m:r>
-                          </m:e>
-                        </m:acc>
-                      </m:e>
-                      <m:sub>
-                        <m:r>
-                          <a:rPr lang="en-US" sz="1400" i="1">
-                            <a:solidFill>
-                              <a:srgbClr val="000000"/>
-                            </a:solidFill>
-                            <a:effectLst/>
-                            <a:latin typeface="Cambria Math" panose="02040503050406030204" pitchFamily="18" charset="0"/>
-                            <a:ea typeface="Times New Roman" panose="02020603050405020304" pitchFamily="18" charset="0"/>
-                          </a:rPr>
-                          <m:t>𝑖</m:t>
-                        </m:r>
-                      </m:sub>
-                    </m:sSub>
-                  </m:oMath>
-                </a14:m>
-                <a:r>
-                  <a:rPr lang="ru-RU" sz="1400" dirty="0">
-                    <a:solidFill>
-                      <a:srgbClr val="000000"/>
-                    </a:solidFill>
-                    <a:effectLst/>
-                    <a:latin typeface="Times New Roman" panose="02020603050405020304" pitchFamily="18" charset="0"/>
-                    <a:ea typeface="Times New Roman" panose="02020603050405020304" pitchFamily="18" charset="0"/>
-                  </a:rPr>
-                  <a:t> – предугаданная величина.</a:t>
-                </a:r>
-              </a:p>
-            </p:txBody>
-          </p:sp>
-        </mc:Choice>
-        <mc:Fallback>
-          <p:sp>
-            <p:nvSpPr>
-              <p:cNvPr id="21" name="TextBox 20">
-                <a:extLst>
-                  <a:ext uri="{FF2B5EF4-FFF2-40B4-BE49-F238E27FC236}">
-                    <a16:creationId xmlns:a16="http://schemas.microsoft.com/office/drawing/2014/main" id="{D3A7290E-F239-D36D-10E6-890D2DDDC2F2}"/>
-                  </a:ext>
-                </a:extLst>
-              </p:cNvPr>
-              <p:cNvSpPr txBox="1">
-                <a:spLocks noRot="1" noChangeAspect="1" noMove="1" noResize="1" noEditPoints="1" noAdjustHandles="1" noChangeArrowheads="1" noChangeShapeType="1" noTextEdit="1"/>
-              </p:cNvSpPr>
-              <p:nvPr/>
-            </p:nvSpPr>
-            <p:spPr>
-              <a:xfrm>
-                <a:off x="6747395" y="1266429"/>
-                <a:ext cx="5264136" cy="2287549"/>
-              </a:xfrm>
-              <a:prstGeom prst="rect">
-                <a:avLst/>
-              </a:prstGeom>
-              <a:blipFill>
-                <a:blip r:embed="rId7"/>
-                <a:stretch>
-                  <a:fillRect b="-1867"/>
-                </a:stretch>
-              </a:blipFill>
-            </p:spPr>
-            <p:txBody>
-              <a:bodyPr/>
-              <a:lstStyle/>
-              <a:p>
-                <a:r>
-                  <a:rPr lang="ru-RU">
-                    <a:noFill/>
-                  </a:rPr>
-                  <a:t> </a:t>
-                </a:r>
-              </a:p>
-            </p:txBody>
-          </p:sp>
-        </mc:Fallback>
-      </mc:AlternateContent>
-      <mc:AlternateContent xmlns:mc="http://schemas.openxmlformats.org/markup-compatibility/2006">
-        <mc:Choice xmlns:a14="http://schemas.microsoft.com/office/drawing/2010/main" Requires="a14">
-          <p:sp>
-            <p:nvSpPr>
-              <p:cNvPr id="30" name="TextBox 29">
-                <a:extLst>
-                  <a:ext uri="{FF2B5EF4-FFF2-40B4-BE49-F238E27FC236}">
-                    <a16:creationId xmlns:a16="http://schemas.microsoft.com/office/drawing/2014/main" id="{45D3D61E-7CB2-3532-0E55-5C509139954F}"/>
-                  </a:ext>
-                </a:extLst>
-              </p:cNvPr>
-              <p:cNvSpPr txBox="1"/>
-              <p:nvPr/>
-            </p:nvSpPr>
-            <p:spPr>
-              <a:xfrm>
-                <a:off x="6747395" y="3953370"/>
-                <a:ext cx="5264136" cy="2179379"/>
-              </a:xfrm>
-              <a:prstGeom prst="rect">
-                <a:avLst/>
-              </a:prstGeom>
-              <a:noFill/>
-            </p:spPr>
-            <p:txBody>
-              <a:bodyPr wrap="square">
-                <a:spAutoFit/>
-              </a:bodyPr>
-              <a:lstStyle/>
-              <a:p>
-                <a:pPr marL="0" marR="0" lvl="0" indent="450215" algn="just" defTabSz="914400" rtl="0" eaLnBrk="1" fontAlgn="auto" latinLnBrk="0" hangingPunct="1">
-                  <a:lnSpc>
-                    <a:spcPct val="150000"/>
-                  </a:lnSpc>
-                  <a:spcBef>
-                    <a:spcPts val="0"/>
-                  </a:spcBef>
-                  <a:spcAft>
-                    <a:spcPts val="0"/>
-                  </a:spcAft>
-                  <a:buClrTx/>
-                  <a:buSzTx/>
-                  <a:buFontTx/>
-                  <a:buNone/>
-                  <a:tabLst/>
-                  <a:defRPr/>
-                </a:pPr>
-                <a:r>
-                  <a:rPr kumimoji="0" lang="ru-RU" sz="1400" b="0" i="0" u="none" strike="noStrike" kern="1200" cap="none" spc="0" normalizeH="0" baseline="0" noProof="0" dirty="0">
-                    <a:ln>
-                      <a:noFill/>
-                    </a:ln>
-                    <a:solidFill>
-                      <a:srgbClr val="000000"/>
-                    </a:solidFill>
-                    <a:effectLst/>
-                    <a:uLnTx/>
-                    <a:uFillTx/>
-                    <a:latin typeface="Times New Roman" panose="02020603050405020304" pitchFamily="18" charset="0"/>
-                    <a:ea typeface="Times New Roman" panose="02020603050405020304" pitchFamily="18" charset="0"/>
-                    <a:cs typeface="+mn-cs"/>
-                  </a:rPr>
-                  <a:t>Для определения </a:t>
-                </a:r>
-                <a:r>
-                  <a:rPr kumimoji="0" lang="en-US" sz="1400" b="0" i="0" u="none" strike="noStrike" kern="1200" cap="none" spc="0" normalizeH="0" baseline="0" noProof="0" dirty="0">
-                    <a:ln>
-                      <a:noFill/>
-                    </a:ln>
-                    <a:solidFill>
-                      <a:srgbClr val="000000"/>
-                    </a:solidFill>
-                    <a:effectLst/>
-                    <a:uLnTx/>
-                    <a:uFillTx/>
-                    <a:latin typeface="Times New Roman" panose="02020603050405020304" pitchFamily="18" charset="0"/>
-                    <a:ea typeface="Times New Roman" panose="02020603050405020304" pitchFamily="18" charset="0"/>
-                    <a:cs typeface="+mn-cs"/>
-                  </a:rPr>
-                  <a:t>MAE </a:t>
-                </a:r>
-                <a:r>
-                  <a:rPr kumimoji="0" lang="ru-RU" sz="1400" b="0" i="0" u="none" strike="noStrike" kern="1200" cap="none" spc="0" normalizeH="0" baseline="0" noProof="0" dirty="0">
-                    <a:ln>
-                      <a:noFill/>
-                    </a:ln>
-                    <a:solidFill>
-                      <a:srgbClr val="000000"/>
-                    </a:solidFill>
-                    <a:effectLst/>
-                    <a:uLnTx/>
-                    <a:uFillTx/>
-                    <a:latin typeface="Times New Roman" panose="02020603050405020304" pitchFamily="18" charset="0"/>
-                    <a:ea typeface="Times New Roman" panose="02020603050405020304" pitchFamily="18" charset="0"/>
-                    <a:cs typeface="+mn-cs"/>
-                  </a:rPr>
-                  <a:t>используется формула:</a:t>
-                </a:r>
-                <a:endParaRPr kumimoji="0" lang="ru-RU" sz="1200" b="0" i="0" u="none" strike="noStrike" kern="1200" cap="none" spc="0" normalizeH="0" baseline="0" noProof="0" dirty="0">
-                  <a:ln>
-                    <a:noFill/>
-                  </a:ln>
-                  <a:solidFill>
-                    <a:prstClr val="black"/>
-                  </a:solidFill>
-                  <a:effectLst/>
-                  <a:uLnTx/>
-                  <a:uFillTx/>
-                  <a:latin typeface="Times New Roman" panose="02020603050405020304" pitchFamily="18" charset="0"/>
-                  <a:ea typeface="Times New Roman" panose="02020603050405020304" pitchFamily="18" charset="0"/>
-                  <a:cs typeface="+mn-cs"/>
-                </a:endParaRPr>
-              </a:p>
-              <a:p>
-                <a:pPr marL="0" marR="0" lvl="0" indent="450215" algn="ctr" defTabSz="914400" rtl="0" eaLnBrk="1" fontAlgn="auto" latinLnBrk="0" hangingPunct="1">
-                  <a:lnSpc>
-                    <a:spcPct val="150000"/>
-                  </a:lnSpc>
-                  <a:spcBef>
-                    <a:spcPts val="0"/>
-                  </a:spcBef>
-                  <a:spcAft>
-                    <a:spcPts val="0"/>
-                  </a:spcAft>
-                  <a:buClrTx/>
-                  <a:buSzTx/>
-                  <a:buFontTx/>
-                  <a:buNone/>
-                  <a:tabLst/>
-                  <a:defRPr/>
-                </a:pPr>
-                <a14:m>
-                  <m:oMath xmlns:m="http://schemas.openxmlformats.org/officeDocument/2006/math">
-                    <m:r>
-                      <a:rPr kumimoji="0" lang="ru-RU" sz="1400" b="0" i="1" u="none" strike="noStrike" kern="1200" cap="none" spc="0" normalizeH="0" baseline="0" noProof="0">
-                        <a:ln>
-                          <a:noFill/>
-                        </a:ln>
-                        <a:solidFill>
-                          <a:srgbClr val="000000"/>
-                        </a:solidFill>
-                        <a:effectLst/>
-                        <a:uLnTx/>
-                        <a:uFillTx/>
-                        <a:latin typeface="Cambria Math" panose="02040503050406030204" pitchFamily="18" charset="0"/>
-                        <a:ea typeface="Times New Roman" panose="02020603050405020304" pitchFamily="18" charset="0"/>
-                        <a:cs typeface="+mn-cs"/>
-                      </a:rPr>
-                      <m:t>𝑀</m:t>
-                    </m:r>
-                    <m:r>
-                      <a:rPr kumimoji="0" lang="en-US" sz="1400" b="0" i="1" u="none" strike="noStrike" kern="1200" cap="none" spc="0" normalizeH="0" baseline="0" noProof="0">
-                        <a:ln>
-                          <a:noFill/>
-                        </a:ln>
-                        <a:solidFill>
-                          <a:srgbClr val="000000"/>
-                        </a:solidFill>
-                        <a:effectLst/>
-                        <a:uLnTx/>
-                        <a:uFillTx/>
-                        <a:latin typeface="Cambria Math" panose="02040503050406030204" pitchFamily="18" charset="0"/>
-                        <a:ea typeface="Times New Roman" panose="02020603050405020304" pitchFamily="18" charset="0"/>
-                        <a:cs typeface="+mn-cs"/>
-                      </a:rPr>
-                      <m:t>𝐴𝐸</m:t>
-                    </m:r>
-                    <m:r>
-                      <a:rPr kumimoji="0" lang="ru-RU" sz="1400" b="0" i="1" u="none" strike="noStrike" kern="1200" cap="none" spc="0" normalizeH="0" baseline="0" noProof="0">
-                        <a:ln>
-                          <a:noFill/>
-                        </a:ln>
-                        <a:solidFill>
-                          <a:srgbClr val="000000"/>
-                        </a:solidFill>
-                        <a:effectLst/>
-                        <a:uLnTx/>
-                        <a:uFillTx/>
-                        <a:latin typeface="Cambria Math" panose="02040503050406030204" pitchFamily="18" charset="0"/>
-                        <a:ea typeface="Times New Roman" panose="02020603050405020304" pitchFamily="18" charset="0"/>
-                        <a:cs typeface="+mn-cs"/>
-                      </a:rPr>
-                      <m:t> = </m:t>
-                    </m:r>
-                    <m:f>
-                      <m:fPr>
-                        <m:ctrlPr>
-                          <a:rPr kumimoji="0" lang="ru-RU" sz="1400" b="0" i="1" u="none" strike="noStrike" kern="1200" cap="none" spc="0" normalizeH="0" baseline="0" noProof="0">
-                            <a:ln>
-                              <a:noFill/>
-                            </a:ln>
-                            <a:solidFill>
-                              <a:srgbClr val="000000"/>
-                            </a:solidFill>
-                            <a:effectLst/>
-                            <a:uLnTx/>
-                            <a:uFillTx/>
-                            <a:latin typeface="Cambria Math" panose="02040503050406030204" pitchFamily="18" charset="0"/>
-                            <a:ea typeface="Times New Roman" panose="02020603050405020304" pitchFamily="18" charset="0"/>
-                            <a:cs typeface="+mn-cs"/>
-                          </a:rPr>
-                        </m:ctrlPr>
-                      </m:fPr>
-                      <m:num>
-                        <m:nary>
-                          <m:naryPr>
-                            <m:chr m:val="∑"/>
-                            <m:limLoc m:val="undOvr"/>
-                            <m:ctrlPr>
-                              <a:rPr kumimoji="0" lang="ru-RU" sz="1400" b="0" i="1" u="none" strike="noStrike" kern="1200" cap="none" spc="0" normalizeH="0" baseline="0" noProof="0">
-                                <a:ln>
-                                  <a:noFill/>
-                                </a:ln>
-                                <a:solidFill>
-                                  <a:srgbClr val="000000"/>
-                                </a:solidFill>
-                                <a:effectLst/>
-                                <a:uLnTx/>
-                                <a:uFillTx/>
-                                <a:latin typeface="Cambria Math" panose="02040503050406030204" pitchFamily="18" charset="0"/>
-                                <a:ea typeface="Times New Roman" panose="02020603050405020304" pitchFamily="18" charset="0"/>
-                                <a:cs typeface="+mn-cs"/>
-                              </a:rPr>
-                            </m:ctrlPr>
-                          </m:naryPr>
-                          <m:sub>
-                            <m:r>
-                              <a:rPr kumimoji="0" lang="en-US" sz="1400" b="0" i="1" u="none" strike="noStrike" kern="1200" cap="none" spc="0" normalizeH="0" baseline="0" noProof="0">
-                                <a:ln>
-                                  <a:noFill/>
-                                </a:ln>
-                                <a:solidFill>
-                                  <a:srgbClr val="000000"/>
-                                </a:solidFill>
-                                <a:effectLst/>
-                                <a:uLnTx/>
-                                <a:uFillTx/>
-                                <a:latin typeface="Cambria Math" panose="02040503050406030204" pitchFamily="18" charset="0"/>
-                                <a:ea typeface="Times New Roman" panose="02020603050405020304" pitchFamily="18" charset="0"/>
-                                <a:cs typeface="+mn-cs"/>
-                              </a:rPr>
-                              <m:t>𝑖</m:t>
-                            </m:r>
-                            <m:r>
-                              <a:rPr kumimoji="0" lang="ru-RU" sz="1400" b="0" i="1" u="none" strike="noStrike" kern="1200" cap="none" spc="0" normalizeH="0" baseline="0" noProof="0">
-                                <a:ln>
-                                  <a:noFill/>
-                                </a:ln>
-                                <a:solidFill>
-                                  <a:srgbClr val="000000"/>
-                                </a:solidFill>
-                                <a:effectLst/>
-                                <a:uLnTx/>
-                                <a:uFillTx/>
-                                <a:latin typeface="Cambria Math" panose="02040503050406030204" pitchFamily="18" charset="0"/>
-                                <a:ea typeface="Times New Roman" panose="02020603050405020304" pitchFamily="18" charset="0"/>
-                                <a:cs typeface="+mn-cs"/>
-                              </a:rPr>
-                              <m:t>=1</m:t>
-                            </m:r>
-                          </m:sub>
-                          <m:sup>
-                            <m:r>
-                              <a:rPr kumimoji="0" lang="en-US" sz="1400" b="0" i="1" u="none" strike="noStrike" kern="1200" cap="none" spc="0" normalizeH="0" baseline="0" noProof="0">
-                                <a:ln>
-                                  <a:noFill/>
-                                </a:ln>
-                                <a:solidFill>
-                                  <a:srgbClr val="000000"/>
-                                </a:solidFill>
-                                <a:effectLst/>
-                                <a:uLnTx/>
-                                <a:uFillTx/>
-                                <a:latin typeface="Cambria Math" panose="02040503050406030204" pitchFamily="18" charset="0"/>
-                                <a:ea typeface="Times New Roman" panose="02020603050405020304" pitchFamily="18" charset="0"/>
-                                <a:cs typeface="+mn-cs"/>
-                              </a:rPr>
-                              <m:t>𝑛</m:t>
-                            </m:r>
-                          </m:sup>
-                          <m:e>
-                            <m:d>
-                              <m:dPr>
-                                <m:begChr m:val="|"/>
-                                <m:endChr m:val="|"/>
-                                <m:ctrlPr>
-                                  <a:rPr kumimoji="0" lang="ru-RU" sz="1400" b="0" i="1" u="none" strike="noStrike" kern="1200" cap="none" spc="0" normalizeH="0" baseline="0" noProof="0">
-                                    <a:ln>
-                                      <a:noFill/>
-                                    </a:ln>
-                                    <a:solidFill>
-                                      <a:srgbClr val="000000"/>
-                                    </a:solidFill>
-                                    <a:effectLst/>
-                                    <a:uLnTx/>
-                                    <a:uFillTx/>
-                                    <a:latin typeface="Cambria Math" panose="02040503050406030204" pitchFamily="18" charset="0"/>
-                                    <a:ea typeface="Times New Roman" panose="02020603050405020304" pitchFamily="18" charset="0"/>
-                                    <a:cs typeface="+mn-cs"/>
-                                  </a:rPr>
-                                </m:ctrlPr>
-                              </m:dPr>
-                              <m:e>
-                                <m:sSub>
-                                  <m:sSubPr>
-                                    <m:ctrlPr>
-                                      <a:rPr kumimoji="0" lang="ru-RU" sz="1400" b="0" i="1" u="none" strike="noStrike" kern="1200" cap="none" spc="0" normalizeH="0" baseline="0" noProof="0">
-                                        <a:ln>
-                                          <a:noFill/>
-                                        </a:ln>
-                                        <a:solidFill>
-                                          <a:srgbClr val="000000"/>
-                                        </a:solidFill>
-                                        <a:effectLst/>
-                                        <a:uLnTx/>
-                                        <a:uFillTx/>
-                                        <a:latin typeface="Cambria Math" panose="02040503050406030204" pitchFamily="18" charset="0"/>
-                                        <a:ea typeface="Times New Roman" panose="02020603050405020304" pitchFamily="18" charset="0"/>
-                                        <a:cs typeface="+mn-cs"/>
-                                      </a:rPr>
-                                    </m:ctrlPr>
-                                  </m:sSubPr>
-                                  <m:e>
-                                    <m:r>
-                                      <a:rPr kumimoji="0" lang="en-US" sz="1400" b="0" i="1" u="none" strike="noStrike" kern="1200" cap="none" spc="0" normalizeH="0" baseline="0" noProof="0">
-                                        <a:ln>
-                                          <a:noFill/>
-                                        </a:ln>
-                                        <a:solidFill>
-                                          <a:srgbClr val="000000"/>
-                                        </a:solidFill>
-                                        <a:effectLst/>
-                                        <a:uLnTx/>
-                                        <a:uFillTx/>
-                                        <a:latin typeface="Cambria Math" panose="02040503050406030204" pitchFamily="18" charset="0"/>
-                                        <a:ea typeface="Times New Roman" panose="02020603050405020304" pitchFamily="18" charset="0"/>
-                                        <a:cs typeface="+mn-cs"/>
-                                      </a:rPr>
-                                      <m:t>𝑦</m:t>
-                                    </m:r>
-                                  </m:e>
-                                  <m:sub>
-                                    <m:r>
-                                      <a:rPr kumimoji="0" lang="en-US" sz="1400" b="0" i="1" u="none" strike="noStrike" kern="1200" cap="none" spc="0" normalizeH="0" baseline="0" noProof="0">
-                                        <a:ln>
-                                          <a:noFill/>
-                                        </a:ln>
-                                        <a:solidFill>
-                                          <a:srgbClr val="000000"/>
-                                        </a:solidFill>
-                                        <a:effectLst/>
-                                        <a:uLnTx/>
-                                        <a:uFillTx/>
-                                        <a:latin typeface="Cambria Math" panose="02040503050406030204" pitchFamily="18" charset="0"/>
-                                        <a:ea typeface="Times New Roman" panose="02020603050405020304" pitchFamily="18" charset="0"/>
-                                        <a:cs typeface="+mn-cs"/>
-                                      </a:rPr>
-                                      <m:t>𝑖</m:t>
-                                    </m:r>
-                                  </m:sub>
-                                </m:sSub>
-                                <m:r>
-                                  <a:rPr kumimoji="0" lang="ru-RU" sz="1400" b="0" i="1" u="none" strike="noStrike" kern="1200" cap="none" spc="0" normalizeH="0" baseline="0" noProof="0">
-                                    <a:ln>
-                                      <a:noFill/>
-                                    </a:ln>
-                                    <a:solidFill>
-                                      <a:srgbClr val="000000"/>
-                                    </a:solidFill>
-                                    <a:effectLst/>
-                                    <a:uLnTx/>
-                                    <a:uFillTx/>
-                                    <a:latin typeface="Cambria Math" panose="02040503050406030204" pitchFamily="18" charset="0"/>
-                                    <a:ea typeface="Times New Roman" panose="02020603050405020304" pitchFamily="18" charset="0"/>
-                                    <a:cs typeface="+mn-cs"/>
-                                  </a:rPr>
-                                  <m:t>−</m:t>
-                                </m:r>
-                                <m:sSub>
-                                  <m:sSubPr>
-                                    <m:ctrlPr>
-                                      <a:rPr kumimoji="0" lang="ru-RU" sz="1400" b="0" i="1" u="none" strike="noStrike" kern="1200" cap="none" spc="0" normalizeH="0" baseline="0" noProof="0">
-                                        <a:ln>
-                                          <a:noFill/>
-                                        </a:ln>
-                                        <a:solidFill>
-                                          <a:srgbClr val="000000"/>
-                                        </a:solidFill>
-                                        <a:effectLst/>
-                                        <a:uLnTx/>
-                                        <a:uFillTx/>
-                                        <a:latin typeface="Cambria Math" panose="02040503050406030204" pitchFamily="18" charset="0"/>
-                                        <a:ea typeface="Times New Roman" panose="02020603050405020304" pitchFamily="18" charset="0"/>
-                                        <a:cs typeface="+mn-cs"/>
-                                      </a:rPr>
-                                    </m:ctrlPr>
-                                  </m:sSubPr>
-                                  <m:e>
-                                    <m:acc>
-                                      <m:accPr>
-                                        <m:chr m:val="̂"/>
-                                        <m:ctrlPr>
-                                          <a:rPr kumimoji="0" lang="ru-RU" sz="1400" b="0" i="1" u="none" strike="noStrike" kern="1200" cap="none" spc="0" normalizeH="0" baseline="0" noProof="0">
-                                            <a:ln>
-                                              <a:noFill/>
-                                            </a:ln>
-                                            <a:solidFill>
-                                              <a:srgbClr val="000000"/>
-                                            </a:solidFill>
-                                            <a:effectLst/>
-                                            <a:uLnTx/>
-                                            <a:uFillTx/>
-                                            <a:latin typeface="Cambria Math" panose="02040503050406030204" pitchFamily="18" charset="0"/>
-                                            <a:ea typeface="Times New Roman" panose="02020603050405020304" pitchFamily="18" charset="0"/>
-                                            <a:cs typeface="+mn-cs"/>
-                                          </a:rPr>
-                                        </m:ctrlPr>
-                                      </m:accPr>
-                                      <m:e>
-                                        <m:r>
-                                          <a:rPr kumimoji="0" lang="en-US" sz="1400" b="0" i="1" u="none" strike="noStrike" kern="1200" cap="none" spc="0" normalizeH="0" baseline="0" noProof="0">
-                                            <a:ln>
-                                              <a:noFill/>
-                                            </a:ln>
-                                            <a:solidFill>
-                                              <a:srgbClr val="000000"/>
-                                            </a:solidFill>
-                                            <a:effectLst/>
-                                            <a:uLnTx/>
-                                            <a:uFillTx/>
-                                            <a:latin typeface="Cambria Math" panose="02040503050406030204" pitchFamily="18" charset="0"/>
-                                            <a:ea typeface="Times New Roman" panose="02020603050405020304" pitchFamily="18" charset="0"/>
-                                            <a:cs typeface="+mn-cs"/>
-                                          </a:rPr>
-                                          <m:t>𝑦</m:t>
-                                        </m:r>
-                                      </m:e>
-                                    </m:acc>
-                                  </m:e>
-                                  <m:sub>
-                                    <m:r>
-                                      <a:rPr kumimoji="0" lang="en-US" sz="1400" b="0" i="1" u="none" strike="noStrike" kern="1200" cap="none" spc="0" normalizeH="0" baseline="0" noProof="0">
-                                        <a:ln>
-                                          <a:noFill/>
-                                        </a:ln>
-                                        <a:solidFill>
-                                          <a:srgbClr val="000000"/>
-                                        </a:solidFill>
-                                        <a:effectLst/>
-                                        <a:uLnTx/>
-                                        <a:uFillTx/>
-                                        <a:latin typeface="Cambria Math" panose="02040503050406030204" pitchFamily="18" charset="0"/>
-                                        <a:ea typeface="Times New Roman" panose="02020603050405020304" pitchFamily="18" charset="0"/>
-                                        <a:cs typeface="+mn-cs"/>
-                                      </a:rPr>
-                                      <m:t>𝑖</m:t>
-                                    </m:r>
-                                  </m:sub>
-                                </m:sSub>
-                              </m:e>
-                            </m:d>
-                          </m:e>
-                        </m:nary>
-                      </m:num>
-                      <m:den>
-                        <m:r>
-                          <a:rPr kumimoji="0" lang="en-US" sz="1400" b="0" i="1" u="none" strike="noStrike" kern="1200" cap="none" spc="0" normalizeH="0" baseline="0" noProof="0">
-                            <a:ln>
-                              <a:noFill/>
-                            </a:ln>
-                            <a:solidFill>
-                              <a:srgbClr val="000000"/>
-                            </a:solidFill>
-                            <a:effectLst/>
-                            <a:uLnTx/>
-                            <a:uFillTx/>
-                            <a:latin typeface="Cambria Math" panose="02040503050406030204" pitchFamily="18" charset="0"/>
-                            <a:ea typeface="Times New Roman" panose="02020603050405020304" pitchFamily="18" charset="0"/>
-                            <a:cs typeface="+mn-cs"/>
-                          </a:rPr>
-                          <m:t>𝑛</m:t>
-                        </m:r>
-                      </m:den>
-                    </m:f>
-                  </m:oMath>
-                </a14:m>
-                <a:r>
-                  <a:rPr kumimoji="0" lang="ru-RU" sz="1400" b="0" i="0" u="none" strike="noStrike" kern="1200" cap="none" spc="0" normalizeH="0" baseline="0" noProof="0" dirty="0">
-                    <a:ln>
-                      <a:noFill/>
-                    </a:ln>
-                    <a:solidFill>
-                      <a:srgbClr val="000000"/>
-                    </a:solidFill>
-                    <a:effectLst/>
-                    <a:uLnTx/>
-                    <a:uFillTx/>
-                    <a:latin typeface="Times New Roman" panose="02020603050405020304" pitchFamily="18" charset="0"/>
-                    <a:ea typeface="Times New Roman" panose="02020603050405020304" pitchFamily="18" charset="0"/>
-                    <a:cs typeface="+mn-cs"/>
-                  </a:rPr>
-                  <a:t>,</a:t>
-                </a:r>
-                <a:endParaRPr kumimoji="0" lang="ru-RU" sz="1200" b="0" i="0" u="none" strike="noStrike" kern="1200" cap="none" spc="0" normalizeH="0" baseline="0" noProof="0" dirty="0">
-                  <a:ln>
-                    <a:noFill/>
-                  </a:ln>
-                  <a:solidFill>
-                    <a:prstClr val="black"/>
-                  </a:solidFill>
-                  <a:effectLst/>
-                  <a:uLnTx/>
-                  <a:uFillTx/>
-                  <a:latin typeface="Times New Roman" panose="02020603050405020304" pitchFamily="18" charset="0"/>
-                  <a:ea typeface="Times New Roman" panose="02020603050405020304" pitchFamily="18" charset="0"/>
-                  <a:cs typeface="+mn-cs"/>
-                </a:endParaRPr>
-              </a:p>
-              <a:p>
-                <a:pPr marL="0" marR="0" lvl="0" indent="450215" algn="just" defTabSz="914400" rtl="0" eaLnBrk="1" fontAlgn="auto" latinLnBrk="0" hangingPunct="1">
-                  <a:lnSpc>
-                    <a:spcPct val="150000"/>
-                  </a:lnSpc>
-                  <a:spcBef>
-                    <a:spcPts val="0"/>
-                  </a:spcBef>
-                  <a:spcAft>
-                    <a:spcPts val="0"/>
-                  </a:spcAft>
-                  <a:buClrTx/>
-                  <a:buSzTx/>
-                  <a:buFontTx/>
-                  <a:buNone/>
-                  <a:tabLst/>
-                  <a:defRPr/>
-                </a:pPr>
-                <a:r>
-                  <a:rPr kumimoji="0" lang="ru-RU" sz="1400" b="0" i="0" u="none" strike="noStrike" kern="1200" cap="none" spc="0" normalizeH="0" baseline="0" noProof="0" dirty="0">
-                    <a:ln>
-                      <a:noFill/>
-                    </a:ln>
-                    <a:solidFill>
-                      <a:srgbClr val="000000"/>
-                    </a:solidFill>
-                    <a:effectLst/>
-                    <a:uLnTx/>
-                    <a:uFillTx/>
-                    <a:latin typeface="Times New Roman" panose="02020603050405020304" pitchFamily="18" charset="0"/>
-                    <a:ea typeface="Times New Roman" panose="02020603050405020304" pitchFamily="18" charset="0"/>
-                    <a:cs typeface="+mn-cs"/>
-                  </a:rPr>
-                  <a:t>где </a:t>
-                </a:r>
-                <a:r>
-                  <a:rPr kumimoji="0" lang="en-US" sz="1400" b="0" i="0" u="none" strike="noStrike" kern="1200" cap="none" spc="0" normalizeH="0" baseline="0" noProof="0" dirty="0">
-                    <a:ln>
-                      <a:noFill/>
-                    </a:ln>
-                    <a:solidFill>
-                      <a:srgbClr val="000000"/>
-                    </a:solidFill>
-                    <a:effectLst/>
-                    <a:uLnTx/>
-                    <a:uFillTx/>
-                    <a:latin typeface="Times New Roman" panose="02020603050405020304" pitchFamily="18" charset="0"/>
-                    <a:ea typeface="Times New Roman" panose="02020603050405020304" pitchFamily="18" charset="0"/>
-                    <a:cs typeface="+mn-cs"/>
-                  </a:rPr>
-                  <a:t>MAE</a:t>
-                </a:r>
-                <a:r>
-                  <a:rPr kumimoji="0" lang="ru-RU" sz="1400" b="0" i="0" u="none" strike="noStrike" kern="1200" cap="none" spc="0" normalizeH="0" baseline="0" noProof="0" dirty="0">
-                    <a:ln>
-                      <a:noFill/>
-                    </a:ln>
-                    <a:solidFill>
-                      <a:srgbClr val="000000"/>
-                    </a:solidFill>
-                    <a:effectLst/>
-                    <a:uLnTx/>
-                    <a:uFillTx/>
-                    <a:latin typeface="Times New Roman" panose="02020603050405020304" pitchFamily="18" charset="0"/>
-                    <a:ea typeface="Times New Roman" panose="02020603050405020304" pitchFamily="18" charset="0"/>
-                    <a:cs typeface="+mn-cs"/>
-                  </a:rPr>
-                  <a:t> – </a:t>
-                </a:r>
-                <a:r>
-                  <a:rPr kumimoji="0" lang="en-US" sz="1400" b="0" i="0" u="none" strike="noStrike" kern="1200" cap="none" spc="0" normalizeH="0" baseline="0" noProof="0" dirty="0">
-                    <a:ln>
-                      <a:noFill/>
-                    </a:ln>
-                    <a:solidFill>
-                      <a:srgbClr val="000000"/>
-                    </a:solidFill>
-                    <a:effectLst/>
-                    <a:uLnTx/>
-                    <a:uFillTx/>
-                    <a:latin typeface="Times New Roman" panose="02020603050405020304" pitchFamily="18" charset="0"/>
-                    <a:ea typeface="Times New Roman" panose="02020603050405020304" pitchFamily="18" charset="0"/>
-                    <a:cs typeface="+mn-cs"/>
-                  </a:rPr>
-                  <a:t>mean absolute error</a:t>
-                </a:r>
-                <a:r>
-                  <a:rPr kumimoji="0" lang="ru-RU" sz="1400" b="0" i="0" u="none" strike="noStrike" kern="1200" cap="none" spc="0" normalizeH="0" baseline="0" noProof="0" dirty="0">
-                    <a:ln>
-                      <a:noFill/>
-                    </a:ln>
-                    <a:solidFill>
-                      <a:srgbClr val="000000"/>
-                    </a:solidFill>
-                    <a:effectLst/>
-                    <a:uLnTx/>
-                    <a:uFillTx/>
-                    <a:latin typeface="Times New Roman" panose="02020603050405020304" pitchFamily="18" charset="0"/>
-                    <a:ea typeface="Times New Roman" panose="02020603050405020304" pitchFamily="18" charset="0"/>
-                    <a:cs typeface="+mn-cs"/>
-                  </a:rPr>
-                  <a:t> (средняя абсолютная ошибка);</a:t>
-                </a:r>
-                <a:endParaRPr kumimoji="0" lang="ru-RU" sz="1200" b="0" i="0" u="none" strike="noStrike" kern="1200" cap="none" spc="0" normalizeH="0" baseline="0" noProof="0" dirty="0">
-                  <a:ln>
-                    <a:noFill/>
-                  </a:ln>
-                  <a:solidFill>
-                    <a:prstClr val="black"/>
-                  </a:solidFill>
-                  <a:effectLst/>
-                  <a:uLnTx/>
-                  <a:uFillTx/>
-                  <a:latin typeface="Times New Roman" panose="02020603050405020304" pitchFamily="18" charset="0"/>
-                  <a:ea typeface="Times New Roman" panose="02020603050405020304" pitchFamily="18" charset="0"/>
-                  <a:cs typeface="+mn-cs"/>
-                </a:endParaRPr>
-              </a:p>
-              <a:p>
-                <a:pPr marL="0" marR="0" lvl="0" indent="450215" algn="just" defTabSz="914400" rtl="0" eaLnBrk="1" fontAlgn="auto" latinLnBrk="0" hangingPunct="1">
-                  <a:lnSpc>
-                    <a:spcPct val="150000"/>
-                  </a:lnSpc>
-                  <a:spcBef>
-                    <a:spcPts val="0"/>
-                  </a:spcBef>
-                  <a:spcAft>
-                    <a:spcPts val="0"/>
-                  </a:spcAft>
-                  <a:buClrTx/>
-                  <a:buSzTx/>
-                  <a:buFontTx/>
-                  <a:buNone/>
-                  <a:tabLst/>
-                  <a:defRPr/>
-                </a:pPr>
-                <a:r>
-                  <a:rPr kumimoji="0" lang="en-US" sz="1400" b="0" i="0" u="none" strike="noStrike" kern="1200" cap="none" spc="0" normalizeH="0" baseline="0" noProof="0" dirty="0">
-                    <a:ln>
-                      <a:noFill/>
-                    </a:ln>
-                    <a:solidFill>
-                      <a:srgbClr val="000000"/>
-                    </a:solidFill>
-                    <a:effectLst/>
-                    <a:uLnTx/>
-                    <a:uFillTx/>
-                    <a:latin typeface="Times New Roman" panose="02020603050405020304" pitchFamily="18" charset="0"/>
-                    <a:ea typeface="Times New Roman" panose="02020603050405020304" pitchFamily="18" charset="0"/>
-                    <a:cs typeface="+mn-cs"/>
-                  </a:rPr>
-                  <a:t>n</a:t>
-                </a:r>
-                <a:r>
-                  <a:rPr kumimoji="0" lang="ru-RU" sz="1400" b="0" i="0" u="none" strike="noStrike" kern="1200" cap="none" spc="0" normalizeH="0" baseline="0" noProof="0" dirty="0">
-                    <a:ln>
-                      <a:noFill/>
-                    </a:ln>
-                    <a:solidFill>
-                      <a:srgbClr val="000000"/>
-                    </a:solidFill>
-                    <a:effectLst/>
-                    <a:uLnTx/>
-                    <a:uFillTx/>
-                    <a:latin typeface="Times New Roman" panose="02020603050405020304" pitchFamily="18" charset="0"/>
-                    <a:ea typeface="Times New Roman" panose="02020603050405020304" pitchFamily="18" charset="0"/>
-                    <a:cs typeface="+mn-cs"/>
-                  </a:rPr>
-                  <a:t> – количество входных значений;</a:t>
-                </a:r>
-              </a:p>
-              <a:p>
-                <a:pPr marL="0" marR="0" lvl="0" indent="450215" algn="just" defTabSz="914400" rtl="0" eaLnBrk="1" fontAlgn="auto" latinLnBrk="0" hangingPunct="1">
-                  <a:lnSpc>
-                    <a:spcPct val="150000"/>
-                  </a:lnSpc>
-                  <a:spcBef>
-                    <a:spcPts val="0"/>
-                  </a:spcBef>
-                  <a:spcAft>
-                    <a:spcPts val="0"/>
-                  </a:spcAft>
-                  <a:buClrTx/>
-                  <a:buSzTx/>
-                  <a:buFontTx/>
-                  <a:buNone/>
-                  <a:tabLst/>
-                  <a:defRPr/>
-                </a:pPr>
-                <a14:m>
-                  <m:oMath xmlns:m="http://schemas.openxmlformats.org/officeDocument/2006/math">
-                    <m:sSub>
-                      <m:sSubPr>
-                        <m:ctrlPr>
-                          <a:rPr kumimoji="0" lang="ru-RU" sz="1400" b="0" i="1" u="none" strike="noStrike" kern="1200" cap="none" spc="0" normalizeH="0" baseline="0" noProof="0">
-                            <a:ln>
-                              <a:noFill/>
-                            </a:ln>
-                            <a:solidFill>
-                              <a:srgbClr val="000000"/>
-                            </a:solidFill>
-                            <a:effectLst/>
-                            <a:uLnTx/>
-                            <a:uFillTx/>
-                            <a:latin typeface="Cambria Math" panose="02040503050406030204" pitchFamily="18" charset="0"/>
-                            <a:ea typeface="Times New Roman" panose="02020603050405020304" pitchFamily="18" charset="0"/>
-                            <a:cs typeface="+mn-cs"/>
-                          </a:rPr>
-                        </m:ctrlPr>
-                      </m:sSubPr>
-                      <m:e>
-                        <m:r>
-                          <a:rPr kumimoji="0" lang="en-US" sz="1400" b="0" i="1" u="none" strike="noStrike" kern="1200" cap="none" spc="0" normalizeH="0" baseline="0" noProof="0">
-                            <a:ln>
-                              <a:noFill/>
-                            </a:ln>
-                            <a:solidFill>
-                              <a:srgbClr val="000000"/>
-                            </a:solidFill>
-                            <a:effectLst/>
-                            <a:uLnTx/>
-                            <a:uFillTx/>
-                            <a:latin typeface="Cambria Math" panose="02040503050406030204" pitchFamily="18" charset="0"/>
-                            <a:ea typeface="Times New Roman" panose="02020603050405020304" pitchFamily="18" charset="0"/>
-                            <a:cs typeface="+mn-cs"/>
-                          </a:rPr>
-                          <m:t>𝑦</m:t>
-                        </m:r>
-                      </m:e>
-                      <m:sub>
-                        <m:r>
-                          <a:rPr kumimoji="0" lang="en-US" sz="1400" b="0" i="1" u="none" strike="noStrike" kern="1200" cap="none" spc="0" normalizeH="0" baseline="0" noProof="0">
-                            <a:ln>
-                              <a:noFill/>
-                            </a:ln>
-                            <a:solidFill>
-                              <a:srgbClr val="000000"/>
-                            </a:solidFill>
-                            <a:effectLst/>
-                            <a:uLnTx/>
-                            <a:uFillTx/>
-                            <a:latin typeface="Cambria Math" panose="02040503050406030204" pitchFamily="18" charset="0"/>
-                            <a:ea typeface="Times New Roman" panose="02020603050405020304" pitchFamily="18" charset="0"/>
-                            <a:cs typeface="+mn-cs"/>
-                          </a:rPr>
-                          <m:t>𝑖</m:t>
-                        </m:r>
-                      </m:sub>
-                    </m:sSub>
-                  </m:oMath>
-                </a14:m>
-                <a:r>
-                  <a:rPr kumimoji="0" lang="ru-RU" sz="1400" b="0" i="0" u="none" strike="noStrike" kern="1200" cap="none" spc="0" normalizeH="0" baseline="0" noProof="0" dirty="0">
-                    <a:ln>
-                      <a:noFill/>
-                    </a:ln>
-                    <a:solidFill>
-                      <a:srgbClr val="000000"/>
-                    </a:solidFill>
-                    <a:effectLst/>
-                    <a:uLnTx/>
-                    <a:uFillTx/>
-                    <a:latin typeface="Times New Roman" panose="02020603050405020304" pitchFamily="18" charset="0"/>
-                    <a:ea typeface="Times New Roman" panose="02020603050405020304" pitchFamily="18" charset="0"/>
-                    <a:cs typeface="+mn-cs"/>
-                  </a:rPr>
-                  <a:t> – точная величина;</a:t>
-                </a:r>
-              </a:p>
-              <a:p>
-                <a:pPr marL="0" marR="0" lvl="0" indent="450215" algn="just" defTabSz="914400" rtl="0" eaLnBrk="1" fontAlgn="auto" latinLnBrk="0" hangingPunct="1">
-                  <a:lnSpc>
-                    <a:spcPct val="150000"/>
-                  </a:lnSpc>
-                  <a:spcBef>
-                    <a:spcPts val="0"/>
-                  </a:spcBef>
-                  <a:spcAft>
-                    <a:spcPts val="1200"/>
-                  </a:spcAft>
-                  <a:buClrTx/>
-                  <a:buSzTx/>
-                  <a:buFontTx/>
-                  <a:buNone/>
-                  <a:tabLst/>
-                  <a:defRPr/>
-                </a:pPr>
-                <a14:m>
-                  <m:oMath xmlns:m="http://schemas.openxmlformats.org/officeDocument/2006/math">
-                    <m:sSub>
-                      <m:sSubPr>
-                        <m:ctrlPr>
-                          <a:rPr kumimoji="0" lang="ru-RU" sz="1400" b="0" i="1" u="none" strike="noStrike" kern="1200" cap="none" spc="0" normalizeH="0" baseline="0" noProof="0">
-                            <a:ln>
-                              <a:noFill/>
-                            </a:ln>
-                            <a:solidFill>
-                              <a:srgbClr val="000000"/>
-                            </a:solidFill>
-                            <a:effectLst/>
-                            <a:uLnTx/>
-                            <a:uFillTx/>
-                            <a:latin typeface="Cambria Math" panose="02040503050406030204" pitchFamily="18" charset="0"/>
-                            <a:ea typeface="Times New Roman" panose="02020603050405020304" pitchFamily="18" charset="0"/>
-                            <a:cs typeface="+mn-cs"/>
-                          </a:rPr>
-                        </m:ctrlPr>
-                      </m:sSubPr>
-                      <m:e>
-                        <m:acc>
-                          <m:accPr>
-                            <m:chr m:val="̂"/>
-                            <m:ctrlPr>
-                              <a:rPr kumimoji="0" lang="ru-RU" sz="1400" b="0" i="1" u="none" strike="noStrike" kern="1200" cap="none" spc="0" normalizeH="0" baseline="0" noProof="0">
-                                <a:ln>
-                                  <a:noFill/>
-                                </a:ln>
-                                <a:solidFill>
-                                  <a:srgbClr val="000000"/>
-                                </a:solidFill>
-                                <a:effectLst/>
-                                <a:uLnTx/>
-                                <a:uFillTx/>
-                                <a:latin typeface="Cambria Math" panose="02040503050406030204" pitchFamily="18" charset="0"/>
-                                <a:ea typeface="Times New Roman" panose="02020603050405020304" pitchFamily="18" charset="0"/>
-                                <a:cs typeface="+mn-cs"/>
-                              </a:rPr>
-                            </m:ctrlPr>
-                          </m:accPr>
-                          <m:e>
-                            <m:r>
-                              <a:rPr kumimoji="0" lang="en-US" sz="1400" b="0" i="1" u="none" strike="noStrike" kern="1200" cap="none" spc="0" normalizeH="0" baseline="0" noProof="0">
-                                <a:ln>
-                                  <a:noFill/>
-                                </a:ln>
-                                <a:solidFill>
-                                  <a:srgbClr val="000000"/>
-                                </a:solidFill>
-                                <a:effectLst/>
-                                <a:uLnTx/>
-                                <a:uFillTx/>
-                                <a:latin typeface="Cambria Math" panose="02040503050406030204" pitchFamily="18" charset="0"/>
-                                <a:ea typeface="Times New Roman" panose="02020603050405020304" pitchFamily="18" charset="0"/>
-                                <a:cs typeface="+mn-cs"/>
-                              </a:rPr>
-                              <m:t>𝑦</m:t>
-                            </m:r>
-                          </m:e>
-                        </m:acc>
-                      </m:e>
-                      <m:sub>
-                        <m:r>
-                          <a:rPr kumimoji="0" lang="en-US" sz="1400" b="0" i="1" u="none" strike="noStrike" kern="1200" cap="none" spc="0" normalizeH="0" baseline="0" noProof="0">
-                            <a:ln>
-                              <a:noFill/>
-                            </a:ln>
-                            <a:solidFill>
-                              <a:srgbClr val="000000"/>
-                            </a:solidFill>
-                            <a:effectLst/>
-                            <a:uLnTx/>
-                            <a:uFillTx/>
-                            <a:latin typeface="Cambria Math" panose="02040503050406030204" pitchFamily="18" charset="0"/>
-                            <a:ea typeface="Times New Roman" panose="02020603050405020304" pitchFamily="18" charset="0"/>
-                            <a:cs typeface="+mn-cs"/>
-                          </a:rPr>
-                          <m:t>𝑖</m:t>
-                        </m:r>
-                      </m:sub>
-                    </m:sSub>
-                  </m:oMath>
-                </a14:m>
-                <a:r>
-                  <a:rPr kumimoji="0" lang="ru-RU" sz="1400" b="0" i="0" u="none" strike="noStrike" kern="1200" cap="none" spc="0" normalizeH="0" baseline="0" noProof="0" dirty="0">
-                    <a:ln>
-                      <a:noFill/>
-                    </a:ln>
-                    <a:solidFill>
-                      <a:srgbClr val="000000"/>
-                    </a:solidFill>
-                    <a:effectLst/>
-                    <a:uLnTx/>
-                    <a:uFillTx/>
-                    <a:latin typeface="Times New Roman" panose="02020603050405020304" pitchFamily="18" charset="0"/>
-                    <a:ea typeface="Times New Roman" panose="02020603050405020304" pitchFamily="18" charset="0"/>
-                    <a:cs typeface="+mn-cs"/>
-                  </a:rPr>
-                  <a:t> – предугаданная величина.</a:t>
-                </a:r>
-              </a:p>
-            </p:txBody>
-          </p:sp>
-        </mc:Choice>
-        <mc:Fallback>
-          <p:sp>
-            <p:nvSpPr>
-              <p:cNvPr id="30" name="TextBox 29">
-                <a:extLst>
-                  <a:ext uri="{FF2B5EF4-FFF2-40B4-BE49-F238E27FC236}">
-                    <a16:creationId xmlns:a16="http://schemas.microsoft.com/office/drawing/2014/main" id="{45D3D61E-7CB2-3532-0E55-5C509139954F}"/>
-                  </a:ext>
-                </a:extLst>
-              </p:cNvPr>
-              <p:cNvSpPr txBox="1">
-                <a:spLocks noRot="1" noChangeAspect="1" noMove="1" noResize="1" noEditPoints="1" noAdjustHandles="1" noChangeArrowheads="1" noChangeShapeType="1" noTextEdit="1"/>
-              </p:cNvSpPr>
-              <p:nvPr/>
-            </p:nvSpPr>
-            <p:spPr>
-              <a:xfrm>
-                <a:off x="6747395" y="3953370"/>
-                <a:ext cx="5264136" cy="2179379"/>
-              </a:xfrm>
-              <a:prstGeom prst="rect">
-                <a:avLst/>
-              </a:prstGeom>
-              <a:blipFill>
-                <a:blip r:embed="rId8"/>
-                <a:stretch>
-                  <a:fillRect r="-232" b="-1961"/>
-                </a:stretch>
-              </a:blipFill>
-            </p:spPr>
-            <p:txBody>
-              <a:bodyPr/>
-              <a:lstStyle/>
-              <a:p>
-                <a:r>
-                  <a:rPr lang="ru-RU">
-                    <a:noFill/>
-                  </a:rPr>
-                  <a:t> </a:t>
-                </a:r>
-              </a:p>
-            </p:txBody>
-          </p:sp>
-        </mc:Fallback>
-      </mc:AlternateContent>
+              <a:rPr lang="ru-RU" dirty="0"/>
+              <a:t>9</a:t>
+            </a:r>
+          </a:p>
+        </p:txBody>
+      </p:sp>
     </p:spTree>
     <p:extLst>
       <p:ext uri="{BB962C8B-B14F-4D97-AF65-F5344CB8AC3E}">
         <p14:creationId xmlns:p14="http://schemas.microsoft.com/office/powerpoint/2010/main" val="958252237"/>
-      </p:ext>
-    </p:extLst>
-  </p:cSld>
-  <p:clrMapOvr>
-    <a:masterClrMapping/>
-  </p:clrMapOvr>
-</p:sld>
-</file>
-
-<file path=ppt/slides/slide9.xml><?xml version="1.0" encoding="utf-8"?>
-<p:sld xmlns:a="http://schemas.openxmlformats.org/drawingml/2006/main" xmlns:r="http://schemas.openxmlformats.org/officeDocument/2006/relationships" xmlns:p="http://schemas.openxmlformats.org/presentationml/2006/main">
-  <p:cSld>
-    <p:spTree>
-      <p:nvGrpSpPr>
-        <p:cNvPr id="1" name=""/>
-        <p:cNvGrpSpPr/>
-        <p:nvPr/>
-      </p:nvGrpSpPr>
-      <p:grpSpPr>
-        <a:xfrm>
-          <a:off x="0" y="0"/>
-          <a:ext cx="0" cy="0"/>
-          <a:chOff x="0" y="0"/>
-          <a:chExt cx="0" cy="0"/>
-        </a:xfrm>
-      </p:grpSpPr>
-      <p:sp>
-        <p:nvSpPr>
-          <p:cNvPr id="11" name="TextBox 10">
-            <a:extLst>
-              <a:ext uri="{FF2B5EF4-FFF2-40B4-BE49-F238E27FC236}">
-                <a16:creationId xmlns:a16="http://schemas.microsoft.com/office/drawing/2014/main" id="{50D6B226-5CF2-C6D3-2EA7-19321638F3AE}"/>
-              </a:ext>
-            </a:extLst>
-          </p:cNvPr>
-          <p:cNvSpPr txBox="1"/>
-          <p:nvPr/>
-        </p:nvSpPr>
-        <p:spPr>
-          <a:xfrm>
-            <a:off x="6469380" y="-1257300"/>
-            <a:ext cx="184731" cy="369332"/>
-          </a:xfrm>
-          <a:prstGeom prst="rect">
-            <a:avLst/>
-          </a:prstGeom>
-          <a:noFill/>
-        </p:spPr>
-        <p:txBody>
-          <a:bodyPr wrap="none" rtlCol="0">
-            <a:spAutoFit/>
-          </a:bodyPr>
-          <a:lstStyle/>
-          <a:p>
-            <a:endParaRPr lang="ru-RU" dirty="0"/>
-          </a:p>
-        </p:txBody>
-      </p:sp>
-      <p:sp>
-        <p:nvSpPr>
-          <p:cNvPr id="8" name="Параллелограмм 7">
-            <a:extLst>
-              <a:ext uri="{FF2B5EF4-FFF2-40B4-BE49-F238E27FC236}">
-                <a16:creationId xmlns:a16="http://schemas.microsoft.com/office/drawing/2014/main" id="{E005804D-EB41-1E7D-1243-9F7DCAE924DC}"/>
-              </a:ext>
-            </a:extLst>
-          </p:cNvPr>
-          <p:cNvSpPr/>
-          <p:nvPr/>
-        </p:nvSpPr>
-        <p:spPr>
-          <a:xfrm>
-            <a:off x="-1852265" y="-818956"/>
-            <a:ext cx="9386048" cy="8115300"/>
-          </a:xfrm>
-          <a:prstGeom prst="parallelogram">
-            <a:avLst/>
-          </a:prstGeom>
-          <a:solidFill>
-            <a:srgbClr val="176DEA"/>
-          </a:solidFill>
-          <a:ln>
-            <a:noFill/>
-          </a:ln>
-        </p:spPr>
-        <p:style>
-          <a:lnRef idx="2">
-            <a:schemeClr val="accent1">
-              <a:shade val="50000"/>
-            </a:schemeClr>
-          </a:lnRef>
-          <a:fillRef idx="1">
-            <a:schemeClr val="accent1"/>
-          </a:fillRef>
-          <a:effectRef idx="0">
-            <a:schemeClr val="accent1"/>
-          </a:effectRef>
-          <a:fontRef idx="minor">
-            <a:schemeClr val="lt1"/>
-          </a:fontRef>
-        </p:style>
-        <p:txBody>
-          <a:bodyPr rtlCol="0" anchor="ctr"/>
-          <a:lstStyle/>
-          <a:p>
-            <a:pPr algn="ctr"/>
-            <a:endParaRPr lang="ru-RU"/>
-          </a:p>
-        </p:txBody>
-      </p:sp>
-      <p:sp>
-        <p:nvSpPr>
-          <p:cNvPr id="2" name="Заголовок 1">
-            <a:extLst>
-              <a:ext uri="{FF2B5EF4-FFF2-40B4-BE49-F238E27FC236}">
-                <a16:creationId xmlns:a16="http://schemas.microsoft.com/office/drawing/2014/main" id="{5B45E0E9-3513-5531-CB1D-AB5ABE2ED509}"/>
-              </a:ext>
-            </a:extLst>
-          </p:cNvPr>
-          <p:cNvSpPr>
-            <a:spLocks noGrp="1"/>
-          </p:cNvSpPr>
-          <p:nvPr>
-            <p:ph type="ctrTitle"/>
-          </p:nvPr>
-        </p:nvSpPr>
-        <p:spPr>
-          <a:xfrm>
-            <a:off x="0" y="144875"/>
-            <a:ext cx="7533783" cy="1749826"/>
-          </a:xfrm>
-        </p:spPr>
-        <p:txBody>
-          <a:bodyPr anchor="ctr">
-            <a:noAutofit/>
-          </a:bodyPr>
-          <a:lstStyle/>
-          <a:p>
-            <a:pPr algn="l"/>
-            <a:r>
-              <a:rPr lang="ru-RU" sz="4000" dirty="0">
-                <a:solidFill>
-                  <a:schemeClr val="bg1"/>
-                </a:solidFill>
-                <a:latin typeface="ALS Sector Regular" pitchFamily="2" charset="0"/>
-                <a:cs typeface="ALS Sector Regular" pitchFamily="2" charset="0"/>
-              </a:rPr>
-              <a:t>Решение задачи технического анализа на архитектуре </a:t>
-            </a:r>
-            <a:r>
-              <a:rPr lang="en-US" sz="4000" dirty="0">
-                <a:solidFill>
-                  <a:schemeClr val="bg1"/>
-                </a:solidFill>
-                <a:latin typeface="ALS Sector Regular" pitchFamily="2" charset="0"/>
-                <a:cs typeface="ALS Sector Regular" pitchFamily="2" charset="0"/>
-              </a:rPr>
-              <a:t>ViT</a:t>
-            </a:r>
-            <a:endParaRPr lang="ru-RU" sz="4000" b="1" dirty="0">
-              <a:solidFill>
-                <a:schemeClr val="bg1"/>
-              </a:solidFill>
-              <a:latin typeface="ALS Sector Regular" pitchFamily="2" charset="0"/>
-              <a:cs typeface="ALS Sector Regular" pitchFamily="2" charset="0"/>
-            </a:endParaRPr>
-          </a:p>
-        </p:txBody>
-      </p:sp>
-      <p:sp>
-        <p:nvSpPr>
-          <p:cNvPr id="5" name="TextBox 4">
-            <a:extLst>
-              <a:ext uri="{FF2B5EF4-FFF2-40B4-BE49-F238E27FC236}">
-                <a16:creationId xmlns:a16="http://schemas.microsoft.com/office/drawing/2014/main" id="{24FD4D67-7B85-5BA9-B79D-0ACE12EEC2FD}"/>
-              </a:ext>
-            </a:extLst>
-          </p:cNvPr>
-          <p:cNvSpPr txBox="1"/>
-          <p:nvPr/>
-        </p:nvSpPr>
-        <p:spPr>
-          <a:xfrm>
-            <a:off x="384865" y="2690336"/>
-            <a:ext cx="6007310" cy="2308324"/>
-          </a:xfrm>
-          <a:prstGeom prst="rect">
-            <a:avLst/>
-          </a:prstGeom>
-          <a:noFill/>
-        </p:spPr>
-        <p:txBody>
-          <a:bodyPr wrap="square">
-            <a:spAutoFit/>
-          </a:bodyPr>
-          <a:lstStyle/>
-          <a:p>
-            <a:pPr algn="l"/>
-            <a:r>
-              <a:rPr lang="ru-RU" dirty="0">
-                <a:solidFill>
-                  <a:schemeClr val="bg1"/>
-                </a:solidFill>
-                <a:latin typeface="ALS Sector Regular" pitchFamily="2" charset="0"/>
-                <a:cs typeface="ALS Sector Regular" pitchFamily="2" charset="0"/>
-              </a:rPr>
-              <a:t>Зрительный</a:t>
-            </a:r>
-            <a:r>
-              <a:rPr lang="ru-RU" sz="1800" dirty="0">
-                <a:solidFill>
-                  <a:schemeClr val="bg1"/>
-                </a:solidFill>
-                <a:latin typeface="ALS Sector Regular" pitchFamily="2" charset="0"/>
-                <a:cs typeface="ALS Sector Regular" pitchFamily="2" charset="0"/>
-              </a:rPr>
-              <a:t> трансформер</a:t>
-            </a:r>
-            <a:r>
-              <a:rPr lang="en-US" sz="1800" dirty="0">
-                <a:solidFill>
-                  <a:schemeClr val="bg1"/>
-                </a:solidFill>
-                <a:latin typeface="ALS Sector Regular" pitchFamily="2" charset="0"/>
-                <a:cs typeface="ALS Sector Regular" pitchFamily="2" charset="0"/>
-              </a:rPr>
-              <a:t> (Vision Transformer,</a:t>
-            </a:r>
-            <a:r>
-              <a:rPr lang="ru-RU" sz="1800" dirty="0">
-                <a:solidFill>
-                  <a:schemeClr val="bg1"/>
-                </a:solidFill>
-                <a:latin typeface="ALS Sector Regular" pitchFamily="2" charset="0"/>
-                <a:cs typeface="ALS Sector Regular" pitchFamily="2" charset="0"/>
-              </a:rPr>
-              <a:t> </a:t>
-            </a:r>
-            <a:r>
-              <a:rPr lang="en-US" sz="1800" dirty="0">
-                <a:solidFill>
-                  <a:schemeClr val="bg1"/>
-                </a:solidFill>
-                <a:latin typeface="ALS Sector Regular" pitchFamily="2" charset="0"/>
-                <a:cs typeface="ALS Sector Regular" pitchFamily="2" charset="0"/>
-              </a:rPr>
-              <a:t>ViT)</a:t>
-            </a:r>
-            <a:r>
-              <a:rPr lang="ru-RU" sz="1800" dirty="0">
-                <a:solidFill>
-                  <a:schemeClr val="bg1"/>
-                </a:solidFill>
-                <a:latin typeface="ALS Sector Regular" pitchFamily="2" charset="0"/>
-                <a:cs typeface="ALS Sector Regular" pitchFamily="2" charset="0"/>
-              </a:rPr>
-              <a:t> — ViT (Vision </a:t>
-            </a:r>
-            <a:r>
-              <a:rPr lang="ru-RU" sz="1800" dirty="0" err="1">
-                <a:solidFill>
-                  <a:schemeClr val="bg1"/>
-                </a:solidFill>
-                <a:latin typeface="ALS Sector Regular" pitchFamily="2" charset="0"/>
-                <a:cs typeface="ALS Sector Regular" pitchFamily="2" charset="0"/>
-              </a:rPr>
-              <a:t>Transformer</a:t>
-            </a:r>
-            <a:r>
-              <a:rPr lang="ru-RU" sz="1800" dirty="0">
-                <a:solidFill>
-                  <a:schemeClr val="bg1"/>
-                </a:solidFill>
-                <a:latin typeface="ALS Sector Regular" pitchFamily="2" charset="0"/>
-                <a:cs typeface="ALS Sector Regular" pitchFamily="2" charset="0"/>
-              </a:rPr>
-              <a:t>) - это модель глубокого обучения, которая применяет </a:t>
-            </a:r>
-            <a:r>
-              <a:rPr lang="ru-RU" sz="1800" dirty="0" err="1">
-                <a:solidFill>
-                  <a:schemeClr val="bg1"/>
-                </a:solidFill>
-                <a:latin typeface="ALS Sector Regular" pitchFamily="2" charset="0"/>
-                <a:cs typeface="ALS Sector Regular" pitchFamily="2" charset="0"/>
-              </a:rPr>
-              <a:t>трансформерную</a:t>
-            </a:r>
-            <a:r>
-              <a:rPr lang="ru-RU" sz="1800" dirty="0">
-                <a:solidFill>
-                  <a:schemeClr val="bg1"/>
-                </a:solidFill>
-                <a:latin typeface="ALS Sector Regular" pitchFamily="2" charset="0"/>
-                <a:cs typeface="ALS Sector Regular" pitchFamily="2" charset="0"/>
-              </a:rPr>
-              <a:t> архитектуру к задачам компьютерного зрения. В отличие от традиционных моделей, ViT не использует свертки, а вместо этого преобразует изображение в последовательность векторов и обрабатывает их с помощью механизма внимания трансформера.</a:t>
-            </a:r>
-          </a:p>
-        </p:txBody>
-      </p:sp>
-      <p:sp>
-        <p:nvSpPr>
-          <p:cNvPr id="12" name="TextBox 11">
-            <a:extLst>
-              <a:ext uri="{FF2B5EF4-FFF2-40B4-BE49-F238E27FC236}">
-                <a16:creationId xmlns:a16="http://schemas.microsoft.com/office/drawing/2014/main" id="{E9357361-B138-86ED-7C5D-FE852A5103EE}"/>
-              </a:ext>
-            </a:extLst>
-          </p:cNvPr>
-          <p:cNvSpPr txBox="1"/>
-          <p:nvPr/>
-        </p:nvSpPr>
-        <p:spPr>
-          <a:xfrm>
-            <a:off x="7587187" y="4958987"/>
-            <a:ext cx="3120742" cy="369332"/>
-          </a:xfrm>
-          <a:prstGeom prst="rect">
-            <a:avLst/>
-          </a:prstGeom>
-          <a:noFill/>
-        </p:spPr>
-        <p:txBody>
-          <a:bodyPr wrap="square">
-            <a:spAutoFit/>
-          </a:bodyPr>
-          <a:lstStyle/>
-          <a:p>
-            <a:pPr algn="ctr"/>
-            <a:r>
-              <a:rPr lang="ru-RU" dirty="0"/>
-              <a:t>Рис. </a:t>
-            </a:r>
-            <a:r>
-              <a:rPr lang="en-US" dirty="0"/>
-              <a:t>7</a:t>
-            </a:r>
-            <a:r>
-              <a:rPr lang="ru-RU" dirty="0"/>
-              <a:t>. Схема устройства </a:t>
-            </a:r>
-            <a:r>
-              <a:rPr lang="en-US" dirty="0"/>
-              <a:t>ViT</a:t>
-            </a:r>
-            <a:endParaRPr lang="ru-RU" dirty="0"/>
-          </a:p>
-        </p:txBody>
-      </p:sp>
-      <p:sp>
-        <p:nvSpPr>
-          <p:cNvPr id="16" name="TextBox 15">
-            <a:extLst>
-              <a:ext uri="{FF2B5EF4-FFF2-40B4-BE49-F238E27FC236}">
-                <a16:creationId xmlns:a16="http://schemas.microsoft.com/office/drawing/2014/main" id="{7C12B897-F139-96F7-D007-DBE6781ED388}"/>
-              </a:ext>
-            </a:extLst>
-          </p:cNvPr>
-          <p:cNvSpPr txBox="1"/>
-          <p:nvPr/>
-        </p:nvSpPr>
-        <p:spPr>
-          <a:xfrm>
-            <a:off x="11890314" y="6488668"/>
-            <a:ext cx="301686" cy="369332"/>
-          </a:xfrm>
-          <a:prstGeom prst="rect">
-            <a:avLst/>
-          </a:prstGeom>
-          <a:noFill/>
-        </p:spPr>
-        <p:txBody>
-          <a:bodyPr wrap="none" rtlCol="0">
-            <a:spAutoFit/>
-          </a:bodyPr>
-          <a:lstStyle/>
-          <a:p>
-            <a:r>
-              <a:rPr lang="en-US" dirty="0"/>
-              <a:t>9</a:t>
-            </a:r>
-            <a:endParaRPr lang="ru-RU" dirty="0"/>
-          </a:p>
-        </p:txBody>
-      </p:sp>
-      <p:pic>
-        <p:nvPicPr>
-          <p:cNvPr id="6" name="Рисунок 5">
-            <a:extLst>
-              <a:ext uri="{FF2B5EF4-FFF2-40B4-BE49-F238E27FC236}">
-                <a16:creationId xmlns:a16="http://schemas.microsoft.com/office/drawing/2014/main" id="{704F1652-D86F-3EA7-66C5-9AF5B80CD241}"/>
-              </a:ext>
-            </a:extLst>
-          </p:cNvPr>
-          <p:cNvPicPr>
-            <a:picLocks noChangeAspect="1"/>
-          </p:cNvPicPr>
-          <p:nvPr/>
-        </p:nvPicPr>
-        <p:blipFill>
-          <a:blip r:embed="rId3"/>
-          <a:stretch>
-            <a:fillRect/>
-          </a:stretch>
-        </p:blipFill>
-        <p:spPr>
-          <a:xfrm>
-            <a:off x="6392175" y="887059"/>
-            <a:ext cx="5510766" cy="4089181"/>
-          </a:xfrm>
-          <a:prstGeom prst="rect">
-            <a:avLst/>
-          </a:prstGeom>
-        </p:spPr>
-      </p:pic>
-    </p:spTree>
-    <p:extLst>
-      <p:ext uri="{BB962C8B-B14F-4D97-AF65-F5344CB8AC3E}">
-        <p14:creationId xmlns:p14="http://schemas.microsoft.com/office/powerpoint/2010/main" val="3615940946"/>
       </p:ext>
     </p:extLst>
   </p:cSld>

--- a/Diploma/presentation/Presentation.pptx
+++ b/Diploma/presentation/Presentation.pptx
@@ -560,36 +560,42 @@
           <a:bodyPr/>
           <a:lstStyle/>
           <a:p>
-            <a:r>
-              <a:rPr lang="ru-RU" sz="1200" dirty="0">
-                <a:solidFill>
-                  <a:schemeClr val="bg1"/>
-                </a:solidFill>
-                <a:latin typeface="ALS Sector Regular" pitchFamily="2" charset="0"/>
-                <a:cs typeface="ALS Sector Regular" pitchFamily="2" charset="0"/>
-              </a:rPr>
-              <a:t>Результаты исследований, в свою очередь, будут помогать принимать решения по оптимизации </a:t>
-            </a:r>
-            <a:r>
-              <a:rPr lang="ru-RU" sz="1200" dirty="0" err="1">
-                <a:solidFill>
-                  <a:schemeClr val="bg1"/>
-                </a:solidFill>
-                <a:latin typeface="ALS Sector Regular" pitchFamily="2" charset="0"/>
-                <a:cs typeface="ALS Sector Regular" pitchFamily="2" charset="0"/>
-              </a:rPr>
-              <a:t>гиперпараметров</a:t>
-            </a:r>
-            <a:r>
-              <a:rPr lang="ru-RU" sz="1200" dirty="0">
-                <a:solidFill>
-                  <a:schemeClr val="bg1"/>
-                </a:solidFill>
-                <a:latin typeface="ALS Sector Regular" pitchFamily="2" charset="0"/>
-                <a:cs typeface="ALS Sector Regular" pitchFamily="2" charset="0"/>
-              </a:rPr>
-              <a:t> НС (нейронная сеть). Также покажет наглядно, есть ли будущее у такого применения машинного обучения.</a:t>
-            </a:r>
+            <a:pPr indent="450215" algn="just">
+              <a:lnSpc>
+                <a:spcPct val="150000"/>
+              </a:lnSpc>
+            </a:pPr>
+            <a:r>
+              <a:rPr lang="ru-RU" sz="1800" dirty="0">
+                <a:solidFill>
+                  <a:srgbClr val="000000"/>
+                </a:solidFill>
+                <a:effectLst/>
+                <a:latin typeface="Times New Roman" panose="02020603050405020304" pitchFamily="18" charset="0"/>
+                <a:ea typeface="Times New Roman" panose="02020603050405020304" pitchFamily="18" charset="0"/>
+              </a:rPr>
+              <a:t>Добрый день, уважаемые члены комиссии.</a:t>
+            </a:r>
+          </a:p>
+          <a:p>
+            <a:pPr indent="450215" algn="just">
+              <a:lnSpc>
+                <a:spcPct val="150000"/>
+              </a:lnSpc>
+            </a:pPr>
+            <a:r>
+              <a:rPr lang="ru-RU" sz="1800" dirty="0">
+                <a:solidFill>
+                  <a:srgbClr val="000000"/>
+                </a:solidFill>
+                <a:effectLst/>
+                <a:latin typeface="Times New Roman" panose="02020603050405020304" pitchFamily="18" charset="0"/>
+                <a:ea typeface="Times New Roman" panose="02020603050405020304" pitchFamily="18" charset="0"/>
+              </a:rPr>
+              <a:t>Тема моей выпускной работы: «Применение методов машинного обучения (ML) для решения задач технического анализа при управлении активами на фондовом рынке».</a:t>
+            </a:r>
+          </a:p>
+          <a:p>
             <a:endParaRPr lang="ru-RU" dirty="0"/>
           </a:p>
         </p:txBody>
@@ -611,7 +617,7 @@
           <a:p>
             <a:fld id="{959E6FB5-F890-304F-A36B-54AA81FB8B09}" type="slidenum">
               <a:rPr lang="ru-RU" smtClean="0"/>
-              <a:t>2</a:t>
+              <a:t>1</a:t>
             </a:fld>
             <a:endParaRPr lang="ru-RU"/>
           </a:p>
@@ -620,7 +626,7 @@
     </p:spTree>
     <p:extLst>
       <p:ext uri="{BB962C8B-B14F-4D97-AF65-F5344CB8AC3E}">
-        <p14:creationId xmlns:p14="http://schemas.microsoft.com/office/powerpoint/2010/main" val="2830621133"/>
+        <p14:creationId xmlns:p14="http://schemas.microsoft.com/office/powerpoint/2010/main" val="875864025"/>
       </p:ext>
     </p:extLst>
   </p:cSld>
@@ -674,6 +680,90 @@
           <a:bodyPr/>
           <a:lstStyle/>
           <a:p>
+            <a:endParaRPr lang="en-RU" dirty="0"/>
+          </a:p>
+        </p:txBody>
+      </p:sp>
+      <p:sp>
+        <p:nvSpPr>
+          <p:cNvPr id="4" name="Slide Number Placeholder 3"/>
+          <p:cNvSpPr>
+            <a:spLocks noGrp="1"/>
+          </p:cNvSpPr>
+          <p:nvPr>
+            <p:ph type="sldNum" sz="quarter" idx="5"/>
+          </p:nvPr>
+        </p:nvSpPr>
+        <p:spPr/>
+        <p:txBody>
+          <a:bodyPr/>
+          <a:lstStyle/>
+          <a:p>
+            <a:fld id="{959E6FB5-F890-304F-A36B-54AA81FB8B09}" type="slidenum">
+              <a:rPr lang="ru-RU" smtClean="0"/>
+              <a:t>10</a:t>
+            </a:fld>
+            <a:endParaRPr lang="ru-RU"/>
+          </a:p>
+        </p:txBody>
+      </p:sp>
+    </p:spTree>
+    <p:extLst>
+      <p:ext uri="{BB962C8B-B14F-4D97-AF65-F5344CB8AC3E}">
+        <p14:creationId xmlns:p14="http://schemas.microsoft.com/office/powerpoint/2010/main" val="753292416"/>
+      </p:ext>
+    </p:extLst>
+  </p:cSld>
+  <p:clrMapOvr>
+    <a:masterClrMapping/>
+  </p:clrMapOvr>
+</p:notes>
+</file>
+
+<file path=ppt/notesSlides/notesSlide11.xml><?xml version="1.0" encoding="utf-8"?>
+<p:notes xmlns:a="http://schemas.openxmlformats.org/drawingml/2006/main" xmlns:r="http://schemas.openxmlformats.org/officeDocument/2006/relationships" xmlns:p="http://schemas.openxmlformats.org/presentationml/2006/main">
+  <p:cSld>
+    <p:spTree>
+      <p:nvGrpSpPr>
+        <p:cNvPr id="1" name=""/>
+        <p:cNvGrpSpPr/>
+        <p:nvPr/>
+      </p:nvGrpSpPr>
+      <p:grpSpPr>
+        <a:xfrm>
+          <a:off x="0" y="0"/>
+          <a:ext cx="0" cy="0"/>
+          <a:chOff x="0" y="0"/>
+          <a:chExt cx="0" cy="0"/>
+        </a:xfrm>
+      </p:grpSpPr>
+      <p:sp>
+        <p:nvSpPr>
+          <p:cNvPr id="2" name="Slide Image Placeholder 1"/>
+          <p:cNvSpPr>
+            <a:spLocks noGrp="1" noRot="1" noChangeAspect="1"/>
+          </p:cNvSpPr>
+          <p:nvPr>
+            <p:ph type="sldImg"/>
+          </p:nvPr>
+        </p:nvSpPr>
+        <p:spPr/>
+      </p:sp>
+      <p:sp>
+        <p:nvSpPr>
+          <p:cNvPr id="3" name="Notes Placeholder 2"/>
+          <p:cNvSpPr>
+            <a:spLocks noGrp="1"/>
+          </p:cNvSpPr>
+          <p:nvPr>
+            <p:ph type="body" idx="1"/>
+          </p:nvPr>
+        </p:nvSpPr>
+        <p:spPr/>
+        <p:txBody>
+          <a:bodyPr/>
+          <a:lstStyle/>
+          <a:p>
             <a:r>
               <a:rPr lang="ru-RU" dirty="0"/>
               <a:t>Работа трансформера определяется большим количеством настроечных параметров. После многочисленных экспериментов с данными настройками, я привожу лучшие результаты в данной таблице.</a:t>
@@ -718,7 +808,7 @@
 </p:notes>
 </file>
 
-<file path=ppt/notesSlides/notesSlide11.xml><?xml version="1.0" encoding="utf-8"?>
+<file path=ppt/notesSlides/notesSlide12.xml><?xml version="1.0" encoding="utf-8"?>
 <p:notes xmlns:a="http://schemas.openxmlformats.org/drawingml/2006/main" xmlns:r="http://schemas.openxmlformats.org/officeDocument/2006/relationships" xmlns:p="http://schemas.openxmlformats.org/presentationml/2006/main">
   <p:cSld>
     <p:spTree>
@@ -870,90 +960,6 @@
 </p:notes>
 </file>
 
-<file path=ppt/notesSlides/notesSlide12.xml><?xml version="1.0" encoding="utf-8"?>
-<p:notes xmlns:a="http://schemas.openxmlformats.org/drawingml/2006/main" xmlns:r="http://schemas.openxmlformats.org/officeDocument/2006/relationships" xmlns:p="http://schemas.openxmlformats.org/presentationml/2006/main">
-  <p:cSld>
-    <p:spTree>
-      <p:nvGrpSpPr>
-        <p:cNvPr id="1" name=""/>
-        <p:cNvGrpSpPr/>
-        <p:nvPr/>
-      </p:nvGrpSpPr>
-      <p:grpSpPr>
-        <a:xfrm>
-          <a:off x="0" y="0"/>
-          <a:ext cx="0" cy="0"/>
-          <a:chOff x="0" y="0"/>
-          <a:chExt cx="0" cy="0"/>
-        </a:xfrm>
-      </p:grpSpPr>
-      <p:sp>
-        <p:nvSpPr>
-          <p:cNvPr id="2" name="Slide Image Placeholder 1"/>
-          <p:cNvSpPr>
-            <a:spLocks noGrp="1" noRot="1" noChangeAspect="1"/>
-          </p:cNvSpPr>
-          <p:nvPr>
-            <p:ph type="sldImg"/>
-          </p:nvPr>
-        </p:nvSpPr>
-        <p:spPr/>
-      </p:sp>
-      <p:sp>
-        <p:nvSpPr>
-          <p:cNvPr id="3" name="Notes Placeholder 2"/>
-          <p:cNvSpPr>
-            <a:spLocks noGrp="1"/>
-          </p:cNvSpPr>
-          <p:nvPr>
-            <p:ph type="body" idx="1"/>
-          </p:nvPr>
-        </p:nvSpPr>
-        <p:spPr/>
-        <p:txBody>
-          <a:bodyPr/>
-          <a:lstStyle/>
-          <a:p>
-            <a:endParaRPr lang="en-RU" dirty="0"/>
-          </a:p>
-        </p:txBody>
-      </p:sp>
-      <p:sp>
-        <p:nvSpPr>
-          <p:cNvPr id="4" name="Slide Number Placeholder 3"/>
-          <p:cNvSpPr>
-            <a:spLocks noGrp="1"/>
-          </p:cNvSpPr>
-          <p:nvPr>
-            <p:ph type="sldNum" sz="quarter" idx="5"/>
-          </p:nvPr>
-        </p:nvSpPr>
-        <p:spPr/>
-        <p:txBody>
-          <a:bodyPr/>
-          <a:lstStyle/>
-          <a:p>
-            <a:fld id="{959E6FB5-F890-304F-A36B-54AA81FB8B09}" type="slidenum">
-              <a:rPr lang="ru-RU" smtClean="0"/>
-              <a:t>13</a:t>
-            </a:fld>
-            <a:endParaRPr lang="ru-RU"/>
-          </a:p>
-        </p:txBody>
-      </p:sp>
-    </p:spTree>
-    <p:extLst>
-      <p:ext uri="{BB962C8B-B14F-4D97-AF65-F5344CB8AC3E}">
-        <p14:creationId xmlns:p14="http://schemas.microsoft.com/office/powerpoint/2010/main" val="1117098518"/>
-      </p:ext>
-    </p:extLst>
-  </p:cSld>
-  <p:clrMapOvr>
-    <a:masterClrMapping/>
-  </p:clrMapOvr>
-</p:notes>
-</file>
-
 <file path=ppt/notesSlides/notesSlide13.xml><?xml version="1.0" encoding="utf-8"?>
 <p:notes xmlns:a="http://schemas.openxmlformats.org/drawingml/2006/main" xmlns:r="http://schemas.openxmlformats.org/officeDocument/2006/relationships" xmlns:p="http://schemas.openxmlformats.org/presentationml/2006/main">
   <p:cSld>
@@ -1019,7 +1025,7 @@
           <a:p>
             <a:fld id="{959E6FB5-F890-304F-A36B-54AA81FB8B09}" type="slidenum">
               <a:rPr lang="ru-RU" smtClean="0"/>
-              <a:t>14</a:t>
+              <a:t>13</a:t>
             </a:fld>
             <a:endParaRPr lang="ru-RU"/>
           </a:p>
@@ -1028,7 +1034,7 @@
     </p:spTree>
     <p:extLst>
       <p:ext uri="{BB962C8B-B14F-4D97-AF65-F5344CB8AC3E}">
-        <p14:creationId xmlns:p14="http://schemas.microsoft.com/office/powerpoint/2010/main" val="2166060782"/>
+        <p14:creationId xmlns:p14="http://schemas.microsoft.com/office/powerpoint/2010/main" val="1117098518"/>
       </p:ext>
     </p:extLst>
   </p:cSld>
@@ -1103,6 +1109,90 @@
           <a:p>
             <a:fld id="{959E6FB5-F890-304F-A36B-54AA81FB8B09}" type="slidenum">
               <a:rPr lang="ru-RU" smtClean="0"/>
+              <a:t>14</a:t>
+            </a:fld>
+            <a:endParaRPr lang="ru-RU"/>
+          </a:p>
+        </p:txBody>
+      </p:sp>
+    </p:spTree>
+    <p:extLst>
+      <p:ext uri="{BB962C8B-B14F-4D97-AF65-F5344CB8AC3E}">
+        <p14:creationId xmlns:p14="http://schemas.microsoft.com/office/powerpoint/2010/main" val="2166060782"/>
+      </p:ext>
+    </p:extLst>
+  </p:cSld>
+  <p:clrMapOvr>
+    <a:masterClrMapping/>
+  </p:clrMapOvr>
+</p:notes>
+</file>
+
+<file path=ppt/notesSlides/notesSlide15.xml><?xml version="1.0" encoding="utf-8"?>
+<p:notes xmlns:a="http://schemas.openxmlformats.org/drawingml/2006/main" xmlns:r="http://schemas.openxmlformats.org/officeDocument/2006/relationships" xmlns:p="http://schemas.openxmlformats.org/presentationml/2006/main">
+  <p:cSld>
+    <p:spTree>
+      <p:nvGrpSpPr>
+        <p:cNvPr id="1" name=""/>
+        <p:cNvGrpSpPr/>
+        <p:nvPr/>
+      </p:nvGrpSpPr>
+      <p:grpSpPr>
+        <a:xfrm>
+          <a:off x="0" y="0"/>
+          <a:ext cx="0" cy="0"/>
+          <a:chOff x="0" y="0"/>
+          <a:chExt cx="0" cy="0"/>
+        </a:xfrm>
+      </p:grpSpPr>
+      <p:sp>
+        <p:nvSpPr>
+          <p:cNvPr id="2" name="Slide Image Placeholder 1"/>
+          <p:cNvSpPr>
+            <a:spLocks noGrp="1" noRot="1" noChangeAspect="1"/>
+          </p:cNvSpPr>
+          <p:nvPr>
+            <p:ph type="sldImg"/>
+          </p:nvPr>
+        </p:nvSpPr>
+        <p:spPr/>
+      </p:sp>
+      <p:sp>
+        <p:nvSpPr>
+          <p:cNvPr id="3" name="Notes Placeholder 2"/>
+          <p:cNvSpPr>
+            <a:spLocks noGrp="1"/>
+          </p:cNvSpPr>
+          <p:nvPr>
+            <p:ph type="body" idx="1"/>
+          </p:nvPr>
+        </p:nvSpPr>
+        <p:spPr/>
+        <p:txBody>
+          <a:bodyPr/>
+          <a:lstStyle/>
+          <a:p>
+            <a:endParaRPr lang="en-RU" dirty="0"/>
+          </a:p>
+        </p:txBody>
+      </p:sp>
+      <p:sp>
+        <p:nvSpPr>
+          <p:cNvPr id="4" name="Slide Number Placeholder 3"/>
+          <p:cNvSpPr>
+            <a:spLocks noGrp="1"/>
+          </p:cNvSpPr>
+          <p:nvPr>
+            <p:ph type="sldNum" sz="quarter" idx="5"/>
+          </p:nvPr>
+        </p:nvSpPr>
+        <p:spPr/>
+        <p:txBody>
+          <a:bodyPr/>
+          <a:lstStyle/>
+          <a:p>
+            <a:fld id="{959E6FB5-F890-304F-A36B-54AA81FB8B09}" type="slidenum">
+              <a:rPr lang="ru-RU" smtClean="0"/>
               <a:t>15</a:t>
             </a:fld>
             <a:endParaRPr lang="ru-RU"/>
@@ -1122,7 +1212,7 @@
 </p:notes>
 </file>
 
-<file path=ppt/notesSlides/notesSlide15.xml><?xml version="1.0" encoding="utf-8"?>
+<file path=ppt/notesSlides/notesSlide16.xml><?xml version="1.0" encoding="utf-8"?>
 <p:notes xmlns:a="http://schemas.openxmlformats.org/drawingml/2006/main" xmlns:r="http://schemas.openxmlformats.org/officeDocument/2006/relationships" xmlns:p="http://schemas.openxmlformats.org/presentationml/2006/main">
   <p:cSld>
     <p:spTree>
@@ -1291,6 +1381,230 @@
               </a:rPr>
               <a:t> НС (нейронная сеть). Также покажет наглядно, есть ли будущее у такого применения машинного обучения.</a:t>
             </a:r>
+            <a:endParaRPr lang="ru-RU" dirty="0"/>
+          </a:p>
+        </p:txBody>
+      </p:sp>
+      <p:sp>
+        <p:nvSpPr>
+          <p:cNvPr id="4" name="Номер слайда 3"/>
+          <p:cNvSpPr>
+            <a:spLocks noGrp="1"/>
+          </p:cNvSpPr>
+          <p:nvPr>
+            <p:ph type="sldNum" sz="quarter" idx="5"/>
+          </p:nvPr>
+        </p:nvSpPr>
+        <p:spPr/>
+        <p:txBody>
+          <a:bodyPr/>
+          <a:lstStyle/>
+          <a:p>
+            <a:fld id="{959E6FB5-F890-304F-A36B-54AA81FB8B09}" type="slidenum">
+              <a:rPr lang="ru-RU" smtClean="0"/>
+              <a:t>2</a:t>
+            </a:fld>
+            <a:endParaRPr lang="ru-RU"/>
+          </a:p>
+        </p:txBody>
+      </p:sp>
+    </p:spTree>
+    <p:extLst>
+      <p:ext uri="{BB962C8B-B14F-4D97-AF65-F5344CB8AC3E}">
+        <p14:creationId xmlns:p14="http://schemas.microsoft.com/office/powerpoint/2010/main" val="2830621133"/>
+      </p:ext>
+    </p:extLst>
+  </p:cSld>
+  <p:clrMapOvr>
+    <a:masterClrMapping/>
+  </p:clrMapOvr>
+</p:notes>
+</file>
+
+<file path=ppt/notesSlides/notesSlide3.xml><?xml version="1.0" encoding="utf-8"?>
+<p:notes xmlns:a="http://schemas.openxmlformats.org/drawingml/2006/main" xmlns:r="http://schemas.openxmlformats.org/officeDocument/2006/relationships" xmlns:p="http://schemas.openxmlformats.org/presentationml/2006/main">
+  <p:cSld>
+    <p:spTree>
+      <p:nvGrpSpPr>
+        <p:cNvPr id="1" name=""/>
+        <p:cNvGrpSpPr/>
+        <p:nvPr/>
+      </p:nvGrpSpPr>
+      <p:grpSpPr>
+        <a:xfrm>
+          <a:off x="0" y="0"/>
+          <a:ext cx="0" cy="0"/>
+          <a:chOff x="0" y="0"/>
+          <a:chExt cx="0" cy="0"/>
+        </a:xfrm>
+      </p:grpSpPr>
+      <p:sp>
+        <p:nvSpPr>
+          <p:cNvPr id="2" name="Образ слайда 1"/>
+          <p:cNvSpPr>
+            <a:spLocks noGrp="1" noRot="1" noChangeAspect="1"/>
+          </p:cNvSpPr>
+          <p:nvPr>
+            <p:ph type="sldImg"/>
+          </p:nvPr>
+        </p:nvSpPr>
+        <p:spPr/>
+      </p:sp>
+      <p:sp>
+        <p:nvSpPr>
+          <p:cNvPr id="3" name="Заметки 2"/>
+          <p:cNvSpPr>
+            <a:spLocks noGrp="1"/>
+          </p:cNvSpPr>
+          <p:nvPr>
+            <p:ph type="body" idx="1"/>
+          </p:nvPr>
+        </p:nvSpPr>
+        <p:spPr/>
+        <p:txBody>
+          <a:bodyPr/>
+          <a:lstStyle/>
+          <a:p>
+            <a:pPr marL="0" marR="0" lvl="0" indent="0" algn="l" defTabSz="914400" rtl="0" eaLnBrk="1" fontAlgn="auto" latinLnBrk="0" hangingPunct="1">
+              <a:lnSpc>
+                <a:spcPct val="100000"/>
+              </a:lnSpc>
+              <a:spcBef>
+                <a:spcPts val="0"/>
+              </a:spcBef>
+              <a:spcAft>
+                <a:spcPts val="0"/>
+              </a:spcAft>
+              <a:buClrTx/>
+              <a:buSzTx/>
+              <a:buFontTx/>
+              <a:buNone/>
+              <a:tabLst/>
+              <a:defRPr/>
+            </a:pPr>
+            <a:r>
+              <a:rPr lang="ru-RU" sz="1800" dirty="0">
+                <a:solidFill>
+                  <a:srgbClr val="000000"/>
+                </a:solidFill>
+                <a:effectLst/>
+                <a:latin typeface="Times New Roman" panose="02020603050405020304" pitchFamily="18" charset="0"/>
+                <a:ea typeface="Times New Roman" panose="02020603050405020304" pitchFamily="18" charset="0"/>
+              </a:rPr>
+              <a:t>На этом слайде приведены основные необходимые определения для понимания работы. Представлен вид </a:t>
+            </a:r>
+            <a:r>
+              <a:rPr lang="en-US" sz="1800" dirty="0">
+                <a:solidFill>
+                  <a:srgbClr val="000000"/>
+                </a:solidFill>
+                <a:effectLst/>
+                <a:latin typeface="Times New Roman" panose="02020603050405020304" pitchFamily="18" charset="0"/>
+                <a:ea typeface="Times New Roman" panose="02020603050405020304" pitchFamily="18" charset="0"/>
+              </a:rPr>
+              <a:t>EMA</a:t>
+            </a:r>
+            <a:r>
+              <a:rPr lang="ru-RU" sz="1800" dirty="0">
+                <a:solidFill>
+                  <a:srgbClr val="000000"/>
+                </a:solidFill>
+                <a:effectLst/>
+                <a:latin typeface="Times New Roman" panose="02020603050405020304" pitchFamily="18" charset="0"/>
+                <a:ea typeface="Times New Roman" panose="02020603050405020304" pitchFamily="18" charset="0"/>
+              </a:rPr>
+              <a:t>200, формула его расчета, схема свечей и наглядные примеры по </a:t>
+            </a:r>
+            <a:r>
+              <a:rPr lang="en-US" sz="1800" dirty="0">
+                <a:solidFill>
+                  <a:srgbClr val="000000"/>
+                </a:solidFill>
+                <a:effectLst/>
+                <a:latin typeface="Times New Roman" panose="02020603050405020304" pitchFamily="18" charset="0"/>
+                <a:ea typeface="Times New Roman" panose="02020603050405020304" pitchFamily="18" charset="0"/>
+              </a:rPr>
+              <a:t>stop</a:t>
+            </a:r>
+            <a:r>
+              <a:rPr lang="ru-RU" sz="1800" dirty="0">
+                <a:solidFill>
+                  <a:srgbClr val="000000"/>
+                </a:solidFill>
+                <a:effectLst/>
+                <a:latin typeface="Times New Roman" panose="02020603050405020304" pitchFamily="18" charset="0"/>
+                <a:ea typeface="Times New Roman" panose="02020603050405020304" pitchFamily="18" charset="0"/>
+              </a:rPr>
+              <a:t>-</a:t>
+            </a:r>
+            <a:r>
+              <a:rPr lang="en-US" sz="1800" dirty="0">
+                <a:solidFill>
+                  <a:srgbClr val="000000"/>
+                </a:solidFill>
+                <a:effectLst/>
+                <a:latin typeface="Times New Roman" panose="02020603050405020304" pitchFamily="18" charset="0"/>
+                <a:ea typeface="Times New Roman" panose="02020603050405020304" pitchFamily="18" charset="0"/>
+              </a:rPr>
+              <a:t>loss</a:t>
+            </a:r>
+            <a:r>
+              <a:rPr lang="ru-RU" sz="1800" dirty="0">
+                <a:solidFill>
+                  <a:srgbClr val="000000"/>
+                </a:solidFill>
+                <a:effectLst/>
+                <a:latin typeface="Times New Roman" panose="02020603050405020304" pitchFamily="18" charset="0"/>
+                <a:ea typeface="Times New Roman" panose="02020603050405020304" pitchFamily="18" charset="0"/>
+              </a:rPr>
+              <a:t>, </a:t>
+            </a:r>
+            <a:r>
+              <a:rPr lang="en-US" sz="1800" dirty="0">
+                <a:solidFill>
+                  <a:srgbClr val="000000"/>
+                </a:solidFill>
+                <a:effectLst/>
+                <a:latin typeface="Times New Roman" panose="02020603050405020304" pitchFamily="18" charset="0"/>
+                <a:ea typeface="Times New Roman" panose="02020603050405020304" pitchFamily="18" charset="0"/>
+              </a:rPr>
+              <a:t>take</a:t>
+            </a:r>
+            <a:r>
+              <a:rPr lang="ru-RU" sz="1800" dirty="0">
+                <a:solidFill>
+                  <a:srgbClr val="000000"/>
+                </a:solidFill>
+                <a:effectLst/>
+                <a:latin typeface="Times New Roman" panose="02020603050405020304" pitchFamily="18" charset="0"/>
+                <a:ea typeface="Times New Roman" panose="02020603050405020304" pitchFamily="18" charset="0"/>
+              </a:rPr>
+              <a:t>-</a:t>
+            </a:r>
+            <a:r>
+              <a:rPr lang="en-US" sz="1800" dirty="0">
+                <a:solidFill>
+                  <a:srgbClr val="000000"/>
+                </a:solidFill>
+                <a:effectLst/>
+                <a:latin typeface="Times New Roman" panose="02020603050405020304" pitchFamily="18" charset="0"/>
+                <a:ea typeface="Times New Roman" panose="02020603050405020304" pitchFamily="18" charset="0"/>
+              </a:rPr>
+              <a:t>profit</a:t>
+            </a:r>
+            <a:r>
+              <a:rPr lang="ru-RU" sz="1800" dirty="0">
+                <a:solidFill>
+                  <a:srgbClr val="000000"/>
+                </a:solidFill>
+                <a:effectLst/>
+                <a:latin typeface="Times New Roman" panose="02020603050405020304" pitchFamily="18" charset="0"/>
+                <a:ea typeface="Times New Roman" panose="02020603050405020304" pitchFamily="18" charset="0"/>
+              </a:rPr>
+              <a:t>.</a:t>
+            </a:r>
+          </a:p>
+          <a:p>
             <a:endParaRPr lang="ru-RU" dirty="0"/>
           </a:p>
         </p:txBody>
@@ -1391,90 +1705,6 @@
 </p:notes>
 </file>
 
-<file path=ppt/notesSlides/notesSlide3.xml><?xml version="1.0" encoding="utf-8"?>
-<p:notes xmlns:a="http://schemas.openxmlformats.org/drawingml/2006/main" xmlns:r="http://schemas.openxmlformats.org/officeDocument/2006/relationships" xmlns:p="http://schemas.openxmlformats.org/presentationml/2006/main">
-  <p:cSld>
-    <p:spTree>
-      <p:nvGrpSpPr>
-        <p:cNvPr id="1" name=""/>
-        <p:cNvGrpSpPr/>
-        <p:nvPr/>
-      </p:nvGrpSpPr>
-      <p:grpSpPr>
-        <a:xfrm>
-          <a:off x="0" y="0"/>
-          <a:ext cx="0" cy="0"/>
-          <a:chOff x="0" y="0"/>
-          <a:chExt cx="0" cy="0"/>
-        </a:xfrm>
-      </p:grpSpPr>
-      <p:sp>
-        <p:nvSpPr>
-          <p:cNvPr id="2" name="Slide Image Placeholder 1"/>
-          <p:cNvSpPr>
-            <a:spLocks noGrp="1" noRot="1" noChangeAspect="1"/>
-          </p:cNvSpPr>
-          <p:nvPr>
-            <p:ph type="sldImg"/>
-          </p:nvPr>
-        </p:nvSpPr>
-        <p:spPr/>
-      </p:sp>
-      <p:sp>
-        <p:nvSpPr>
-          <p:cNvPr id="3" name="Notes Placeholder 2"/>
-          <p:cNvSpPr>
-            <a:spLocks noGrp="1"/>
-          </p:cNvSpPr>
-          <p:nvPr>
-            <p:ph type="body" idx="1"/>
-          </p:nvPr>
-        </p:nvSpPr>
-        <p:spPr/>
-        <p:txBody>
-          <a:bodyPr/>
-          <a:lstStyle/>
-          <a:p>
-            <a:endParaRPr lang="en-RU" dirty="0"/>
-          </a:p>
-        </p:txBody>
-      </p:sp>
-      <p:sp>
-        <p:nvSpPr>
-          <p:cNvPr id="4" name="Slide Number Placeholder 3"/>
-          <p:cNvSpPr>
-            <a:spLocks noGrp="1"/>
-          </p:cNvSpPr>
-          <p:nvPr>
-            <p:ph type="sldNum" sz="quarter" idx="5"/>
-          </p:nvPr>
-        </p:nvSpPr>
-        <p:spPr/>
-        <p:txBody>
-          <a:bodyPr/>
-          <a:lstStyle/>
-          <a:p>
-            <a:fld id="{959E6FB5-F890-304F-A36B-54AA81FB8B09}" type="slidenum">
-              <a:rPr lang="ru-RU" smtClean="0"/>
-              <a:t>4</a:t>
-            </a:fld>
-            <a:endParaRPr lang="ru-RU"/>
-          </a:p>
-        </p:txBody>
-      </p:sp>
-    </p:spTree>
-    <p:extLst>
-      <p:ext uri="{BB962C8B-B14F-4D97-AF65-F5344CB8AC3E}">
-        <p14:creationId xmlns:p14="http://schemas.microsoft.com/office/powerpoint/2010/main" val="4168452033"/>
-      </p:ext>
-    </p:extLst>
-  </p:cSld>
-  <p:clrMapOvr>
-    <a:masterClrMapping/>
-  </p:clrMapOvr>
-</p:notes>
-</file>
-
 <file path=ppt/notesSlides/notesSlide4.xml><?xml version="1.0" encoding="utf-8"?>
 <p:notes xmlns:a="http://schemas.openxmlformats.org/drawingml/2006/main" xmlns:r="http://schemas.openxmlformats.org/officeDocument/2006/relationships" xmlns:p="http://schemas.openxmlformats.org/presentationml/2006/main">
   <p:cSld>
@@ -1494,6 +1724,170 @@
       </p:grpSpPr>
       <p:sp>
         <p:nvSpPr>
+          <p:cNvPr id="2" name="Slide Image Placeholder 1"/>
+          <p:cNvSpPr>
+            <a:spLocks noGrp="1" noRot="1" noChangeAspect="1"/>
+          </p:cNvSpPr>
+          <p:nvPr>
+            <p:ph type="sldImg"/>
+          </p:nvPr>
+        </p:nvSpPr>
+        <p:spPr/>
+      </p:sp>
+      <p:sp>
+        <p:nvSpPr>
+          <p:cNvPr id="3" name="Notes Placeholder 2"/>
+          <p:cNvSpPr>
+            <a:spLocks noGrp="1"/>
+          </p:cNvSpPr>
+          <p:nvPr>
+            <p:ph type="body" idx="1"/>
+          </p:nvPr>
+        </p:nvSpPr>
+        <p:spPr/>
+        <p:txBody>
+          <a:bodyPr/>
+          <a:lstStyle/>
+          <a:p>
+            <a:pPr indent="450215" algn="just">
+              <a:lnSpc>
+                <a:spcPct val="150000"/>
+              </a:lnSpc>
+            </a:pPr>
+            <a:r>
+              <a:rPr lang="ru-RU" sz="1800" dirty="0">
+                <a:solidFill>
+                  <a:srgbClr val="000000"/>
+                </a:solidFill>
+                <a:effectLst/>
+                <a:latin typeface="Times New Roman" panose="02020603050405020304" pitchFamily="18" charset="0"/>
+                <a:ea typeface="Times New Roman" panose="02020603050405020304" pitchFamily="18" charset="0"/>
+              </a:rPr>
+              <a:t>В ходе выполнения данного этапа прошло ознакомление с написанием искусственного интеллекта на основе НС. Изучены возможности модуля </a:t>
+            </a:r>
+            <a:r>
+              <a:rPr lang="en-US" sz="1800" dirty="0">
+                <a:solidFill>
+                  <a:srgbClr val="000000"/>
+                </a:solidFill>
+                <a:effectLst/>
+                <a:latin typeface="Times New Roman" panose="02020603050405020304" pitchFamily="18" charset="0"/>
+                <a:ea typeface="Times New Roman" panose="02020603050405020304" pitchFamily="18" charset="0"/>
+              </a:rPr>
+              <a:t>PyTorch </a:t>
+            </a:r>
+            <a:r>
+              <a:rPr lang="ru-RU" sz="1800" dirty="0">
+                <a:solidFill>
+                  <a:srgbClr val="000000"/>
+                </a:solidFill>
+                <a:effectLst/>
+                <a:latin typeface="Times New Roman" panose="02020603050405020304" pitchFamily="18" charset="0"/>
+                <a:ea typeface="Times New Roman" panose="02020603050405020304" pitchFamily="18" charset="0"/>
+              </a:rPr>
+              <a:t>языка программирования </a:t>
+            </a:r>
+            <a:r>
+              <a:rPr lang="en-US" sz="1800" dirty="0">
+                <a:solidFill>
+                  <a:srgbClr val="000000"/>
+                </a:solidFill>
+                <a:effectLst/>
+                <a:latin typeface="Times New Roman" panose="02020603050405020304" pitchFamily="18" charset="0"/>
+                <a:ea typeface="Times New Roman" panose="02020603050405020304" pitchFamily="18" charset="0"/>
+              </a:rPr>
+              <a:t>Python</a:t>
+            </a:r>
+            <a:r>
+              <a:rPr lang="ru-RU" sz="1800" dirty="0">
+                <a:solidFill>
+                  <a:srgbClr val="000000"/>
+                </a:solidFill>
+                <a:effectLst/>
+                <a:latin typeface="Times New Roman" panose="02020603050405020304" pitchFamily="18" charset="0"/>
+                <a:ea typeface="Times New Roman" panose="02020603050405020304" pitchFamily="18" charset="0"/>
+              </a:rPr>
+              <a:t>. Разобраны главные математические и биологические основы НС. Изучена теория по перцептрону.</a:t>
+            </a:r>
+          </a:p>
+          <a:p>
+            <a:pPr indent="450215" algn="just">
+              <a:lnSpc>
+                <a:spcPct val="150000"/>
+              </a:lnSpc>
+            </a:pPr>
+            <a:r>
+              <a:rPr lang="ru-RU" sz="1800" dirty="0">
+                <a:solidFill>
+                  <a:srgbClr val="000000"/>
+                </a:solidFill>
+                <a:effectLst/>
+                <a:latin typeface="Times New Roman" panose="02020603050405020304" pitchFamily="18" charset="0"/>
+                <a:ea typeface="Times New Roman" panose="02020603050405020304" pitchFamily="18" charset="0"/>
+              </a:rPr>
+              <a:t>Создан линейный перцептрон с возможностью обучения на различных датасетах. Изучены различия в поведении разных функций-оптимизаторов и функций-потерь. Изучены перемены, которые появляются при изменении параметров нейронной сети. Создан датасет.</a:t>
+            </a:r>
+          </a:p>
+          <a:p>
+            <a:endParaRPr lang="en-RU" dirty="0"/>
+          </a:p>
+        </p:txBody>
+      </p:sp>
+      <p:sp>
+        <p:nvSpPr>
+          <p:cNvPr id="4" name="Slide Number Placeholder 3"/>
+          <p:cNvSpPr>
+            <a:spLocks noGrp="1"/>
+          </p:cNvSpPr>
+          <p:nvPr>
+            <p:ph type="sldNum" sz="quarter" idx="5"/>
+          </p:nvPr>
+        </p:nvSpPr>
+        <p:spPr/>
+        <p:txBody>
+          <a:bodyPr/>
+          <a:lstStyle/>
+          <a:p>
+            <a:fld id="{959E6FB5-F890-304F-A36B-54AA81FB8B09}" type="slidenum">
+              <a:rPr lang="ru-RU" smtClean="0"/>
+              <a:t>4</a:t>
+            </a:fld>
+            <a:endParaRPr lang="ru-RU"/>
+          </a:p>
+        </p:txBody>
+      </p:sp>
+    </p:spTree>
+    <p:extLst>
+      <p:ext uri="{BB962C8B-B14F-4D97-AF65-F5344CB8AC3E}">
+        <p14:creationId xmlns:p14="http://schemas.microsoft.com/office/powerpoint/2010/main" val="4168452033"/>
+      </p:ext>
+    </p:extLst>
+  </p:cSld>
+  <p:clrMapOvr>
+    <a:masterClrMapping/>
+  </p:clrMapOvr>
+</p:notes>
+</file>
+
+<file path=ppt/notesSlides/notesSlide5.xml><?xml version="1.0" encoding="utf-8"?>
+<p:notes xmlns:a="http://schemas.openxmlformats.org/drawingml/2006/main" xmlns:r="http://schemas.openxmlformats.org/officeDocument/2006/relationships" xmlns:p="http://schemas.openxmlformats.org/presentationml/2006/main">
+  <p:cSld>
+    <p:spTree>
+      <p:nvGrpSpPr>
+        <p:cNvPr id="1" name=""/>
+        <p:cNvGrpSpPr/>
+        <p:nvPr/>
+      </p:nvGrpSpPr>
+      <p:grpSpPr>
+        <a:xfrm>
+          <a:off x="0" y="0"/>
+          <a:ext cx="0" cy="0"/>
+          <a:chOff x="0" y="0"/>
+          <a:chExt cx="0" cy="0"/>
+        </a:xfrm>
+      </p:grpSpPr>
+      <p:sp>
+        <p:nvSpPr>
           <p:cNvPr id="2" name="Образ слайда 1"/>
           <p:cNvSpPr>
             <a:spLocks noGrp="1" noRot="1" noChangeAspect="1"/>
@@ -1519,15 +1913,66 @@
           <a:bodyPr/>
           <a:lstStyle/>
           <a:p>
-            <a:r>
-              <a:rPr lang="ru-RU" dirty="0"/>
-              <a:t>Написать хорошую речь про </a:t>
-            </a:r>
-            <a:r>
-              <a:rPr lang="en-US" dirty="0"/>
-              <a:t>MSE, MAE.</a:t>
-            </a:r>
-            <a:endParaRPr lang="ru-RU" dirty="0"/>
+            <a:pPr indent="450215" algn="just">
+              <a:lnSpc>
+                <a:spcPct val="150000"/>
+              </a:lnSpc>
+            </a:pPr>
+            <a:r>
+              <a:rPr lang="ru-RU" sz="1800" dirty="0">
+                <a:solidFill>
+                  <a:srgbClr val="000000"/>
+                </a:solidFill>
+                <a:effectLst/>
+                <a:latin typeface="Times New Roman" panose="02020603050405020304" pitchFamily="18" charset="0"/>
+                <a:ea typeface="Times New Roman" panose="02020603050405020304" pitchFamily="18" charset="0"/>
+              </a:rPr>
+              <a:t>В дальнейшем нам пригодится понимание, что такое </a:t>
+            </a:r>
+            <a:r>
+              <a:rPr lang="en-US" sz="1800" dirty="0">
+                <a:solidFill>
+                  <a:srgbClr val="000000"/>
+                </a:solidFill>
+                <a:effectLst/>
+                <a:latin typeface="Times New Roman" panose="02020603050405020304" pitchFamily="18" charset="0"/>
+                <a:ea typeface="Times New Roman" panose="02020603050405020304" pitchFamily="18" charset="0"/>
+              </a:rPr>
+              <a:t>MSE </a:t>
+            </a:r>
+            <a:r>
+              <a:rPr lang="ru-RU" sz="1800" dirty="0">
+                <a:solidFill>
+                  <a:srgbClr val="000000"/>
+                </a:solidFill>
+                <a:effectLst/>
+                <a:latin typeface="Times New Roman" panose="02020603050405020304" pitchFamily="18" charset="0"/>
+                <a:ea typeface="Times New Roman" panose="02020603050405020304" pitchFamily="18" charset="0"/>
+              </a:rPr>
+              <a:t>и </a:t>
+            </a:r>
+            <a:r>
+              <a:rPr lang="en-US" sz="1800" dirty="0">
+                <a:solidFill>
+                  <a:srgbClr val="000000"/>
+                </a:solidFill>
+                <a:effectLst/>
+                <a:latin typeface="Times New Roman" panose="02020603050405020304" pitchFamily="18" charset="0"/>
+                <a:ea typeface="Times New Roman" panose="02020603050405020304" pitchFamily="18" charset="0"/>
+              </a:rPr>
+              <a:t>MAE</a:t>
+            </a:r>
+            <a:r>
+              <a:rPr lang="ru-RU" sz="1800" dirty="0">
+                <a:solidFill>
+                  <a:srgbClr val="000000"/>
+                </a:solidFill>
+                <a:effectLst/>
+                <a:latin typeface="Times New Roman" panose="02020603050405020304" pitchFamily="18" charset="0"/>
+                <a:ea typeface="Times New Roman" panose="02020603050405020304" pitchFamily="18" charset="0"/>
+              </a:rPr>
+              <a:t>, поэтому на данном слайде можно уточнить всю необходимую информацию по ним. Сами по себе данные метрики используются для нахождения расстояния между требуем ответом и полученным от нейронной сети. Сама нейронная сеть в ходе обучения должна минимизировать значения этой функции.</a:t>
+            </a:r>
           </a:p>
         </p:txBody>
       </p:sp>
@@ -1627,90 +2072,6 @@
 </p:notes>
 </file>
 
-<file path=ppt/notesSlides/notesSlide5.xml><?xml version="1.0" encoding="utf-8"?>
-<p:notes xmlns:a="http://schemas.openxmlformats.org/drawingml/2006/main" xmlns:r="http://schemas.openxmlformats.org/officeDocument/2006/relationships" xmlns:p="http://schemas.openxmlformats.org/presentationml/2006/main">
-  <p:cSld>
-    <p:spTree>
-      <p:nvGrpSpPr>
-        <p:cNvPr id="1" name=""/>
-        <p:cNvGrpSpPr/>
-        <p:nvPr/>
-      </p:nvGrpSpPr>
-      <p:grpSpPr>
-        <a:xfrm>
-          <a:off x="0" y="0"/>
-          <a:ext cx="0" cy="0"/>
-          <a:chOff x="0" y="0"/>
-          <a:chExt cx="0" cy="0"/>
-        </a:xfrm>
-      </p:grpSpPr>
-      <p:sp>
-        <p:nvSpPr>
-          <p:cNvPr id="2" name="Slide Image Placeholder 1"/>
-          <p:cNvSpPr>
-            <a:spLocks noGrp="1" noRot="1" noChangeAspect="1"/>
-          </p:cNvSpPr>
-          <p:nvPr>
-            <p:ph type="sldImg"/>
-          </p:nvPr>
-        </p:nvSpPr>
-        <p:spPr/>
-      </p:sp>
-      <p:sp>
-        <p:nvSpPr>
-          <p:cNvPr id="3" name="Notes Placeholder 2"/>
-          <p:cNvSpPr>
-            <a:spLocks noGrp="1"/>
-          </p:cNvSpPr>
-          <p:nvPr>
-            <p:ph type="body" idx="1"/>
-          </p:nvPr>
-        </p:nvSpPr>
-        <p:spPr/>
-        <p:txBody>
-          <a:bodyPr/>
-          <a:lstStyle/>
-          <a:p>
-            <a:endParaRPr lang="en-RU" dirty="0"/>
-          </a:p>
-        </p:txBody>
-      </p:sp>
-      <p:sp>
-        <p:nvSpPr>
-          <p:cNvPr id="4" name="Slide Number Placeholder 3"/>
-          <p:cNvSpPr>
-            <a:spLocks noGrp="1"/>
-          </p:cNvSpPr>
-          <p:nvPr>
-            <p:ph type="sldNum" sz="quarter" idx="5"/>
-          </p:nvPr>
-        </p:nvSpPr>
-        <p:spPr/>
-        <p:txBody>
-          <a:bodyPr/>
-          <a:lstStyle/>
-          <a:p>
-            <a:fld id="{959E6FB5-F890-304F-A36B-54AA81FB8B09}" type="slidenum">
-              <a:rPr lang="ru-RU" smtClean="0"/>
-              <a:t>6</a:t>
-            </a:fld>
-            <a:endParaRPr lang="ru-RU"/>
-          </a:p>
-        </p:txBody>
-      </p:sp>
-    </p:spTree>
-    <p:extLst>
-      <p:ext uri="{BB962C8B-B14F-4D97-AF65-F5344CB8AC3E}">
-        <p14:creationId xmlns:p14="http://schemas.microsoft.com/office/powerpoint/2010/main" val="236837867"/>
-      </p:ext>
-    </p:extLst>
-  </p:cSld>
-  <p:clrMapOvr>
-    <a:masterClrMapping/>
-  </p:clrMapOvr>
-</p:notes>
-</file>
-
 <file path=ppt/notesSlides/notesSlide6.xml><?xml version="1.0" encoding="utf-8"?>
 <p:notes xmlns:a="http://schemas.openxmlformats.org/drawingml/2006/main" xmlns:r="http://schemas.openxmlformats.org/officeDocument/2006/relationships" xmlns:p="http://schemas.openxmlformats.org/presentationml/2006/main">
   <p:cSld>
@@ -1776,7 +2137,7 @@
           <a:p>
             <a:fld id="{959E6FB5-F890-304F-A36B-54AA81FB8B09}" type="slidenum">
               <a:rPr lang="ru-RU" smtClean="0"/>
-              <a:t>7</a:t>
+              <a:t>6</a:t>
             </a:fld>
             <a:endParaRPr lang="ru-RU"/>
           </a:p>
@@ -1785,7 +2146,7 @@
     </p:spTree>
     <p:extLst>
       <p:ext uri="{BB962C8B-B14F-4D97-AF65-F5344CB8AC3E}">
-        <p14:creationId xmlns:p14="http://schemas.microsoft.com/office/powerpoint/2010/main" val="1732091482"/>
+        <p14:creationId xmlns:p14="http://schemas.microsoft.com/office/powerpoint/2010/main" val="236837867"/>
       </p:ext>
     </p:extLst>
   </p:cSld>
@@ -1839,7 +2200,170 @@
           <a:bodyPr/>
           <a:lstStyle/>
           <a:p>
-            <a:endParaRPr lang="en-RU" dirty="0"/>
+            <a:pPr indent="450215" algn="just">
+              <a:lnSpc>
+                <a:spcPct val="150000"/>
+              </a:lnSpc>
+              <a:spcAft>
+                <a:spcPts val="800"/>
+              </a:spcAft>
+            </a:pPr>
+            <a:r>
+              <a:rPr lang="ru-RU" sz="1800" kern="100" dirty="0">
+                <a:solidFill>
+                  <a:srgbClr val="000000"/>
+                </a:solidFill>
+                <a:effectLst/>
+                <a:latin typeface="Times New Roman" panose="02020603050405020304" pitchFamily="18" charset="0"/>
+                <a:ea typeface="Calibri" panose="020F0502020204030204" pitchFamily="34" charset="0"/>
+                <a:cs typeface="Times New Roman" panose="02020603050405020304" pitchFamily="18" charset="0"/>
+              </a:rPr>
+              <a:t>В следующей части работы было принято решение использовать </a:t>
+            </a:r>
+            <a:r>
+              <a:rPr lang="ru-RU" sz="1800" kern="100" dirty="0" err="1">
+                <a:solidFill>
+                  <a:srgbClr val="000000"/>
+                </a:solidFill>
+                <a:effectLst/>
+                <a:latin typeface="Times New Roman" panose="02020603050405020304" pitchFamily="18" charset="0"/>
+                <a:ea typeface="Calibri" panose="020F0502020204030204" pitchFamily="34" charset="0"/>
+                <a:cs typeface="Times New Roman" panose="02020603050405020304" pitchFamily="18" charset="0"/>
+              </a:rPr>
+              <a:t>сверточную</a:t>
+            </a:r>
+            <a:r>
+              <a:rPr lang="ru-RU" sz="1800" kern="100" dirty="0">
+                <a:solidFill>
+                  <a:srgbClr val="000000"/>
+                </a:solidFill>
+                <a:effectLst/>
+                <a:latin typeface="Times New Roman" panose="02020603050405020304" pitchFamily="18" charset="0"/>
+                <a:ea typeface="Calibri" panose="020F0502020204030204" pitchFamily="34" charset="0"/>
+                <a:cs typeface="Times New Roman" panose="02020603050405020304" pitchFamily="18" charset="0"/>
+              </a:rPr>
+              <a:t> нейронную сеть вместо перцептрона. На слайде представлено схематичное устройство </a:t>
+            </a:r>
+            <a:r>
+              <a:rPr lang="en-US" sz="1800" kern="100" dirty="0">
+                <a:solidFill>
+                  <a:srgbClr val="000000"/>
+                </a:solidFill>
+                <a:effectLst/>
+                <a:latin typeface="Times New Roman" panose="02020603050405020304" pitchFamily="18" charset="0"/>
+                <a:ea typeface="Calibri" panose="020F0502020204030204" pitchFamily="34" charset="0"/>
+                <a:cs typeface="Times New Roman" panose="02020603050405020304" pitchFamily="18" charset="0"/>
+              </a:rPr>
+              <a:t>CNN</a:t>
+            </a:r>
+            <a:r>
+              <a:rPr lang="ru-RU" sz="1800" kern="100" dirty="0">
+                <a:solidFill>
+                  <a:srgbClr val="000000"/>
+                </a:solidFill>
+                <a:effectLst/>
+                <a:latin typeface="Times New Roman" panose="02020603050405020304" pitchFamily="18" charset="0"/>
+                <a:ea typeface="Calibri" panose="020F0502020204030204" pitchFamily="34" charset="0"/>
+                <a:cs typeface="Times New Roman" panose="02020603050405020304" pitchFamily="18" charset="0"/>
+              </a:rPr>
+              <a:t>. В результате были выполнены следующие задачи:</a:t>
+            </a:r>
+          </a:p>
+          <a:p>
+            <a:pPr marL="342900" lvl="0" indent="-342900" algn="just">
+              <a:lnSpc>
+                <a:spcPct val="150000"/>
+              </a:lnSpc>
+              <a:spcAft>
+                <a:spcPts val="800"/>
+              </a:spcAft>
+              <a:buFont typeface="+mj-lt"/>
+              <a:buAutoNum type="arabicParenR"/>
+            </a:pPr>
+            <a:r>
+              <a:rPr lang="ru-RU" sz="1800" kern="100" dirty="0">
+                <a:solidFill>
+                  <a:srgbClr val="000000"/>
+                </a:solidFill>
+                <a:effectLst/>
+                <a:latin typeface="Times New Roman" panose="02020603050405020304" pitchFamily="18" charset="0"/>
+                <a:ea typeface="Calibri" panose="020F0502020204030204" pitchFamily="34" charset="0"/>
+                <a:cs typeface="Times New Roman" panose="02020603050405020304" pitchFamily="18" charset="0"/>
+              </a:rPr>
+              <a:t>Рассмотрено, что такое сверточная нейронная сеть и написана своя.</a:t>
+            </a:r>
+          </a:p>
+          <a:p>
+            <a:pPr marL="342900" lvl="0" indent="-342900" algn="just">
+              <a:lnSpc>
+                <a:spcPct val="150000"/>
+              </a:lnSpc>
+              <a:spcAft>
+                <a:spcPts val="800"/>
+              </a:spcAft>
+              <a:buFont typeface="+mj-lt"/>
+              <a:buAutoNum type="arabicParenR"/>
+            </a:pPr>
+            <a:r>
+              <a:rPr lang="ru-RU" sz="1800" kern="100" dirty="0">
+                <a:solidFill>
+                  <a:srgbClr val="000000"/>
+                </a:solidFill>
+                <a:effectLst/>
+                <a:latin typeface="Times New Roman" panose="02020603050405020304" pitchFamily="18" charset="0"/>
+                <a:ea typeface="Calibri" panose="020F0502020204030204" pitchFamily="34" charset="0"/>
+                <a:cs typeface="Times New Roman" panose="02020603050405020304" pitchFamily="18" charset="0"/>
+              </a:rPr>
+              <a:t>Чем сверточная сеть отличается от простого линейного перцептрона</a:t>
+            </a:r>
+          </a:p>
+          <a:p>
+            <a:pPr marL="342900" lvl="0" indent="-342900" algn="just">
+              <a:lnSpc>
+                <a:spcPct val="150000"/>
+              </a:lnSpc>
+              <a:spcAft>
+                <a:spcPts val="800"/>
+              </a:spcAft>
+              <a:buFont typeface="+mj-lt"/>
+              <a:buAutoNum type="arabicParenR"/>
+            </a:pPr>
+            <a:r>
+              <a:rPr lang="ru-RU" sz="1800" kern="100" dirty="0">
+                <a:solidFill>
+                  <a:srgbClr val="000000"/>
+                </a:solidFill>
+                <a:effectLst/>
+                <a:latin typeface="Times New Roman" panose="02020603050405020304" pitchFamily="18" charset="0"/>
+                <a:ea typeface="Calibri" panose="020F0502020204030204" pitchFamily="34" charset="0"/>
+                <a:cs typeface="Times New Roman" panose="02020603050405020304" pitchFamily="18" charset="0"/>
+              </a:rPr>
+              <a:t>Были проведены анализы работы сверточной НС при разных параметрах.</a:t>
+            </a:r>
+          </a:p>
+          <a:p>
+            <a:pPr marL="342900" lvl="0" indent="-342900" algn="just">
+              <a:lnSpc>
+                <a:spcPct val="150000"/>
+              </a:lnSpc>
+              <a:spcAft>
+                <a:spcPts val="800"/>
+              </a:spcAft>
+              <a:buFont typeface="+mj-lt"/>
+              <a:buAutoNum type="arabicParenR"/>
+            </a:pPr>
+            <a:r>
+              <a:rPr lang="ru-RU" sz="1800" kern="100" dirty="0">
+                <a:solidFill>
+                  <a:srgbClr val="000000"/>
+                </a:solidFill>
+                <a:effectLst/>
+                <a:latin typeface="Times New Roman" panose="02020603050405020304" pitchFamily="18" charset="0"/>
+                <a:ea typeface="Calibri" panose="020F0502020204030204" pitchFamily="34" charset="0"/>
+                <a:cs typeface="Times New Roman" panose="02020603050405020304" pitchFamily="18" charset="0"/>
+              </a:rPr>
+              <a:t>Было проведено сравнение с работой линейного перцептрона.</a:t>
+            </a:r>
           </a:p>
         </p:txBody>
       </p:sp>
@@ -1860,7 +2384,7 @@
           <a:p>
             <a:fld id="{959E6FB5-F890-304F-A36B-54AA81FB8B09}" type="slidenum">
               <a:rPr lang="ru-RU" smtClean="0"/>
-              <a:t>8</a:t>
+              <a:t>7</a:t>
             </a:fld>
             <a:endParaRPr lang="ru-RU"/>
           </a:p>
@@ -1869,7 +2393,7 @@
     </p:spTree>
     <p:extLst>
       <p:ext uri="{BB962C8B-B14F-4D97-AF65-F5344CB8AC3E}">
-        <p14:creationId xmlns:p14="http://schemas.microsoft.com/office/powerpoint/2010/main" val="3664967711"/>
+        <p14:creationId xmlns:p14="http://schemas.microsoft.com/office/powerpoint/2010/main" val="1732091482"/>
       </p:ext>
     </p:extLst>
   </p:cSld>
@@ -1923,6 +2447,85 @@
           <a:bodyPr/>
           <a:lstStyle/>
           <a:p>
+            <a:pPr marL="0" marR="0" lvl="0" indent="0" algn="l" defTabSz="914400" rtl="0" eaLnBrk="1" fontAlgn="auto" latinLnBrk="0" hangingPunct="1">
+              <a:lnSpc>
+                <a:spcPct val="100000"/>
+              </a:lnSpc>
+              <a:spcBef>
+                <a:spcPts val="0"/>
+              </a:spcBef>
+              <a:spcAft>
+                <a:spcPts val="0"/>
+              </a:spcAft>
+              <a:buClrTx/>
+              <a:buSzTx/>
+              <a:buFontTx/>
+              <a:buNone/>
+              <a:tabLst/>
+              <a:defRPr/>
+            </a:pPr>
+            <a:r>
+              <a:rPr lang="ru-RU" sz="1800" kern="100" dirty="0">
+                <a:solidFill>
+                  <a:srgbClr val="000000"/>
+                </a:solidFill>
+                <a:effectLst/>
+                <a:latin typeface="Times New Roman" panose="02020603050405020304" pitchFamily="18" charset="0"/>
+                <a:ea typeface="Calibri" panose="020F0502020204030204" pitchFamily="34" charset="0"/>
+                <a:cs typeface="Times New Roman" panose="02020603050405020304" pitchFamily="18" charset="0"/>
+              </a:rPr>
+              <a:t>На данном слайде показаны полученные результаты при использовании </a:t>
+            </a:r>
+            <a:r>
+              <a:rPr lang="en-US" sz="1800" kern="100" dirty="0">
+                <a:solidFill>
+                  <a:srgbClr val="000000"/>
+                </a:solidFill>
+                <a:effectLst/>
+                <a:latin typeface="Times New Roman" panose="02020603050405020304" pitchFamily="18" charset="0"/>
+                <a:ea typeface="Calibri" panose="020F0502020204030204" pitchFamily="34" charset="0"/>
+                <a:cs typeface="Times New Roman" panose="02020603050405020304" pitchFamily="18" charset="0"/>
+              </a:rPr>
+              <a:t>MSE </a:t>
+            </a:r>
+            <a:r>
+              <a:rPr lang="ru-RU" sz="1800" kern="100" dirty="0">
+                <a:solidFill>
+                  <a:srgbClr val="000000"/>
+                </a:solidFill>
+                <a:effectLst/>
+                <a:latin typeface="Times New Roman" panose="02020603050405020304" pitchFamily="18" charset="0"/>
+                <a:ea typeface="Calibri" panose="020F0502020204030204" pitchFamily="34" charset="0"/>
+                <a:cs typeface="Times New Roman" panose="02020603050405020304" pitchFamily="18" charset="0"/>
+              </a:rPr>
+              <a:t>и </a:t>
+            </a:r>
+            <a:r>
+              <a:rPr lang="en-US" sz="1800" kern="100" dirty="0">
+                <a:solidFill>
+                  <a:srgbClr val="000000"/>
+                </a:solidFill>
+                <a:effectLst/>
+                <a:latin typeface="Times New Roman" panose="02020603050405020304" pitchFamily="18" charset="0"/>
+                <a:ea typeface="Calibri" panose="020F0502020204030204" pitchFamily="34" charset="0"/>
+                <a:cs typeface="Times New Roman" panose="02020603050405020304" pitchFamily="18" charset="0"/>
+              </a:rPr>
+              <a:t>MAE </a:t>
+            </a:r>
+            <a:r>
+              <a:rPr lang="ru-RU" sz="1800" kern="100" dirty="0">
+                <a:solidFill>
+                  <a:srgbClr val="000000"/>
+                </a:solidFill>
+                <a:effectLst/>
+                <a:latin typeface="Times New Roman" panose="02020603050405020304" pitchFamily="18" charset="0"/>
+                <a:ea typeface="Calibri" panose="020F0502020204030204" pitchFamily="34" charset="0"/>
+                <a:cs typeface="Times New Roman" panose="02020603050405020304" pitchFamily="18" charset="0"/>
+              </a:rPr>
+              <a:t>соответственно.</a:t>
+            </a:r>
+          </a:p>
+          <a:p>
             <a:endParaRPr lang="en-RU" dirty="0"/>
           </a:p>
         </p:txBody>
@@ -1944,7 +2547,7 @@
           <a:p>
             <a:fld id="{959E6FB5-F890-304F-A36B-54AA81FB8B09}" type="slidenum">
               <a:rPr lang="ru-RU" smtClean="0"/>
-              <a:t>9</a:t>
+              <a:t>8</a:t>
             </a:fld>
             <a:endParaRPr lang="ru-RU"/>
           </a:p>
@@ -1953,7 +2556,7 @@
     </p:spTree>
     <p:extLst>
       <p:ext uri="{BB962C8B-B14F-4D97-AF65-F5344CB8AC3E}">
-        <p14:creationId xmlns:p14="http://schemas.microsoft.com/office/powerpoint/2010/main" val="2885424314"/>
+        <p14:creationId xmlns:p14="http://schemas.microsoft.com/office/powerpoint/2010/main" val="3664967711"/>
       </p:ext>
     </p:extLst>
   </p:cSld>
@@ -2028,7 +2631,7 @@
           <a:p>
             <a:fld id="{959E6FB5-F890-304F-A36B-54AA81FB8B09}" type="slidenum">
               <a:rPr lang="ru-RU" smtClean="0"/>
-              <a:t>10</a:t>
+              <a:t>9</a:t>
             </a:fld>
             <a:endParaRPr lang="ru-RU"/>
           </a:p>
@@ -2037,7 +2640,7 @@
     </p:spTree>
     <p:extLst>
       <p:ext uri="{BB962C8B-B14F-4D97-AF65-F5344CB8AC3E}">
-        <p14:creationId xmlns:p14="http://schemas.microsoft.com/office/powerpoint/2010/main" val="753292416"/>
+        <p14:creationId xmlns:p14="http://schemas.microsoft.com/office/powerpoint/2010/main" val="2885424314"/>
       </p:ext>
     </p:extLst>
   </p:cSld>
@@ -5254,7 +5857,7 @@
     <p:bg>
       <p:bgPr>
         <a:blipFill dpi="0" rotWithShape="1">
-          <a:blip r:embed="rId2">
+          <a:blip r:embed="rId3">
             <a:lum/>
           </a:blip>
           <a:srcRect/>
@@ -15777,7 +16380,7 @@
           <p:nvPr>
             <p:extLst>
               <p:ext uri="{D42A27DB-BD31-4B8C-83A1-F6EECF244321}">
-                <p14:modId xmlns:p14="http://schemas.microsoft.com/office/powerpoint/2010/main" val="1626852949"/>
+                <p14:modId xmlns:p14="http://schemas.microsoft.com/office/powerpoint/2010/main" val="1879756994"/>
               </p:ext>
             </p:extLst>
           </p:nvPr>
